--- a/presentations/WJAX2008 DS-DM.pptx
+++ b/presentations/WJAX2008 DS-DM.pptx
@@ -5,7 +5,7 @@
     <p:sldMasterId id="2147483672" r:id="rId1"/>
   </p:sldMasterIdLst>
   <p:notesMasterIdLst>
-    <p:notesMasterId r:id="rId50"/>
+    <p:notesMasterId r:id="rId61"/>
   </p:notesMasterIdLst>
   <p:sldIdLst>
     <p:sldId id="256" r:id="rId2"/>
@@ -43,19 +43,30 @@
     <p:sldId id="411" r:id="rId34"/>
     <p:sldId id="412" r:id="rId35"/>
     <p:sldId id="413" r:id="rId36"/>
-    <p:sldId id="416" r:id="rId37"/>
-    <p:sldId id="417" r:id="rId38"/>
-    <p:sldId id="420" r:id="rId39"/>
-    <p:sldId id="421" r:id="rId40"/>
-    <p:sldId id="424" r:id="rId41"/>
-    <p:sldId id="385" r:id="rId42"/>
-    <p:sldId id="422" r:id="rId43"/>
-    <p:sldId id="428" r:id="rId44"/>
-    <p:sldId id="418" r:id="rId45"/>
-    <p:sldId id="386" r:id="rId46"/>
-    <p:sldId id="387" r:id="rId47"/>
-    <p:sldId id="407" r:id="rId48"/>
-    <p:sldId id="388" r:id="rId49"/>
+    <p:sldId id="429" r:id="rId37"/>
+    <p:sldId id="416" r:id="rId38"/>
+    <p:sldId id="417" r:id="rId39"/>
+    <p:sldId id="420" r:id="rId40"/>
+    <p:sldId id="430" r:id="rId41"/>
+    <p:sldId id="431" r:id="rId42"/>
+    <p:sldId id="432" r:id="rId43"/>
+    <p:sldId id="433" r:id="rId44"/>
+    <p:sldId id="435" r:id="rId45"/>
+    <p:sldId id="436" r:id="rId46"/>
+    <p:sldId id="437" r:id="rId47"/>
+    <p:sldId id="438" r:id="rId48"/>
+    <p:sldId id="439" r:id="rId49"/>
+    <p:sldId id="440" r:id="rId50"/>
+    <p:sldId id="441" r:id="rId51"/>
+    <p:sldId id="442" r:id="rId52"/>
+    <p:sldId id="424" r:id="rId53"/>
+    <p:sldId id="422" r:id="rId54"/>
+    <p:sldId id="428" r:id="rId55"/>
+    <p:sldId id="418" r:id="rId56"/>
+    <p:sldId id="386" r:id="rId57"/>
+    <p:sldId id="387" r:id="rId58"/>
+    <p:sldId id="407" r:id="rId59"/>
+    <p:sldId id="388" r:id="rId60"/>
   </p:sldIdLst>
   <p:sldSz cx="9144000" cy="6858000" type="screen4x3"/>
   <p:notesSz cx="7104063" cy="10234613"/>
@@ -2502,21 +2513,21 @@
     </dgm:pt>
   </dgm:ptLst>
   <dgm:cxnLst>
+    <dgm:cxn modelId="{F438CACE-B9C0-4CBC-995C-40D2388357A6}" type="presOf" srcId="{98EF524C-C500-4E6B-976F-B68291035561}" destId="{C8C56DF8-72FE-4CC2-8CD9-2A8122C010C7}" srcOrd="1" destOrd="0" presId="urn:microsoft.com/office/officeart/2005/8/layout/matrix1"/>
+    <dgm:cxn modelId="{D9FB9697-A721-4048-809B-ADA3FD89E6E8}" type="presOf" srcId="{0542DAFA-1AC1-4EB2-87F9-EE8BD64B6DB5}" destId="{9A8DB275-164E-4957-91E2-DD8960A2E608}" srcOrd="0" destOrd="0" presId="urn:microsoft.com/office/officeart/2005/8/layout/matrix1"/>
+    <dgm:cxn modelId="{0B570C20-3650-44D6-9C1F-ECE3936D38B1}" type="presOf" srcId="{BE64BA79-3728-4848-856B-6E9203E090E3}" destId="{13BB107D-0C74-4B87-A27B-AE69C19ED33D}" srcOrd="0" destOrd="0" presId="urn:microsoft.com/office/officeart/2005/8/layout/matrix1"/>
+    <dgm:cxn modelId="{21D1FA94-3C48-48E8-8875-D175394D1DD6}" srcId="{E9CDD5F7-DE8C-4350-BA54-A04E6E9F39F9}" destId="{BE64BA79-3728-4848-856B-6E9203E090E3}" srcOrd="1" destOrd="0" parTransId="{C90AB03C-EE9C-4C05-B5C1-7BA725168F89}" sibTransId="{61CA4AD1-5828-499E-97F5-3254D7F3837D}"/>
+    <dgm:cxn modelId="{4AB77566-E64D-4988-B64F-7DCCD7BD0C91}" type="presOf" srcId="{0542DAFA-1AC1-4EB2-87F9-EE8BD64B6DB5}" destId="{B1F3B07E-C20E-41DC-8775-E9D617437825}" srcOrd="1" destOrd="0" presId="urn:microsoft.com/office/officeart/2005/8/layout/matrix1"/>
     <dgm:cxn modelId="{48E6CD84-2369-4AEA-B0C8-A997769CF0C3}" srcId="{E9CDD5F7-DE8C-4350-BA54-A04E6E9F39F9}" destId="{D5F37F94-E2AC-4D96-A0F8-DFE433469B02}" srcOrd="3" destOrd="0" parTransId="{788AF2C9-4AF8-4742-965F-0E2F10EDDEF5}" sibTransId="{FD148222-847B-486C-9D9B-0341EE715603}"/>
-    <dgm:cxn modelId="{929D1310-8256-4E07-A810-F0636624BF39}" srcId="{E9CDD5F7-DE8C-4350-BA54-A04E6E9F39F9}" destId="{0542DAFA-1AC1-4EB2-87F9-EE8BD64B6DB5}" srcOrd="2" destOrd="0" parTransId="{54907E30-D1FF-434D-A224-966DACD2D4C8}" sibTransId="{1BBF9E70-1320-48CA-80A7-F478FE66CC79}"/>
-    <dgm:cxn modelId="{D9FB9697-A721-4048-809B-ADA3FD89E6E8}" type="presOf" srcId="{0542DAFA-1AC1-4EB2-87F9-EE8BD64B6DB5}" destId="{9A8DB275-164E-4957-91E2-DD8960A2E608}" srcOrd="0" destOrd="0" presId="urn:microsoft.com/office/officeart/2005/8/layout/matrix1"/>
-    <dgm:cxn modelId="{F3F0DADB-F1EA-414C-81CE-C9FB5367239D}" type="presOf" srcId="{D5F37F94-E2AC-4D96-A0F8-DFE433469B02}" destId="{1791BD70-2340-48E1-A83B-8D0BCC061492}" srcOrd="0" destOrd="0" presId="urn:microsoft.com/office/officeart/2005/8/layout/matrix1"/>
-    <dgm:cxn modelId="{4AB77566-E64D-4988-B64F-7DCCD7BD0C91}" type="presOf" srcId="{0542DAFA-1AC1-4EB2-87F9-EE8BD64B6DB5}" destId="{B1F3B07E-C20E-41DC-8775-E9D617437825}" srcOrd="1" destOrd="0" presId="urn:microsoft.com/office/officeart/2005/8/layout/matrix1"/>
-    <dgm:cxn modelId="{ECF4C4BB-1C5D-481E-9DAD-2EAB62CAC51A}" type="presOf" srcId="{98EF524C-C500-4E6B-976F-B68291035561}" destId="{2184501B-8241-4A3B-8488-F03D24C7FFD4}" srcOrd="0" destOrd="0" presId="urn:microsoft.com/office/officeart/2005/8/layout/matrix1"/>
     <dgm:cxn modelId="{FF9A127B-F9A8-4CAE-A424-09B03A28C363}" srcId="{E9CDD5F7-DE8C-4350-BA54-A04E6E9F39F9}" destId="{98EF524C-C500-4E6B-976F-B68291035561}" srcOrd="0" destOrd="0" parTransId="{83E6FC30-C935-4B34-8D7F-CA6B7E5E8474}" sibTransId="{986E39B6-0276-4C0F-A505-AFB9F038F86C}"/>
-    <dgm:cxn modelId="{5C4840E1-D032-40C5-B188-001B77BD5BB6}" type="presOf" srcId="{BE64BA79-3728-4848-856B-6E9203E090E3}" destId="{DC049B84-69F1-4D6D-9B99-C154DF396E3B}" srcOrd="1" destOrd="0" presId="urn:microsoft.com/office/officeart/2005/8/layout/matrix1"/>
-    <dgm:cxn modelId="{DC97EF12-CBA5-488F-B50F-F65AC8BAB575}" srcId="{FCDFC2DF-F66F-4C1C-B56B-F511DE568873}" destId="{E9CDD5F7-DE8C-4350-BA54-A04E6E9F39F9}" srcOrd="0" destOrd="0" parTransId="{510ABA11-C70A-4B8E-872E-F4D041538163}" sibTransId="{BF236895-72B2-42FF-921A-C6B9D3EB2DC9}"/>
-    <dgm:cxn modelId="{21D1FA94-3C48-48E8-8875-D175394D1DD6}" srcId="{E9CDD5F7-DE8C-4350-BA54-A04E6E9F39F9}" destId="{BE64BA79-3728-4848-856B-6E9203E090E3}" srcOrd="1" destOrd="0" parTransId="{C90AB03C-EE9C-4C05-B5C1-7BA725168F89}" sibTransId="{61CA4AD1-5828-499E-97F5-3254D7F3837D}"/>
-    <dgm:cxn modelId="{F438CACE-B9C0-4CBC-995C-40D2388357A6}" type="presOf" srcId="{98EF524C-C500-4E6B-976F-B68291035561}" destId="{C8C56DF8-72FE-4CC2-8CD9-2A8122C010C7}" srcOrd="1" destOrd="0" presId="urn:microsoft.com/office/officeart/2005/8/layout/matrix1"/>
     <dgm:cxn modelId="{EDBBFD34-E42C-4E4E-B06E-23F08366B21F}" type="presOf" srcId="{FCDFC2DF-F66F-4C1C-B56B-F511DE568873}" destId="{18612202-974C-454E-A6F7-FF062D194847}" srcOrd="0" destOrd="0" presId="urn:microsoft.com/office/officeart/2005/8/layout/matrix1"/>
     <dgm:cxn modelId="{32288BBC-762B-438D-87FB-99D87B7C59B0}" type="presOf" srcId="{D5F37F94-E2AC-4D96-A0F8-DFE433469B02}" destId="{D0212470-221A-43A3-B414-E32870A290BA}" srcOrd="1" destOrd="0" presId="urn:microsoft.com/office/officeart/2005/8/layout/matrix1"/>
-    <dgm:cxn modelId="{0B570C20-3650-44D6-9C1F-ECE3936D38B1}" type="presOf" srcId="{BE64BA79-3728-4848-856B-6E9203E090E3}" destId="{13BB107D-0C74-4B87-A27B-AE69C19ED33D}" srcOrd="0" destOrd="0" presId="urn:microsoft.com/office/officeart/2005/8/layout/matrix1"/>
+    <dgm:cxn modelId="{ECF4C4BB-1C5D-481E-9DAD-2EAB62CAC51A}" type="presOf" srcId="{98EF524C-C500-4E6B-976F-B68291035561}" destId="{2184501B-8241-4A3B-8488-F03D24C7FFD4}" srcOrd="0" destOrd="0" presId="urn:microsoft.com/office/officeart/2005/8/layout/matrix1"/>
+    <dgm:cxn modelId="{5C4840E1-D032-40C5-B188-001B77BD5BB6}" type="presOf" srcId="{BE64BA79-3728-4848-856B-6E9203E090E3}" destId="{DC049B84-69F1-4D6D-9B99-C154DF396E3B}" srcOrd="1" destOrd="0" presId="urn:microsoft.com/office/officeart/2005/8/layout/matrix1"/>
     <dgm:cxn modelId="{D127D552-6E3F-4BCB-BE60-304A1E882C84}" type="presOf" srcId="{E9CDD5F7-DE8C-4350-BA54-A04E6E9F39F9}" destId="{C4B22845-B254-444B-B1D6-6BD85B7983D9}" srcOrd="0" destOrd="0" presId="urn:microsoft.com/office/officeart/2005/8/layout/matrix1"/>
+    <dgm:cxn modelId="{F3F0DADB-F1EA-414C-81CE-C9FB5367239D}" type="presOf" srcId="{D5F37F94-E2AC-4D96-A0F8-DFE433469B02}" destId="{1791BD70-2340-48E1-A83B-8D0BCC061492}" srcOrd="0" destOrd="0" presId="urn:microsoft.com/office/officeart/2005/8/layout/matrix1"/>
+    <dgm:cxn modelId="{DC97EF12-CBA5-488F-B50F-F65AC8BAB575}" srcId="{FCDFC2DF-F66F-4C1C-B56B-F511DE568873}" destId="{E9CDD5F7-DE8C-4350-BA54-A04E6E9F39F9}" srcOrd="0" destOrd="0" parTransId="{510ABA11-C70A-4B8E-872E-F4D041538163}" sibTransId="{BF236895-72B2-42FF-921A-C6B9D3EB2DC9}"/>
+    <dgm:cxn modelId="{929D1310-8256-4E07-A810-F0636624BF39}" srcId="{E9CDD5F7-DE8C-4350-BA54-A04E6E9F39F9}" destId="{0542DAFA-1AC1-4EB2-87F9-EE8BD64B6DB5}" srcOrd="2" destOrd="0" parTransId="{54907E30-D1FF-434D-A224-966DACD2D4C8}" sibTransId="{1BBF9E70-1320-48CA-80A7-F478FE66CC79}"/>
     <dgm:cxn modelId="{09BD5808-10BD-4B24-87DA-EAE15F5312C8}" type="presParOf" srcId="{18612202-974C-454E-A6F7-FF062D194847}" destId="{339F55D2-480B-4E55-AFF6-5331849D3CEF}" srcOrd="0" destOrd="0" presId="urn:microsoft.com/office/officeart/2005/8/layout/matrix1"/>
     <dgm:cxn modelId="{0DBC6C65-9651-454E-BF11-1412E685B576}" type="presParOf" srcId="{339F55D2-480B-4E55-AFF6-5331849D3CEF}" destId="{2184501B-8241-4A3B-8488-F03D24C7FFD4}" srcOrd="0" destOrd="0" presId="urn:microsoft.com/office/officeart/2005/8/layout/matrix1"/>
     <dgm:cxn modelId="{CE89C5DE-32BF-4F2B-B163-308A5E7F0CBA}" type="presParOf" srcId="{339F55D2-480B-4E55-AFF6-5331849D3CEF}" destId="{C8C56DF8-72FE-4CC2-8CD9-2A8122C010C7}" srcOrd="1" destOrd="0" presId="urn:microsoft.com/office/officeart/2005/8/layout/matrix1"/>
@@ -5325,7 +5336,7 @@
             <a:fld id="{57CFA7C5-8466-4169-90AD-9B52BA167BBD}" type="datetimeFigureOut">
               <a:rPr lang="de-DE" smtClean="0"/>
               <a:pPr/>
-              <a:t>23.10.2008</a:t>
+              <a:t>28.10.2008</a:t>
             </a:fld>
             <a:endParaRPr lang="de-DE"/>
           </a:p>
@@ -5487,7 +5498,7 @@
             <a:fld id="{DE46951B-CCB7-45AA-9616-A87EAA28DDFA}" type="slidenum">
               <a:rPr lang="de-DE" smtClean="0"/>
               <a:pPr/>
-              <a:t>‹#›</a:t>
+              <a:t>‹Nr.›</a:t>
             </a:fld>
             <a:endParaRPr lang="de-DE"/>
           </a:p>
@@ -5710,7 +5721,7 @@
             <a:fld id="{306640B7-A5D1-4050-BFC5-8E4430D2DDF4}" type="slidenum">
               <a:rPr lang="de-DE"/>
               <a:pPr/>
-              <a:t>48</a:t>
+              <a:t>59</a:t>
             </a:fld>
             <a:endParaRPr lang="de-DE"/>
           </a:p>
@@ -5999,7 +6010,7 @@
             <a:fld id="{1EE64C7A-B923-420E-A18C-3EBD0469DC1F}" type="slidenum">
               <a:rPr lang="en-US" noProof="0" smtClean="0"/>
               <a:pPr/>
-              <a:t>‹#›</a:t>
+              <a:t>‹Nr.›</a:t>
             </a:fld>
             <a:endParaRPr lang="en-US" noProof="0"/>
           </a:p>
@@ -6122,7 +6133,7 @@
             <a:fld id="{1EE64C7A-B923-420E-A18C-3EBD0469DC1F}" type="slidenum">
               <a:rPr lang="de-DE" smtClean="0"/>
               <a:pPr/>
-              <a:t>‹#›</a:t>
+              <a:t>‹Nr.›</a:t>
             </a:fld>
             <a:endParaRPr lang="de-DE" dirty="0"/>
           </a:p>
@@ -6367,7 +6378,7 @@
             <a:fld id="{1EE64C7A-B923-420E-A18C-3EBD0469DC1F}" type="slidenum">
               <a:rPr lang="de-DE" smtClean="0"/>
               <a:pPr/>
-              <a:t>‹#›</a:t>
+              <a:t>‹Nr.›</a:t>
             </a:fld>
             <a:endParaRPr lang="de-DE"/>
           </a:p>
@@ -6578,7 +6589,7 @@
             <a:fld id="{1EE64C7A-B923-420E-A18C-3EBD0469DC1F}" type="slidenum">
               <a:rPr lang="de-DE" smtClean="0"/>
               <a:pPr/>
-              <a:t>‹#›</a:t>
+              <a:t>‹Nr.›</a:t>
             </a:fld>
             <a:endParaRPr lang="de-DE"/>
           </a:p>
@@ -6785,7 +6796,7 @@
             <a:fld id="{1EE64C7A-B923-420E-A18C-3EBD0469DC1F}" type="slidenum">
               <a:rPr lang="en-US" smtClean="0"/>
               <a:pPr/>
-              <a:t>‹#›</a:t>
+              <a:t>‹Nr.›</a:t>
             </a:fld>
             <a:endParaRPr lang="en-US" dirty="0"/>
           </a:p>
@@ -6937,13 +6948,6 @@
               </a:rPr>
               <a:t> 2.0 Germany License</a:t>
             </a:r>
-            <a:endParaRPr lang="en-US" sz="900" dirty="0" smtClean="0">
-              <a:solidFill>
-                <a:schemeClr val="accent6">
-                  <a:lumMod val="75000"/>
-                </a:schemeClr>
-              </a:solidFill>
-            </a:endParaRPr>
           </a:p>
         </p:txBody>
       </p:sp>
@@ -7282,28 +7286,28 @@
           <a:lstStyle/>
           <a:p>
             <a:r>
-              <a:rPr lang="en-US" sz="4400" noProof="0" smtClean="0"/>
+              <a:rPr lang="en-US" sz="4400" noProof="0" dirty="0" smtClean="0"/>
               <a:t>OSGi</a:t>
             </a:r>
             <a:r>
-              <a:rPr lang="en-US" noProof="0" smtClean="0"/>
+              <a:rPr lang="en-US" noProof="0" dirty="0" smtClean="0"/>
               <a:t/>
             </a:r>
             <a:br>
-              <a:rPr lang="en-US" noProof="0" smtClean="0"/>
+              <a:rPr lang="en-US" noProof="0" dirty="0" smtClean="0"/>
             </a:br>
             <a:r>
-              <a:rPr lang="en-US" noProof="0" smtClean="0"/>
-              <a:t>Declarative Services vs. </a:t>
+              <a:rPr lang="en-US" noProof="0" dirty="0" smtClean="0"/>
+              <a:t>Declarative Services versus </a:t>
             </a:r>
             <a:br>
-              <a:rPr lang="en-US" noProof="0" smtClean="0"/>
+              <a:rPr lang="en-US" noProof="0" dirty="0" smtClean="0"/>
             </a:br>
             <a:r>
-              <a:rPr lang="en-US" noProof="0" smtClean="0"/>
+              <a:rPr lang="en-US" noProof="0" dirty="0" smtClean="0"/>
               <a:t>Spring Dynamic Modules</a:t>
             </a:r>
-            <a:endParaRPr lang="en-US" noProof="0"/>
+            <a:endParaRPr lang="en-US" noProof="0" dirty="0"/>
           </a:p>
         </p:txBody>
       </p:sp>
@@ -7336,11 +7340,7 @@
             </a:pPr>
             <a:r>
               <a:rPr lang="en-US" sz="1800" dirty="0" smtClean="0"/>
-              <a:t>Heiko </a:t>
-            </a:r>
-            <a:r>
-              <a:rPr lang="en-US" sz="1800" dirty="0" smtClean="0"/>
-              <a:t>Seeberger</a:t>
+              <a:t>Heiko Seeberger</a:t>
             </a:r>
             <a:br>
               <a:rPr lang="en-US" sz="1800" dirty="0" smtClean="0"/>
@@ -7363,9 +7363,9 @@
                   </a:schemeClr>
                 </a:solidFill>
               </a:rPr>
-              <a:t> </a:t>
-            </a:r>
-            <a:r>
+              <a:t/>
+            </a:r>
+            <a:br>
               <a:rPr lang="en-US" sz="1800" dirty="0" smtClean="0">
                 <a:solidFill>
                   <a:schemeClr val="accent6">
@@ -7373,24 +7373,10 @@
                   </a:schemeClr>
                 </a:solidFill>
               </a:rPr>
-              <a:t>GmbH</a:t>
-            </a:r>
-            <a:br>
-              <a:rPr lang="en-US" sz="1800" dirty="0" smtClean="0">
-                <a:solidFill>
-                  <a:schemeClr val="accent6">
-                    <a:lumMod val="75000"/>
-                  </a:schemeClr>
-                </a:solidFill>
-              </a:rPr>
             </a:br>
             <a:r>
               <a:rPr lang="en-US" sz="1800" dirty="0" smtClean="0"/>
-              <a:t>Kai </a:t>
-            </a:r>
-            <a:r>
-              <a:rPr lang="en-US" sz="1800" dirty="0" smtClean="0"/>
-              <a:t>Tödter</a:t>
+              <a:t>Kai Tödter</a:t>
             </a:r>
             <a:br>
               <a:rPr lang="en-US" sz="1800" dirty="0" smtClean="0"/>
@@ -7839,23 +7825,7 @@
           <a:p>
             <a:r>
               <a:rPr lang="en-US" noProof="0" smtClean="0"/>
-              <a:t>How to deal with </a:t>
-            </a:r>
-            <a:r>
-              <a:rPr lang="en-US" noProof="0" smtClean="0"/>
-              <a:t>Service </a:t>
-            </a:r>
-            <a:r>
-              <a:rPr lang="en-US" noProof="0" smtClean="0"/>
-              <a:t>D</a:t>
-            </a:r>
-            <a:r>
-              <a:rPr lang="en-US" noProof="0" smtClean="0"/>
-              <a:t>ynamics</a:t>
-            </a:r>
-            <a:r>
-              <a:rPr lang="en-US" noProof="0" smtClean="0"/>
-              <a:t>?</a:t>
+              <a:t>How to deal with Service Dynamics?</a:t>
             </a:r>
           </a:p>
         </p:txBody>
@@ -7929,11 +7899,7 @@
             </a:r>
             <a:r>
               <a:rPr lang="en-US" noProof="0" dirty="0" smtClean="0"/>
-              <a:t>(s</a:t>
-            </a:r>
-            <a:r>
-              <a:rPr lang="en-US" noProof="0" dirty="0" smtClean="0"/>
-              <a:t>) providing service not started yet</a:t>
+              <a:t>(s) providing service not started yet</a:t>
             </a:r>
           </a:p>
           <a:p>
@@ -7947,15 +7913,7 @@
             <a:pPr lvl="1"/>
             <a:r>
               <a:rPr lang="en-US" noProof="0" dirty="0" smtClean="0"/>
-              <a:t>... </a:t>
-            </a:r>
-            <a:r>
-              <a:rPr lang="en-US" noProof="0" dirty="0" smtClean="0"/>
-              <a:t>bundle(s</a:t>
-            </a:r>
-            <a:r>
-              <a:rPr lang="en-US" noProof="0" dirty="0" smtClean="0"/>
-              <a:t>) providing service stopped</a:t>
+              <a:t>... bundle(s) providing service stopped</a:t>
             </a:r>
           </a:p>
           <a:p>
@@ -8159,11 +8117,7 @@
           <a:p>
             <a:r>
               <a:rPr lang="en-US" noProof="0" dirty="0" smtClean="0"/>
-              <a:t>... will receive all service </a:t>
-            </a:r>
-            <a:r>
-              <a:rPr lang="en-US" noProof="0" dirty="0" smtClean="0"/>
-              <a:t>events</a:t>
+              <a:t>... will receive all service events</a:t>
             </a:r>
           </a:p>
           <a:p>
@@ -8365,104 +8319,6 @@
           </p:txBody>
         </p:sp>
       </p:grpSp>
-      <p:sp>
-        <p:nvSpPr>
-          <p:cNvPr id="8" name="Abgerundete rechteckige Legende 7"/>
-          <p:cNvSpPr/>
-          <p:nvPr/>
-        </p:nvSpPr>
-        <p:spPr>
-          <a:xfrm>
-            <a:off x="900604" y="4214818"/>
-            <a:ext cx="7428573" cy="1262869"/>
-          </a:xfrm>
-          <a:prstGeom prst="wedgeRoundRectCallout">
-            <a:avLst>
-              <a:gd name="adj1" fmla="val -49398"/>
-              <a:gd name="adj2" fmla="val 75095"/>
-              <a:gd name="adj3" fmla="val 16667"/>
-            </a:avLst>
-          </a:prstGeom>
-          <a:ln/>
-        </p:spPr>
-        <p:style>
-          <a:lnRef idx="0">
-            <a:schemeClr val="accent1"/>
-          </a:lnRef>
-          <a:fillRef idx="3">
-            <a:schemeClr val="accent1"/>
-          </a:fillRef>
-          <a:effectRef idx="3">
-            <a:schemeClr val="accent1"/>
-          </a:effectRef>
-          <a:fontRef idx="minor">
-            <a:schemeClr val="lt1"/>
-          </a:fontRef>
-        </p:style>
-        <p:txBody>
-          <a:bodyPr wrap="none" lIns="180000" tIns="108000" rIns="180000" bIns="108000" rtlCol="0" anchor="ctr">
-            <a:spAutoFit/>
-          </a:bodyPr>
-          <a:lstStyle/>
-          <a:p>
-            <a:pPr algn="ctr"/>
-            <a:r>
-              <a:rPr lang="en-US" sz="2000" dirty="0" smtClean="0">
-                <a:solidFill>
-                  <a:schemeClr val="bg1"/>
-                </a:solidFill>
-              </a:rPr>
-              <a:t>Best practice:</a:t>
-            </a:r>
-          </a:p>
-          <a:p>
-            <a:pPr algn="ctr"/>
-            <a:r>
-              <a:rPr lang="en-US" sz="2000" smtClean="0">
-                <a:solidFill>
-                  <a:schemeClr val="bg1"/>
-                </a:solidFill>
-              </a:rPr>
-              <a:t>Service </a:t>
-            </a:r>
-            <a:r>
-              <a:rPr lang="en-US" sz="2000" dirty="0" smtClean="0">
-                <a:solidFill>
-                  <a:schemeClr val="bg1"/>
-                </a:solidFill>
-              </a:rPr>
-              <a:t>Listeners are low-level and their usage is error-prone.</a:t>
-            </a:r>
-          </a:p>
-          <a:p>
-            <a:pPr algn="ctr"/>
-            <a:r>
-              <a:rPr lang="en-US" sz="2000" dirty="0" smtClean="0">
-                <a:solidFill>
-                  <a:schemeClr val="bg1"/>
-                </a:solidFill>
-              </a:rPr>
-              <a:t>Better </a:t>
-            </a:r>
-            <a:r>
-              <a:rPr lang="en-US" sz="2000" smtClean="0">
-                <a:solidFill>
-                  <a:schemeClr val="bg1"/>
-                </a:solidFill>
-              </a:rPr>
-              <a:t>use Service </a:t>
-            </a:r>
-            <a:r>
-              <a:rPr lang="en-US" sz="2000" dirty="0" smtClean="0">
-                <a:solidFill>
-                  <a:schemeClr val="bg1"/>
-                </a:solidFill>
-              </a:rPr>
-              <a:t>Trackers.</a:t>
-            </a:r>
-          </a:p>
-        </p:txBody>
-      </p:sp>
     </p:spTree>
   </p:cSld>
   <p:clrMapOvr>
@@ -9031,49 +8887,64 @@
             </a:r>
             <a:r>
               <a:rPr lang="en-US" noProof="0" dirty="0" smtClean="0"/>
-              <a:t> to stop </a:t>
-            </a:r>
-            <a:r>
-              <a:rPr lang="en-US" noProof="0" dirty="0" smtClean="0"/>
-              <a:t>tracking</a:t>
+              <a:t> to stop tracking</a:t>
             </a:r>
           </a:p>
           <a:p>
             <a:r>
               <a:rPr lang="en-US" dirty="0" smtClean="0"/>
-              <a:t>Handles incoming and removed services via the methods </a:t>
-            </a:r>
-            <a:r>
-              <a:rPr lang="en-US" b="1" dirty="0" err="1" smtClean="0">
+              <a:t>Handles service events via the methods </a:t>
+            </a:r>
+          </a:p>
+          <a:p>
+            <a:pPr lvl="1"/>
+            <a:r>
+              <a:rPr lang="en-US" dirty="0" err="1" smtClean="0">
                 <a:latin typeface="Courier New" pitchFamily="49" charset="0"/>
                 <a:cs typeface="Courier New" pitchFamily="49" charset="0"/>
               </a:rPr>
               <a:t>addingService</a:t>
             </a:r>
             <a:r>
-              <a:rPr lang="en-US" b="1" dirty="0" smtClean="0">
+              <a:rPr lang="en-US" dirty="0" smtClean="0">
                 <a:latin typeface="Courier New" pitchFamily="49" charset="0"/>
                 <a:cs typeface="Courier New" pitchFamily="49" charset="0"/>
               </a:rPr>
-              <a:t>(…) </a:t>
-            </a:r>
-            <a:r>
-              <a:rPr lang="en-US" dirty="0" smtClean="0"/>
-              <a:t>and </a:t>
-            </a:r>
-            <a:r>
-              <a:rPr lang="en-US" b="1" dirty="0" err="1" smtClean="0">
+              <a:t>()</a:t>
+            </a:r>
+          </a:p>
+          <a:p>
+            <a:pPr lvl="1"/>
+            <a:r>
+              <a:rPr lang="en-US" dirty="0" err="1" smtClean="0">
                 <a:latin typeface="Courier New" pitchFamily="49" charset="0"/>
                 <a:cs typeface="Courier New" pitchFamily="49" charset="0"/>
               </a:rPr>
-              <a:t>removedService</a:t>
-            </a:r>
-            <a:r>
-              <a:rPr lang="en-US" b="1" dirty="0" smtClean="0">
+              <a:t>modifiedService</a:t>
+            </a:r>
+            <a:r>
+              <a:rPr lang="en-US" dirty="0" smtClean="0">
                 <a:latin typeface="Courier New" pitchFamily="49" charset="0"/>
                 <a:cs typeface="Courier New" pitchFamily="49" charset="0"/>
               </a:rPr>
-              <a:t>(…)</a:t>
+              <a:t>()</a:t>
+            </a:r>
+          </a:p>
+          <a:p>
+            <a:pPr lvl="1"/>
+            <a:r>
+              <a:rPr lang="en-US" dirty="0" err="1" smtClean="0">
+                <a:latin typeface="Courier New" pitchFamily="49" charset="0"/>
+                <a:cs typeface="Courier New" pitchFamily="49" charset="0"/>
+              </a:rPr>
+              <a:t>removedService</a:t>
+            </a:r>
+            <a:r>
+              <a:rPr lang="en-US" dirty="0" smtClean="0">
+                <a:latin typeface="Courier New" pitchFamily="49" charset="0"/>
+                <a:cs typeface="Courier New" pitchFamily="49" charset="0"/>
+              </a:rPr>
+              <a:t>()</a:t>
             </a:r>
           </a:p>
         </p:txBody>
@@ -9118,10 +8989,10 @@
           <a:lstStyle/>
           <a:p>
             <a:r>
-              <a:rPr lang="en-US" noProof="0" smtClean="0"/>
-              <a:t>The Service Tracker (1)</a:t>
-            </a:r>
-            <a:endParaRPr lang="en-US" noProof="0"/>
+              <a:rPr lang="en-US" noProof="0" dirty="0" smtClean="0"/>
+              <a:t>The Service Tracker</a:t>
+            </a:r>
+            <a:endParaRPr lang="en-US" noProof="0" dirty="0"/>
           </a:p>
         </p:txBody>
       </p:sp>
@@ -9197,19 +9068,13 @@
               <a:rPr lang="en-US" noProof="0" dirty="0" smtClean="0"/>
               <a:t>Long startup time</a:t>
             </a:r>
-            <a:endParaRPr lang="en-US" noProof="0" dirty="0" smtClean="0"/>
           </a:p>
           <a:p>
             <a:pPr lvl="1"/>
             <a:r>
               <a:rPr lang="en-US" noProof="0" dirty="0" smtClean="0"/>
-              <a:t>Increasing </a:t>
-            </a:r>
-            <a:r>
-              <a:rPr lang="en-US" noProof="0" dirty="0" smtClean="0"/>
-              <a:t>complexity with decreasing robustness</a:t>
-            </a:r>
-            <a:endParaRPr lang="en-US" noProof="0" dirty="0" smtClean="0"/>
+              <a:t>Increasing complexity with decreasing robustness</a:t>
+            </a:r>
           </a:p>
           <a:p>
             <a:pPr lvl="1"/>
@@ -9285,11 +9150,6 @@
               </a:rPr>
               <a:t>)</a:t>
             </a:r>
-            <a:endParaRPr lang="en-US" noProof="0" dirty="0" smtClean="0">
-              <a:solidFill>
-                <a:schemeClr val="accent1"/>
-              </a:solidFill>
-            </a:endParaRPr>
           </a:p>
         </p:txBody>
       </p:sp>
@@ -9718,8 +9578,11 @@
                   </a:schemeClr>
                 </a:solidFill>
               </a:rPr>
-              <a:t> </a:t>
-            </a:r>
+              <a:t> Services</a:t>
+            </a:r>
+          </a:p>
+          <a:p>
+            <a:pPr lvl="1"/>
             <a:r>
               <a:rPr lang="en-US" dirty="0" smtClean="0">
                 <a:solidFill>
@@ -9729,7 +9592,7 @@
                   </a:schemeClr>
                 </a:solidFill>
               </a:rPr>
-              <a:t>Services</a:t>
+              <a:t>Providing and consuming Services</a:t>
             </a:r>
           </a:p>
           <a:p>
@@ -9743,11 +9606,16 @@
                   </a:schemeClr>
                 </a:solidFill>
               </a:rPr>
-              <a:t>Providing and consuming Services</a:t>
-            </a:r>
-          </a:p>
-          <a:p>
-            <a:pPr lvl="1"/>
+              <a:t>Service Tracker</a:t>
+            </a:r>
+          </a:p>
+          <a:p>
+            <a:r>
+              <a:rPr lang="en-US" dirty="0" smtClean="0"/>
+              <a:t>Overview Declarative Services &amp; Spring Dynamic Modules</a:t>
+            </a:r>
+          </a:p>
+          <a:p>
             <a:r>
               <a:rPr lang="en-US" dirty="0" smtClean="0">
                 <a:solidFill>
@@ -9757,31 +9625,8 @@
                   </a:schemeClr>
                 </a:solidFill>
               </a:rPr>
-              <a:t>Service Tracker</a:t>
-            </a:r>
-          </a:p>
-          <a:p>
-            <a:r>
-              <a:rPr lang="en-US" dirty="0" smtClean="0"/>
-              <a:t>Overview </a:t>
-            </a:r>
-            <a:r>
-              <a:rPr lang="en-US" dirty="0" smtClean="0"/>
-              <a:t>Declarative </a:t>
-            </a:r>
-            <a:r>
-              <a:rPr lang="en-US" dirty="0" smtClean="0"/>
-              <a:t>Services &amp; </a:t>
-            </a:r>
-            <a:r>
-              <a:rPr lang="en-US" dirty="0" smtClean="0"/>
-              <a:t>Spring Dynamic </a:t>
-            </a:r>
-            <a:r>
-              <a:rPr lang="en-US" dirty="0" smtClean="0"/>
-              <a:t>Modules</a:t>
-            </a:r>
-            <a:endParaRPr lang="en-US" dirty="0" smtClean="0"/>
+              <a:t>Declarative Services in Detail</a:t>
+            </a:r>
           </a:p>
           <a:p>
             <a:r>
@@ -9793,8 +9638,10 @@
                   </a:schemeClr>
                 </a:solidFill>
               </a:rPr>
-              <a:t>Declarative </a:t>
-            </a:r>
+              <a:t>Spring Dynamic Modules in Detail</a:t>
+            </a:r>
+          </a:p>
+          <a:p>
             <a:r>
               <a:rPr lang="en-US" dirty="0" smtClean="0">
                 <a:solidFill>
@@ -9804,16 +9651,8 @@
                   </a:schemeClr>
                 </a:solidFill>
               </a:rPr>
-              <a:t>Services in Detail</a:t>
-            </a:r>
-            <a:endParaRPr lang="en-US" dirty="0" smtClean="0">
-              <a:solidFill>
-                <a:schemeClr val="tx2">
-                  <a:lumMod val="60000"/>
-                  <a:lumOff val="40000"/>
-                </a:schemeClr>
-              </a:solidFill>
-            </a:endParaRPr>
+              <a:t>Comparison (DS vs. DM)</a:t>
+            </a:r>
           </a:p>
           <a:p>
             <a:r>
@@ -9825,8 +9664,10 @@
                   </a:schemeClr>
                 </a:solidFill>
               </a:rPr>
-              <a:t>Spring Dynamic </a:t>
-            </a:r>
+              <a:t>Conclusion &amp; Best Practices</a:t>
+            </a:r>
+          </a:p>
+          <a:p>
             <a:r>
               <a:rPr lang="en-US" dirty="0" smtClean="0">
                 <a:solidFill>
@@ -9836,74 +9677,8 @@
                   </a:schemeClr>
                 </a:solidFill>
               </a:rPr>
-              <a:t>Modules in </a:t>
-            </a:r>
-            <a:r>
-              <a:rPr lang="en-US" dirty="0" smtClean="0">
-                <a:solidFill>
-                  <a:schemeClr val="tx2">
-                    <a:lumMod val="60000"/>
-                    <a:lumOff val="40000"/>
-                  </a:schemeClr>
-                </a:solidFill>
-              </a:rPr>
-              <a:t>Detail</a:t>
-            </a:r>
-          </a:p>
-          <a:p>
-            <a:r>
-              <a:rPr lang="en-US" dirty="0" smtClean="0">
-                <a:solidFill>
-                  <a:schemeClr val="tx2">
-                    <a:lumMod val="60000"/>
-                    <a:lumOff val="40000"/>
-                  </a:schemeClr>
-                </a:solidFill>
-              </a:rPr>
-              <a:t>Comparison (DS vs. DM)</a:t>
-            </a:r>
-            <a:endParaRPr lang="en-US" dirty="0" smtClean="0">
-              <a:solidFill>
-                <a:schemeClr val="tx2">
-                  <a:lumMod val="60000"/>
-                  <a:lumOff val="40000"/>
-                </a:schemeClr>
-              </a:solidFill>
-            </a:endParaRPr>
-          </a:p>
-          <a:p>
-            <a:r>
-              <a:rPr lang="en-US" dirty="0" smtClean="0">
-                <a:solidFill>
-                  <a:schemeClr val="tx2">
-                    <a:lumMod val="60000"/>
-                    <a:lumOff val="40000"/>
-                  </a:schemeClr>
-                </a:solidFill>
-              </a:rPr>
-              <a:t>Conclusion &amp; Best Practices</a:t>
-            </a:r>
-          </a:p>
-          <a:p>
-            <a:r>
-              <a:rPr lang="en-US" dirty="0" smtClean="0">
-                <a:solidFill>
-                  <a:schemeClr val="tx2">
-                    <a:lumMod val="60000"/>
-                    <a:lumOff val="40000"/>
-                  </a:schemeClr>
-                </a:solidFill>
-              </a:rPr>
               <a:t>Discussion</a:t>
             </a:r>
-            <a:endParaRPr lang="en-US" dirty="0" smtClean="0">
-              <a:solidFill>
-                <a:schemeClr val="tx2">
-                  <a:lumMod val="60000"/>
-                  <a:lumOff val="40000"/>
-                </a:schemeClr>
-              </a:solidFill>
-            </a:endParaRPr>
           </a:p>
         </p:txBody>
       </p:sp>
@@ -10003,15 +9778,7 @@
           <a:p>
             <a:r>
               <a:rPr lang="en-US" noProof="0" smtClean="0"/>
-              <a:t>The next 4 slides show </a:t>
-            </a:r>
-            <a:r>
-              <a:rPr lang="en-US" noProof="0" smtClean="0"/>
-              <a:t>just </a:t>
-            </a:r>
-            <a:r>
-              <a:rPr lang="en-US" noProof="0" smtClean="0"/>
-              <a:t>a very brief overview and examples</a:t>
+              <a:t>The next 4 slides show just a very brief overview and examples</a:t>
             </a:r>
           </a:p>
           <a:p>
@@ -10165,11 +9932,7 @@
             </a:r>
             <a:r>
               <a:rPr lang="en-US" dirty="0" smtClean="0"/>
-              <a:t> </a:t>
-            </a:r>
-            <a:r>
-              <a:rPr lang="en-US" dirty="0" smtClean="0"/>
-              <a:t>Services</a:t>
+              <a:t> Services</a:t>
             </a:r>
           </a:p>
           <a:p>
@@ -10189,49 +9952,19 @@
           <a:p>
             <a:r>
               <a:rPr lang="en-US" dirty="0" smtClean="0"/>
-              <a:t>Overview </a:t>
-            </a:r>
+              <a:t>Overview Declarative Services &amp; Spring Dynamic Modules</a:t>
+            </a:r>
+          </a:p>
+          <a:p>
             <a:r>
               <a:rPr lang="en-US" dirty="0" smtClean="0"/>
-              <a:t>Declarative </a:t>
-            </a:r>
+              <a:t>Declarative Services in Detail</a:t>
+            </a:r>
+          </a:p>
+          <a:p>
             <a:r>
               <a:rPr lang="en-US" dirty="0" smtClean="0"/>
-              <a:t>Services &amp; </a:t>
-            </a:r>
-            <a:r>
-              <a:rPr lang="en-US" dirty="0" smtClean="0"/>
-              <a:t>Spring Dynamic </a:t>
-            </a:r>
-            <a:r>
-              <a:rPr lang="en-US" dirty="0" smtClean="0"/>
-              <a:t>Modules</a:t>
-            </a:r>
-            <a:endParaRPr lang="en-US" dirty="0" smtClean="0"/>
-          </a:p>
-          <a:p>
-            <a:r>
-              <a:rPr lang="en-US" dirty="0" smtClean="0"/>
-              <a:t>Declarative </a:t>
-            </a:r>
-            <a:r>
-              <a:rPr lang="en-US" dirty="0" smtClean="0"/>
-              <a:t>Services in Detail</a:t>
-            </a:r>
-            <a:endParaRPr lang="en-US" dirty="0" smtClean="0"/>
-          </a:p>
-          <a:p>
-            <a:r>
-              <a:rPr lang="en-US" dirty="0" smtClean="0"/>
-              <a:t>Spring Dynamic </a:t>
-            </a:r>
-            <a:r>
-              <a:rPr lang="en-US" dirty="0" smtClean="0"/>
-              <a:t>Modules in </a:t>
-            </a:r>
-            <a:r>
-              <a:rPr lang="en-US" dirty="0" smtClean="0"/>
-              <a:t>Detail</a:t>
+              <a:t>Spring Dynamic Modules in Detail</a:t>
             </a:r>
           </a:p>
           <a:p>
@@ -10239,7 +9972,6 @@
               <a:rPr lang="en-US" dirty="0" smtClean="0"/>
               <a:t>Comparison (DS vs. DM)</a:t>
             </a:r>
-            <a:endParaRPr lang="en-US" dirty="0" smtClean="0"/>
           </a:p>
           <a:p>
             <a:r>
@@ -10252,7 +9984,6 @@
               <a:rPr lang="en-US" dirty="0" smtClean="0"/>
               <a:t>Discussion</a:t>
             </a:r>
-            <a:endParaRPr lang="en-US" dirty="0" smtClean="0"/>
           </a:p>
         </p:txBody>
       </p:sp>
@@ -10352,35 +10083,38 @@
           <a:p>
             <a:r>
               <a:rPr lang="en-US" noProof="0" dirty="0" smtClean="0"/>
-              <a:t>DS is part of the </a:t>
-            </a:r>
-            <a:r>
-              <a:rPr lang="en-US" noProof="0" dirty="0" err="1" smtClean="0"/>
-              <a:t>OSGi</a:t>
-            </a:r>
+              <a:t>DS is part of the OSGi R4 spec (Service Compendium)</a:t>
+            </a:r>
+          </a:p>
+          <a:p>
             <a:r>
               <a:rPr lang="en-US" noProof="0" dirty="0" smtClean="0"/>
-              <a:t> R4 spec</a:t>
-            </a:r>
-          </a:p>
-          <a:p>
+              <a:t>DS let you declare </a:t>
+            </a:r>
+            <a:r>
+              <a:rPr lang="en-US" noProof="0" dirty="0" smtClean="0">
+                <a:solidFill>
+                  <a:schemeClr val="accent1">
+                    <a:lumMod val="75000"/>
+                  </a:schemeClr>
+                </a:solidFill>
+              </a:rPr>
+              <a:t>components</a:t>
+            </a:r>
             <a:r>
               <a:rPr lang="en-US" noProof="0" dirty="0" smtClean="0"/>
-              <a:t>DS let you declare components in xml</a:t>
-            </a:r>
+              <a:t> in </a:t>
+            </a:r>
+            <a:r>
+              <a:rPr lang="en-US" dirty="0" smtClean="0"/>
+              <a:t>XML</a:t>
+            </a:r>
+            <a:endParaRPr lang="en-US" noProof="0" dirty="0" smtClean="0"/>
           </a:p>
           <a:p>
             <a:r>
               <a:rPr lang="en-US" noProof="0" dirty="0" smtClean="0"/>
-              <a:t>The declarations live in </a:t>
-            </a:r>
-            <a:r>
-              <a:rPr lang="en-US" noProof="0" dirty="0" smtClean="0"/>
-              <a:t>OSGI-INF</a:t>
-            </a:r>
-            <a:r>
-              <a:rPr lang="en-US" noProof="0" dirty="0" smtClean="0"/>
-              <a:t>/&lt;component&gt;.xml</a:t>
+              <a:t>The declarations live in OSGI-INF/&lt;component&gt;.xml</a:t>
             </a:r>
           </a:p>
           <a:p>
@@ -10399,31 +10133,47 @@
             <a:pPr lvl="1"/>
             <a:r>
               <a:rPr lang="en-US" noProof="0" dirty="0" smtClean="0"/>
-              <a:t>Uses dependency injection for references to other services:</a:t>
+              <a:t>Dependency </a:t>
+            </a:r>
+            <a:r>
+              <a:rPr lang="en-US" dirty="0" smtClean="0"/>
+              <a:t>I</a:t>
+            </a:r>
+            <a:r>
+              <a:rPr lang="en-US" noProof="0" dirty="0" err="1" smtClean="0"/>
+              <a:t>njection</a:t>
+            </a:r>
+            <a:r>
+              <a:rPr lang="en-US" noProof="0" dirty="0" smtClean="0"/>
+              <a:t> for references to other services:</a:t>
             </a:r>
           </a:p>
           <a:p>
             <a:pPr lvl="1"/>
             <a:r>
               <a:rPr lang="en-US" noProof="0" dirty="0" smtClean="0"/>
-              <a:t>These services are bound to defined bind/unbind methods in the components</a:t>
+              <a:t>References may be bound to bind()-/unbind()-methods in components</a:t>
             </a:r>
           </a:p>
           <a:p>
             <a:pPr lvl="1"/>
             <a:r>
               <a:rPr lang="en-US" noProof="0" dirty="0" smtClean="0"/>
-              <a:t>A cardinality and a creation policy can be </a:t>
-            </a:r>
-            <a:r>
-              <a:rPr lang="en-US" noProof="0" dirty="0" smtClean="0"/>
-              <a:t>defined</a:t>
+              <a:t>A cardinality and a creation policy can be defined</a:t>
             </a:r>
           </a:p>
           <a:p>
             <a:r>
               <a:rPr lang="en-US" dirty="0" smtClean="0"/>
-              <a:t>Components need the bundle manifest header Service-Component</a:t>
+              <a:t>Components need the bundle manifest header </a:t>
+            </a:r>
+            <a:r>
+              <a:rPr lang="en-US" i="1" dirty="0" smtClean="0"/>
+              <a:t>Service-Component</a:t>
+            </a:r>
+            <a:r>
+              <a:rPr lang="en-US" dirty="0" smtClean="0"/>
+              <a:t/>
             </a:r>
             <a:br>
               <a:rPr lang="en-US" dirty="0" smtClean="0"/>
@@ -10437,14 +10187,7 @@
                 <a:latin typeface="Courier New" pitchFamily="49" charset="0"/>
                 <a:cs typeface="Courier New" pitchFamily="49" charset="0"/>
               </a:rPr>
-              <a:t>Service-Component</a:t>
-            </a:r>
-            <a:r>
-              <a:rPr lang="en-US" sz="1800" b="1" dirty="0" smtClean="0">
-                <a:latin typeface="Courier New" pitchFamily="49" charset="0"/>
-                <a:cs typeface="Courier New" pitchFamily="49" charset="0"/>
-              </a:rPr>
-              <a:t>: OSGI-INF/personManager.xml</a:t>
+              <a:t>Service-Component: OSGI-INF/personManager.xml</a:t>
             </a:r>
             <a:endParaRPr lang="en-US" b="1" noProof="0" dirty="0" smtClean="0">
               <a:latin typeface="Courier New" pitchFamily="49" charset="0"/>
@@ -10836,23 +10579,8 @@
                 </a:solidFill>
                 <a:latin typeface="Courier New"/>
               </a:rPr>
-              <a:t>    &lt;/service</a:t>
-            </a:r>
-            <a:r>
-              <a:rPr lang="en-US" sz="1800" b="1" noProof="0" dirty="0" smtClean="0">
-                <a:solidFill>
-                  <a:srgbClr val="000080"/>
-                </a:solidFill>
-                <a:latin typeface="Courier New"/>
-              </a:rPr>
-              <a:t>&gt;</a:t>
-            </a:r>
-            <a:endParaRPr lang="en-US" sz="1800" b="1" noProof="0" dirty="0" smtClean="0">
-              <a:solidFill>
-                <a:srgbClr val="000080"/>
-              </a:solidFill>
-              <a:latin typeface="Courier New"/>
-            </a:endParaRPr>
+              <a:t>    &lt;/service&gt;</a:t>
+            </a:r>
           </a:p>
           <a:p>
             <a:pPr>
@@ -11262,76 +10990,53 @@
           <a:p>
             <a:r>
               <a:rPr lang="en-US" noProof="0" dirty="0" smtClean="0"/>
-              <a:t>Integration of Spring and </a:t>
+              <a:t>Integration of Spring DI and OSGi</a:t>
+            </a:r>
+            <a:endParaRPr lang="en-US" noProof="0" dirty="0" smtClean="0">
+              <a:solidFill>
+                <a:srgbClr val="C00000"/>
+              </a:solidFill>
+            </a:endParaRPr>
+          </a:p>
+          <a:p>
+            <a:r>
+              <a:rPr lang="en-US" noProof="0" dirty="0" smtClean="0"/>
+              <a:t>XML files are placed in META-INF/spring directory</a:t>
+            </a:r>
+          </a:p>
+          <a:p>
+            <a:pPr lvl="1"/>
+            <a:r>
+              <a:rPr lang="en-US" noProof="0" dirty="0" smtClean="0"/>
+              <a:t>One </a:t>
+            </a:r>
+            <a:r>
+              <a:rPr lang="en-US" dirty="0" smtClean="0"/>
+              <a:t>XML file to define </a:t>
+            </a:r>
+            <a:r>
+              <a:rPr lang="en-US" noProof="0" dirty="0" smtClean="0"/>
+              <a:t>a Spring bean</a:t>
+            </a:r>
+          </a:p>
+          <a:p>
+            <a:pPr lvl="1"/>
+            <a:r>
+              <a:rPr lang="en-US" noProof="0" dirty="0" smtClean="0"/>
+              <a:t>One </a:t>
+            </a:r>
+            <a:r>
+              <a:rPr lang="en-US" dirty="0" smtClean="0"/>
+              <a:t>XML file to </a:t>
+            </a:r>
+            <a:r>
+              <a:rPr lang="en-US" noProof="0" dirty="0" smtClean="0"/>
+              <a:t>map this bean to an </a:t>
             </a:r>
             <a:r>
               <a:rPr lang="en-US" noProof="0" dirty="0" err="1" smtClean="0"/>
               <a:t>OSGi</a:t>
             </a:r>
-            <a:endParaRPr lang="en-US" noProof="0" dirty="0" smtClean="0"/>
-          </a:p>
-          <a:p>
-            <a:r>
-              <a:rPr lang="en-US" noProof="0" dirty="0" smtClean="0"/>
-              <a:t>Implemented using </a:t>
-            </a:r>
-            <a:r>
-              <a:rPr lang="en-US" noProof="0" dirty="0" smtClean="0"/>
-              <a:t>the Extender </a:t>
-            </a:r>
-            <a:r>
-              <a:rPr lang="en-US" noProof="0" dirty="0" smtClean="0"/>
-              <a:t>pattern</a:t>
-            </a:r>
-          </a:p>
-          <a:p>
-            <a:r>
-              <a:rPr lang="en-US" noProof="0" dirty="0" smtClean="0"/>
-              <a:t>XML files </a:t>
-            </a:r>
-            <a:r>
-              <a:rPr lang="en-US" noProof="0" dirty="0" smtClean="0"/>
-              <a:t>are placed in META-INF/spring directory</a:t>
-            </a:r>
-            <a:endParaRPr lang="en-US" noProof="0" dirty="0" smtClean="0"/>
-          </a:p>
-          <a:p>
-            <a:pPr lvl="1"/>
-            <a:r>
-              <a:rPr lang="en-US" noProof="0" dirty="0" smtClean="0"/>
-              <a:t>One </a:t>
-            </a:r>
-            <a:r>
-              <a:rPr lang="en-US" dirty="0" smtClean="0"/>
-              <a:t>XML file to define </a:t>
-            </a:r>
-            <a:r>
-              <a:rPr lang="en-US" noProof="0" dirty="0" smtClean="0"/>
-              <a:t>a Spring bean</a:t>
-            </a:r>
-          </a:p>
-          <a:p>
-            <a:pPr lvl="1"/>
-            <a:r>
-              <a:rPr lang="en-US" noProof="0" dirty="0" smtClean="0"/>
-              <a:t>One </a:t>
-            </a:r>
-            <a:r>
-              <a:rPr lang="en-US" dirty="0" smtClean="0"/>
-              <a:t>XML </a:t>
-            </a:r>
-            <a:r>
-              <a:rPr lang="en-US" dirty="0" smtClean="0"/>
-              <a:t>file to </a:t>
-            </a:r>
-            <a:r>
-              <a:rPr lang="en-US" noProof="0" dirty="0" smtClean="0"/>
-              <a:t>map this bean to an </a:t>
-            </a:r>
-            <a:r>
-              <a:rPr lang="en-US" noProof="0" dirty="0" err="1" smtClean="0"/>
-              <a:t>OSGi</a:t>
-            </a:r>
             <a:r>
               <a:rPr lang="en-US" noProof="0" dirty="0" smtClean="0"/>
               <a:t> service</a:t>
@@ -11340,13 +11045,8 @@
           <a:p>
             <a:r>
               <a:rPr lang="en-US" noProof="0" dirty="0" smtClean="0"/>
-              <a:t>Uses Spring dependency injection for references to other </a:t>
-            </a:r>
-            <a:r>
-              <a:rPr lang="en-US" noProof="0" dirty="0" smtClean="0"/>
-              <a:t>services and POJOs</a:t>
-            </a:r>
-            <a:endParaRPr lang="en-US" noProof="0" dirty="0" smtClean="0"/>
+              <a:t>Uses Spring dependency injection for references to other services and POJOs</a:t>
+            </a:r>
           </a:p>
           <a:p>
             <a:r>
@@ -11366,11 +11066,7 @@
             </a:r>
             <a:r>
               <a:rPr lang="en-US" noProof="0" dirty="0" smtClean="0"/>
-              <a:t> </a:t>
-            </a:r>
-            <a:r>
-              <a:rPr lang="en-US" noProof="0" dirty="0" smtClean="0"/>
-              <a:t>additional Spring and logging bundles to run </a:t>
+              <a:t> additional Spring and logging bundles to run </a:t>
             </a:r>
             <a:endParaRPr lang="en-US" noProof="0" dirty="0"/>
           </a:p>
@@ -11513,18 +11209,7 @@
                 </a:solidFill>
                 <a:latin typeface="Courier New"/>
               </a:rPr>
-              <a:t>(schema </a:t>
-            </a:r>
-            <a:r>
-              <a:rPr lang="en-US" sz="1800" b="1" noProof="0" dirty="0" smtClean="0">
-                <a:solidFill>
-                  <a:schemeClr val="accent3">
-                    <a:lumMod val="50000"/>
-                  </a:schemeClr>
-                </a:solidFill>
-                <a:latin typeface="Courier New"/>
-              </a:rPr>
-              <a:t>attributes omitted)</a:t>
+              <a:t>(schema attributes omitted)</a:t>
             </a:r>
             <a:r>
               <a:rPr lang="en-US" sz="1800" b="1" noProof="0" dirty="0" smtClean="0">
@@ -11739,18 +11424,7 @@
                 </a:solidFill>
                 <a:latin typeface="Courier New"/>
               </a:rPr>
-              <a:t>(schema </a:t>
-            </a:r>
-            <a:r>
-              <a:rPr lang="en-US" sz="1800" b="1" noProof="0" dirty="0" smtClean="0">
-                <a:solidFill>
-                  <a:schemeClr val="accent3">
-                    <a:lumMod val="50000"/>
-                  </a:schemeClr>
-                </a:solidFill>
-                <a:latin typeface="Courier New"/>
-              </a:rPr>
-              <a:t>attributes omitted)</a:t>
+              <a:t>(schema attributes omitted)</a:t>
             </a:r>
             <a:r>
               <a:rPr lang="en-US" sz="1800" b="1" noProof="0" dirty="0" smtClean="0">
@@ -12109,8 +11783,11 @@
                   </a:schemeClr>
                 </a:solidFill>
               </a:rPr>
-              <a:t> </a:t>
-            </a:r>
+              <a:t> Services</a:t>
+            </a:r>
+          </a:p>
+          <a:p>
+            <a:pPr lvl="1"/>
             <a:r>
               <a:rPr lang="en-US" dirty="0" smtClean="0">
                 <a:solidFill>
@@ -12120,7 +11797,7 @@
                   </a:schemeClr>
                 </a:solidFill>
               </a:rPr>
-              <a:t>Services</a:t>
+              <a:t>Providing and consuming Services</a:t>
             </a:r>
           </a:p>
           <a:p>
@@ -12134,11 +11811,10 @@
                   </a:schemeClr>
                 </a:solidFill>
               </a:rPr>
-              <a:t>Providing and consuming Services</a:t>
-            </a:r>
-          </a:p>
-          <a:p>
-            <a:pPr lvl="1"/>
+              <a:t>Service Tracker</a:t>
+            </a:r>
+          </a:p>
+          <a:p>
             <a:r>
               <a:rPr lang="en-US" dirty="0" smtClean="0">
                 <a:solidFill>
@@ -12148,7 +11824,13 @@
                   </a:schemeClr>
                 </a:solidFill>
               </a:rPr>
-              <a:t>Service Tracker</a:t>
+              <a:t>Overview Declarative Services &amp; Spring Dynamic Modules</a:t>
+            </a:r>
+          </a:p>
+          <a:p>
+            <a:r>
+              <a:rPr lang="en-US" dirty="0" smtClean="0"/>
+              <a:t>Declarative Services in Detail</a:t>
             </a:r>
           </a:p>
           <a:p>
@@ -12161,8 +11843,10 @@
                   </a:schemeClr>
                 </a:solidFill>
               </a:rPr>
-              <a:t>Overview </a:t>
-            </a:r>
+              <a:t>Spring Dynamic Modules in Detail</a:t>
+            </a:r>
+          </a:p>
+          <a:p>
             <a:r>
               <a:rPr lang="en-US" dirty="0" smtClean="0">
                 <a:solidFill>
@@ -12172,8 +11856,10 @@
                   </a:schemeClr>
                 </a:solidFill>
               </a:rPr>
-              <a:t>Declarative </a:t>
-            </a:r>
+              <a:t>Comparison (DS vs. DM)</a:t>
+            </a:r>
+          </a:p>
+          <a:p>
             <a:r>
               <a:rPr lang="en-US" dirty="0" smtClean="0">
                 <a:solidFill>
@@ -12183,8 +11869,10 @@
                   </a:schemeClr>
                 </a:solidFill>
               </a:rPr>
-              <a:t>Services &amp; </a:t>
-            </a:r>
+              <a:t>Conclusion &amp; Best Practices</a:t>
+            </a:r>
+          </a:p>
+          <a:p>
             <a:r>
               <a:rPr lang="en-US" dirty="0" smtClean="0">
                 <a:solidFill>
@@ -12194,128 +11882,8 @@
                   </a:schemeClr>
                 </a:solidFill>
               </a:rPr>
-              <a:t>Spring Dynamic </a:t>
-            </a:r>
-            <a:r>
-              <a:rPr lang="en-US" dirty="0" smtClean="0">
-                <a:solidFill>
-                  <a:schemeClr val="tx2">
-                    <a:lumMod val="60000"/>
-                    <a:lumOff val="40000"/>
-                  </a:schemeClr>
-                </a:solidFill>
-              </a:rPr>
-              <a:t>Modules</a:t>
-            </a:r>
-            <a:endParaRPr lang="en-US" dirty="0" smtClean="0">
-              <a:solidFill>
-                <a:schemeClr val="tx2">
-                  <a:lumMod val="60000"/>
-                  <a:lumOff val="40000"/>
-                </a:schemeClr>
-              </a:solidFill>
-            </a:endParaRPr>
-          </a:p>
-          <a:p>
-            <a:r>
-              <a:rPr lang="en-US" dirty="0" smtClean="0"/>
-              <a:t>Declarative </a:t>
-            </a:r>
-            <a:r>
-              <a:rPr lang="en-US" dirty="0" smtClean="0"/>
-              <a:t>Services in Detail</a:t>
-            </a:r>
-            <a:endParaRPr lang="en-US" dirty="0" smtClean="0"/>
-          </a:p>
-          <a:p>
-            <a:r>
-              <a:rPr lang="en-US" dirty="0" smtClean="0">
-                <a:solidFill>
-                  <a:schemeClr val="tx2">
-                    <a:lumMod val="60000"/>
-                    <a:lumOff val="40000"/>
-                  </a:schemeClr>
-                </a:solidFill>
-              </a:rPr>
-              <a:t>Spring Dynamic </a:t>
-            </a:r>
-            <a:r>
-              <a:rPr lang="en-US" dirty="0" smtClean="0">
-                <a:solidFill>
-                  <a:schemeClr val="tx2">
-                    <a:lumMod val="60000"/>
-                    <a:lumOff val="40000"/>
-                  </a:schemeClr>
-                </a:solidFill>
-              </a:rPr>
-              <a:t>Modules in </a:t>
-            </a:r>
-            <a:r>
-              <a:rPr lang="en-US" dirty="0" smtClean="0">
-                <a:solidFill>
-                  <a:schemeClr val="tx2">
-                    <a:lumMod val="60000"/>
-                    <a:lumOff val="40000"/>
-                  </a:schemeClr>
-                </a:solidFill>
-              </a:rPr>
-              <a:t>Detail</a:t>
-            </a:r>
-          </a:p>
-          <a:p>
-            <a:r>
-              <a:rPr lang="en-US" dirty="0" smtClean="0">
-                <a:solidFill>
-                  <a:schemeClr val="tx2">
-                    <a:lumMod val="60000"/>
-                    <a:lumOff val="40000"/>
-                  </a:schemeClr>
-                </a:solidFill>
-              </a:rPr>
-              <a:t>Comparison (DS vs. DM)</a:t>
-            </a:r>
-            <a:endParaRPr lang="en-US" dirty="0" smtClean="0">
-              <a:solidFill>
-                <a:schemeClr val="tx2">
-                  <a:lumMod val="60000"/>
-                  <a:lumOff val="40000"/>
-                </a:schemeClr>
-              </a:solidFill>
-            </a:endParaRPr>
-          </a:p>
-          <a:p>
-            <a:r>
-              <a:rPr lang="en-US" dirty="0" smtClean="0">
-                <a:solidFill>
-                  <a:schemeClr val="tx2">
-                    <a:lumMod val="60000"/>
-                    <a:lumOff val="40000"/>
-                  </a:schemeClr>
-                </a:solidFill>
-              </a:rPr>
-              <a:t>Conclusion &amp; Best Practices</a:t>
-            </a:r>
-          </a:p>
-          <a:p>
-            <a:r>
-              <a:rPr lang="en-US" dirty="0" smtClean="0">
-                <a:solidFill>
-                  <a:schemeClr val="tx2">
-                    <a:lumMod val="60000"/>
-                    <a:lumOff val="40000"/>
-                  </a:schemeClr>
-                </a:solidFill>
-              </a:rPr>
               <a:t>Discussion</a:t>
             </a:r>
-            <a:endParaRPr lang="en-US" dirty="0" smtClean="0">
-              <a:solidFill>
-                <a:schemeClr val="tx2">
-                  <a:lumMod val="60000"/>
-                  <a:lumOff val="40000"/>
-                </a:schemeClr>
-              </a:solidFill>
-            </a:endParaRPr>
           </a:p>
         </p:txBody>
       </p:sp>
@@ -12607,31 +12175,19 @@
           <a:p>
             <a:r>
               <a:rPr lang="en-US" noProof="0" smtClean="0"/>
-              <a:t>o</a:t>
-            </a:r>
+              <a:t>org.eclipse.osgi.services</a:t>
+            </a:r>
+          </a:p>
+          <a:p>
             <a:r>
               <a:rPr lang="en-US" noProof="0" smtClean="0"/>
-              <a:t>rg.eclipse.osgi.services</a:t>
+              <a:t>org.eclipse.equinox.ds</a:t>
             </a:r>
           </a:p>
           <a:p>
             <a:r>
               <a:rPr lang="en-US" noProof="0" smtClean="0"/>
-              <a:t>o</a:t>
-            </a:r>
-            <a:r>
-              <a:rPr lang="en-US" noProof="0" smtClean="0"/>
-              <a:t>rg.eclipse.equinox.ds</a:t>
-            </a:r>
-          </a:p>
-          <a:p>
-            <a:r>
-              <a:rPr lang="en-US" noProof="0" smtClean="0"/>
-              <a:t>o</a:t>
-            </a:r>
-            <a:r>
-              <a:rPr lang="en-US" noProof="0" smtClean="0"/>
-              <a:t>rg.eclipse.equinox.util</a:t>
+              <a:t>org.eclipse.equinox.util</a:t>
             </a:r>
             <a:endParaRPr lang="en-US" noProof="0"/>
           </a:p>
@@ -12733,15 +12289,7 @@
           <a:p>
             <a:r>
               <a:rPr lang="en-US" noProof="0" smtClean="0"/>
-              <a:t>DS</a:t>
-            </a:r>
-            <a:r>
-              <a:rPr lang="en-US" noProof="0" smtClean="0"/>
-              <a:t> </a:t>
-            </a:r>
-            <a:r>
-              <a:rPr lang="en-US" noProof="0" smtClean="0"/>
-              <a:t>Components</a:t>
+              <a:t>DS Components</a:t>
             </a:r>
             <a:endParaRPr lang="en-US" noProof="0"/>
           </a:p>
@@ -12896,20 +12444,12 @@
                 <a:rPr lang="en-US" sz="2400" dirty="0" smtClean="0"/>
                 <a:t>Instance </a:t>
               </a:r>
-              <a:r>
-                <a:rPr lang="en-US" sz="2400" dirty="0" smtClean="0"/>
-                <a:t/>
-              </a:r>
               <a:br>
                 <a:rPr lang="en-US" sz="2400" dirty="0" smtClean="0"/>
               </a:br>
               <a:r>
                 <a:rPr lang="en-US" sz="2400" dirty="0" smtClean="0"/>
-                <a:t>(</a:t>
-              </a:r>
-              <a:r>
-                <a:rPr lang="en-US" sz="2400" dirty="0" smtClean="0"/>
-                <a:t>POJO)</a:t>
+                <a:t>(POJO)</a:t>
               </a:r>
             </a:p>
           </p:txBody>
@@ -12955,7 +12495,6 @@
                 <a:rPr lang="en-US" sz="2400" dirty="0" smtClean="0"/>
                 <a:t>Component</a:t>
               </a:r>
-              <a:endParaRPr lang="en-US" sz="2400" dirty="0" smtClean="0"/>
             </a:p>
             <a:p>
               <a:pPr algn="ctr"/>
@@ -12970,7 +12509,6 @@
                 <a:rPr lang="en-US" sz="2400" dirty="0" smtClean="0"/>
                 <a:t>(XML)</a:t>
               </a:r>
-              <a:endParaRPr lang="en-US" sz="2400" dirty="0" smtClean="0"/>
             </a:p>
           </p:txBody>
         </p:sp>
@@ -13166,7 +12704,6 @@
                 <a:rPr lang="en-US" sz="2400" dirty="0" smtClean="0"/>
                 <a:t>Provides Services</a:t>
               </a:r>
-              <a:endParaRPr lang="en-US" sz="2400" dirty="0" smtClean="0"/>
             </a:p>
           </p:txBody>
         </p:sp>
@@ -13242,7 +12779,6 @@
                 <a:rPr lang="en-US" sz="2000" dirty="0" smtClean="0"/>
                 <a:t>Service References</a:t>
               </a:r>
-              <a:endParaRPr lang="en-US" sz="2000" dirty="0" smtClean="0"/>
             </a:p>
           </p:txBody>
         </p:sp>
@@ -13355,60 +12891,60 @@
           <a:lstStyle/>
           <a:p>
             <a:r>
-              <a:rPr lang="en-US" noProof="0" smtClean="0"/>
-              <a:t>The SCR can activate DS components</a:t>
+              <a:rPr lang="en-US" noProof="0" dirty="0" smtClean="0"/>
+              <a:t>Lazy Activation (Delayed Component)</a:t>
             </a:r>
           </a:p>
           <a:p>
             <a:pPr lvl="1"/>
             <a:r>
-              <a:rPr lang="en-US" noProof="0" smtClean="0"/>
-              <a:t>Lazily (Delayed)</a:t>
-            </a:r>
-          </a:p>
-          <a:p>
-            <a:pPr lvl="2"/>
-            <a:r>
-              <a:rPr lang="en-US" noProof="0" smtClean="0"/>
+              <a:rPr lang="en-US" noProof="0" dirty="0" smtClean="0"/>
               <a:t>All dependencies must be resolved</a:t>
             </a:r>
           </a:p>
           <a:p>
-            <a:pPr lvl="2"/>
-            <a:r>
-              <a:rPr lang="en-US" noProof="0" smtClean="0"/>
+            <a:pPr lvl="1"/>
+            <a:r>
+              <a:rPr lang="en-US" noProof="0" dirty="0" smtClean="0"/>
               <a:t>On first request of the service interface the component is activated</a:t>
             </a:r>
           </a:p>
           <a:p>
-            <a:pPr lvl="2"/>
-            <a:r>
-              <a:rPr lang="en-US" noProof="0" smtClean="0"/>
-              <a:t>This is the default behavior</a:t>
-            </a:r>
-          </a:p>
-          <a:p>
             <a:pPr lvl="1"/>
             <a:r>
-              <a:rPr lang="en-US" noProof="0" smtClean="0"/>
-              <a:t>Eagerly (Immediate):</a:t>
-            </a:r>
-          </a:p>
-          <a:p>
-            <a:pPr lvl="2"/>
-            <a:r>
-              <a:rPr lang="en-US" noProof="0" smtClean="0"/>
+              <a:rPr lang="en-US" noProof="0" dirty="0" smtClean="0"/>
+              <a:t>This is the default behavior </a:t>
+            </a:r>
+            <a:r>
+              <a:rPr lang="en-US" noProof="0" dirty="0" smtClean="0">
+                <a:solidFill>
+                  <a:srgbClr val="C00000"/>
+                </a:solidFill>
+              </a:rPr>
+              <a:t>for components providing services</a:t>
+            </a:r>
+          </a:p>
+          <a:p>
+            <a:r>
+              <a:rPr lang="en-US" noProof="0" dirty="0" smtClean="0"/>
+              <a:t>Eager Activation (Immediate Component):</a:t>
+            </a:r>
+          </a:p>
+          <a:p>
+            <a:pPr lvl="1"/>
+            <a:r>
+              <a:rPr lang="en-US" noProof="0" dirty="0" smtClean="0"/>
               <a:t>As all dependencies can be resolved the component is created</a:t>
             </a:r>
           </a:p>
           <a:p>
-            <a:pPr lvl="2"/>
-            <a:r>
-              <a:rPr lang="en-US" noProof="0" smtClean="0"/>
+            <a:pPr lvl="1"/>
+            <a:r>
+              <a:rPr lang="en-US" noProof="0" dirty="0" smtClean="0"/>
               <a:t>This is expressed in XML by the component attribute </a:t>
             </a:r>
             <a:r>
-              <a:rPr lang="en-US" b="1" noProof="0" smtClean="0">
+              <a:rPr lang="en-US" b="1" noProof="0" dirty="0" smtClean="0">
                 <a:latin typeface="Courier New" pitchFamily="49" charset="0"/>
                 <a:cs typeface="Courier New" pitchFamily="49" charset="0"/>
               </a:rPr>
@@ -13416,12 +12952,27 @@
             </a:r>
           </a:p>
           <a:p>
-            <a:pPr lvl="2"/>
-            <a:r>
-              <a:rPr lang="en-US" noProof="0" smtClean="0"/>
+            <a:pPr lvl="1"/>
+            <a:r>
+              <a:rPr lang="en-US" noProof="0" dirty="0" smtClean="0"/>
               <a:t>This should be used only if there is a good reason for!</a:t>
             </a:r>
-            <a:endParaRPr lang="en-US" noProof="0" smtClean="0"/>
+          </a:p>
+          <a:p>
+            <a:pPr lvl="1"/>
+            <a:r>
+              <a:rPr lang="en-US" dirty="0" smtClean="0">
+                <a:solidFill>
+                  <a:srgbClr val="C00000"/>
+                </a:solidFill>
+              </a:rPr>
+              <a:t>All components not providing services must be immediate components!</a:t>
+            </a:r>
+            <a:endParaRPr lang="en-US" noProof="0" dirty="0" smtClean="0">
+              <a:solidFill>
+                <a:srgbClr val="C00000"/>
+              </a:solidFill>
+            </a:endParaRPr>
           </a:p>
         </p:txBody>
       </p:sp>
@@ -13731,11 +13282,11 @@
           <a:lstStyle/>
           <a:p>
             <a:r>
-              <a:rPr lang="en-US" noProof="0" smtClean="0"/>
+              <a:rPr lang="en-US" noProof="0" dirty="0" smtClean="0"/>
               <a:t>Component Instance class needs a </a:t>
             </a:r>
             <a:r>
-              <a:rPr lang="en-US" noProof="0" smtClean="0">
+              <a:rPr lang="en-US" noProof="0" dirty="0" smtClean="0">
                 <a:solidFill>
                   <a:schemeClr val="accent1">
                     <a:lumMod val="75000"/>
@@ -13747,29 +13298,36 @@
           </a:p>
           <a:p>
             <a:r>
-              <a:rPr lang="en-US" i="1" noProof="0" smtClean="0"/>
+              <a:rPr lang="en-US" i="1" noProof="0" dirty="0" smtClean="0"/>
               <a:t>activate() </a:t>
             </a:r>
             <a:r>
-              <a:rPr lang="en-US" noProof="0" smtClean="0"/>
+              <a:rPr lang="en-US" noProof="0" dirty="0" smtClean="0"/>
               <a:t>and </a:t>
             </a:r>
             <a:r>
-              <a:rPr lang="en-US" i="1" noProof="0" smtClean="0"/>
+              <a:rPr lang="en-US" i="1" noProof="0" dirty="0" smtClean="0"/>
               <a:t>deactivate() </a:t>
             </a:r>
             <a:r>
-              <a:rPr lang="en-US" noProof="0" smtClean="0"/>
+              <a:rPr lang="en-US" noProof="0" dirty="0" smtClean="0"/>
               <a:t>may be supplied</a:t>
             </a:r>
           </a:p>
           <a:p>
             <a:pPr lvl="1"/>
             <a:r>
-              <a:rPr lang="en-US" noProof="0" smtClean="0"/>
+              <a:rPr lang="en-US" noProof="0" dirty="0" smtClean="0"/>
               <a:t>Methods are found by reflection</a:t>
             </a:r>
-            <a:endParaRPr lang="en-US" noProof="0"/>
+          </a:p>
+          <a:p>
+            <a:pPr lvl="1"/>
+            <a:r>
+              <a:rPr lang="en-US" dirty="0" smtClean="0"/>
+              <a:t>May also be defined in super classes</a:t>
+            </a:r>
+            <a:endParaRPr lang="en-US" noProof="0" dirty="0"/>
           </a:p>
         </p:txBody>
       </p:sp>
@@ -13830,7 +13388,7 @@
         </p:nvSpPr>
         <p:spPr bwMode="auto">
           <a:xfrm>
-            <a:off x="985428" y="2500306"/>
+            <a:off x="985428" y="2911702"/>
             <a:ext cx="7173145" cy="731612"/>
           </a:xfrm>
           <a:prstGeom prst="rect">
@@ -13984,11 +13542,7 @@
             <a:pPr lvl="1"/>
             <a:r>
               <a:rPr lang="en-US" noProof="0" dirty="0" smtClean="0"/>
-              <a:t>H</a:t>
-            </a:r>
-            <a:r>
-              <a:rPr lang="en-US" noProof="0" dirty="0" smtClean="0"/>
-              <a:t>as to be placed in a directory OSGI-INF</a:t>
+              <a:t>Has to be placed in a directory OSGI-INF</a:t>
             </a:r>
           </a:p>
           <a:p>
@@ -14009,29 +13563,86 @@
                 <a:ea typeface="Times New Roman"/>
                 <a:cs typeface="Courier New" pitchFamily="49" charset="0"/>
               </a:rPr>
-              <a:t>&lt;component name</a:t>
+              <a:t>&lt;component name="</a:t>
             </a:r>
             <a:r>
               <a:rPr lang="en-US" b="1" noProof="0" dirty="0" smtClean="0">
                 <a:solidFill>
-                  <a:srgbClr val="0000C0"/>
+                  <a:schemeClr val="accent1">
+                    <a:lumMod val="75000"/>
+                  </a:schemeClr>
                 </a:solidFill>
                 <a:latin typeface="Courier New" pitchFamily="49" charset="0"/>
                 <a:ea typeface="Times New Roman"/>
                 <a:cs typeface="Courier New" pitchFamily="49" charset="0"/>
               </a:rPr>
-              <a:t>=</a:t>
-            </a:r>
-            <a:r>
-              <a:rPr lang="en-US" b="1" noProof="0" dirty="0" smtClean="0">
-                <a:solidFill>
-                  <a:srgbClr val="0000C0"/>
+              <a:t>ct...</a:t>
+            </a:r>
+            <a:r>
+              <a:rPr lang="en-US" b="1" noProof="0" dirty="0" err="1" smtClean="0">
+                <a:solidFill>
+                  <a:schemeClr val="accent1">
+                    <a:lumMod val="75000"/>
+                  </a:schemeClr>
                 </a:solidFill>
                 <a:latin typeface="Courier New" pitchFamily="49" charset="0"/>
                 <a:ea typeface="Times New Roman"/>
                 <a:cs typeface="Courier New" pitchFamily="49" charset="0"/>
               </a:rPr>
-              <a:t>"</a:t>
+              <a:t>person.ActionContribution</a:t>
+            </a:r>
+            <a:r>
+              <a:rPr lang="en-US" b="1" noProof="0" dirty="0" smtClean="0">
+                <a:solidFill>
+                  <a:srgbClr val="0000C0"/>
+                </a:solidFill>
+                <a:latin typeface="Courier New" pitchFamily="49" charset="0"/>
+                <a:ea typeface="Times New Roman"/>
+                <a:cs typeface="Courier New" pitchFamily="49" charset="0"/>
+              </a:rPr>
+              <a:t>"&gt;</a:t>
+            </a:r>
+            <a:br>
+              <a:rPr lang="en-US" b="1" noProof="0" dirty="0" smtClean="0">
+                <a:solidFill>
+                  <a:srgbClr val="0000C0"/>
+                </a:solidFill>
+                <a:latin typeface="Courier New" pitchFamily="49" charset="0"/>
+                <a:ea typeface="Times New Roman"/>
+                <a:cs typeface="Courier New" pitchFamily="49" charset="0"/>
+              </a:rPr>
+            </a:br>
+            <a:r>
+              <a:rPr lang="en-US" b="1" noProof="0" dirty="0" smtClean="0">
+                <a:solidFill>
+                  <a:srgbClr val="0000C0"/>
+                </a:solidFill>
+                <a:latin typeface="Courier New" pitchFamily="49" charset="0"/>
+                <a:ea typeface="Times New Roman"/>
+                <a:cs typeface="Courier New" pitchFamily="49" charset="0"/>
+              </a:rPr>
+              <a:t>   &lt;implementation</a:t>
+            </a:r>
+            <a:br>
+              <a:rPr lang="en-US" b="1" noProof="0" dirty="0" smtClean="0">
+                <a:solidFill>
+                  <a:srgbClr val="0000C0"/>
+                </a:solidFill>
+                <a:latin typeface="Courier New" pitchFamily="49" charset="0"/>
+                <a:ea typeface="Times New Roman"/>
+                <a:cs typeface="Courier New" pitchFamily="49" charset="0"/>
+              </a:rPr>
+            </a:br>
+            <a:r>
+              <a:rPr lang="en-US" b="1" noProof="0" dirty="0" smtClean="0">
+                <a:solidFill>
+                  <a:srgbClr val="0000C0"/>
+                </a:solidFill>
+                <a:latin typeface="Courier New" pitchFamily="49" charset="0"/>
+                <a:ea typeface="Times New Roman"/>
+                <a:cs typeface="Courier New" pitchFamily="49" charset="0"/>
+              </a:rPr>
+              <a:t>       class="</a:t>
             </a:r>
             <a:r>
               <a:rPr lang="en-US" b="1" noProof="0" dirty="0" smtClean="0">
@@ -14068,7 +13679,7 @@
                 <a:ea typeface="Times New Roman"/>
                 <a:cs typeface="Courier New" pitchFamily="49" charset="0"/>
               </a:rPr>
-              <a:t>"&gt;</a:t>
+              <a:t>"/&gt;</a:t>
             </a:r>
             <a:br>
               <a:rPr lang="en-US" b="1" noProof="0" dirty="0" smtClean="0">
@@ -14089,10 +13700,24 @@
                 <a:ea typeface="Times New Roman"/>
                 <a:cs typeface="Courier New" pitchFamily="49" charset="0"/>
               </a:rPr>
-              <a:t>   &lt;implementation</a:t>
-            </a:r>
-            <a:br>
-              <a:rPr lang="en-US" b="1" noProof="0" dirty="0" smtClean="0">
+              <a:t>&lt;/component&gt;</a:t>
+            </a:r>
+          </a:p>
+          <a:p>
+            <a:pPr lvl="1"/>
+            <a:r>
+              <a:rPr lang="en-US" noProof="0" dirty="0" smtClean="0"/>
+              <a:t>Optional component attributes</a:t>
+            </a:r>
+          </a:p>
+          <a:p>
+            <a:pPr lvl="2"/>
+            <a:r>
+              <a:rPr lang="en-US" sz="1800" dirty="0" smtClean="0"/>
+              <a:t> </a:t>
+            </a:r>
+            <a:r>
+              <a:rPr lang="en-US" sz="1800" b="1" noProof="0" dirty="0" smtClean="0">
                 <a:solidFill>
                   <a:srgbClr val="0000C0"/>
                 </a:solidFill>
@@ -14100,121 +13725,6 @@
                 <a:ea typeface="Times New Roman"/>
                 <a:cs typeface="Courier New" pitchFamily="49" charset="0"/>
               </a:rPr>
-            </a:br>
-            <a:r>
-              <a:rPr lang="en-US" b="1" noProof="0" dirty="0" smtClean="0">
-                <a:solidFill>
-                  <a:srgbClr val="0000C0"/>
-                </a:solidFill>
-                <a:latin typeface="Courier New" pitchFamily="49" charset="0"/>
-                <a:ea typeface="Times New Roman"/>
-                <a:cs typeface="Courier New" pitchFamily="49" charset="0"/>
-              </a:rPr>
-              <a:t>       class="</a:t>
-            </a:r>
-            <a:r>
-              <a:rPr lang="en-US" b="1" noProof="0" dirty="0" smtClean="0">
-                <a:solidFill>
-                  <a:schemeClr val="accent1">
-                    <a:lumMod val="75000"/>
-                  </a:schemeClr>
-                </a:solidFill>
-                <a:latin typeface="Courier New" pitchFamily="49" charset="0"/>
-                <a:ea typeface="Times New Roman"/>
-                <a:cs typeface="Courier New" pitchFamily="49" charset="0"/>
-              </a:rPr>
-              <a:t>ct...</a:t>
-            </a:r>
-            <a:r>
-              <a:rPr lang="en-US" b="1" noProof="0" dirty="0" err="1" smtClean="0">
-                <a:solidFill>
-                  <a:schemeClr val="accent1">
-                    <a:lumMod val="75000"/>
-                  </a:schemeClr>
-                </a:solidFill>
-                <a:latin typeface="Courier New" pitchFamily="49" charset="0"/>
-                <a:ea typeface="Times New Roman"/>
-                <a:cs typeface="Courier New" pitchFamily="49" charset="0"/>
-              </a:rPr>
-              <a:t>person.ActionContribution</a:t>
-            </a:r>
-            <a:r>
-              <a:rPr lang="en-US" b="1" noProof="0" dirty="0" smtClean="0">
-                <a:solidFill>
-                  <a:srgbClr val="0000C0"/>
-                </a:solidFill>
-                <a:latin typeface="Courier New" pitchFamily="49" charset="0"/>
-                <a:ea typeface="Times New Roman"/>
-                <a:cs typeface="Courier New" pitchFamily="49" charset="0"/>
-              </a:rPr>
-              <a:t>"/&gt;</a:t>
-            </a:r>
-            <a:br>
-              <a:rPr lang="en-US" b="1" noProof="0" dirty="0" smtClean="0">
-                <a:solidFill>
-                  <a:srgbClr val="0000C0"/>
-                </a:solidFill>
-                <a:latin typeface="Courier New" pitchFamily="49" charset="0"/>
-                <a:ea typeface="Times New Roman"/>
-                <a:cs typeface="Courier New" pitchFamily="49" charset="0"/>
-              </a:rPr>
-            </a:br>
-            <a:r>
-              <a:rPr lang="en-US" b="1" noProof="0" dirty="0" smtClean="0">
-                <a:solidFill>
-                  <a:srgbClr val="0000C0"/>
-                </a:solidFill>
-                <a:latin typeface="Courier New" pitchFamily="49" charset="0"/>
-                <a:ea typeface="Times New Roman"/>
-                <a:cs typeface="Courier New" pitchFamily="49" charset="0"/>
-              </a:rPr>
-              <a:t>&lt;/</a:t>
-            </a:r>
-            <a:r>
-              <a:rPr lang="en-US" b="1" noProof="0" dirty="0" smtClean="0">
-                <a:solidFill>
-                  <a:srgbClr val="0000C0"/>
-                </a:solidFill>
-                <a:latin typeface="Courier New" pitchFamily="49" charset="0"/>
-                <a:ea typeface="Times New Roman"/>
-                <a:cs typeface="Courier New" pitchFamily="49" charset="0"/>
-              </a:rPr>
-              <a:t>component</a:t>
-            </a:r>
-            <a:r>
-              <a:rPr lang="en-US" b="1" noProof="0" dirty="0" smtClean="0">
-                <a:solidFill>
-                  <a:srgbClr val="0000C0"/>
-                </a:solidFill>
-                <a:latin typeface="Courier New" pitchFamily="49" charset="0"/>
-                <a:ea typeface="Times New Roman"/>
-                <a:cs typeface="Courier New" pitchFamily="49" charset="0"/>
-              </a:rPr>
-              <a:t>&gt;</a:t>
-            </a:r>
-          </a:p>
-          <a:p>
-            <a:pPr lvl="1"/>
-            <a:r>
-              <a:rPr lang="en-US" noProof="0" dirty="0" smtClean="0"/>
-              <a:t>Optional component attributes</a:t>
-            </a:r>
-          </a:p>
-          <a:p>
-            <a:pPr lvl="2"/>
-            <a:r>
-              <a:rPr lang="en-US" sz="1800" dirty="0" smtClean="0"/>
-              <a:t> </a:t>
-            </a:r>
-            <a:r>
-              <a:rPr lang="en-US" sz="1800" b="1" noProof="0" dirty="0" smtClean="0">
-                <a:solidFill>
-                  <a:srgbClr val="0000C0"/>
-                </a:solidFill>
-                <a:latin typeface="Courier New" pitchFamily="49" charset="0"/>
-                <a:ea typeface="Times New Roman"/>
-                <a:cs typeface="Courier New" pitchFamily="49" charset="0"/>
-              </a:rPr>
               <a:t>immediate</a:t>
             </a:r>
             <a:r>
@@ -14233,11 +13743,7 @@
             <a:pPr lvl="2"/>
             <a:r>
               <a:rPr lang="en-US" noProof="0" dirty="0" smtClean="0"/>
-              <a:t>s</a:t>
-            </a:r>
-            <a:r>
-              <a:rPr lang="en-US" noProof="0" dirty="0" smtClean="0"/>
-              <a:t>ervice</a:t>
+              <a:t>service</a:t>
             </a:r>
           </a:p>
           <a:p>
@@ -14269,14 +13775,7 @@
                 <a:latin typeface="Courier New" pitchFamily="49" charset="0"/>
                 <a:cs typeface="Courier New" pitchFamily="49" charset="0"/>
               </a:rPr>
-              <a:t>Service-Component: OSGI-INF</a:t>
-            </a:r>
-            <a:r>
-              <a:rPr lang="en-US" sz="1800" b="1" dirty="0" smtClean="0">
-                <a:latin typeface="Courier New" pitchFamily="49" charset="0"/>
-                <a:cs typeface="Courier New" pitchFamily="49" charset="0"/>
-              </a:rPr>
-              <a:t>/&lt;component&gt;.xml</a:t>
+              <a:t>Service-Component: OSGI-INF/&lt;component&gt;.xml</a:t>
             </a:r>
             <a:endParaRPr lang="en-US" b="1" dirty="0" smtClean="0">
               <a:latin typeface="Courier New" pitchFamily="49" charset="0"/>
@@ -14333,19 +13832,7 @@
           <a:p>
             <a:r>
               <a:rPr lang="en-US" noProof="0" smtClean="0"/>
-              <a:t>Defining a </a:t>
-            </a:r>
-            <a:r>
-              <a:rPr lang="en-US" noProof="0" smtClean="0"/>
-              <a:t>DS</a:t>
-            </a:r>
-            <a:r>
-              <a:rPr lang="en-US" noProof="0" smtClean="0"/>
-              <a:t> </a:t>
-            </a:r>
-            <a:r>
-              <a:rPr lang="en-US" noProof="0" smtClean="0"/>
-              <a:t>Component</a:t>
+              <a:t>Defining a DS Component</a:t>
             </a:r>
             <a:endParaRPr lang="en-US" noProof="0"/>
           </a:p>
@@ -14407,13 +13894,8 @@
             </a:pPr>
             <a:r>
               <a:rPr lang="en-US" noProof="0" dirty="0" smtClean="0"/>
-              <a:t>Specify the interface the </a:t>
-            </a:r>
-            <a:r>
-              <a:rPr lang="en-US" noProof="0" dirty="0" smtClean="0"/>
-              <a:t>component implements as a service, e.g.</a:t>
-            </a:r>
-            <a:endParaRPr lang="en-US" noProof="0" dirty="0" smtClean="0"/>
+              <a:t>Specify the interface the component implements as a service, e.g.</a:t>
+            </a:r>
           </a:p>
           <a:p>
             <a:pPr lvl="1">
@@ -14426,16 +13908,7 @@
                 </a:solidFill>
                 <a:latin typeface="Courier New"/>
               </a:rPr>
-              <a:t>&lt;</a:t>
-            </a:r>
-            <a:r>
-              <a:rPr lang="en-US" sz="1600" b="1" noProof="0" dirty="0" smtClean="0">
-                <a:solidFill>
-                  <a:srgbClr val="000080"/>
-                </a:solidFill>
-                <a:latin typeface="Courier New"/>
-              </a:rPr>
-              <a:t>service&gt;</a:t>
+              <a:t>&lt;service&gt;</a:t>
             </a:r>
           </a:p>
           <a:p>
@@ -14476,16 +13949,7 @@
                 </a:solidFill>
                 <a:latin typeface="Courier New"/>
               </a:rPr>
-              <a:t>interface</a:t>
-            </a:r>
-            <a:r>
-              <a:rPr lang="en-US" sz="1600" b="1" noProof="0" dirty="0" smtClean="0">
-                <a:solidFill>
-                  <a:srgbClr val="000080"/>
-                </a:solidFill>
-                <a:latin typeface="Courier New"/>
-              </a:rPr>
-              <a:t>=      </a:t>
+              <a:t>interface=      </a:t>
             </a:r>
           </a:p>
           <a:p>
@@ -14499,16 +13963,7 @@
                 </a:solidFill>
                 <a:latin typeface="Courier New"/>
               </a:rPr>
-              <a:t> </a:t>
-            </a:r>
-            <a:r>
-              <a:rPr lang="en-US" sz="1600" b="1" noProof="0" dirty="0" smtClean="0">
-                <a:solidFill>
-                  <a:srgbClr val="000080"/>
-                </a:solidFill>
-                <a:latin typeface="Courier New"/>
-              </a:rPr>
-              <a:t>     </a:t>
+              <a:t>      </a:t>
             </a:r>
             <a:r>
               <a:rPr lang="en-US" sz="1600" b="1" noProof="0" dirty="0" smtClean="0">
@@ -14558,25 +14013,7 @@
                 </a:solidFill>
                 <a:latin typeface="Courier New"/>
               </a:rPr>
-              <a:t>&lt;/</a:t>
-            </a:r>
-            <a:r>
-              <a:rPr lang="en-US" sz="1600" b="1" noProof="0" dirty="0" smtClean="0">
-                <a:solidFill>
-                  <a:srgbClr val="000080"/>
-                </a:solidFill>
-                <a:latin typeface="Courier New"/>
-              </a:rPr>
-              <a:t>service</a:t>
-            </a:r>
-            <a:r>
-              <a:rPr lang="en-US" sz="1600" b="1" noProof="0" dirty="0" smtClean="0">
-                <a:solidFill>
-                  <a:srgbClr val="000080"/>
-                </a:solidFill>
-                <a:latin typeface="Courier New"/>
-              </a:rPr>
-              <a:t>&gt;</a:t>
+              <a:t>&lt;/service&gt;</a:t>
             </a:r>
           </a:p>
           <a:p>
@@ -14607,34 +14044,16 @@
                 </a:solidFill>
                 <a:latin typeface="Courier New"/>
               </a:rPr>
-              <a:t>&lt;property name</a:t>
+              <a:t>&lt;property name=</a:t>
             </a:r>
             <a:r>
               <a:rPr lang="en-US" sz="1600" b="1" noProof="0" dirty="0" smtClean="0">
                 <a:solidFill>
-                  <a:srgbClr val="000080"/>
+                  <a:srgbClr val="008000"/>
                 </a:solidFill>
                 <a:latin typeface="Courier New"/>
               </a:rPr>
-              <a:t>=</a:t>
-            </a:r>
-            <a:r>
-              <a:rPr lang="en-US" sz="1600" b="1" noProof="0" dirty="0" smtClean="0">
-                <a:solidFill>
-                  <a:srgbClr val="008000"/>
-                </a:solidFill>
-                <a:latin typeface="Courier New"/>
-              </a:rPr>
-              <a:t>"</a:t>
-            </a:r>
-            <a:r>
-              <a:rPr lang="en-US" sz="1600" b="1" noProof="0" dirty="0" smtClean="0">
-                <a:solidFill>
-                  <a:srgbClr val="008000"/>
-                </a:solidFill>
-                <a:latin typeface="Courier New"/>
-              </a:rPr>
-              <a:t>action.name" </a:t>
+              <a:t>"action.name" </a:t>
             </a:r>
           </a:p>
           <a:p>
@@ -14648,34 +14067,16 @@
                 </a:solidFill>
                 <a:latin typeface="Courier New"/>
               </a:rPr>
-              <a:t>          type</a:t>
+              <a:t>          type=</a:t>
             </a:r>
             <a:r>
               <a:rPr lang="en-US" sz="1600" b="1" noProof="0" dirty="0" smtClean="0">
                 <a:solidFill>
-                  <a:srgbClr val="000080"/>
+                  <a:srgbClr val="008000"/>
                 </a:solidFill>
                 <a:latin typeface="Courier New"/>
               </a:rPr>
-              <a:t>=</a:t>
-            </a:r>
-            <a:r>
-              <a:rPr lang="en-US" sz="1600" b="1" noProof="0" dirty="0" smtClean="0">
-                <a:solidFill>
-                  <a:srgbClr val="008000"/>
-                </a:solidFill>
-                <a:latin typeface="Courier New"/>
-              </a:rPr>
-              <a:t>"</a:t>
-            </a:r>
-            <a:r>
-              <a:rPr lang="en-US" sz="1600" b="1" noProof="0" dirty="0" smtClean="0">
-                <a:solidFill>
-                  <a:srgbClr val="008000"/>
-                </a:solidFill>
-                <a:latin typeface="Courier New"/>
-              </a:rPr>
-              <a:t>String" value="</a:t>
+              <a:t>"String" value="</a:t>
             </a:r>
             <a:r>
               <a:rPr lang="en-US" sz="1600" b="1" noProof="0" dirty="0" err="1" smtClean="0">
@@ -14727,19 +14128,7 @@
             </a:pPr>
             <a:r>
               <a:rPr lang="en-US" noProof="0" dirty="0" smtClean="0"/>
-              <a:t>All </a:t>
-            </a:r>
-            <a:r>
-              <a:rPr lang="en-US" noProof="0" dirty="0" smtClean="0"/>
-              <a:t>defined services </a:t>
-            </a:r>
-            <a:r>
-              <a:rPr lang="en-US" noProof="0" dirty="0" smtClean="0"/>
-              <a:t>will have the </a:t>
-            </a:r>
-            <a:r>
-              <a:rPr lang="en-US" noProof="0" dirty="0" smtClean="0"/>
-              <a:t>component’s properties</a:t>
+              <a:t>All defined services will have the component’s properties</a:t>
             </a:r>
           </a:p>
           <a:p>
@@ -14749,12 +14138,76 @@
               </a:spcBef>
             </a:pPr>
             <a:r>
+              <a:rPr lang="en-US" strike="sngStrike" noProof="0" dirty="0" smtClean="0">
+                <a:solidFill>
+                  <a:srgbClr val="C00000"/>
+                </a:solidFill>
+              </a:rPr>
+              <a:t>TODO: If a component specifies more than one service, will get all the services the same properties? </a:t>
+            </a:r>
+            <a:r>
+              <a:rPr lang="en-US" noProof="0" dirty="0" err="1" smtClean="0">
+                <a:solidFill>
+                  <a:srgbClr val="C00000"/>
+                </a:solidFill>
+              </a:rPr>
+              <a:t>Eine</a:t>
+            </a:r>
+            <a:r>
               <a:rPr lang="en-US" noProof="0" dirty="0" smtClean="0">
                 <a:solidFill>
                   <a:srgbClr val="C00000"/>
                 </a:solidFill>
               </a:rPr>
-              <a:t>TODO: If a component specifies more than one service, will get all the services the same properties?</a:t>
+              <a:t> Comp. </a:t>
+            </a:r>
+            <a:r>
+              <a:rPr lang="en-US" dirty="0" err="1" smtClean="0">
+                <a:solidFill>
+                  <a:srgbClr val="C00000"/>
+                </a:solidFill>
+              </a:rPr>
+              <a:t>kann</a:t>
+            </a:r>
+            <a:r>
+              <a:rPr lang="en-US" dirty="0" smtClean="0">
+                <a:solidFill>
+                  <a:srgbClr val="C00000"/>
+                </a:solidFill>
+              </a:rPr>
+              <a:t> max </a:t>
+            </a:r>
+            <a:r>
+              <a:rPr lang="en-US" dirty="0" err="1" smtClean="0">
+                <a:solidFill>
+                  <a:srgbClr val="C00000"/>
+                </a:solidFill>
+              </a:rPr>
+              <a:t>einen</a:t>
+            </a:r>
+            <a:r>
+              <a:rPr lang="en-US" dirty="0" smtClean="0">
+                <a:solidFill>
+                  <a:srgbClr val="C00000"/>
+                </a:solidFill>
+              </a:rPr>
+              <a:t> Service </a:t>
+            </a:r>
+            <a:r>
+              <a:rPr lang="en-US" dirty="0" err="1" smtClean="0">
+                <a:solidFill>
+                  <a:srgbClr val="C00000"/>
+                </a:solidFill>
+              </a:rPr>
+              <a:t>spezifizieren</a:t>
+            </a:r>
+            <a:r>
+              <a:rPr lang="en-US" dirty="0" smtClean="0">
+                <a:solidFill>
+                  <a:srgbClr val="C00000"/>
+                </a:solidFill>
+              </a:rPr>
+              <a:t> (-&gt; XML Schema).</a:t>
             </a:r>
             <a:endParaRPr lang="en-US" noProof="0" dirty="0" smtClean="0">
               <a:solidFill>
@@ -14891,16 +14344,7 @@
                 </a:solidFill>
                 <a:latin typeface="Courier New"/>
               </a:rPr>
-              <a:t>     &lt;</a:t>
-            </a:r>
-            <a:r>
-              <a:rPr lang="en-US" sz="1800" b="1" dirty="0" smtClean="0">
-                <a:solidFill>
-                  <a:srgbClr val="000080"/>
-                </a:solidFill>
-                <a:latin typeface="Courier New"/>
-              </a:rPr>
-              <a:t>reference</a:t>
+              <a:t>     &lt;reference</a:t>
             </a:r>
             <a:r>
               <a:rPr lang="en-US" sz="1800" b="1" dirty="0" smtClean="0">
@@ -15682,16 +15126,7 @@
                 </a:solidFill>
                 <a:latin typeface="Courier New"/>
               </a:rPr>
-              <a:t>    </a:t>
-            </a:r>
-            <a:r>
-              <a:rPr lang="en-US" b="1" dirty="0" smtClean="0">
-                <a:solidFill>
-                  <a:srgbClr val="000000"/>
-                </a:solidFill>
-                <a:latin typeface="Courier New"/>
-              </a:rPr>
-              <a:t> </a:t>
+              <a:t>     </a:t>
             </a:r>
             <a:r>
               <a:rPr lang="en-US" b="1" dirty="0" smtClean="0">
@@ -15720,52 +15155,25 @@
                 </a:solidFill>
                 <a:latin typeface="Courier New"/>
               </a:rPr>
-              <a:t>    </a:t>
+              <a:t>     </a:t>
             </a:r>
             <a:r>
               <a:rPr lang="en-US" b="1" dirty="0" smtClean="0">
                 <a:solidFill>
-                  <a:srgbClr val="000000"/>
+                  <a:srgbClr val="000080"/>
                 </a:solidFill>
                 <a:latin typeface="Courier New"/>
               </a:rPr>
-              <a:t> </a:t>
+              <a:t>cardinality=</a:t>
             </a:r>
             <a:r>
               <a:rPr lang="en-US" b="1" dirty="0" smtClean="0">
                 <a:solidFill>
-                  <a:srgbClr val="000080"/>
+                  <a:srgbClr val="008000"/>
                 </a:solidFill>
                 <a:latin typeface="Courier New"/>
               </a:rPr>
-              <a:t>cardinality=</a:t>
-            </a:r>
-            <a:r>
-              <a:rPr lang="en-US" b="1" dirty="0" smtClean="0">
-                <a:solidFill>
-                  <a:srgbClr val="008000"/>
-                </a:solidFill>
-                <a:latin typeface="Courier New"/>
-              </a:rPr>
-              <a:t>"0..</a:t>
-            </a:r>
-            <a:r>
-              <a:rPr lang="en-US" b="1" dirty="0" smtClean="0">
-                <a:solidFill>
-                  <a:srgbClr val="008000"/>
-                </a:solidFill>
-                <a:latin typeface="Courier New"/>
-              </a:rPr>
-              <a:t>1</a:t>
-            </a:r>
-            <a:r>
-              <a:rPr lang="en-US" b="1" dirty="0" smtClean="0">
-                <a:solidFill>
-                  <a:srgbClr val="008000"/>
-                </a:solidFill>
-                <a:latin typeface="Courier New"/>
-              </a:rPr>
-              <a:t>"</a:t>
+              <a:t>"0..1"</a:t>
             </a:r>
           </a:p>
           <a:p>
@@ -15871,11 +15279,7 @@
           <a:p>
             <a:r>
               <a:rPr lang="en-US" noProof="0" dirty="0" smtClean="0"/>
-              <a:t>Method names are specified in </a:t>
-            </a:r>
-            <a:r>
-              <a:rPr lang="en-US" noProof="0" dirty="0" smtClean="0"/>
-              <a:t>XML</a:t>
+              <a:t>Method names are specified in XML</a:t>
             </a:r>
           </a:p>
           <a:p>
@@ -15898,16 +15302,7 @@
                 </a:solidFill>
                 <a:latin typeface="Courier New"/>
               </a:rPr>
-              <a:t>&lt;</a:t>
-            </a:r>
-            <a:r>
-              <a:rPr lang="en-US" sz="1800" b="1" dirty="0" smtClean="0">
-                <a:solidFill>
-                  <a:srgbClr val="000080"/>
-                </a:solidFill>
-                <a:latin typeface="Courier New"/>
-              </a:rPr>
-              <a:t>reference</a:t>
+              <a:t>&lt;reference</a:t>
             </a:r>
             <a:r>
               <a:rPr lang="en-US" sz="1800" b="1" dirty="0" smtClean="0">
@@ -16103,26 +15498,13 @@
                 </a:solidFill>
                 <a:latin typeface="Courier New"/>
               </a:rPr>
-              <a:t> </a:t>
-            </a:r>
-            <a:r>
-              <a:rPr lang="en-US" sz="1800" b="1" dirty="0" smtClean="0">
-                <a:solidFill>
-                  <a:srgbClr val="000080"/>
-                </a:solidFill>
-                <a:latin typeface="Courier New"/>
-              </a:rPr>
-              <a:t>   /&gt;</a:t>
+              <a:t>    /&gt;</a:t>
             </a:r>
           </a:p>
           <a:p>
             <a:r>
               <a:rPr lang="en-US" dirty="0" smtClean="0"/>
-              <a:t>Parameters for bind/unbind method may be the service type </a:t>
-            </a:r>
-            <a:r>
-              <a:rPr lang="en-US" dirty="0" smtClean="0"/>
-              <a:t>or a </a:t>
+              <a:t>Parameters for bind/unbind method may be the service type or a </a:t>
             </a:r>
             <a:r>
               <a:rPr lang="en-US" dirty="0" err="1" smtClean="0"/>
@@ -16132,7 +15514,6 @@
               <a:rPr lang="en-US" dirty="0" smtClean="0"/>
               <a:t>, e.g.</a:t>
             </a:r>
-            <a:endParaRPr lang="en-US" dirty="0" smtClean="0"/>
           </a:p>
           <a:p>
             <a:pPr lvl="1">
@@ -16340,10 +15721,10 @@
           <a:lstStyle/>
           <a:p>
             <a:r>
-              <a:rPr lang="en-US" noProof="0" smtClean="0"/>
-              <a:t>Accessing Services – Event Strategy (1)</a:t>
-            </a:r>
-            <a:endParaRPr lang="en-US" noProof="0"/>
+              <a:rPr lang="en-US" noProof="0" dirty="0" smtClean="0"/>
+              <a:t>Accessing Services – Event Strategy</a:t>
+            </a:r>
+            <a:endParaRPr lang="en-US" noProof="0" dirty="0"/>
           </a:p>
         </p:txBody>
       </p:sp>
@@ -16381,7 +15762,7 @@
       </p:grpSpPr>
       <p:sp>
         <p:nvSpPr>
-          <p:cNvPr id="4" name="Inhaltsplatzhalter 3"/>
+          <p:cNvPr id="2" name="Inhaltsplatzhalter 1"/>
           <p:cNvSpPr>
             <a:spLocks noGrp="1"/>
           </p:cNvSpPr>
@@ -16395,221 +15776,42 @@
           <a:lstStyle/>
           <a:p>
             <a:r>
-              <a:rPr lang="en-US" noProof="0" dirty="0" smtClean="0"/>
-              <a:t>How does unbinding of target services influence the </a:t>
-            </a:r>
-            <a:r>
-              <a:rPr lang="en-US" noProof="0" dirty="0" smtClean="0"/>
-              <a:t>life </a:t>
-            </a:r>
-            <a:r>
-              <a:rPr lang="en-US" dirty="0" smtClean="0"/>
-              <a:t>c</a:t>
-            </a:r>
-            <a:r>
-              <a:rPr lang="en-US" noProof="0" dirty="0" err="1" smtClean="0"/>
-              <a:t>ycle</a:t>
-            </a:r>
-            <a:r>
-              <a:rPr lang="en-US" noProof="0" dirty="0" smtClean="0"/>
+              <a:rPr lang="en-US" dirty="0" err="1" smtClean="0">
+                <a:solidFill>
+                  <a:srgbClr val="C00000"/>
+                </a:solidFill>
+              </a:rPr>
+              <a:t>Willst</a:t>
+            </a:r>
+            <a:r>
+              <a:rPr lang="en-US" dirty="0" smtClean="0">
+                <a:solidFill>
+                  <a:srgbClr val="C00000"/>
+                </a:solidFill>
+              </a:rPr>
+              <a:t> Du das </a:t>
+            </a:r>
+            <a:r>
+              <a:rPr lang="en-US" dirty="0" err="1" smtClean="0">
+                <a:solidFill>
+                  <a:srgbClr val="C00000"/>
+                </a:solidFill>
+              </a:rPr>
+              <a:t>weglassen</a:t>
+            </a:r>
+            <a:r>
+              <a:rPr lang="en-US" dirty="0" smtClean="0">
+                <a:solidFill>
+                  <a:srgbClr val="C00000"/>
+                </a:solidFill>
+              </a:rPr>
               <a:t>?</a:t>
             </a:r>
-          </a:p>
-          <a:p>
-            <a:r>
-              <a:rPr lang="en-US" noProof="0" dirty="0" smtClean="0"/>
-              <a:t>Static policy:</a:t>
-            </a:r>
-          </a:p>
-          <a:p>
-            <a:pPr lvl="1"/>
-            <a:r>
-              <a:rPr lang="en-US" noProof="0" dirty="0" smtClean="0"/>
-              <a:t>Service Component is deactivated and ...</a:t>
-            </a:r>
-          </a:p>
-          <a:p>
-            <a:pPr lvl="1"/>
-            <a:r>
-              <a:rPr lang="en-US" noProof="0" dirty="0" smtClean="0"/>
-              <a:t>... activated again if other service(s) available</a:t>
-            </a:r>
-          </a:p>
-          <a:p>
-            <a:r>
-              <a:rPr lang="en-US" noProof="0" dirty="0" smtClean="0"/>
-              <a:t>Dynamic policy:</a:t>
-            </a:r>
-          </a:p>
-          <a:p>
-            <a:pPr lvl="1"/>
-            <a:r>
-              <a:rPr lang="en-US" noProof="0" dirty="0" smtClean="0"/>
-              <a:t>Life </a:t>
-            </a:r>
-            <a:r>
-              <a:rPr lang="en-US" noProof="0" dirty="0" smtClean="0"/>
-              <a:t>cycle </a:t>
-            </a:r>
-            <a:r>
-              <a:rPr lang="en-US" noProof="0" dirty="0" smtClean="0"/>
-              <a:t>is not affected, as long as references are </a:t>
-            </a:r>
-            <a:r>
-              <a:rPr lang="en-US" noProof="0" dirty="0" smtClean="0"/>
-              <a:t>satisfied</a:t>
-            </a:r>
-          </a:p>
-          <a:p>
-            <a:pPr>
-              <a:buNone/>
-            </a:pPr>
-            <a:r>
-              <a:rPr lang="en-US" sz="1800" b="1" dirty="0" smtClean="0">
-                <a:solidFill>
-                  <a:srgbClr val="000080"/>
-                </a:solidFill>
-                <a:latin typeface="Courier New"/>
-              </a:rPr>
-              <a:t>      &lt;</a:t>
-            </a:r>
-            <a:r>
-              <a:rPr lang="en-US" sz="1800" b="1" dirty="0" smtClean="0">
-                <a:solidFill>
-                  <a:srgbClr val="000080"/>
-                </a:solidFill>
-                <a:latin typeface="Courier New"/>
-              </a:rPr>
-              <a:t>reference</a:t>
-            </a:r>
-            <a:r>
-              <a:rPr lang="en-US" sz="1800" b="1" dirty="0" smtClean="0">
-                <a:solidFill>
-                  <a:srgbClr val="000000"/>
-                </a:solidFill>
-                <a:latin typeface="Courier New"/>
-              </a:rPr>
-              <a:t> </a:t>
-            </a:r>
-            <a:r>
-              <a:rPr lang="en-US" sz="1800" b="1" dirty="0" smtClean="0">
-                <a:solidFill>
-                  <a:srgbClr val="000080"/>
-                </a:solidFill>
-                <a:latin typeface="Courier New"/>
-              </a:rPr>
-              <a:t>name=</a:t>
-            </a:r>
-            <a:r>
-              <a:rPr lang="en-US" sz="1800" b="1" dirty="0" smtClean="0">
-                <a:solidFill>
-                  <a:srgbClr val="008000"/>
-                </a:solidFill>
-                <a:latin typeface="Courier New"/>
-              </a:rPr>
-              <a:t>"</a:t>
-            </a:r>
-            <a:r>
-              <a:rPr lang="en-US" sz="1800" b="1" dirty="0" err="1" smtClean="0">
-                <a:solidFill>
-                  <a:srgbClr val="008000"/>
-                </a:solidFill>
-                <a:latin typeface="Courier New"/>
-              </a:rPr>
-              <a:t>PersonManager</a:t>
-            </a:r>
-            <a:r>
-              <a:rPr lang="en-US" sz="1800" b="1" dirty="0" smtClean="0">
-                <a:solidFill>
-                  <a:srgbClr val="008000"/>
-                </a:solidFill>
-                <a:latin typeface="Courier New"/>
-              </a:rPr>
-              <a:t>"</a:t>
-            </a:r>
-          </a:p>
-          <a:p>
-            <a:pPr>
-              <a:buNone/>
-            </a:pPr>
-            <a:r>
-              <a:rPr lang="en-US" sz="1800" b="1" dirty="0" smtClean="0">
-                <a:solidFill>
-                  <a:srgbClr val="000000"/>
-                </a:solidFill>
-                <a:latin typeface="Courier New"/>
-              </a:rPr>
-              <a:t>        </a:t>
-            </a:r>
-            <a:r>
-              <a:rPr lang="en-US" sz="1800" b="1" dirty="0" smtClean="0">
-                <a:solidFill>
-                  <a:srgbClr val="000080"/>
-                </a:solidFill>
-                <a:latin typeface="Courier New"/>
-              </a:rPr>
-              <a:t>…</a:t>
-            </a:r>
-            <a:endParaRPr lang="en-US" sz="1800" b="1" dirty="0" smtClean="0">
+            <a:endParaRPr lang="en-US" dirty="0">
               <a:solidFill>
-                <a:srgbClr val="008000"/>
+                <a:srgbClr val="C00000"/>
               </a:solidFill>
-              <a:latin typeface="Courier New"/>
             </a:endParaRPr>
-          </a:p>
-          <a:p>
-            <a:pPr>
-              <a:buNone/>
-            </a:pPr>
-            <a:r>
-              <a:rPr lang="en-US" sz="1800" b="1" dirty="0" smtClean="0">
-                <a:solidFill>
-                  <a:srgbClr val="000000"/>
-                </a:solidFill>
-                <a:latin typeface="Courier New"/>
-              </a:rPr>
-              <a:t>        </a:t>
-            </a:r>
-            <a:r>
-              <a:rPr lang="en-US" sz="1800" b="1" dirty="0" smtClean="0">
-                <a:solidFill>
-                  <a:srgbClr val="000080"/>
-                </a:solidFill>
-                <a:latin typeface="Courier New"/>
-              </a:rPr>
-              <a:t>policy=</a:t>
-            </a:r>
-            <a:r>
-              <a:rPr lang="en-US" sz="1800" b="1" dirty="0" smtClean="0">
-                <a:solidFill>
-                  <a:srgbClr val="008000"/>
-                </a:solidFill>
-                <a:latin typeface="Courier New"/>
-              </a:rPr>
-              <a:t>"dynamic"</a:t>
-            </a:r>
-            <a:r>
-              <a:rPr lang="en-US" sz="1800" b="1" dirty="0" smtClean="0">
-                <a:solidFill>
-                  <a:srgbClr val="000080"/>
-                </a:solidFill>
-                <a:latin typeface="Courier New"/>
-              </a:rPr>
-              <a:t>/&gt;</a:t>
-            </a:r>
-            <a:r>
-              <a:rPr lang="en-US" sz="1800" b="1" dirty="0" smtClean="0">
-                <a:solidFill>
-                  <a:srgbClr val="000000"/>
-                </a:solidFill>
-                <a:latin typeface="Courier New"/>
-              </a:rPr>
-              <a:t>  </a:t>
-            </a:r>
-          </a:p>
-          <a:p>
-            <a:pPr lvl="1"/>
-            <a:endParaRPr lang="en-US" noProof="0" dirty="0"/>
           </a:p>
         </p:txBody>
       </p:sp>
@@ -16633,13 +15835,13 @@
               <a:pPr/>
               <a:t>36</a:t>
             </a:fld>
-            <a:endParaRPr lang="de-DE"/>
+            <a:endParaRPr lang="de-DE" dirty="0"/>
           </a:p>
         </p:txBody>
       </p:sp>
       <p:sp>
         <p:nvSpPr>
-          <p:cNvPr id="2" name="Titel 1"/>
+          <p:cNvPr id="4" name="Titel 3"/>
           <p:cNvSpPr>
             <a:spLocks noGrp="1"/>
           </p:cNvSpPr>
@@ -16653,10 +15855,10 @@
           <a:lstStyle/>
           <a:p>
             <a:r>
-              <a:rPr lang="en-US" noProof="0" smtClean="0"/>
-              <a:t>Reference Policy</a:t>
-            </a:r>
-            <a:endParaRPr lang="en-US" noProof="0"/>
+              <a:rPr lang="en-US" dirty="0" smtClean="0"/>
+              <a:t>Look-up Strategy</a:t>
+            </a:r>
+            <a:endParaRPr lang="en-US" dirty="0"/>
           </a:p>
         </p:txBody>
       </p:sp>
@@ -16665,13 +15867,6 @@
   <p:clrMapOvr>
     <a:masterClrMapping/>
   </p:clrMapOvr>
-  <p:timing>
-    <p:tnLst>
-      <p:par>
-        <p:cTn id="1" dur="indefinite" restart="never" nodeType="tmRoot"/>
-      </p:par>
-    </p:tnLst>
-  </p:timing>
 </p:sld>
 </file>
 
@@ -16694,7 +15889,7 @@
       </p:grpSpPr>
       <p:sp>
         <p:nvSpPr>
-          <p:cNvPr id="2" name="Content Placeholder 1"/>
+          <p:cNvPr id="4" name="Inhaltsplatzhalter 3"/>
           <p:cNvSpPr>
             <a:spLocks noGrp="1"/>
           </p:cNvSpPr>
@@ -16707,75 +15902,203 @@
           <a:bodyPr/>
           <a:lstStyle/>
           <a:p>
-            <a:pPr>
-              <a:buClr>
-                <a:schemeClr val="accent1"/>
-              </a:buClr>
-              <a:buFont typeface="Arial" pitchFamily="34" charset="0"/>
-              <a:buChar char="+"/>
-            </a:pPr>
+            <a:r>
+              <a:rPr lang="en-US" noProof="0" dirty="0" smtClean="0"/>
+              <a:t>How does unbinding of target services influence the life </a:t>
+            </a:r>
             <a:r>
               <a:rPr lang="en-US" dirty="0" smtClean="0"/>
-              <a:t>Very easy to define components, services and references declaratively</a:t>
-            </a:r>
-          </a:p>
-          <a:p>
-            <a:pPr>
-              <a:buClr>
-                <a:schemeClr val="accent1"/>
-              </a:buClr>
-              <a:buFont typeface="Arial" pitchFamily="34" charset="0"/>
-              <a:buChar char="+"/>
-            </a:pPr>
-            <a:r>
-              <a:rPr lang="en-US" dirty="0" smtClean="0"/>
-              <a:t>SCR takes care of life cycle management and dependency resolution</a:t>
-            </a:r>
-          </a:p>
-          <a:p>
-            <a:endParaRPr lang="en-US" dirty="0" smtClean="0"/>
+              <a:t>c</a:t>
+            </a:r>
+            <a:r>
+              <a:rPr lang="en-US" noProof="0" dirty="0" err="1" smtClean="0"/>
+              <a:t>ycle</a:t>
+            </a:r>
+            <a:r>
+              <a:rPr lang="en-US" noProof="0" dirty="0" smtClean="0"/>
+              <a:t>?</a:t>
+            </a:r>
+          </a:p>
+          <a:p>
+            <a:r>
+              <a:rPr lang="en-US" noProof="0" dirty="0" smtClean="0"/>
+              <a:t>Static policy:</a:t>
+            </a:r>
+          </a:p>
+          <a:p>
+            <a:pPr lvl="1"/>
+            <a:r>
+              <a:rPr lang="en-US" noProof="0" dirty="0" smtClean="0"/>
+              <a:t>Service Component is deactivated and ...</a:t>
+            </a:r>
+          </a:p>
+          <a:p>
+            <a:pPr lvl="1"/>
+            <a:r>
+              <a:rPr lang="en-US" noProof="0" dirty="0" smtClean="0"/>
+              <a:t>... activated again if other service(s) available</a:t>
+            </a:r>
+          </a:p>
+          <a:p>
+            <a:r>
+              <a:rPr lang="en-US" noProof="0" dirty="0" smtClean="0"/>
+              <a:t>Dynamic policy:</a:t>
+            </a:r>
+          </a:p>
+          <a:p>
+            <a:pPr lvl="1"/>
+            <a:r>
+              <a:rPr lang="en-US" noProof="0" dirty="0" smtClean="0"/>
+              <a:t>Life cycle is not affected, as long as references are satisfied</a:t>
+            </a:r>
           </a:p>
           <a:p>
             <a:pPr>
               <a:buNone/>
             </a:pPr>
             <a:r>
-              <a:rPr lang="en-US" dirty="0" smtClean="0"/>
-              <a:t>But</a:t>
+              <a:rPr lang="en-US" sz="1800" b="1" dirty="0" smtClean="0">
+                <a:solidFill>
+                  <a:srgbClr val="000080"/>
+                </a:solidFill>
+                <a:latin typeface="Courier New"/>
+              </a:rPr>
+              <a:t>      &lt;reference</a:t>
+            </a:r>
+            <a:r>
+              <a:rPr lang="en-US" sz="1800" b="1" dirty="0" smtClean="0">
+                <a:solidFill>
+                  <a:srgbClr val="000000"/>
+                </a:solidFill>
+                <a:latin typeface="Courier New"/>
+              </a:rPr>
+              <a:t> </a:t>
+            </a:r>
+            <a:r>
+              <a:rPr lang="en-US" sz="1800" b="1" dirty="0" smtClean="0">
+                <a:solidFill>
+                  <a:srgbClr val="000080"/>
+                </a:solidFill>
+                <a:latin typeface="Courier New"/>
+              </a:rPr>
+              <a:t>name=</a:t>
+            </a:r>
+            <a:r>
+              <a:rPr lang="en-US" sz="1800" b="1" dirty="0" smtClean="0">
+                <a:solidFill>
+                  <a:srgbClr val="008000"/>
+                </a:solidFill>
+                <a:latin typeface="Courier New"/>
+              </a:rPr>
+              <a:t>"</a:t>
+            </a:r>
+            <a:r>
+              <a:rPr lang="en-US" sz="1800" b="1" dirty="0" err="1" smtClean="0">
+                <a:solidFill>
+                  <a:srgbClr val="008000"/>
+                </a:solidFill>
+                <a:latin typeface="Courier New"/>
+              </a:rPr>
+              <a:t>PersonManager</a:t>
+            </a:r>
+            <a:r>
+              <a:rPr lang="en-US" sz="1800" b="1" dirty="0" smtClean="0">
+                <a:solidFill>
+                  <a:srgbClr val="008000"/>
+                </a:solidFill>
+                <a:latin typeface="Courier New"/>
+              </a:rPr>
+              <a:t>"</a:t>
             </a:r>
           </a:p>
           <a:p>
             <a:pPr>
-              <a:buClr>
-                <a:srgbClr val="C00000"/>
-              </a:buClr>
-              <a:buFont typeface="Symbol" pitchFamily="18" charset="2"/>
-              <a:buChar char="-"/>
+              <a:buNone/>
             </a:pPr>
             <a:r>
-              <a:rPr lang="en-US" dirty="0" smtClean="0"/>
-              <a:t>Dependency injection only works for other services, not for POJOs or DS components</a:t>
-            </a:r>
+              <a:rPr lang="en-US" sz="1800" b="1" dirty="0" smtClean="0">
+                <a:solidFill>
+                  <a:srgbClr val="000000"/>
+                </a:solidFill>
+                <a:latin typeface="Courier New"/>
+              </a:rPr>
+              <a:t>        </a:t>
+            </a:r>
+            <a:r>
+              <a:rPr lang="en-US" sz="1800" b="1" dirty="0" smtClean="0">
+                <a:solidFill>
+                  <a:srgbClr val="000080"/>
+                </a:solidFill>
+                <a:latin typeface="Courier New"/>
+              </a:rPr>
+              <a:t>…</a:t>
+            </a:r>
+            <a:endParaRPr lang="en-US" sz="1800" b="1" dirty="0" smtClean="0">
+              <a:solidFill>
+                <a:srgbClr val="008000"/>
+              </a:solidFill>
+              <a:latin typeface="Courier New"/>
+            </a:endParaRPr>
           </a:p>
           <a:p>
             <a:pPr>
-              <a:buClr>
-                <a:srgbClr val="C00000"/>
-              </a:buClr>
-              <a:buFont typeface="Symbol" pitchFamily="18" charset="2"/>
-              <a:buChar char="-"/>
+              <a:buNone/>
             </a:pPr>
             <a:r>
-              <a:rPr lang="en-US" dirty="0" smtClean="0"/>
-              <a:t>Properties cannot be declared mandatory</a:t>
-            </a:r>
-            <a:endParaRPr lang="en-US" dirty="0"/>
+              <a:rPr lang="en-US" sz="1800" b="1" dirty="0" smtClean="0">
+                <a:solidFill>
+                  <a:srgbClr val="000000"/>
+                </a:solidFill>
+                <a:latin typeface="Courier New"/>
+              </a:rPr>
+              <a:t>        </a:t>
+            </a:r>
+            <a:r>
+              <a:rPr lang="en-US" sz="1800" b="1" dirty="0" smtClean="0">
+                <a:solidFill>
+                  <a:srgbClr val="000080"/>
+                </a:solidFill>
+                <a:latin typeface="Courier New"/>
+              </a:rPr>
+              <a:t>policy=</a:t>
+            </a:r>
+            <a:r>
+              <a:rPr lang="en-US" sz="1800" b="1" dirty="0" smtClean="0">
+                <a:solidFill>
+                  <a:srgbClr val="008000"/>
+                </a:solidFill>
+                <a:latin typeface="Courier New"/>
+              </a:rPr>
+              <a:t>"dynamic"</a:t>
+            </a:r>
+            <a:r>
+              <a:rPr lang="en-US" sz="1800" b="1" dirty="0" smtClean="0">
+                <a:solidFill>
+                  <a:srgbClr val="000080"/>
+                </a:solidFill>
+                <a:latin typeface="Courier New"/>
+              </a:rPr>
+              <a:t>/&gt;</a:t>
+            </a:r>
+            <a:r>
+              <a:rPr lang="en-US" sz="1800" b="1" dirty="0" smtClean="0">
+                <a:solidFill>
+                  <a:srgbClr val="000000"/>
+                </a:solidFill>
+                <a:latin typeface="Courier New"/>
+              </a:rPr>
+              <a:t>  </a:t>
+            </a:r>
+          </a:p>
+          <a:p>
+            <a:pPr lvl="1"/>
+            <a:endParaRPr lang="en-US" noProof="0" dirty="0"/>
           </a:p>
         </p:txBody>
       </p:sp>
       <p:sp>
         <p:nvSpPr>
-          <p:cNvPr id="3" name="Slide Number Placeholder 2"/>
+          <p:cNvPr id="3" name="Foliennummernplatzhalter 2"/>
           <p:cNvSpPr>
             <a:spLocks noGrp="1"/>
           </p:cNvSpPr>
@@ -16793,13 +16116,13 @@
               <a:pPr/>
               <a:t>37</a:t>
             </a:fld>
-            <a:endParaRPr lang="de-DE" dirty="0"/>
+            <a:endParaRPr lang="de-DE"/>
           </a:p>
         </p:txBody>
       </p:sp>
       <p:sp>
         <p:nvSpPr>
-          <p:cNvPr id="4" name="Title 3"/>
+          <p:cNvPr id="2" name="Titel 1"/>
           <p:cNvSpPr>
             <a:spLocks noGrp="1"/>
           </p:cNvSpPr>
@@ -16813,10 +16136,10 @@
           <a:lstStyle/>
           <a:p>
             <a:r>
-              <a:rPr lang="en-US" dirty="0" smtClean="0"/>
-              <a:t>DS Conclusion</a:t>
-            </a:r>
-            <a:endParaRPr lang="en-US" dirty="0"/>
+              <a:rPr lang="en-US" noProof="0" smtClean="0"/>
+              <a:t>Reference Policy</a:t>
+            </a:r>
+            <a:endParaRPr lang="en-US" noProof="0"/>
           </a:p>
         </p:txBody>
       </p:sp>
@@ -16854,7 +16177,7 @@
       </p:grpSpPr>
       <p:sp>
         <p:nvSpPr>
-          <p:cNvPr id="6" name="Inhaltsplatzhalter 5"/>
+          <p:cNvPr id="2" name="Content Placeholder 1"/>
           <p:cNvSpPr>
             <a:spLocks noGrp="1"/>
           </p:cNvSpPr>
@@ -16864,279 +16187,78 @@
         </p:nvSpPr>
         <p:spPr/>
         <p:txBody>
-          <a:bodyPr>
-            <a:normAutofit/>
-          </a:bodyPr>
+          <a:bodyPr/>
           <a:lstStyle/>
           <a:p>
-            <a:r>
-              <a:rPr lang="en-US" dirty="0" smtClean="0">
-                <a:solidFill>
-                  <a:schemeClr val="tx2">
-                    <a:lumMod val="60000"/>
-                    <a:lumOff val="40000"/>
-                  </a:schemeClr>
-                </a:solidFill>
-              </a:rPr>
-              <a:t>Demo: A Swing App Framework based dynamic </a:t>
-            </a:r>
-            <a:r>
-              <a:rPr lang="en-US" dirty="0" err="1" smtClean="0">
-                <a:solidFill>
-                  <a:schemeClr val="tx2">
-                    <a:lumMod val="60000"/>
-                    <a:lumOff val="40000"/>
-                  </a:schemeClr>
-                </a:solidFill>
-              </a:rPr>
-              <a:t>OSGi</a:t>
-            </a:r>
-            <a:r>
-              <a:rPr lang="en-US" dirty="0" smtClean="0">
-                <a:solidFill>
-                  <a:schemeClr val="tx2">
-                    <a:lumMod val="60000"/>
-                    <a:lumOff val="40000"/>
-                  </a:schemeClr>
-                </a:solidFill>
-              </a:rPr>
-              <a:t> application</a:t>
-            </a:r>
-          </a:p>
-          <a:p>
-            <a:r>
-              <a:rPr lang="en-US" dirty="0" err="1" smtClean="0">
-                <a:solidFill>
-                  <a:schemeClr val="tx2">
-                    <a:lumMod val="60000"/>
-                    <a:lumOff val="40000"/>
-                  </a:schemeClr>
-                </a:solidFill>
-              </a:rPr>
-              <a:t>OSGi</a:t>
-            </a:r>
-            <a:r>
-              <a:rPr lang="en-US" dirty="0" smtClean="0">
-                <a:solidFill>
-                  <a:schemeClr val="tx2">
-                    <a:lumMod val="60000"/>
-                    <a:lumOff val="40000"/>
-                  </a:schemeClr>
-                </a:solidFill>
-              </a:rPr>
-              <a:t> </a:t>
-            </a:r>
-            <a:r>
-              <a:rPr lang="en-US" dirty="0" smtClean="0">
-                <a:solidFill>
-                  <a:schemeClr val="tx2">
-                    <a:lumMod val="60000"/>
-                    <a:lumOff val="40000"/>
-                  </a:schemeClr>
-                </a:solidFill>
-              </a:rPr>
-              <a:t>Services</a:t>
-            </a:r>
-          </a:p>
-          <a:p>
-            <a:pPr lvl="1"/>
-            <a:r>
-              <a:rPr lang="en-US" dirty="0" smtClean="0">
-                <a:solidFill>
-                  <a:schemeClr val="tx2">
-                    <a:lumMod val="60000"/>
-                    <a:lumOff val="40000"/>
-                  </a:schemeClr>
-                </a:solidFill>
-              </a:rPr>
-              <a:t>Providing and consuming Services</a:t>
-            </a:r>
-          </a:p>
-          <a:p>
-            <a:pPr lvl="1"/>
-            <a:r>
-              <a:rPr lang="en-US" dirty="0" smtClean="0">
-                <a:solidFill>
-                  <a:schemeClr val="tx2">
-                    <a:lumMod val="60000"/>
-                    <a:lumOff val="40000"/>
-                  </a:schemeClr>
-                </a:solidFill>
-              </a:rPr>
-              <a:t>Service Tracker</a:t>
-            </a:r>
-          </a:p>
-          <a:p>
-            <a:r>
-              <a:rPr lang="en-US" dirty="0" smtClean="0">
-                <a:solidFill>
-                  <a:schemeClr val="tx2">
-                    <a:lumMod val="60000"/>
-                    <a:lumOff val="40000"/>
-                  </a:schemeClr>
-                </a:solidFill>
-              </a:rPr>
-              <a:t>Overview </a:t>
-            </a:r>
-            <a:r>
-              <a:rPr lang="en-US" dirty="0" smtClean="0">
-                <a:solidFill>
-                  <a:schemeClr val="tx2">
-                    <a:lumMod val="60000"/>
-                    <a:lumOff val="40000"/>
-                  </a:schemeClr>
-                </a:solidFill>
-              </a:rPr>
-              <a:t>Declarative </a:t>
-            </a:r>
-            <a:r>
-              <a:rPr lang="en-US" dirty="0" smtClean="0">
-                <a:solidFill>
-                  <a:schemeClr val="tx2">
-                    <a:lumMod val="60000"/>
-                    <a:lumOff val="40000"/>
-                  </a:schemeClr>
-                </a:solidFill>
-              </a:rPr>
-              <a:t>Services &amp; </a:t>
-            </a:r>
-            <a:r>
-              <a:rPr lang="en-US" dirty="0" smtClean="0">
-                <a:solidFill>
-                  <a:schemeClr val="tx2">
-                    <a:lumMod val="60000"/>
-                    <a:lumOff val="40000"/>
-                  </a:schemeClr>
-                </a:solidFill>
-              </a:rPr>
-              <a:t>Spring Dynamic </a:t>
-            </a:r>
-            <a:r>
-              <a:rPr lang="en-US" dirty="0" smtClean="0">
-                <a:solidFill>
-                  <a:schemeClr val="tx2">
-                    <a:lumMod val="60000"/>
-                    <a:lumOff val="40000"/>
-                  </a:schemeClr>
-                </a:solidFill>
-              </a:rPr>
-              <a:t>Modules</a:t>
-            </a:r>
-            <a:endParaRPr lang="en-US" dirty="0" smtClean="0">
-              <a:solidFill>
-                <a:schemeClr val="tx2">
-                  <a:lumMod val="60000"/>
-                  <a:lumOff val="40000"/>
-                </a:schemeClr>
-              </a:solidFill>
-            </a:endParaRPr>
-          </a:p>
-          <a:p>
-            <a:r>
-              <a:rPr lang="en-US" dirty="0" smtClean="0">
-                <a:solidFill>
-                  <a:schemeClr val="tx2">
-                    <a:lumMod val="60000"/>
-                    <a:lumOff val="40000"/>
-                  </a:schemeClr>
-                </a:solidFill>
-              </a:rPr>
-              <a:t>Declarative </a:t>
-            </a:r>
-            <a:r>
-              <a:rPr lang="en-US" dirty="0" smtClean="0">
-                <a:solidFill>
-                  <a:schemeClr val="tx2">
-                    <a:lumMod val="60000"/>
-                    <a:lumOff val="40000"/>
-                  </a:schemeClr>
-                </a:solidFill>
-              </a:rPr>
-              <a:t>Services in Detail</a:t>
-            </a:r>
-            <a:endParaRPr lang="en-US" dirty="0" smtClean="0">
-              <a:solidFill>
-                <a:schemeClr val="tx2">
-                  <a:lumMod val="60000"/>
-                  <a:lumOff val="40000"/>
-                </a:schemeClr>
-              </a:solidFill>
-            </a:endParaRPr>
-          </a:p>
-          <a:p>
+            <a:pPr>
+              <a:buClr>
+                <a:schemeClr val="accent1"/>
+              </a:buClr>
+              <a:buFont typeface="Arial" pitchFamily="34" charset="0"/>
+              <a:buChar char="+"/>
+            </a:pPr>
             <a:r>
               <a:rPr lang="en-US" dirty="0" smtClean="0"/>
-              <a:t>Spring Dynamic </a:t>
-            </a:r>
+              <a:t>Very easy to define components, services and references declaratively</a:t>
+            </a:r>
+          </a:p>
+          <a:p>
+            <a:pPr>
+              <a:buClr>
+                <a:schemeClr val="accent1"/>
+              </a:buClr>
+              <a:buFont typeface="Arial" pitchFamily="34" charset="0"/>
+              <a:buChar char="+"/>
+            </a:pPr>
             <a:r>
               <a:rPr lang="en-US" dirty="0" smtClean="0"/>
-              <a:t>Modules in </a:t>
-            </a:r>
+              <a:t>SCR takes care of life cycle management and dependency resolution</a:t>
+            </a:r>
+          </a:p>
+          <a:p>
+            <a:endParaRPr lang="en-US" dirty="0" smtClean="0"/>
+          </a:p>
+          <a:p>
+            <a:pPr>
+              <a:buNone/>
+            </a:pPr>
             <a:r>
               <a:rPr lang="en-US" dirty="0" smtClean="0"/>
-              <a:t>Detail</a:t>
-            </a:r>
-          </a:p>
-          <a:p>
-            <a:r>
-              <a:rPr lang="en-US" dirty="0" smtClean="0">
-                <a:solidFill>
-                  <a:schemeClr val="tx2">
-                    <a:lumMod val="60000"/>
-                    <a:lumOff val="40000"/>
-                  </a:schemeClr>
-                </a:solidFill>
-              </a:rPr>
-              <a:t>Comparison (DS vs. DM)</a:t>
-            </a:r>
-            <a:endParaRPr lang="en-US" dirty="0" smtClean="0">
-              <a:solidFill>
-                <a:schemeClr val="tx2">
-                  <a:lumMod val="60000"/>
-                  <a:lumOff val="40000"/>
-                </a:schemeClr>
-              </a:solidFill>
-            </a:endParaRPr>
-          </a:p>
-          <a:p>
-            <a:r>
-              <a:rPr lang="en-US" dirty="0" smtClean="0">
-                <a:solidFill>
-                  <a:schemeClr val="tx2">
-                    <a:lumMod val="60000"/>
-                    <a:lumOff val="40000"/>
-                  </a:schemeClr>
-                </a:solidFill>
-              </a:rPr>
-              <a:t>Conclusion &amp; Best Practices</a:t>
-            </a:r>
-          </a:p>
-          <a:p>
-            <a:r>
-              <a:rPr lang="en-US" dirty="0" smtClean="0">
-                <a:solidFill>
-                  <a:schemeClr val="tx2">
-                    <a:lumMod val="60000"/>
-                    <a:lumOff val="40000"/>
-                  </a:schemeClr>
-                </a:solidFill>
-              </a:rPr>
-              <a:t>Discussion</a:t>
-            </a:r>
-            <a:endParaRPr lang="en-US" dirty="0" smtClean="0">
-              <a:solidFill>
-                <a:schemeClr val="tx2">
-                  <a:lumMod val="60000"/>
-                  <a:lumOff val="40000"/>
-                </a:schemeClr>
-              </a:solidFill>
-            </a:endParaRPr>
+              <a:t>But</a:t>
+            </a:r>
+          </a:p>
+          <a:p>
+            <a:pPr>
+              <a:buClr>
+                <a:srgbClr val="C00000"/>
+              </a:buClr>
+              <a:buFont typeface="Symbol" pitchFamily="18" charset="2"/>
+              <a:buChar char="-"/>
+            </a:pPr>
+            <a:r>
+              <a:rPr lang="en-US" dirty="0" smtClean="0"/>
+              <a:t>Dependency injection only works for other services, not for POJOs or DS components</a:t>
+            </a:r>
+          </a:p>
+          <a:p>
+            <a:pPr>
+              <a:buClr>
+                <a:srgbClr val="C00000"/>
+              </a:buClr>
+              <a:buFont typeface="Symbol" pitchFamily="18" charset="2"/>
+              <a:buChar char="-"/>
+            </a:pPr>
+            <a:r>
+              <a:rPr lang="en-US" dirty="0" smtClean="0"/>
+              <a:t>Properties cannot be declared mandatory</a:t>
+            </a:r>
+            <a:endParaRPr lang="en-US" dirty="0"/>
           </a:p>
         </p:txBody>
       </p:sp>
       <p:sp>
         <p:nvSpPr>
-          <p:cNvPr id="4" name="Foliennummernplatzhalter 3"/>
+          <p:cNvPr id="3" name="Slide Number Placeholder 2"/>
           <p:cNvSpPr>
             <a:spLocks noGrp="1"/>
           </p:cNvSpPr>
@@ -17150,17 +16272,17 @@
           <a:lstStyle/>
           <a:p>
             <a:fld id="{1EE64C7A-B923-420E-A18C-3EBD0469DC1F}" type="slidenum">
-              <a:rPr lang="en-US" smtClean="0"/>
+              <a:rPr lang="de-DE" smtClean="0"/>
               <a:pPr/>
               <a:t>38</a:t>
             </a:fld>
-            <a:endParaRPr lang="en-US"/>
+            <a:endParaRPr lang="de-DE" dirty="0"/>
           </a:p>
         </p:txBody>
       </p:sp>
       <p:sp>
         <p:nvSpPr>
-          <p:cNvPr id="5" name="Titel 4"/>
+          <p:cNvPr id="4" name="Title 3"/>
           <p:cNvSpPr>
             <a:spLocks noGrp="1"/>
           </p:cNvSpPr>
@@ -17174,10 +16296,10 @@
           <a:lstStyle/>
           <a:p>
             <a:r>
-              <a:rPr lang="en-US" noProof="0" smtClean="0"/>
-              <a:t>Agenda</a:t>
-            </a:r>
-            <a:endParaRPr lang="en-US" noProof="0"/>
+              <a:rPr lang="en-US" dirty="0" smtClean="0"/>
+              <a:t>DS Conclusion</a:t>
+            </a:r>
+            <a:endParaRPr lang="en-US" dirty="0"/>
           </a:p>
         </p:txBody>
       </p:sp>
@@ -17215,7 +16337,207 @@
       </p:grpSpPr>
       <p:sp>
         <p:nvSpPr>
-          <p:cNvPr id="2" name="Titel 1"/>
+          <p:cNvPr id="6" name="Inhaltsplatzhalter 5"/>
+          <p:cNvSpPr>
+            <a:spLocks noGrp="1"/>
+          </p:cNvSpPr>
+          <p:nvPr>
+            <p:ph idx="1"/>
+          </p:nvPr>
+        </p:nvSpPr>
+        <p:spPr/>
+        <p:txBody>
+          <a:bodyPr>
+            <a:normAutofit/>
+          </a:bodyPr>
+          <a:lstStyle/>
+          <a:p>
+            <a:r>
+              <a:rPr lang="en-US" dirty="0" smtClean="0">
+                <a:solidFill>
+                  <a:schemeClr val="tx2">
+                    <a:lumMod val="60000"/>
+                    <a:lumOff val="40000"/>
+                  </a:schemeClr>
+                </a:solidFill>
+              </a:rPr>
+              <a:t>Demo: A Swing App Framework based dynamic </a:t>
+            </a:r>
+            <a:r>
+              <a:rPr lang="en-US" dirty="0" err="1" smtClean="0">
+                <a:solidFill>
+                  <a:schemeClr val="tx2">
+                    <a:lumMod val="60000"/>
+                    <a:lumOff val="40000"/>
+                  </a:schemeClr>
+                </a:solidFill>
+              </a:rPr>
+              <a:t>OSGi</a:t>
+            </a:r>
+            <a:r>
+              <a:rPr lang="en-US" dirty="0" smtClean="0">
+                <a:solidFill>
+                  <a:schemeClr val="tx2">
+                    <a:lumMod val="60000"/>
+                    <a:lumOff val="40000"/>
+                  </a:schemeClr>
+                </a:solidFill>
+              </a:rPr>
+              <a:t> application</a:t>
+            </a:r>
+          </a:p>
+          <a:p>
+            <a:r>
+              <a:rPr lang="en-US" dirty="0" err="1" smtClean="0">
+                <a:solidFill>
+                  <a:schemeClr val="tx2">
+                    <a:lumMod val="60000"/>
+                    <a:lumOff val="40000"/>
+                  </a:schemeClr>
+                </a:solidFill>
+              </a:rPr>
+              <a:t>OSGi</a:t>
+            </a:r>
+            <a:r>
+              <a:rPr lang="en-US" dirty="0" smtClean="0">
+                <a:solidFill>
+                  <a:schemeClr val="tx2">
+                    <a:lumMod val="60000"/>
+                    <a:lumOff val="40000"/>
+                  </a:schemeClr>
+                </a:solidFill>
+              </a:rPr>
+              <a:t> Services</a:t>
+            </a:r>
+          </a:p>
+          <a:p>
+            <a:pPr lvl="1"/>
+            <a:r>
+              <a:rPr lang="en-US" dirty="0" smtClean="0">
+                <a:solidFill>
+                  <a:schemeClr val="tx2">
+                    <a:lumMod val="60000"/>
+                    <a:lumOff val="40000"/>
+                  </a:schemeClr>
+                </a:solidFill>
+              </a:rPr>
+              <a:t>Providing and consuming Services</a:t>
+            </a:r>
+          </a:p>
+          <a:p>
+            <a:pPr lvl="1"/>
+            <a:r>
+              <a:rPr lang="en-US" dirty="0" smtClean="0">
+                <a:solidFill>
+                  <a:schemeClr val="tx2">
+                    <a:lumMod val="60000"/>
+                    <a:lumOff val="40000"/>
+                  </a:schemeClr>
+                </a:solidFill>
+              </a:rPr>
+              <a:t>Service Tracker</a:t>
+            </a:r>
+          </a:p>
+          <a:p>
+            <a:r>
+              <a:rPr lang="en-US" dirty="0" smtClean="0">
+                <a:solidFill>
+                  <a:schemeClr val="tx2">
+                    <a:lumMod val="60000"/>
+                    <a:lumOff val="40000"/>
+                  </a:schemeClr>
+                </a:solidFill>
+              </a:rPr>
+              <a:t>Overview Declarative Services &amp; Spring Dynamic Modules</a:t>
+            </a:r>
+          </a:p>
+          <a:p>
+            <a:r>
+              <a:rPr lang="en-US" dirty="0" smtClean="0">
+                <a:solidFill>
+                  <a:schemeClr val="tx2">
+                    <a:lumMod val="60000"/>
+                    <a:lumOff val="40000"/>
+                  </a:schemeClr>
+                </a:solidFill>
+              </a:rPr>
+              <a:t>Declarative Services in Detail</a:t>
+            </a:r>
+          </a:p>
+          <a:p>
+            <a:r>
+              <a:rPr lang="en-US" dirty="0" smtClean="0"/>
+              <a:t>Spring Dynamic Modules in Detail</a:t>
+            </a:r>
+          </a:p>
+          <a:p>
+            <a:r>
+              <a:rPr lang="en-US" dirty="0" smtClean="0">
+                <a:solidFill>
+                  <a:schemeClr val="tx2">
+                    <a:lumMod val="60000"/>
+                    <a:lumOff val="40000"/>
+                  </a:schemeClr>
+                </a:solidFill>
+              </a:rPr>
+              <a:t>Comparison (DS vs. DM)</a:t>
+            </a:r>
+          </a:p>
+          <a:p>
+            <a:r>
+              <a:rPr lang="en-US" dirty="0" smtClean="0">
+                <a:solidFill>
+                  <a:schemeClr val="tx2">
+                    <a:lumMod val="60000"/>
+                    <a:lumOff val="40000"/>
+                  </a:schemeClr>
+                </a:solidFill>
+              </a:rPr>
+              <a:t>Conclusion &amp; Best Practices</a:t>
+            </a:r>
+          </a:p>
+          <a:p>
+            <a:r>
+              <a:rPr lang="en-US" dirty="0" smtClean="0">
+                <a:solidFill>
+                  <a:schemeClr val="tx2">
+                    <a:lumMod val="60000"/>
+                    <a:lumOff val="40000"/>
+                  </a:schemeClr>
+                </a:solidFill>
+              </a:rPr>
+              <a:t>Discussion</a:t>
+            </a:r>
+          </a:p>
+        </p:txBody>
+      </p:sp>
+      <p:sp>
+        <p:nvSpPr>
+          <p:cNvPr id="4" name="Foliennummernplatzhalter 3"/>
+          <p:cNvSpPr>
+            <a:spLocks noGrp="1"/>
+          </p:cNvSpPr>
+          <p:nvPr>
+            <p:ph type="sldNum" sz="quarter" idx="10"/>
+          </p:nvPr>
+        </p:nvSpPr>
+        <p:spPr/>
+        <p:txBody>
+          <a:bodyPr/>
+          <a:lstStyle/>
+          <a:p>
+            <a:fld id="{1EE64C7A-B923-420E-A18C-3EBD0469DC1F}" type="slidenum">
+              <a:rPr lang="en-US" smtClean="0"/>
+              <a:pPr/>
+              <a:t>39</a:t>
+            </a:fld>
+            <a:endParaRPr lang="en-US"/>
+          </a:p>
+        </p:txBody>
+      </p:sp>
+      <p:sp>
+        <p:nvSpPr>
+          <p:cNvPr id="5" name="Titel 4"/>
           <p:cNvSpPr>
             <a:spLocks noGrp="1"/>
           </p:cNvSpPr>
@@ -17229,713 +16551,13 @@
           <a:lstStyle/>
           <a:p>
             <a:r>
-              <a:rPr lang="en-US" dirty="0" smtClean="0"/>
-              <a:t>Spring DM</a:t>
-            </a:r>
-            <a:r>
-              <a:rPr lang="en-US" noProof="0" dirty="0" smtClean="0"/>
-              <a:t> </a:t>
-            </a:r>
-            <a:r>
-              <a:rPr lang="en-US" noProof="0" dirty="0" smtClean="0"/>
-              <a:t>Components</a:t>
-            </a:r>
-            <a:endParaRPr lang="en-US" noProof="0" dirty="0"/>
+              <a:rPr lang="en-US" noProof="0" smtClean="0"/>
+              <a:t>Agenda</a:t>
+            </a:r>
+            <a:endParaRPr lang="en-US" noProof="0"/>
           </a:p>
         </p:txBody>
       </p:sp>
-      <p:sp>
-        <p:nvSpPr>
-          <p:cNvPr id="3" name="Foliennummernplatzhalter 2"/>
-          <p:cNvSpPr>
-            <a:spLocks noGrp="1"/>
-          </p:cNvSpPr>
-          <p:nvPr>
-            <p:ph type="sldNum" sz="quarter" idx="12"/>
-          </p:nvPr>
-        </p:nvSpPr>
-        <p:spPr/>
-        <p:txBody>
-          <a:bodyPr/>
-          <a:lstStyle/>
-          <a:p>
-            <a:fld id="{1EE64C7A-B923-420E-A18C-3EBD0469DC1F}" type="slidenum">
-              <a:rPr lang="de-DE" smtClean="0"/>
-              <a:pPr/>
-              <a:t>39</a:t>
-            </a:fld>
-            <a:endParaRPr lang="de-DE"/>
-          </a:p>
-        </p:txBody>
-      </p:sp>
-      <p:sp>
-        <p:nvSpPr>
-          <p:cNvPr id="4" name="Abgerundetes Rechteck 3"/>
-          <p:cNvSpPr/>
-          <p:nvPr/>
-        </p:nvSpPr>
-        <p:spPr>
-          <a:xfrm>
-            <a:off x="1071538" y="1643050"/>
-            <a:ext cx="7143800" cy="3835992"/>
-          </a:xfrm>
-          <a:prstGeom prst="roundRect">
-            <a:avLst/>
-          </a:prstGeom>
-          <a:gradFill flip="none" rotWithShape="1">
-            <a:gsLst>
-              <a:gs pos="1000">
-                <a:schemeClr val="accent6">
-                  <a:lumMod val="75000"/>
-                </a:schemeClr>
-              </a:gs>
-              <a:gs pos="100000">
-                <a:schemeClr val="accent6"/>
-              </a:gs>
-            </a:gsLst>
-            <a:lin ang="5400000" scaled="1"/>
-            <a:tileRect/>
-          </a:gradFill>
-          <a:ln>
-            <a:solidFill>
-              <a:schemeClr val="accent6">
-                <a:lumMod val="50000"/>
-              </a:schemeClr>
-            </a:solidFill>
-          </a:ln>
-        </p:spPr>
-        <p:style>
-          <a:lnRef idx="2">
-            <a:schemeClr val="accent1">
-              <a:shade val="50000"/>
-            </a:schemeClr>
-          </a:lnRef>
-          <a:fillRef idx="1">
-            <a:schemeClr val="accent1"/>
-          </a:fillRef>
-          <a:effectRef idx="0">
-            <a:schemeClr val="accent1"/>
-          </a:effectRef>
-          <a:fontRef idx="minor">
-            <a:schemeClr val="lt1"/>
-          </a:fontRef>
-        </p:style>
-        <p:txBody>
-          <a:bodyPr wrap="none" rtlCol="0" anchor="ctr" anchorCtr="0">
-            <a:noAutofit/>
-          </a:bodyPr>
-          <a:lstStyle/>
-          <a:p>
-            <a:pPr algn="ctr"/>
-            <a:endParaRPr lang="en-US" dirty="0" smtClean="0"/>
-          </a:p>
-        </p:txBody>
-      </p:sp>
-      <p:sp>
-        <p:nvSpPr>
-          <p:cNvPr id="5" name="Abgerundetes Rechteck 4"/>
-          <p:cNvSpPr/>
-          <p:nvPr/>
-        </p:nvSpPr>
-        <p:spPr>
-          <a:xfrm>
-            <a:off x="5357818" y="3571876"/>
-            <a:ext cx="2500330" cy="1071570"/>
-          </a:xfrm>
-          <a:prstGeom prst="roundRect">
-            <a:avLst/>
-          </a:prstGeom>
-          <a:ln/>
-        </p:spPr>
-        <p:style>
-          <a:lnRef idx="0">
-            <a:schemeClr val="accent2"/>
-          </a:lnRef>
-          <a:fillRef idx="3">
-            <a:schemeClr val="accent2"/>
-          </a:fillRef>
-          <a:effectRef idx="3">
-            <a:schemeClr val="accent2"/>
-          </a:effectRef>
-          <a:fontRef idx="minor">
-            <a:schemeClr val="lt1"/>
-          </a:fontRef>
-        </p:style>
-        <p:txBody>
-          <a:bodyPr wrap="none" rtlCol="0" anchor="ctr">
-            <a:noAutofit/>
-          </a:bodyPr>
-          <a:lstStyle/>
-          <a:p>
-            <a:pPr algn="ctr"/>
-            <a:r>
-              <a:rPr lang="en-US" dirty="0" smtClean="0"/>
-              <a:t>Spring Bean</a:t>
-            </a:r>
-            <a:endParaRPr lang="en-US" dirty="0" smtClean="0"/>
-          </a:p>
-          <a:p>
-            <a:pPr algn="ctr"/>
-            <a:r>
-              <a:rPr lang="en-US" dirty="0" smtClean="0"/>
-              <a:t>Instance </a:t>
-            </a:r>
-            <a:r>
-              <a:rPr lang="en-US" dirty="0" smtClean="0"/>
-              <a:t/>
-            </a:r>
-            <a:br>
-              <a:rPr lang="en-US" dirty="0" smtClean="0"/>
-            </a:br>
-            <a:r>
-              <a:rPr lang="en-US" dirty="0" smtClean="0"/>
-              <a:t>(</a:t>
-            </a:r>
-            <a:r>
-              <a:rPr lang="en-US" dirty="0" smtClean="0"/>
-              <a:t>POJO)</a:t>
-            </a:r>
-          </a:p>
-        </p:txBody>
-      </p:sp>
-      <p:sp>
-        <p:nvSpPr>
-          <p:cNvPr id="6" name="Gefaltete Ecke 5"/>
-          <p:cNvSpPr/>
-          <p:nvPr/>
-        </p:nvSpPr>
-        <p:spPr>
-          <a:xfrm>
-            <a:off x="1620012" y="3593536"/>
-            <a:ext cx="2380484" cy="1049910"/>
-          </a:xfrm>
-          <a:prstGeom prst="foldedCorner">
-            <a:avLst/>
-          </a:prstGeom>
-          <a:ln/>
-        </p:spPr>
-        <p:style>
-          <a:lnRef idx="0">
-            <a:schemeClr val="accent5"/>
-          </a:lnRef>
-          <a:fillRef idx="3">
-            <a:schemeClr val="accent5"/>
-          </a:fillRef>
-          <a:effectRef idx="3">
-            <a:schemeClr val="accent5"/>
-          </a:effectRef>
-          <a:fontRef idx="minor">
-            <a:schemeClr val="lt1"/>
-          </a:fontRef>
-        </p:style>
-        <p:txBody>
-          <a:bodyPr wrap="square" rtlCol="0" anchor="ctr" anchorCtr="0">
-            <a:noAutofit/>
-          </a:bodyPr>
-          <a:lstStyle/>
-          <a:p>
-            <a:pPr algn="ctr"/>
-            <a:r>
-              <a:rPr lang="en-US" dirty="0" smtClean="0"/>
-              <a:t>Spring Bean</a:t>
-            </a:r>
-            <a:endParaRPr lang="en-US" dirty="0" smtClean="0"/>
-          </a:p>
-          <a:p>
-            <a:pPr algn="ctr"/>
-            <a:r>
-              <a:rPr lang="en-US" dirty="0" smtClean="0"/>
-              <a:t>Description</a:t>
-            </a:r>
-          </a:p>
-          <a:p>
-            <a:pPr algn="ctr"/>
-            <a:r>
-              <a:rPr lang="en-US" dirty="0" smtClean="0"/>
-              <a:t>(XML)</a:t>
-            </a:r>
-            <a:endParaRPr lang="en-US" dirty="0" smtClean="0"/>
-          </a:p>
-        </p:txBody>
-      </p:sp>
-      <p:cxnSp>
-        <p:nvCxnSpPr>
-          <p:cNvPr id="7" name="Gerade Verbindung 24"/>
-          <p:cNvCxnSpPr>
-            <a:stCxn id="5" idx="1"/>
-            <a:endCxn id="6" idx="3"/>
-          </p:cNvCxnSpPr>
-          <p:nvPr/>
-        </p:nvCxnSpPr>
-        <p:spPr>
-          <a:xfrm rot="10800000" flipV="1">
-            <a:off x="4000496" y="4107661"/>
-            <a:ext cx="1357322" cy="10830"/>
-          </a:xfrm>
-          <a:prstGeom prst="straightConnector1">
-            <a:avLst/>
-          </a:prstGeom>
-          <a:ln>
-            <a:headEnd type="arrow"/>
-            <a:tailEnd type="none"/>
-          </a:ln>
-        </p:spPr>
-        <p:style>
-          <a:lnRef idx="2">
-            <a:schemeClr val="dk1"/>
-          </a:lnRef>
-          <a:fillRef idx="0">
-            <a:schemeClr val="dk1"/>
-          </a:fillRef>
-          <a:effectRef idx="1">
-            <a:schemeClr val="dk1"/>
-          </a:effectRef>
-          <a:fontRef idx="minor">
-            <a:schemeClr val="tx1"/>
-          </a:fontRef>
-        </p:style>
-      </p:cxnSp>
-      <p:cxnSp>
-        <p:nvCxnSpPr>
-          <p:cNvPr id="14" name="Gerade Verbindung 24"/>
-          <p:cNvCxnSpPr>
-            <a:stCxn id="40" idx="2"/>
-            <a:endCxn id="23" idx="0"/>
-          </p:cNvCxnSpPr>
-          <p:nvPr/>
-        </p:nvCxnSpPr>
-        <p:spPr>
-          <a:xfrm rot="5400000">
-            <a:off x="3501702" y="1237354"/>
-            <a:ext cx="521726" cy="1904622"/>
-          </a:xfrm>
-          <a:prstGeom prst="bentConnector3">
-            <a:avLst>
-              <a:gd name="adj1" fmla="val 50000"/>
-            </a:avLst>
-          </a:prstGeom>
-          <a:ln w="25400">
-            <a:solidFill>
-              <a:schemeClr val="accent6">
-                <a:lumMod val="50000"/>
-              </a:schemeClr>
-            </a:solidFill>
-            <a:prstDash val="dash"/>
-            <a:headEnd type="arrow"/>
-            <a:tailEnd type="none"/>
-          </a:ln>
-        </p:spPr>
-        <p:style>
-          <a:lnRef idx="1">
-            <a:schemeClr val="accent1"/>
-          </a:lnRef>
-          <a:fillRef idx="0">
-            <a:schemeClr val="accent1"/>
-          </a:fillRef>
-          <a:effectRef idx="0">
-            <a:schemeClr val="accent1"/>
-          </a:effectRef>
-          <a:fontRef idx="minor">
-            <a:schemeClr val="tx1"/>
-          </a:fontRef>
-        </p:style>
-      </p:cxnSp>
-      <p:cxnSp>
-        <p:nvCxnSpPr>
-          <p:cNvPr id="18" name="Gerade Verbindung 24"/>
-          <p:cNvCxnSpPr>
-            <a:stCxn id="43" idx="0"/>
-            <a:endCxn id="6" idx="2"/>
-          </p:cNvCxnSpPr>
-          <p:nvPr/>
-        </p:nvCxnSpPr>
-        <p:spPr>
-          <a:xfrm rot="16200000" flipV="1">
-            <a:off x="3589413" y="3864287"/>
-            <a:ext cx="524900" cy="2083217"/>
-          </a:xfrm>
-          <a:prstGeom prst="bentConnector3">
-            <a:avLst>
-              <a:gd name="adj1" fmla="val 50000"/>
-            </a:avLst>
-          </a:prstGeom>
-          <a:ln w="25400">
-            <a:solidFill>
-              <a:schemeClr val="accent6">
-                <a:lumMod val="50000"/>
-              </a:schemeClr>
-            </a:solidFill>
-            <a:prstDash val="dash"/>
-            <a:headEnd type="arrow"/>
-            <a:tailEnd type="none"/>
-          </a:ln>
-        </p:spPr>
-        <p:style>
-          <a:lnRef idx="1">
-            <a:schemeClr val="accent1"/>
-          </a:lnRef>
-          <a:fillRef idx="0">
-            <a:schemeClr val="accent1"/>
-          </a:fillRef>
-          <a:effectRef idx="0">
-            <a:schemeClr val="accent1"/>
-          </a:effectRef>
-          <a:fontRef idx="minor">
-            <a:schemeClr val="tx1"/>
-          </a:fontRef>
-        </p:style>
-      </p:cxnSp>
-      <p:sp>
-        <p:nvSpPr>
-          <p:cNvPr id="40" name="Trapezoid 39"/>
-          <p:cNvSpPr/>
-          <p:nvPr/>
-        </p:nvSpPr>
-        <p:spPr>
-          <a:xfrm>
-            <a:off x="3143240" y="1239256"/>
-            <a:ext cx="3143272" cy="689546"/>
-          </a:xfrm>
-          <a:prstGeom prst="trapezoid">
-            <a:avLst>
-              <a:gd name="adj" fmla="val 69606"/>
-            </a:avLst>
-          </a:prstGeom>
-          <a:gradFill flip="none" rotWithShape="1">
-            <a:gsLst>
-              <a:gs pos="0">
-                <a:schemeClr val="bg2">
-                  <a:lumMod val="75000"/>
-                </a:schemeClr>
-              </a:gs>
-              <a:gs pos="100000">
-                <a:schemeClr val="bg2"/>
-              </a:gs>
-            </a:gsLst>
-            <a:lin ang="5400000" scaled="1"/>
-            <a:tileRect/>
-          </a:gradFill>
-          <a:ln>
-            <a:solidFill>
-              <a:schemeClr val="bg2">
-                <a:lumMod val="50000"/>
-              </a:schemeClr>
-            </a:solidFill>
-          </a:ln>
-        </p:spPr>
-        <p:style>
-          <a:lnRef idx="2">
-            <a:schemeClr val="accent1">
-              <a:shade val="50000"/>
-            </a:schemeClr>
-          </a:lnRef>
-          <a:fillRef idx="1">
-            <a:schemeClr val="accent1"/>
-          </a:fillRef>
-          <a:effectRef idx="0">
-            <a:schemeClr val="accent1"/>
-          </a:effectRef>
-          <a:fontRef idx="minor">
-            <a:schemeClr val="lt1"/>
-          </a:fontRef>
-        </p:style>
-        <p:txBody>
-          <a:bodyPr wrap="none" rtlCol="0" anchor="ctr">
-            <a:noAutofit/>
-          </a:bodyPr>
-          <a:lstStyle/>
-          <a:p>
-            <a:pPr algn="ctr"/>
-            <a:r>
-              <a:rPr lang="en-US" sz="2000" dirty="0" smtClean="0"/>
-              <a:t>Provides Services</a:t>
-            </a:r>
-            <a:endParaRPr lang="en-US" sz="2000" dirty="0" smtClean="0"/>
-          </a:p>
-        </p:txBody>
-      </p:sp>
-      <p:sp>
-        <p:nvSpPr>
-          <p:cNvPr id="43" name="Trapezoid 42"/>
-          <p:cNvSpPr/>
-          <p:nvPr/>
-        </p:nvSpPr>
-        <p:spPr>
-          <a:xfrm>
-            <a:off x="3143240" y="5168346"/>
-            <a:ext cx="3500462" cy="760984"/>
-          </a:xfrm>
-          <a:prstGeom prst="trapezoid">
-            <a:avLst>
-              <a:gd name="adj" fmla="val 69606"/>
-            </a:avLst>
-          </a:prstGeom>
-          <a:gradFill flip="none" rotWithShape="1">
-            <a:gsLst>
-              <a:gs pos="0">
-                <a:schemeClr val="bg2">
-                  <a:lumMod val="75000"/>
-                </a:schemeClr>
-              </a:gs>
-              <a:gs pos="100000">
-                <a:schemeClr val="bg2"/>
-              </a:gs>
-            </a:gsLst>
-            <a:lin ang="5400000" scaled="1"/>
-            <a:tileRect/>
-          </a:gradFill>
-          <a:ln>
-            <a:solidFill>
-              <a:schemeClr val="bg2">
-                <a:lumMod val="50000"/>
-              </a:schemeClr>
-            </a:solidFill>
-          </a:ln>
-        </p:spPr>
-        <p:style>
-          <a:lnRef idx="2">
-            <a:schemeClr val="accent1">
-              <a:shade val="50000"/>
-            </a:schemeClr>
-          </a:lnRef>
-          <a:fillRef idx="1">
-            <a:schemeClr val="accent1"/>
-          </a:fillRef>
-          <a:effectRef idx="0">
-            <a:schemeClr val="accent1"/>
-          </a:effectRef>
-          <a:fontRef idx="minor">
-            <a:schemeClr val="lt1"/>
-          </a:fontRef>
-        </p:style>
-        <p:txBody>
-          <a:bodyPr wrap="none" rtlCol="0" anchor="ctr">
-            <a:noAutofit/>
-          </a:bodyPr>
-          <a:lstStyle/>
-          <a:p>
-            <a:pPr algn="ctr"/>
-            <a:r>
-              <a:rPr lang="en-US" sz="2000" dirty="0" smtClean="0"/>
-              <a:t>Depends on</a:t>
-            </a:r>
-            <a:br>
-              <a:rPr lang="en-US" sz="2000" dirty="0" smtClean="0"/>
-            </a:br>
-            <a:r>
-              <a:rPr lang="en-US" sz="2000" dirty="0" smtClean="0"/>
-              <a:t>Service References</a:t>
-            </a:r>
-            <a:endParaRPr lang="en-US" sz="2000" dirty="0" smtClean="0"/>
-          </a:p>
-        </p:txBody>
-      </p:sp>
-      <p:sp>
-        <p:nvSpPr>
-          <p:cNvPr id="21" name="TextBox 20"/>
-          <p:cNvSpPr txBox="1"/>
-          <p:nvPr/>
-        </p:nvSpPr>
-        <p:spPr>
-          <a:xfrm>
-            <a:off x="2071670" y="1773784"/>
-            <a:ext cx="1143008" cy="369332"/>
-          </a:xfrm>
-          <a:prstGeom prst="rect">
-            <a:avLst/>
-          </a:prstGeom>
-          <a:noFill/>
-        </p:spPr>
-        <p:txBody>
-          <a:bodyPr wrap="square" rtlCol="0">
-            <a:spAutoFit/>
-          </a:bodyPr>
-          <a:lstStyle/>
-          <a:p>
-            <a:r>
-              <a:rPr lang="en-US" dirty="0" smtClean="0"/>
-              <a:t>optional</a:t>
-            </a:r>
-            <a:endParaRPr lang="en-US" dirty="0"/>
-          </a:p>
-        </p:txBody>
-      </p:sp>
-      <p:sp>
-        <p:nvSpPr>
-          <p:cNvPr id="22" name="TextBox 21"/>
-          <p:cNvSpPr txBox="1"/>
-          <p:nvPr/>
-        </p:nvSpPr>
-        <p:spPr>
-          <a:xfrm>
-            <a:off x="2143108" y="4988494"/>
-            <a:ext cx="1143008" cy="369332"/>
-          </a:xfrm>
-          <a:prstGeom prst="rect">
-            <a:avLst/>
-          </a:prstGeom>
-          <a:noFill/>
-        </p:spPr>
-        <p:txBody>
-          <a:bodyPr wrap="square" rtlCol="0">
-            <a:spAutoFit/>
-          </a:bodyPr>
-          <a:lstStyle/>
-          <a:p>
-            <a:r>
-              <a:rPr lang="en-US" dirty="0" smtClean="0"/>
-              <a:t>optional</a:t>
-            </a:r>
-            <a:endParaRPr lang="en-US" dirty="0"/>
-          </a:p>
-        </p:txBody>
-      </p:sp>
-      <p:sp>
-        <p:nvSpPr>
-          <p:cNvPr id="20" name="Abgerundetes Rechteck 4"/>
-          <p:cNvSpPr/>
-          <p:nvPr/>
-        </p:nvSpPr>
-        <p:spPr>
-          <a:xfrm>
-            <a:off x="5357818" y="2428868"/>
-            <a:ext cx="2500330" cy="1071570"/>
-          </a:xfrm>
-          <a:prstGeom prst="roundRect">
-            <a:avLst/>
-          </a:prstGeom>
-          <a:ln/>
-        </p:spPr>
-        <p:style>
-          <a:lnRef idx="0">
-            <a:schemeClr val="accent1"/>
-          </a:lnRef>
-          <a:fillRef idx="3">
-            <a:schemeClr val="accent1"/>
-          </a:fillRef>
-          <a:effectRef idx="3">
-            <a:schemeClr val="accent1"/>
-          </a:effectRef>
-          <a:fontRef idx="minor">
-            <a:schemeClr val="lt1"/>
-          </a:fontRef>
-        </p:style>
-        <p:txBody>
-          <a:bodyPr wrap="none" rtlCol="0" anchor="ctr">
-            <a:noAutofit/>
-          </a:bodyPr>
-          <a:lstStyle/>
-          <a:p>
-            <a:pPr algn="ctr"/>
-            <a:r>
-              <a:rPr lang="en-US" dirty="0" smtClean="0"/>
-              <a:t>Service Interface</a:t>
-            </a:r>
-            <a:endParaRPr lang="en-US" dirty="0" smtClean="0"/>
-          </a:p>
-        </p:txBody>
-      </p:sp>
-      <p:sp>
-        <p:nvSpPr>
-          <p:cNvPr id="23" name="Gefaltete Ecke 5"/>
-          <p:cNvSpPr/>
-          <p:nvPr/>
-        </p:nvSpPr>
-        <p:spPr>
-          <a:xfrm>
-            <a:off x="1620012" y="2450528"/>
-            <a:ext cx="2380484" cy="1049910"/>
-          </a:xfrm>
-          <a:prstGeom prst="foldedCorner">
-            <a:avLst/>
-          </a:prstGeom>
-          <a:ln/>
-        </p:spPr>
-        <p:style>
-          <a:lnRef idx="0">
-            <a:schemeClr val="accent5"/>
-          </a:lnRef>
-          <a:fillRef idx="3">
-            <a:schemeClr val="accent5"/>
-          </a:fillRef>
-          <a:effectRef idx="3">
-            <a:schemeClr val="accent5"/>
-          </a:effectRef>
-          <a:fontRef idx="minor">
-            <a:schemeClr val="lt1"/>
-          </a:fontRef>
-        </p:style>
-        <p:txBody>
-          <a:bodyPr wrap="square" rtlCol="0" anchor="ctr" anchorCtr="0">
-            <a:noAutofit/>
-          </a:bodyPr>
-          <a:lstStyle/>
-          <a:p>
-            <a:pPr algn="ctr"/>
-            <a:r>
-              <a:rPr lang="en-US" dirty="0" err="1" smtClean="0"/>
-              <a:t>OSGi</a:t>
-            </a:r>
-            <a:r>
-              <a:rPr lang="en-US" dirty="0" smtClean="0"/>
-              <a:t> Service</a:t>
-            </a:r>
-            <a:endParaRPr lang="en-US" dirty="0" smtClean="0"/>
-          </a:p>
-          <a:p>
-            <a:pPr algn="ctr"/>
-            <a:r>
-              <a:rPr lang="en-US" dirty="0" smtClean="0"/>
-              <a:t>Description</a:t>
-            </a:r>
-          </a:p>
-          <a:p>
-            <a:pPr algn="ctr"/>
-            <a:r>
-              <a:rPr lang="en-US" dirty="0" smtClean="0"/>
-              <a:t>(XML)</a:t>
-            </a:r>
-            <a:endParaRPr lang="en-US" dirty="0" smtClean="0"/>
-          </a:p>
-        </p:txBody>
-      </p:sp>
-      <p:cxnSp>
-        <p:nvCxnSpPr>
-          <p:cNvPr id="24" name="Gerade Verbindung 24"/>
-          <p:cNvCxnSpPr>
-            <a:stCxn id="20" idx="1"/>
-            <a:endCxn id="23" idx="3"/>
-          </p:cNvCxnSpPr>
-          <p:nvPr/>
-        </p:nvCxnSpPr>
-        <p:spPr>
-          <a:xfrm rot="10800000" flipV="1">
-            <a:off x="4000496" y="2964653"/>
-            <a:ext cx="1357322" cy="10830"/>
-          </a:xfrm>
-          <a:prstGeom prst="straightConnector1">
-            <a:avLst/>
-          </a:prstGeom>
-          <a:ln>
-            <a:headEnd type="arrow"/>
-            <a:tailEnd type="none"/>
-          </a:ln>
-        </p:spPr>
-        <p:style>
-          <a:lnRef idx="2">
-            <a:schemeClr val="dk1"/>
-          </a:lnRef>
-          <a:fillRef idx="0">
-            <a:schemeClr val="dk1"/>
-          </a:fillRef>
-          <a:effectRef idx="1">
-            <a:schemeClr val="dk1"/>
-          </a:effectRef>
-          <a:fontRef idx="minor">
-            <a:schemeClr val="tx1"/>
-          </a:fontRef>
-        </p:style>
-      </p:cxnSp>
     </p:spTree>
   </p:cSld>
   <p:clrMapOvr>
@@ -18120,13 +16742,7 @@
               <a:rPr lang="en-US" noProof="0" dirty="0" smtClean="0">
                 <a:hlinkClick r:id="rId8"/>
               </a:rPr>
-              <a:t>Creative Commons Attribution 2.5 </a:t>
-            </a:r>
-            <a:r>
-              <a:rPr lang="en-US" noProof="0" dirty="0" smtClean="0">
-                <a:hlinkClick r:id="rId8"/>
-              </a:rPr>
-              <a:t>License</a:t>
+              <a:t>Creative Commons Attribution 2.5 License</a:t>
             </a:r>
             <a:endParaRPr lang="en-US" noProof="0" dirty="0" smtClean="0"/>
           </a:p>
@@ -18180,11 +16796,7 @@
             </a:r>
             <a:r>
               <a:rPr lang="en-US" noProof="0" dirty="0" smtClean="0"/>
-              <a:t>the </a:t>
-            </a:r>
-            <a:r>
-              <a:rPr lang="en-US" noProof="0" dirty="0" smtClean="0"/>
-              <a:t>Demo?</a:t>
+              <a:t>the Demo?</a:t>
             </a:r>
             <a:endParaRPr lang="en-US" noProof="0" dirty="0"/>
           </a:p>
@@ -18224,7 +16836,7 @@
       </p:grpSpPr>
       <p:sp>
         <p:nvSpPr>
-          <p:cNvPr id="2" name="Content Placeholder 1"/>
+          <p:cNvPr id="5" name="Inhaltsplatzhalter 4"/>
           <p:cNvSpPr>
             <a:spLocks noGrp="1"/>
           </p:cNvSpPr>
@@ -18234,144 +16846,32 @@
         </p:nvSpPr>
         <p:spPr/>
         <p:txBody>
-          <a:bodyPr>
-            <a:normAutofit lnSpcReduction="10000"/>
-          </a:bodyPr>
+          <a:bodyPr/>
           <a:lstStyle/>
           <a:p>
-            <a:pPr>
-              <a:buNone/>
-            </a:pPr>
-            <a:r>
-              <a:rPr lang="en-US" noProof="0" dirty="0" smtClean="0"/>
-              <a:t>To run Spring DM the following additional bundles are needed:</a:t>
-            </a:r>
-          </a:p>
-          <a:p>
-            <a:pPr>
-              <a:buNone/>
-            </a:pPr>
-            <a:endParaRPr lang="en-US" noProof="0" dirty="0" smtClean="0"/>
-          </a:p>
-          <a:p>
-            <a:r>
-              <a:rPr lang="de-DE" dirty="0" err="1" smtClean="0"/>
-              <a:t>org.springframework.osgi.extender</a:t>
-            </a:r>
-            <a:endParaRPr lang="de-DE" dirty="0" smtClean="0"/>
-          </a:p>
-          <a:p>
-            <a:r>
-              <a:rPr lang="de-DE" dirty="0" err="1" smtClean="0"/>
-              <a:t>org.springframework.osgi.core</a:t>
-            </a:r>
-            <a:endParaRPr lang="de-DE" dirty="0" smtClean="0"/>
-          </a:p>
-          <a:p>
-            <a:r>
-              <a:rPr lang="de-DE" dirty="0" smtClean="0"/>
-              <a:t>org.springframework.osgi.io</a:t>
-            </a:r>
-            <a:endParaRPr lang="de-DE" dirty="0" smtClean="0"/>
-          </a:p>
-          <a:p>
-            <a:r>
-              <a:rPr lang="de-DE" dirty="0" err="1" smtClean="0"/>
-              <a:t>org.springframework.bundle.spring.core</a:t>
-            </a:r>
-            <a:endParaRPr lang="de-DE" dirty="0" smtClean="0"/>
-          </a:p>
-          <a:p>
-            <a:r>
-              <a:rPr lang="de-DE" dirty="0" err="1" smtClean="0"/>
-              <a:t>org.springframework.bundle.spring.context</a:t>
-            </a:r>
-            <a:endParaRPr lang="de-DE" dirty="0" smtClean="0"/>
-          </a:p>
-          <a:p>
-            <a:r>
-              <a:rPr lang="de-DE" dirty="0" err="1" smtClean="0"/>
-              <a:t>org.springframework.bundle.spring.beans</a:t>
-            </a:r>
-            <a:endParaRPr lang="de-DE" dirty="0" smtClean="0"/>
-          </a:p>
-          <a:p>
-            <a:r>
-              <a:rPr lang="de-DE" dirty="0" err="1" smtClean="0"/>
-              <a:t>org.springframework.bundle.spring.aop</a:t>
-            </a:r>
-            <a:endParaRPr lang="de-DE" dirty="0" smtClean="0"/>
-          </a:p>
-          <a:p>
-            <a:r>
-              <a:rPr lang="de-DE" dirty="0" err="1" smtClean="0"/>
-              <a:t>commons-logging</a:t>
-            </a:r>
-            <a:r>
-              <a:rPr lang="de-DE" dirty="0" smtClean="0"/>
-              <a:t> </a:t>
-            </a:r>
-            <a:r>
-              <a:rPr lang="de-DE" dirty="0" smtClean="0"/>
-              <a:t>API (SLF4J </a:t>
-            </a:r>
-            <a:r>
-              <a:rPr lang="de-DE" dirty="0" err="1" smtClean="0"/>
-              <a:t>version</a:t>
-            </a:r>
-            <a:r>
-              <a:rPr lang="de-DE" dirty="0" smtClean="0"/>
-              <a:t> </a:t>
-            </a:r>
-            <a:r>
-              <a:rPr lang="de-DE" dirty="0" err="1" smtClean="0"/>
-              <a:t>highly</a:t>
-            </a:r>
-            <a:r>
-              <a:rPr lang="de-DE" dirty="0" smtClean="0"/>
-              <a:t> </a:t>
-            </a:r>
-            <a:r>
-              <a:rPr lang="de-DE" dirty="0" err="1" smtClean="0"/>
-              <a:t>recommended</a:t>
-            </a:r>
-            <a:r>
-              <a:rPr lang="de-DE" dirty="0" smtClean="0"/>
-              <a:t>)</a:t>
-            </a:r>
-          </a:p>
-          <a:p>
-            <a:r>
-              <a:rPr lang="de-DE" dirty="0" err="1" smtClean="0"/>
-              <a:t>logging</a:t>
-            </a:r>
-            <a:r>
-              <a:rPr lang="de-DE" dirty="0" smtClean="0"/>
-              <a:t> </a:t>
-            </a:r>
-            <a:r>
-              <a:rPr lang="de-DE" dirty="0" err="1" smtClean="0"/>
-              <a:t>implementation</a:t>
-            </a:r>
-            <a:r>
-              <a:rPr lang="de-DE" dirty="0" smtClean="0"/>
-              <a:t> such </a:t>
-            </a:r>
-            <a:r>
-              <a:rPr lang="de-DE" dirty="0" err="1" smtClean="0"/>
-              <a:t>as</a:t>
-            </a:r>
-            <a:r>
-              <a:rPr lang="de-DE" dirty="0" smtClean="0"/>
-              <a:t> log4j</a:t>
-            </a:r>
-            <a:endParaRPr lang="de-DE" dirty="0"/>
+            <a:r>
+              <a:rPr lang="en-US" dirty="0" smtClean="0"/>
+              <a:t>Application Context: Lightweight container</a:t>
+            </a:r>
+          </a:p>
+          <a:p>
+            <a:r>
+              <a:rPr lang="en-US" dirty="0" smtClean="0"/>
+              <a:t>Beans: Non-invasive programming model</a:t>
+            </a:r>
+          </a:p>
+          <a:p>
+            <a:r>
+              <a:rPr lang="en-US" dirty="0" smtClean="0"/>
+              <a:t>Dependency Injection</a:t>
+            </a:r>
+            <a:endParaRPr lang="en-US" dirty="0"/>
           </a:p>
         </p:txBody>
       </p:sp>
       <p:sp>
         <p:nvSpPr>
-          <p:cNvPr id="3" name="Slide Number Placeholder 2"/>
+          <p:cNvPr id="3" name="Foliennummernplatzhalter 2"/>
           <p:cNvSpPr>
             <a:spLocks noGrp="1"/>
           </p:cNvSpPr>
@@ -18389,13 +16889,13 @@
               <a:pPr/>
               <a:t>40</a:t>
             </a:fld>
-            <a:endParaRPr lang="de-DE" dirty="0"/>
+            <a:endParaRPr lang="de-DE"/>
           </a:p>
         </p:txBody>
       </p:sp>
       <p:sp>
         <p:nvSpPr>
-          <p:cNvPr id="4" name="Title 3"/>
+          <p:cNvPr id="2" name="Titel 1"/>
           <p:cNvSpPr>
             <a:spLocks noGrp="1"/>
           </p:cNvSpPr>
@@ -18409,33 +16909,42 @@
           <a:lstStyle/>
           <a:p>
             <a:r>
-              <a:rPr lang="en-US" noProof="0" dirty="0" smtClean="0"/>
-              <a:t>Needed </a:t>
-            </a:r>
-            <a:r>
-              <a:rPr lang="en-US" noProof="0" dirty="0" err="1" smtClean="0"/>
-              <a:t>OSGi</a:t>
-            </a:r>
-            <a:r>
-              <a:rPr lang="en-US" noProof="0" dirty="0" smtClean="0"/>
-              <a:t> Bundles for Spring DM</a:t>
-            </a:r>
-            <a:endParaRPr lang="en-US" noProof="0" dirty="0"/>
+              <a:rPr lang="en-US" dirty="0" smtClean="0"/>
+              <a:t>Spring Dependency Injection</a:t>
+            </a:r>
+            <a:endParaRPr lang="en-US" dirty="0"/>
           </a:p>
         </p:txBody>
       </p:sp>
+      <p:pic>
+        <p:nvPicPr>
+          <p:cNvPr id="7" name="Grafik 6" descr="Spring Application Context 300dpi.png"/>
+          <p:cNvPicPr>
+            <a:picLocks noChangeAspect="1"/>
+          </p:cNvPicPr>
+          <p:nvPr/>
+        </p:nvPicPr>
+        <p:blipFill>
+          <a:blip r:embed="rId2" cstate="print"/>
+          <a:stretch>
+            <a:fillRect/>
+          </a:stretch>
+        </p:blipFill>
+        <p:spPr>
+          <a:xfrm>
+            <a:off x="2982465" y="3071810"/>
+            <a:ext cx="3179070" cy="2453645"/>
+          </a:xfrm>
+          <a:prstGeom prst="rect">
+            <a:avLst/>
+          </a:prstGeom>
+        </p:spPr>
+      </p:pic>
     </p:spTree>
   </p:cSld>
   <p:clrMapOvr>
     <a:masterClrMapping/>
   </p:clrMapOvr>
-  <p:timing>
-    <p:tnLst>
-      <p:par>
-        <p:cTn id="1" dur="indefinite" restart="never" nodeType="tmRoot"/>
-      </p:par>
-    </p:tnLst>
-  </p:timing>
 </p:sld>
 </file>
 
@@ -18458,57 +16967,7 @@
       </p:grpSpPr>
       <p:sp>
         <p:nvSpPr>
-          <p:cNvPr id="2" name="Content Placeholder 1"/>
-          <p:cNvSpPr>
-            <a:spLocks noGrp="1"/>
-          </p:cNvSpPr>
-          <p:nvPr>
-            <p:ph idx="1"/>
-          </p:nvPr>
-        </p:nvSpPr>
-        <p:spPr/>
-        <p:txBody>
-          <a:bodyPr/>
-          <a:lstStyle/>
-          <a:p>
-            <a:r>
-              <a:rPr lang="en-US" noProof="0" dirty="0" smtClean="0">
-                <a:solidFill>
-                  <a:srgbClr val="C00000"/>
-                </a:solidFill>
-              </a:rPr>
-              <a:t>TBD</a:t>
-            </a:r>
-          </a:p>
-        </p:txBody>
-      </p:sp>
-      <p:sp>
-        <p:nvSpPr>
-          <p:cNvPr id="3" name="Slide Number Placeholder 2"/>
-          <p:cNvSpPr>
-            <a:spLocks noGrp="1"/>
-          </p:cNvSpPr>
-          <p:nvPr>
-            <p:ph type="sldNum" sz="quarter" idx="10"/>
-          </p:nvPr>
-        </p:nvSpPr>
-        <p:spPr/>
-        <p:txBody>
-          <a:bodyPr/>
-          <a:lstStyle/>
-          <a:p>
-            <a:fld id="{1EE64C7A-B923-420E-A18C-3EBD0469DC1F}" type="slidenum">
-              <a:rPr lang="de-DE" smtClean="0"/>
-              <a:pPr/>
-              <a:t>41</a:t>
-            </a:fld>
-            <a:endParaRPr lang="de-DE" dirty="0"/>
-          </a:p>
-        </p:txBody>
-      </p:sp>
-      <p:sp>
-        <p:nvSpPr>
-          <p:cNvPr id="4" name="Title 3"/>
+          <p:cNvPr id="4" name="Titel 3"/>
           <p:cNvSpPr>
             <a:spLocks noGrp="1"/>
           </p:cNvSpPr>
@@ -18522,10 +16981,130 @@
           <a:lstStyle/>
           <a:p>
             <a:r>
-              <a:rPr lang="en-US" noProof="0" smtClean="0"/>
-              <a:t>Spring DM in Detail</a:t>
-            </a:r>
-            <a:endParaRPr lang="en-US" noProof="0"/>
+              <a:rPr lang="en-US" dirty="0" smtClean="0"/>
+              <a:t>What is Spring DM?</a:t>
+            </a:r>
+            <a:endParaRPr lang="en-US" dirty="0"/>
+          </a:p>
+        </p:txBody>
+      </p:sp>
+      <p:sp>
+        <p:nvSpPr>
+          <p:cNvPr id="3" name="Foliennummernplatzhalter 2"/>
+          <p:cNvSpPr>
+            <a:spLocks noGrp="1"/>
+          </p:cNvSpPr>
+          <p:nvPr>
+            <p:ph type="sldNum" sz="quarter" idx="12"/>
+          </p:nvPr>
+        </p:nvSpPr>
+        <p:spPr/>
+        <p:txBody>
+          <a:bodyPr/>
+          <a:lstStyle/>
+          <a:p>
+            <a:fld id="{1EE64C7A-B923-420E-A18C-3EBD0469DC1F}" type="slidenum">
+              <a:rPr lang="de-DE" smtClean="0"/>
+              <a:pPr/>
+              <a:t>41</a:t>
+            </a:fld>
+            <a:endParaRPr lang="de-DE" dirty="0"/>
+          </a:p>
+        </p:txBody>
+      </p:sp>
+      <p:sp>
+        <p:nvSpPr>
+          <p:cNvPr id="8" name="Textfeld 7"/>
+          <p:cNvSpPr txBox="1"/>
+          <p:nvPr/>
+        </p:nvSpPr>
+        <p:spPr>
+          <a:xfrm>
+            <a:off x="1000100" y="1997839"/>
+            <a:ext cx="7143800" cy="2862322"/>
+          </a:xfrm>
+          <a:prstGeom prst="rect">
+            <a:avLst/>
+          </a:prstGeom>
+          <a:noFill/>
+        </p:spPr>
+        <p:txBody>
+          <a:bodyPr wrap="square" rtlCol="0">
+            <a:spAutoFit/>
+          </a:bodyPr>
+          <a:lstStyle/>
+          <a:p>
+            <a:r>
+              <a:rPr lang="en-US" sz="2000" dirty="0" smtClean="0"/>
+              <a:t>Spring Dynamic Modules focuses on </a:t>
+            </a:r>
+            <a:r>
+              <a:rPr lang="en-US" sz="2000" dirty="0" smtClean="0">
+                <a:solidFill>
+                  <a:schemeClr val="accent1">
+                    <a:lumMod val="75000"/>
+                  </a:schemeClr>
+                </a:solidFill>
+              </a:rPr>
+              <a:t>integrating Spring Framework powerful, non-invasive programming model </a:t>
+            </a:r>
+            <a:r>
+              <a:rPr lang="en-US" sz="2000" dirty="0" smtClean="0"/>
+              <a:t>and concepts with the </a:t>
+            </a:r>
+            <a:r>
+              <a:rPr lang="en-US" sz="2000" dirty="0" smtClean="0">
+                <a:solidFill>
+                  <a:schemeClr val="accent1">
+                    <a:lumMod val="75000"/>
+                  </a:schemeClr>
+                </a:solidFill>
+              </a:rPr>
+              <a:t>dynamics and modularity of OSGi platform</a:t>
+            </a:r>
+            <a:r>
+              <a:rPr lang="en-US" sz="2000" dirty="0" smtClean="0"/>
+              <a:t>.</a:t>
+            </a:r>
+          </a:p>
+          <a:p>
+            <a:endParaRPr lang="en-US" sz="2000" dirty="0" smtClean="0"/>
+          </a:p>
+          <a:p>
+            <a:r>
+              <a:rPr lang="en-US" sz="2000" dirty="0" smtClean="0"/>
+              <a:t>It allows </a:t>
+            </a:r>
+            <a:r>
+              <a:rPr lang="en-US" sz="2000" dirty="0" smtClean="0">
+                <a:solidFill>
+                  <a:schemeClr val="accent1">
+                    <a:lumMod val="75000"/>
+                  </a:schemeClr>
+                </a:solidFill>
+              </a:rPr>
+              <a:t>transparent exporting and importing of OSGi services</a:t>
+            </a:r>
+            <a:r>
+              <a:rPr lang="en-US" sz="2000" dirty="0" smtClean="0"/>
+              <a:t>, life cycle management and control.</a:t>
+            </a:r>
+          </a:p>
+          <a:p>
+            <a:r>
+              <a:rPr lang="en-US" sz="2000" dirty="0" smtClean="0"/>
+              <a:t/>
+            </a:r>
+            <a:br>
+              <a:rPr lang="en-US" sz="2000" dirty="0" smtClean="0"/>
+            </a:br>
+            <a:r>
+              <a:rPr lang="en-US" sz="2000" dirty="0" smtClean="0"/>
+              <a:t>(Spring DM Ref. Guide, 1.0)</a:t>
+            </a:r>
+          </a:p>
+          <a:p>
+            <a:endParaRPr lang="en-US" sz="2000" dirty="0"/>
           </a:p>
         </p:txBody>
       </p:sp>
@@ -18534,13 +17113,6 @@
   <p:clrMapOvr>
     <a:masterClrMapping/>
   </p:clrMapOvr>
-  <p:timing>
-    <p:tnLst>
-      <p:par>
-        <p:cTn id="1" dur="indefinite" restart="never" nodeType="tmRoot"/>
-      </p:par>
-    </p:tnLst>
-  </p:timing>
 </p:sld>
 </file>
 
@@ -18563,112 +17135,7 @@
       </p:grpSpPr>
       <p:sp>
         <p:nvSpPr>
-          <p:cNvPr id="2" name="Content Placeholder 1"/>
-          <p:cNvSpPr>
-            <a:spLocks noGrp="1"/>
-          </p:cNvSpPr>
-          <p:nvPr>
-            <p:ph idx="1"/>
-          </p:nvPr>
-        </p:nvSpPr>
-        <p:spPr/>
-        <p:txBody>
-          <a:bodyPr/>
-          <a:lstStyle/>
-          <a:p>
-            <a:pPr>
-              <a:buClr>
-                <a:schemeClr val="accent1"/>
-              </a:buClr>
-              <a:buFont typeface="Arial" pitchFamily="34" charset="0"/>
-              <a:buChar char="+"/>
-            </a:pPr>
-            <a:r>
-              <a:rPr lang="en-US" dirty="0" smtClean="0"/>
-              <a:t>Very easy to define Spring beans, </a:t>
-            </a:r>
-            <a:r>
-              <a:rPr lang="en-US" dirty="0" err="1" smtClean="0"/>
-              <a:t>OSGi</a:t>
-            </a:r>
-            <a:r>
-              <a:rPr lang="en-US" dirty="0" smtClean="0"/>
-              <a:t> services and references declaratively</a:t>
-            </a:r>
-          </a:p>
-          <a:p>
-            <a:pPr>
-              <a:buClr>
-                <a:schemeClr val="accent1"/>
-              </a:buClr>
-              <a:buFont typeface="Arial" pitchFamily="34" charset="0"/>
-              <a:buChar char="+"/>
-            </a:pPr>
-            <a:r>
-              <a:rPr lang="en-US" dirty="0" smtClean="0"/>
-              <a:t>Spring DM takes care of life cycle management and dependency resolution</a:t>
-            </a:r>
-          </a:p>
-          <a:p>
-            <a:pPr>
-              <a:buClr>
-                <a:schemeClr val="accent1"/>
-              </a:buClr>
-              <a:buFont typeface="Arial" pitchFamily="34" charset="0"/>
-              <a:buChar char="+"/>
-            </a:pPr>
-            <a:r>
-              <a:rPr lang="en-US" dirty="0" smtClean="0"/>
-              <a:t>Dependency injection only </a:t>
-            </a:r>
-            <a:r>
-              <a:rPr lang="en-US" dirty="0" smtClean="0"/>
-              <a:t>for </a:t>
-            </a:r>
-            <a:r>
-              <a:rPr lang="en-US" dirty="0" smtClean="0"/>
-              <a:t>other </a:t>
-            </a:r>
-            <a:r>
-              <a:rPr lang="en-US" dirty="0" smtClean="0"/>
-              <a:t>services and other POJOs (Spring beans)</a:t>
-            </a:r>
-            <a:endParaRPr lang="en-US" dirty="0" smtClean="0"/>
-          </a:p>
-          <a:p>
-            <a:pPr>
-              <a:buNone/>
-            </a:pPr>
-            <a:endParaRPr lang="en-US" dirty="0" smtClean="0"/>
-          </a:p>
-          <a:p>
-            <a:pPr>
-              <a:buNone/>
-            </a:pPr>
-            <a:r>
-              <a:rPr lang="en-US" dirty="0" smtClean="0"/>
-              <a:t>But</a:t>
-            </a:r>
-          </a:p>
-          <a:p>
-            <a:pPr>
-              <a:buClr>
-                <a:srgbClr val="C00000"/>
-              </a:buClr>
-              <a:buFont typeface="Symbol" pitchFamily="18" charset="2"/>
-              <a:buChar char="-"/>
-            </a:pPr>
-            <a:r>
-              <a:rPr lang="en-US" dirty="0" smtClean="0"/>
-              <a:t>Properties also cannot be declared mandatory</a:t>
-            </a:r>
-            <a:endParaRPr lang="en-US" dirty="0"/>
-          </a:p>
-        </p:txBody>
-      </p:sp>
-      <p:sp>
-        <p:nvSpPr>
-          <p:cNvPr id="3" name="Slide Number Placeholder 2"/>
+          <p:cNvPr id="3" name="Foliennummernplatzhalter 2"/>
           <p:cNvSpPr>
             <a:spLocks noGrp="1"/>
           </p:cNvSpPr>
@@ -18692,7 +17159,7 @@
       </p:sp>
       <p:sp>
         <p:nvSpPr>
-          <p:cNvPr id="4" name="Title 3"/>
+          <p:cNvPr id="4" name="Titel 3"/>
           <p:cNvSpPr>
             <a:spLocks noGrp="1"/>
           </p:cNvSpPr>
@@ -18707,12 +17174,1568 @@
           <a:p>
             <a:r>
               <a:rPr lang="en-US" dirty="0" smtClean="0"/>
-              <a:t>Spring DM Conclusion</a:t>
+              <a:t>Spring DM at a Glance</a:t>
             </a:r>
             <a:endParaRPr lang="en-US" dirty="0"/>
           </a:p>
         </p:txBody>
       </p:sp>
+      <p:pic>
+        <p:nvPicPr>
+          <p:cNvPr id="6" name="Inhaltsplatzhalter 5" descr="Spring DM 300dpi.png"/>
+          <p:cNvPicPr>
+            <a:picLocks noGrp="1" noChangeAspect="1"/>
+          </p:cNvPicPr>
+          <p:nvPr>
+            <p:ph idx="1"/>
+          </p:nvPr>
+        </p:nvPicPr>
+        <p:blipFill>
+          <a:blip r:embed="rId2" cstate="print"/>
+          <a:stretch>
+            <a:fillRect/>
+          </a:stretch>
+        </p:blipFill>
+        <p:spPr>
+          <a:xfrm>
+            <a:off x="646168" y="1303365"/>
+            <a:ext cx="7851664" cy="4611633"/>
+          </a:xfrm>
+        </p:spPr>
+      </p:pic>
+    </p:spTree>
+  </p:cSld>
+  <p:clrMapOvr>
+    <a:masterClrMapping/>
+  </p:clrMapOvr>
+</p:sld>
+</file>
+
+<file path=ppt/slides/slide43.xml><?xml version="1.0" encoding="utf-8"?>
+<p:sld xmlns:a="http://schemas.openxmlformats.org/drawingml/2006/main" xmlns:r="http://schemas.openxmlformats.org/officeDocument/2006/relationships" xmlns:p="http://schemas.openxmlformats.org/presentationml/2006/main">
+  <p:cSld>
+    <p:spTree>
+      <p:nvGrpSpPr>
+        <p:cNvPr id="1" name=""/>
+        <p:cNvGrpSpPr/>
+        <p:nvPr/>
+      </p:nvGrpSpPr>
+      <p:grpSpPr>
+        <a:xfrm>
+          <a:off x="0" y="0"/>
+          <a:ext cx="0" cy="0"/>
+          <a:chOff x="0" y="0"/>
+          <a:chExt cx="0" cy="0"/>
+        </a:xfrm>
+      </p:grpSpPr>
+      <p:pic>
+        <p:nvPicPr>
+          <p:cNvPr id="5" name="Inhaltsplatzhalter 4" descr="Spring DM Extender 300dpi.png"/>
+          <p:cNvPicPr>
+            <a:picLocks noGrp="1" noChangeAspect="1"/>
+          </p:cNvPicPr>
+          <p:nvPr>
+            <p:ph idx="1"/>
+          </p:nvPr>
+        </p:nvPicPr>
+        <p:blipFill>
+          <a:blip r:embed="rId2" cstate="print"/>
+          <a:stretch>
+            <a:fillRect/>
+          </a:stretch>
+        </p:blipFill>
+        <p:spPr>
+          <a:xfrm>
+            <a:off x="1185665" y="1484372"/>
+            <a:ext cx="6772670" cy="3889256"/>
+          </a:xfrm>
+        </p:spPr>
+      </p:pic>
+      <p:sp>
+        <p:nvSpPr>
+          <p:cNvPr id="3" name="Foliennummernplatzhalter 2"/>
+          <p:cNvSpPr>
+            <a:spLocks noGrp="1"/>
+          </p:cNvSpPr>
+          <p:nvPr>
+            <p:ph type="sldNum" sz="quarter" idx="10"/>
+          </p:nvPr>
+        </p:nvSpPr>
+        <p:spPr/>
+        <p:txBody>
+          <a:bodyPr/>
+          <a:lstStyle/>
+          <a:p>
+            <a:fld id="{1EE64C7A-B923-420E-A18C-3EBD0469DC1F}" type="slidenum">
+              <a:rPr lang="de-DE" smtClean="0"/>
+              <a:pPr/>
+              <a:t>43</a:t>
+            </a:fld>
+            <a:endParaRPr lang="de-DE" dirty="0"/>
+          </a:p>
+        </p:txBody>
+      </p:sp>
+      <p:sp>
+        <p:nvSpPr>
+          <p:cNvPr id="4" name="Titel 3"/>
+          <p:cNvSpPr>
+            <a:spLocks noGrp="1"/>
+          </p:cNvSpPr>
+          <p:nvPr>
+            <p:ph type="title"/>
+          </p:nvPr>
+        </p:nvSpPr>
+        <p:spPr/>
+        <p:txBody>
+          <a:bodyPr/>
+          <a:lstStyle/>
+          <a:p>
+            <a:r>
+              <a:rPr lang="en-US" dirty="0" smtClean="0"/>
+              <a:t>Applying the Extender Model</a:t>
+            </a:r>
+            <a:endParaRPr lang="en-US" dirty="0"/>
+          </a:p>
+        </p:txBody>
+      </p:sp>
+    </p:spTree>
+  </p:cSld>
+  <p:clrMapOvr>
+    <a:masterClrMapping/>
+  </p:clrMapOvr>
+</p:sld>
+</file>
+
+<file path=ppt/slides/slide44.xml><?xml version="1.0" encoding="utf-8"?>
+<p:sld xmlns:a="http://schemas.openxmlformats.org/drawingml/2006/main" xmlns:r="http://schemas.openxmlformats.org/officeDocument/2006/relationships" xmlns:p="http://schemas.openxmlformats.org/presentationml/2006/main">
+  <p:cSld>
+    <p:spTree>
+      <p:nvGrpSpPr>
+        <p:cNvPr id="1" name=""/>
+        <p:cNvGrpSpPr/>
+        <p:nvPr/>
+      </p:nvGrpSpPr>
+      <p:grpSpPr>
+        <a:xfrm>
+          <a:off x="0" y="0"/>
+          <a:ext cx="0" cy="0"/>
+          <a:chOff x="0" y="0"/>
+          <a:chExt cx="0" cy="0"/>
+        </a:xfrm>
+      </p:grpSpPr>
+      <p:sp>
+        <p:nvSpPr>
+          <p:cNvPr id="3" name="Foliennummernplatzhalter 2"/>
+          <p:cNvSpPr>
+            <a:spLocks noGrp="1"/>
+          </p:cNvSpPr>
+          <p:nvPr>
+            <p:ph type="sldNum" sz="quarter" idx="10"/>
+          </p:nvPr>
+        </p:nvSpPr>
+        <p:spPr/>
+        <p:txBody>
+          <a:bodyPr/>
+          <a:lstStyle/>
+          <a:p>
+            <a:fld id="{1EE64C7A-B923-420E-A18C-3EBD0469DC1F}" type="slidenum">
+              <a:rPr lang="de-DE" smtClean="0"/>
+              <a:pPr/>
+              <a:t>44</a:t>
+            </a:fld>
+            <a:endParaRPr lang="de-DE" dirty="0"/>
+          </a:p>
+        </p:txBody>
+      </p:sp>
+      <p:sp>
+        <p:nvSpPr>
+          <p:cNvPr id="4" name="Titel 3"/>
+          <p:cNvSpPr>
+            <a:spLocks noGrp="1"/>
+          </p:cNvSpPr>
+          <p:nvPr>
+            <p:ph type="title"/>
+          </p:nvPr>
+        </p:nvSpPr>
+        <p:spPr/>
+        <p:txBody>
+          <a:bodyPr/>
+          <a:lstStyle/>
+          <a:p>
+            <a:r>
+              <a:rPr lang="en-US" dirty="0" smtClean="0"/>
+              <a:t>The Spring-Context Manifest Header</a:t>
+            </a:r>
+            <a:endParaRPr lang="en-US" dirty="0"/>
+          </a:p>
+        </p:txBody>
+      </p:sp>
+      <p:pic>
+        <p:nvPicPr>
+          <p:cNvPr id="6" name="Grafik 5" descr="Spring-Context Syntax 300dpi.png"/>
+          <p:cNvPicPr>
+            <a:picLocks noChangeAspect="1"/>
+          </p:cNvPicPr>
+          <p:nvPr/>
+        </p:nvPicPr>
+        <p:blipFill>
+          <a:blip r:embed="rId2" cstate="print"/>
+          <a:stretch>
+            <a:fillRect/>
+          </a:stretch>
+        </p:blipFill>
+        <p:spPr>
+          <a:xfrm>
+            <a:off x="1363973" y="1123183"/>
+            <a:ext cx="6416053" cy="4611633"/>
+          </a:xfrm>
+          <a:prstGeom prst="rect">
+            <a:avLst/>
+          </a:prstGeom>
+        </p:spPr>
+      </p:pic>
+    </p:spTree>
+  </p:cSld>
+  <p:clrMapOvr>
+    <a:masterClrMapping/>
+  </p:clrMapOvr>
+</p:sld>
+</file>
+
+<file path=ppt/slides/slide45.xml><?xml version="1.0" encoding="utf-8"?>
+<p:sld xmlns:a="http://schemas.openxmlformats.org/drawingml/2006/main" xmlns:r="http://schemas.openxmlformats.org/officeDocument/2006/relationships" xmlns:p="http://schemas.openxmlformats.org/presentationml/2006/main">
+  <p:cSld>
+    <p:spTree>
+      <p:nvGrpSpPr>
+        <p:cNvPr id="1" name=""/>
+        <p:cNvGrpSpPr/>
+        <p:nvPr/>
+      </p:nvGrpSpPr>
+      <p:grpSpPr>
+        <a:xfrm>
+          <a:off x="0" y="0"/>
+          <a:ext cx="0" cy="0"/>
+          <a:chOff x="0" y="0"/>
+          <a:chExt cx="0" cy="0"/>
+        </a:xfrm>
+      </p:grpSpPr>
+      <p:sp>
+        <p:nvSpPr>
+          <p:cNvPr id="4" name="Titel 3"/>
+          <p:cNvSpPr>
+            <a:spLocks noGrp="1"/>
+          </p:cNvSpPr>
+          <p:nvPr>
+            <p:ph type="title"/>
+          </p:nvPr>
+        </p:nvSpPr>
+        <p:spPr/>
+        <p:txBody>
+          <a:bodyPr/>
+          <a:lstStyle/>
+          <a:p>
+            <a:r>
+              <a:rPr lang="en-US" dirty="0" smtClean="0"/>
+              <a:t>Application Context Creation</a:t>
+            </a:r>
+            <a:endParaRPr lang="en-US" dirty="0"/>
+          </a:p>
+        </p:txBody>
+      </p:sp>
+      <p:sp>
+        <p:nvSpPr>
+          <p:cNvPr id="3" name="Foliennummernplatzhalter 2"/>
+          <p:cNvSpPr>
+            <a:spLocks noGrp="1"/>
+          </p:cNvSpPr>
+          <p:nvPr>
+            <p:ph type="sldNum" sz="quarter" idx="12"/>
+          </p:nvPr>
+        </p:nvSpPr>
+        <p:spPr/>
+        <p:txBody>
+          <a:bodyPr/>
+          <a:lstStyle/>
+          <a:p>
+            <a:fld id="{1EE64C7A-B923-420E-A18C-3EBD0469DC1F}" type="slidenum">
+              <a:rPr lang="de-DE" smtClean="0"/>
+              <a:pPr/>
+              <a:t>45</a:t>
+            </a:fld>
+            <a:endParaRPr lang="de-DE" dirty="0"/>
+          </a:p>
+        </p:txBody>
+      </p:sp>
+      <p:graphicFrame>
+        <p:nvGraphicFramePr>
+          <p:cNvPr id="5" name="Tabelle 4"/>
+          <p:cNvGraphicFramePr>
+            <a:graphicFrameLocks noGrp="1"/>
+          </p:cNvGraphicFramePr>
+          <p:nvPr/>
+        </p:nvGraphicFramePr>
+        <p:xfrm>
+          <a:off x="539750" y="1214422"/>
+          <a:ext cx="8064500" cy="3810000"/>
+        </p:xfrm>
+        <a:graphic>
+          <a:graphicData uri="http://schemas.openxmlformats.org/drawingml/2006/table">
+            <a:tbl>
+              <a:tblPr firstRow="1" bandRow="1">
+                <a:tableStyleId>{7DF18680-E054-41AD-8BC1-D1AEF772440D}</a:tableStyleId>
+              </a:tblPr>
+              <a:tblGrid>
+                <a:gridCol w="2889242"/>
+                <a:gridCol w="5175258"/>
+              </a:tblGrid>
+              <a:tr h="370840">
+                <a:tc>
+                  <a:txBody>
+                    <a:bodyPr/>
+                    <a:lstStyle/>
+                    <a:p>
+                      <a:pPr algn="ctr"/>
+                      <a:r>
+                        <a:rPr lang="en-US" sz="2000" dirty="0" smtClean="0"/>
+                        <a:t>Directive</a:t>
+                      </a:r>
+                      <a:endParaRPr lang="en-US" sz="2000" dirty="0"/>
+                    </a:p>
+                  </a:txBody>
+                  <a:tcPr/>
+                </a:tc>
+                <a:tc>
+                  <a:txBody>
+                    <a:bodyPr/>
+                    <a:lstStyle/>
+                    <a:p>
+                      <a:pPr algn="ctr"/>
+                      <a:r>
+                        <a:rPr lang="en-US" sz="2000" dirty="0" smtClean="0"/>
+                        <a:t>Effect</a:t>
+                      </a:r>
+                      <a:endParaRPr lang="en-US" sz="2000" dirty="0"/>
+                    </a:p>
+                  </a:txBody>
+                  <a:tcPr/>
+                </a:tc>
+              </a:tr>
+              <a:tr h="370840">
+                <a:tc>
+                  <a:txBody>
+                    <a:bodyPr/>
+                    <a:lstStyle/>
+                    <a:p>
+                      <a:r>
+                        <a:rPr lang="en-US" sz="2000" i="1" dirty="0" smtClean="0"/>
+                        <a:t>create-asynchronously</a:t>
+                      </a:r>
+                      <a:endParaRPr lang="en-US" sz="2000" i="1" dirty="0"/>
+                    </a:p>
+                  </a:txBody>
+                  <a:tcPr/>
+                </a:tc>
+                <a:tc>
+                  <a:txBody>
+                    <a:bodyPr/>
+                    <a:lstStyle/>
+                    <a:p>
+                      <a:r>
+                        <a:rPr lang="en-US" sz="2000" dirty="0" smtClean="0"/>
+                        <a:t>Create </a:t>
+                      </a:r>
+                      <a:r>
+                        <a:rPr lang="en-US" sz="2000" baseline="0" dirty="0" smtClean="0"/>
+                        <a:t>asynchronously as to OSGi thread?</a:t>
+                      </a:r>
+                      <a:endParaRPr lang="en-US" sz="2000" dirty="0" smtClean="0"/>
+                    </a:p>
+                    <a:p>
+                      <a:r>
+                        <a:rPr lang="en-US" sz="2000" dirty="0" smtClean="0"/>
+                        <a:t>Default</a:t>
+                      </a:r>
+                      <a:r>
+                        <a:rPr lang="en-US" sz="2000" baseline="0" dirty="0" smtClean="0"/>
+                        <a:t> is </a:t>
+                      </a:r>
+                      <a:r>
+                        <a:rPr lang="en-US" sz="2000" i="1" baseline="0" dirty="0" smtClean="0">
+                          <a:solidFill>
+                            <a:schemeClr val="accent1">
+                              <a:lumMod val="75000"/>
+                            </a:schemeClr>
+                          </a:solidFill>
+                        </a:rPr>
+                        <a:t>true</a:t>
+                      </a:r>
+                      <a:endParaRPr lang="en-US" sz="2000" i="1" dirty="0">
+                        <a:solidFill>
+                          <a:schemeClr val="accent1">
+                            <a:lumMod val="75000"/>
+                          </a:schemeClr>
+                        </a:solidFill>
+                      </a:endParaRPr>
+                    </a:p>
+                  </a:txBody>
+                  <a:tcPr/>
+                </a:tc>
+              </a:tr>
+              <a:tr h="370840">
+                <a:tc>
+                  <a:txBody>
+                    <a:bodyPr/>
+                    <a:lstStyle/>
+                    <a:p>
+                      <a:r>
+                        <a:rPr lang="en-US" sz="2000" i="1" dirty="0" smtClean="0"/>
+                        <a:t>wait-for-dependencies</a:t>
+                      </a:r>
+                      <a:endParaRPr lang="en-US" sz="2000" i="1" dirty="0"/>
+                    </a:p>
+                  </a:txBody>
+                  <a:tcPr/>
+                </a:tc>
+                <a:tc>
+                  <a:txBody>
+                    <a:bodyPr/>
+                    <a:lstStyle/>
+                    <a:p>
+                      <a:r>
+                        <a:rPr lang="en-US" sz="2000" dirty="0" smtClean="0"/>
+                        <a:t>Wait for mandatory dependencies?</a:t>
+                      </a:r>
+                    </a:p>
+                    <a:p>
+                      <a:r>
+                        <a:rPr lang="en-US" sz="2000" dirty="0" smtClean="0"/>
+                        <a:t>Default is </a:t>
+                      </a:r>
+                      <a:r>
+                        <a:rPr lang="en-US" sz="2000" i="1" kern="1200" baseline="0" dirty="0" smtClean="0">
+                          <a:solidFill>
+                            <a:schemeClr val="accent1">
+                              <a:lumMod val="75000"/>
+                            </a:schemeClr>
+                          </a:solidFill>
+                          <a:latin typeface="+mn-lt"/>
+                          <a:ea typeface="+mn-ea"/>
+                          <a:cs typeface="+mn-cs"/>
+                        </a:rPr>
+                        <a:t>true</a:t>
+                      </a:r>
+                    </a:p>
+                  </a:txBody>
+                  <a:tcPr/>
+                </a:tc>
+              </a:tr>
+              <a:tr h="370840">
+                <a:tc>
+                  <a:txBody>
+                    <a:bodyPr/>
+                    <a:lstStyle/>
+                    <a:p>
+                      <a:r>
+                        <a:rPr lang="en-US" sz="2000" i="1" dirty="0" smtClean="0"/>
+                        <a:t>timeout</a:t>
+                      </a:r>
+                      <a:endParaRPr lang="en-US" sz="2000" i="1" dirty="0"/>
+                    </a:p>
+                  </a:txBody>
+                  <a:tcPr/>
+                </a:tc>
+                <a:tc>
+                  <a:txBody>
+                    <a:bodyPr/>
+                    <a:lstStyle/>
+                    <a:p>
+                      <a:r>
+                        <a:rPr lang="en-US" sz="2000" dirty="0" smtClean="0"/>
+                        <a:t>Time in seconds</a:t>
+                      </a:r>
+                      <a:r>
+                        <a:rPr lang="en-US" sz="2000" baseline="0" dirty="0" smtClean="0"/>
+                        <a:t> to wait for mandatory dependencies before failing.</a:t>
+                      </a:r>
+                    </a:p>
+                    <a:p>
+                      <a:r>
+                        <a:rPr lang="en-US" sz="2000" baseline="0" dirty="0" smtClean="0"/>
+                        <a:t>Default is 300</a:t>
+                      </a:r>
+                      <a:endParaRPr lang="en-US" sz="2000" dirty="0"/>
+                    </a:p>
+                  </a:txBody>
+                  <a:tcPr/>
+                </a:tc>
+              </a:tr>
+              <a:tr h="370840">
+                <a:tc>
+                  <a:txBody>
+                    <a:bodyPr/>
+                    <a:lstStyle/>
+                    <a:p>
+                      <a:r>
+                        <a:rPr lang="en-US" sz="2000" i="1" dirty="0" smtClean="0"/>
+                        <a:t>publish-context</a:t>
+                      </a:r>
+                      <a:endParaRPr lang="en-US" sz="2000" i="1" dirty="0"/>
+                    </a:p>
+                  </a:txBody>
+                  <a:tcPr/>
+                </a:tc>
+                <a:tc>
+                  <a:txBody>
+                    <a:bodyPr/>
+                    <a:lstStyle/>
+                    <a:p>
+                      <a:r>
+                        <a:rPr lang="en-US" sz="2000" dirty="0" smtClean="0"/>
+                        <a:t>Publish</a:t>
+                      </a:r>
+                      <a:r>
+                        <a:rPr lang="en-US" sz="2000" baseline="0" dirty="0" smtClean="0"/>
+                        <a:t> the Application Context as OSGi service?</a:t>
+                      </a:r>
+                    </a:p>
+                    <a:p>
+                      <a:r>
+                        <a:rPr lang="en-US" sz="2000" baseline="0" dirty="0" smtClean="0"/>
+                        <a:t>Default is </a:t>
+                      </a:r>
+                      <a:r>
+                        <a:rPr lang="en-US" sz="2000" i="1" kern="1200" baseline="0" dirty="0" smtClean="0">
+                          <a:solidFill>
+                            <a:schemeClr val="accent1">
+                              <a:lumMod val="75000"/>
+                            </a:schemeClr>
+                          </a:solidFill>
+                          <a:latin typeface="+mn-lt"/>
+                          <a:ea typeface="+mn-ea"/>
+                          <a:cs typeface="+mn-cs"/>
+                        </a:rPr>
+                        <a:t>true</a:t>
+                      </a:r>
+                    </a:p>
+                  </a:txBody>
+                  <a:tcPr/>
+                </a:tc>
+              </a:tr>
+            </a:tbl>
+          </a:graphicData>
+        </a:graphic>
+      </p:graphicFrame>
+    </p:spTree>
+  </p:cSld>
+  <p:clrMapOvr>
+    <a:masterClrMapping/>
+  </p:clrMapOvr>
+</p:sld>
+</file>
+
+<file path=ppt/slides/slide46.xml><?xml version="1.0" encoding="utf-8"?>
+<p:sld xmlns:a="http://schemas.openxmlformats.org/drawingml/2006/main" xmlns:r="http://schemas.openxmlformats.org/officeDocument/2006/relationships" xmlns:p="http://schemas.openxmlformats.org/presentationml/2006/main">
+  <p:cSld>
+    <p:spTree>
+      <p:nvGrpSpPr>
+        <p:cNvPr id="1" name=""/>
+        <p:cNvGrpSpPr/>
+        <p:nvPr/>
+      </p:nvGrpSpPr>
+      <p:grpSpPr>
+        <a:xfrm>
+          <a:off x="0" y="0"/>
+          <a:ext cx="0" cy="0"/>
+          <a:chOff x="0" y="0"/>
+          <a:chExt cx="0" cy="0"/>
+        </a:xfrm>
+      </p:grpSpPr>
+      <p:sp>
+        <p:nvSpPr>
+          <p:cNvPr id="3" name="Foliennummernplatzhalter 2"/>
+          <p:cNvSpPr>
+            <a:spLocks noGrp="1"/>
+          </p:cNvSpPr>
+          <p:nvPr>
+            <p:ph type="sldNum" sz="quarter" idx="10"/>
+          </p:nvPr>
+        </p:nvSpPr>
+        <p:spPr/>
+        <p:txBody>
+          <a:bodyPr/>
+          <a:lstStyle/>
+          <a:p>
+            <a:fld id="{1EE64C7A-B923-420E-A18C-3EBD0469DC1F}" type="slidenum">
+              <a:rPr lang="de-DE" smtClean="0"/>
+              <a:pPr/>
+              <a:t>46</a:t>
+            </a:fld>
+            <a:endParaRPr lang="de-DE"/>
+          </a:p>
+        </p:txBody>
+      </p:sp>
+      <p:sp>
+        <p:nvSpPr>
+          <p:cNvPr id="2" name="Titel 1"/>
+          <p:cNvSpPr>
+            <a:spLocks noGrp="1"/>
+          </p:cNvSpPr>
+          <p:nvPr>
+            <p:ph type="title"/>
+          </p:nvPr>
+        </p:nvSpPr>
+        <p:spPr/>
+        <p:txBody>
+          <a:bodyPr/>
+          <a:lstStyle/>
+          <a:p>
+            <a:r>
+              <a:rPr lang="en-US" dirty="0" smtClean="0"/>
+              <a:t>Exporting Beans as OSGi Services (1)</a:t>
+            </a:r>
+            <a:endParaRPr lang="en-US" dirty="0"/>
+          </a:p>
+        </p:txBody>
+      </p:sp>
+      <p:pic>
+        <p:nvPicPr>
+          <p:cNvPr id="5" name="Grafik 4" descr="Spring DM - Exporting Services 300dpi.png"/>
+          <p:cNvPicPr>
+            <a:picLocks noChangeAspect="1"/>
+          </p:cNvPicPr>
+          <p:nvPr/>
+        </p:nvPicPr>
+        <p:blipFill>
+          <a:blip r:embed="rId2" cstate="print"/>
+          <a:stretch>
+            <a:fillRect/>
+          </a:stretch>
+        </p:blipFill>
+        <p:spPr>
+          <a:xfrm>
+            <a:off x="1909567" y="1071546"/>
+            <a:ext cx="5324867" cy="3179070"/>
+          </a:xfrm>
+          <a:prstGeom prst="rect">
+            <a:avLst/>
+          </a:prstGeom>
+        </p:spPr>
+      </p:pic>
+      <p:sp>
+        <p:nvSpPr>
+          <p:cNvPr id="8" name="Text Box 4"/>
+          <p:cNvSpPr txBox="1">
+            <a:spLocks noChangeArrowheads="1"/>
+          </p:cNvSpPr>
+          <p:nvPr/>
+        </p:nvSpPr>
+        <p:spPr bwMode="auto">
+          <a:xfrm>
+            <a:off x="1999673" y="4857760"/>
+            <a:ext cx="5144655" cy="371513"/>
+          </a:xfrm>
+          <a:prstGeom prst="rect">
+            <a:avLst/>
+          </a:prstGeom>
+          <a:solidFill>
+            <a:schemeClr val="bg1"/>
+          </a:solidFill>
+          <a:ln w="19050" algn="ctr">
+            <a:noFill/>
+            <a:prstDash val="dash"/>
+            <a:miter lim="800000"/>
+            <a:headEnd/>
+            <a:tailEnd/>
+          </a:ln>
+        </p:spPr>
+        <p:txBody>
+          <a:bodyPr wrap="none" lIns="90000" tIns="46800" rIns="90000" bIns="46800">
+            <a:spAutoFit/>
+          </a:bodyPr>
+          <a:lstStyle/>
+          <a:p>
+            <a:pPr marL="136525" indent="-136525" algn="ctr">
+              <a:spcBef>
+                <a:spcPct val="0"/>
+              </a:spcBef>
+            </a:pPr>
+            <a:r>
+              <a:rPr lang="en-US" b="1" dirty="0">
+                <a:solidFill>
+                  <a:srgbClr val="008080"/>
+                </a:solidFill>
+                <a:latin typeface="Courier New" pitchFamily="49" charset="0"/>
+              </a:rPr>
+              <a:t>&lt;</a:t>
+            </a:r>
+            <a:r>
+              <a:rPr lang="en-US" b="1" dirty="0">
+                <a:solidFill>
+                  <a:srgbClr val="3F7F7F"/>
+                </a:solidFill>
+                <a:latin typeface="Courier New" pitchFamily="49" charset="0"/>
+              </a:rPr>
+              <a:t>service </a:t>
+            </a:r>
+            <a:r>
+              <a:rPr lang="en-US" b="1" dirty="0">
+                <a:solidFill>
+                  <a:srgbClr val="7F007F"/>
+                </a:solidFill>
+                <a:latin typeface="Courier New" pitchFamily="49" charset="0"/>
+              </a:rPr>
+              <a:t>ref</a:t>
+            </a:r>
+            <a:r>
+              <a:rPr lang="en-US" b="1" dirty="0" smtClean="0">
+                <a:solidFill>
+                  <a:srgbClr val="000000"/>
+                </a:solidFill>
+                <a:latin typeface="Courier New" pitchFamily="49" charset="0"/>
+              </a:rPr>
+              <a:t>=</a:t>
+            </a:r>
+            <a:r>
+              <a:rPr lang="en-US" b="1" dirty="0" smtClean="0">
+                <a:solidFill>
+                  <a:srgbClr val="2A00FF"/>
+                </a:solidFill>
+                <a:latin typeface="Courier New" pitchFamily="49" charset="0"/>
+              </a:rPr>
+              <a:t>"..."</a:t>
+            </a:r>
+            <a:r>
+              <a:rPr lang="en-US" b="1" dirty="0" smtClean="0">
+                <a:solidFill>
+                  <a:srgbClr val="7F007F"/>
+                </a:solidFill>
+                <a:latin typeface="Courier New" pitchFamily="49" charset="0"/>
+              </a:rPr>
+              <a:t> interface</a:t>
+            </a:r>
+            <a:r>
+              <a:rPr lang="en-US" b="1" dirty="0" smtClean="0">
+                <a:solidFill>
+                  <a:srgbClr val="000000"/>
+                </a:solidFill>
+                <a:latin typeface="Courier New" pitchFamily="49" charset="0"/>
+              </a:rPr>
+              <a:t>=</a:t>
+            </a:r>
+            <a:r>
+              <a:rPr lang="en-US" b="1" dirty="0" smtClean="0">
+                <a:solidFill>
+                  <a:srgbClr val="2A00FF"/>
+                </a:solidFill>
+                <a:latin typeface="Courier New" pitchFamily="49" charset="0"/>
+              </a:rPr>
+              <a:t>"..."</a:t>
+            </a:r>
+            <a:r>
+              <a:rPr lang="en-US" b="1" dirty="0" smtClean="0">
+                <a:solidFill>
+                  <a:srgbClr val="008080"/>
+                </a:solidFill>
+                <a:latin typeface="Courier New" pitchFamily="49" charset="0"/>
+              </a:rPr>
+              <a:t>&gt;</a:t>
+            </a:r>
+            <a:endParaRPr lang="en-US" b="1" dirty="0">
+              <a:solidFill>
+                <a:srgbClr val="008080"/>
+              </a:solidFill>
+              <a:latin typeface="Courier New" pitchFamily="49" charset="0"/>
+            </a:endParaRPr>
+          </a:p>
+        </p:txBody>
+      </p:sp>
+    </p:spTree>
+  </p:cSld>
+  <p:clrMapOvr>
+    <a:masterClrMapping/>
+  </p:clrMapOvr>
+</p:sld>
+</file>
+
+<file path=ppt/slides/slide47.xml><?xml version="1.0" encoding="utf-8"?>
+<p:sld xmlns:a="http://schemas.openxmlformats.org/drawingml/2006/main" xmlns:r="http://schemas.openxmlformats.org/officeDocument/2006/relationships" xmlns:p="http://schemas.openxmlformats.org/presentationml/2006/main">
+  <p:cSld>
+    <p:spTree>
+      <p:nvGrpSpPr>
+        <p:cNvPr id="1" name=""/>
+        <p:cNvGrpSpPr/>
+        <p:nvPr/>
+      </p:nvGrpSpPr>
+      <p:grpSpPr>
+        <a:xfrm>
+          <a:off x="0" y="0"/>
+          <a:ext cx="0" cy="0"/>
+          <a:chOff x="0" y="0"/>
+          <a:chExt cx="0" cy="0"/>
+        </a:xfrm>
+      </p:grpSpPr>
+      <p:sp>
+        <p:nvSpPr>
+          <p:cNvPr id="4" name="Titel 3"/>
+          <p:cNvSpPr>
+            <a:spLocks noGrp="1"/>
+          </p:cNvSpPr>
+          <p:nvPr>
+            <p:ph type="title"/>
+          </p:nvPr>
+        </p:nvSpPr>
+        <p:spPr/>
+        <p:txBody>
+          <a:bodyPr/>
+          <a:lstStyle/>
+          <a:p>
+            <a:r>
+              <a:rPr lang="en-US" dirty="0" smtClean="0"/>
+              <a:t>Exporting Beans as OSGi Services (2)</a:t>
+            </a:r>
+            <a:endParaRPr lang="en-US" dirty="0"/>
+          </a:p>
+        </p:txBody>
+      </p:sp>
+      <p:sp>
+        <p:nvSpPr>
+          <p:cNvPr id="3" name="Foliennummernplatzhalter 2"/>
+          <p:cNvSpPr>
+            <a:spLocks noGrp="1"/>
+          </p:cNvSpPr>
+          <p:nvPr>
+            <p:ph type="sldNum" sz="quarter" idx="12"/>
+          </p:nvPr>
+        </p:nvSpPr>
+        <p:spPr/>
+        <p:txBody>
+          <a:bodyPr/>
+          <a:lstStyle/>
+          <a:p>
+            <a:fld id="{1EE64C7A-B923-420E-A18C-3EBD0469DC1F}" type="slidenum">
+              <a:rPr lang="de-DE" smtClean="0"/>
+              <a:pPr/>
+              <a:t>47</a:t>
+            </a:fld>
+            <a:endParaRPr lang="de-DE" dirty="0"/>
+          </a:p>
+        </p:txBody>
+      </p:sp>
+      <p:graphicFrame>
+        <p:nvGraphicFramePr>
+          <p:cNvPr id="5" name="Tabelle 4"/>
+          <p:cNvGraphicFramePr>
+            <a:graphicFrameLocks noGrp="1"/>
+          </p:cNvGraphicFramePr>
+          <p:nvPr/>
+        </p:nvGraphicFramePr>
+        <p:xfrm>
+          <a:off x="539750" y="1214422"/>
+          <a:ext cx="8064500" cy="3200400"/>
+        </p:xfrm>
+        <a:graphic>
+          <a:graphicData uri="http://schemas.openxmlformats.org/drawingml/2006/table">
+            <a:tbl>
+              <a:tblPr firstRow="1" bandRow="1">
+                <a:tableStyleId>{7DF18680-E054-41AD-8BC1-D1AEF772440D}</a:tableStyleId>
+              </a:tblPr>
+              <a:tblGrid>
+                <a:gridCol w="2889242"/>
+                <a:gridCol w="5175258"/>
+              </a:tblGrid>
+              <a:tr h="370840">
+                <a:tc>
+                  <a:txBody>
+                    <a:bodyPr/>
+                    <a:lstStyle/>
+                    <a:p>
+                      <a:pPr algn="ctr"/>
+                      <a:r>
+                        <a:rPr lang="en-US" sz="2000" i="1" dirty="0" smtClean="0"/>
+                        <a:t>service</a:t>
+                      </a:r>
+                      <a:r>
+                        <a:rPr lang="en-US" sz="2000" dirty="0" smtClean="0"/>
+                        <a:t> Attributes</a:t>
+                      </a:r>
+                      <a:endParaRPr lang="en-US" sz="2000" dirty="0"/>
+                    </a:p>
+                  </a:txBody>
+                  <a:tcPr/>
+                </a:tc>
+                <a:tc>
+                  <a:txBody>
+                    <a:bodyPr/>
+                    <a:lstStyle/>
+                    <a:p>
+                      <a:pPr algn="ctr"/>
+                      <a:r>
+                        <a:rPr lang="en-US" sz="2000" dirty="0" smtClean="0"/>
+                        <a:t>Meaning</a:t>
+                      </a:r>
+                      <a:endParaRPr lang="en-US" sz="2000" dirty="0"/>
+                    </a:p>
+                  </a:txBody>
+                  <a:tcPr/>
+                </a:tc>
+              </a:tr>
+              <a:tr h="370840">
+                <a:tc>
+                  <a:txBody>
+                    <a:bodyPr/>
+                    <a:lstStyle/>
+                    <a:p>
+                      <a:r>
+                        <a:rPr lang="en-US" sz="2000" i="1" dirty="0" smtClean="0"/>
+                        <a:t>ref</a:t>
+                      </a:r>
+                      <a:endParaRPr lang="en-US" sz="2000" i="1" dirty="0"/>
+                    </a:p>
+                  </a:txBody>
+                  <a:tcPr/>
+                </a:tc>
+                <a:tc>
+                  <a:txBody>
+                    <a:bodyPr/>
+                    <a:lstStyle/>
+                    <a:p>
+                      <a:r>
+                        <a:rPr lang="en-US" sz="2000" i="0" baseline="0" dirty="0" smtClean="0">
+                          <a:solidFill>
+                            <a:schemeClr val="dk1"/>
+                          </a:solidFill>
+                        </a:rPr>
+                        <a:t>Bean to be exported as OSGi service</a:t>
+                      </a:r>
+                      <a:endParaRPr lang="en-US" sz="2000" i="1" dirty="0">
+                        <a:solidFill>
+                          <a:schemeClr val="accent1">
+                            <a:lumMod val="75000"/>
+                          </a:schemeClr>
+                        </a:solidFill>
+                      </a:endParaRPr>
+                    </a:p>
+                  </a:txBody>
+                  <a:tcPr/>
+                </a:tc>
+              </a:tr>
+              <a:tr h="370840">
+                <a:tc>
+                  <a:txBody>
+                    <a:bodyPr/>
+                    <a:lstStyle/>
+                    <a:p>
+                      <a:r>
+                        <a:rPr lang="en-US" sz="2000" i="1" dirty="0" smtClean="0"/>
+                        <a:t>interface</a:t>
+                      </a:r>
+                      <a:endParaRPr lang="en-US" sz="2000" i="1" dirty="0"/>
+                    </a:p>
+                  </a:txBody>
+                  <a:tcPr/>
+                </a:tc>
+                <a:tc>
+                  <a:txBody>
+                    <a:bodyPr/>
+                    <a:lstStyle/>
+                    <a:p>
+                      <a:r>
+                        <a:rPr lang="en-US" sz="2000" i="0" kern="1200" baseline="0" dirty="0" smtClean="0">
+                          <a:solidFill>
+                            <a:schemeClr val="dk1"/>
+                          </a:solidFill>
+                          <a:latin typeface="+mn-lt"/>
+                          <a:ea typeface="+mn-ea"/>
+                          <a:cs typeface="+mn-cs"/>
+                        </a:rPr>
+                        <a:t>FQCN of service interface.</a:t>
+                      </a:r>
+                    </a:p>
+                    <a:p>
+                      <a:r>
+                        <a:rPr lang="en-US" sz="2000" i="0" kern="1200" baseline="0" dirty="0" smtClean="0">
+                          <a:solidFill>
+                            <a:schemeClr val="dk1"/>
+                          </a:solidFill>
+                          <a:latin typeface="+mn-lt"/>
+                          <a:ea typeface="+mn-ea"/>
+                          <a:cs typeface="+mn-cs"/>
+                        </a:rPr>
+                        <a:t>Alternatives: </a:t>
+                      </a:r>
+                      <a:r>
+                        <a:rPr lang="en-US" sz="2000" i="1" kern="1200" baseline="0" dirty="0" smtClean="0">
+                          <a:solidFill>
+                            <a:schemeClr val="dk1"/>
+                          </a:solidFill>
+                          <a:latin typeface="+mn-lt"/>
+                          <a:ea typeface="+mn-ea"/>
+                          <a:cs typeface="+mn-cs"/>
+                        </a:rPr>
+                        <a:t>auto-export</a:t>
+                      </a:r>
+                      <a:r>
+                        <a:rPr lang="en-US" sz="2000" i="0" kern="1200" baseline="0" dirty="0" smtClean="0">
+                          <a:solidFill>
+                            <a:schemeClr val="dk1"/>
+                          </a:solidFill>
+                          <a:latin typeface="+mn-lt"/>
+                          <a:ea typeface="+mn-ea"/>
+                          <a:cs typeface="+mn-cs"/>
+                        </a:rPr>
+                        <a:t> or </a:t>
+                      </a:r>
+                      <a:r>
+                        <a:rPr lang="en-US" sz="2000" i="1" kern="1200" baseline="0" dirty="0" smtClean="0">
+                          <a:solidFill>
+                            <a:schemeClr val="dk1"/>
+                          </a:solidFill>
+                          <a:latin typeface="+mn-lt"/>
+                          <a:ea typeface="+mn-ea"/>
+                          <a:cs typeface="+mn-cs"/>
+                        </a:rPr>
+                        <a:t>interfaces</a:t>
+                      </a:r>
+                      <a:r>
+                        <a:rPr lang="en-US" sz="2000" i="0" kern="1200" baseline="0" dirty="0" smtClean="0">
+                          <a:solidFill>
+                            <a:schemeClr val="dk1"/>
+                          </a:solidFill>
+                          <a:latin typeface="+mn-lt"/>
+                          <a:ea typeface="+mn-ea"/>
+                          <a:cs typeface="+mn-cs"/>
+                        </a:rPr>
+                        <a:t> sub-element</a:t>
+                      </a:r>
+                      <a:endParaRPr lang="en-US" sz="2000" i="1" kern="1200" baseline="0" dirty="0" smtClean="0">
+                        <a:solidFill>
+                          <a:schemeClr val="accent1">
+                            <a:lumMod val="75000"/>
+                          </a:schemeClr>
+                        </a:solidFill>
+                        <a:latin typeface="+mn-lt"/>
+                        <a:ea typeface="+mn-ea"/>
+                        <a:cs typeface="+mn-cs"/>
+                      </a:endParaRPr>
+                    </a:p>
+                  </a:txBody>
+                  <a:tcPr/>
+                </a:tc>
+              </a:tr>
+              <a:tr h="370840">
+                <a:tc>
+                  <a:txBody>
+                    <a:bodyPr/>
+                    <a:lstStyle/>
+                    <a:p>
+                      <a:r>
+                        <a:rPr lang="en-US" sz="2000" i="1" dirty="0" smtClean="0"/>
+                        <a:t>auto-export</a:t>
+                      </a:r>
+                      <a:endParaRPr lang="en-US" sz="2000" i="1" dirty="0"/>
+                    </a:p>
+                  </a:txBody>
+                  <a:tcPr/>
+                </a:tc>
+                <a:tc>
+                  <a:txBody>
+                    <a:bodyPr/>
+                    <a:lstStyle/>
+                    <a:p>
+                      <a:r>
+                        <a:rPr lang="en-US" sz="2000" dirty="0" smtClean="0"/>
+                        <a:t>Automatically</a:t>
+                      </a:r>
+                      <a:r>
+                        <a:rPr lang="en-US" sz="2000" baseline="0" dirty="0" smtClean="0"/>
+                        <a:t> manage service interfaces.</a:t>
+                      </a:r>
+                    </a:p>
+                    <a:p>
+                      <a:r>
+                        <a:rPr lang="en-US" sz="2000" i="1" baseline="0" dirty="0" smtClean="0"/>
+                        <a:t>disabled</a:t>
+                      </a:r>
+                      <a:r>
+                        <a:rPr lang="en-US" sz="2000" baseline="0" dirty="0" smtClean="0"/>
+                        <a:t>, </a:t>
+                      </a:r>
+                      <a:r>
+                        <a:rPr lang="en-US" sz="2000" i="1" baseline="0" dirty="0" smtClean="0">
+                          <a:solidFill>
+                            <a:schemeClr val="accent1">
+                              <a:lumMod val="75000"/>
+                            </a:schemeClr>
+                          </a:solidFill>
+                        </a:rPr>
+                        <a:t>interfaces</a:t>
+                      </a:r>
+                      <a:r>
+                        <a:rPr lang="en-US" sz="2000" baseline="0" dirty="0" smtClean="0"/>
+                        <a:t>, </a:t>
+                      </a:r>
+                      <a:r>
+                        <a:rPr lang="en-US" sz="2000" i="1" baseline="0" dirty="0" smtClean="0"/>
+                        <a:t>class-hierarchy</a:t>
+                      </a:r>
+                      <a:r>
+                        <a:rPr lang="en-US" sz="2000" baseline="0" dirty="0" smtClean="0"/>
+                        <a:t>, </a:t>
+                      </a:r>
+                      <a:br>
+                        <a:rPr lang="en-US" sz="2000" baseline="0" dirty="0" smtClean="0"/>
+                      </a:br>
+                      <a:r>
+                        <a:rPr lang="en-US" sz="2000" i="1" baseline="0" dirty="0" smtClean="0"/>
+                        <a:t>all-classes</a:t>
+                      </a:r>
+                      <a:endParaRPr lang="en-US" sz="2000" i="1" dirty="0"/>
+                    </a:p>
+                  </a:txBody>
+                  <a:tcPr/>
+                </a:tc>
+              </a:tr>
+              <a:tr h="370840">
+                <a:tc>
+                  <a:txBody>
+                    <a:bodyPr/>
+                    <a:lstStyle/>
+                    <a:p>
+                      <a:r>
+                        <a:rPr lang="en-US" sz="2000" i="1" dirty="0" smtClean="0"/>
+                        <a:t>ranking</a:t>
+                      </a:r>
+                      <a:endParaRPr lang="en-US" sz="2000" i="1" dirty="0"/>
+                    </a:p>
+                  </a:txBody>
+                  <a:tcPr/>
+                </a:tc>
+                <a:tc>
+                  <a:txBody>
+                    <a:bodyPr/>
+                    <a:lstStyle/>
+                    <a:p>
+                      <a:r>
+                        <a:rPr lang="en-US" sz="2000" i="0" kern="1200" baseline="0" dirty="0" smtClean="0">
+                          <a:solidFill>
+                            <a:schemeClr val="tx1"/>
+                          </a:solidFill>
+                          <a:latin typeface="+mn-lt"/>
+                          <a:ea typeface="+mn-ea"/>
+                          <a:cs typeface="+mn-cs"/>
+                        </a:rPr>
+                        <a:t>Service property </a:t>
+                      </a:r>
+                      <a:r>
+                        <a:rPr lang="en-US" sz="2000" i="1" kern="1200" baseline="0" dirty="0" err="1" smtClean="0">
+                          <a:solidFill>
+                            <a:schemeClr val="tx1"/>
+                          </a:solidFill>
+                          <a:latin typeface="+mn-lt"/>
+                          <a:ea typeface="+mn-ea"/>
+                          <a:cs typeface="+mn-cs"/>
+                        </a:rPr>
+                        <a:t>service.ranking</a:t>
+                      </a:r>
+                      <a:endParaRPr lang="en-US" sz="2000" i="1" kern="1200" baseline="0" dirty="0" smtClean="0">
+                        <a:solidFill>
+                          <a:schemeClr val="tx1"/>
+                        </a:solidFill>
+                        <a:latin typeface="+mn-lt"/>
+                        <a:ea typeface="+mn-ea"/>
+                        <a:cs typeface="+mn-cs"/>
+                      </a:endParaRPr>
+                    </a:p>
+                  </a:txBody>
+                  <a:tcPr/>
+                </a:tc>
+              </a:tr>
+            </a:tbl>
+          </a:graphicData>
+        </a:graphic>
+      </p:graphicFrame>
+    </p:spTree>
+  </p:cSld>
+  <p:clrMapOvr>
+    <a:masterClrMapping/>
+  </p:clrMapOvr>
+</p:sld>
+</file>
+
+<file path=ppt/slides/slide48.xml><?xml version="1.0" encoding="utf-8"?>
+<p:sld xmlns:a="http://schemas.openxmlformats.org/drawingml/2006/main" xmlns:r="http://schemas.openxmlformats.org/officeDocument/2006/relationships" xmlns:p="http://schemas.openxmlformats.org/presentationml/2006/main">
+  <p:cSld>
+    <p:spTree>
+      <p:nvGrpSpPr>
+        <p:cNvPr id="1" name=""/>
+        <p:cNvGrpSpPr/>
+        <p:nvPr/>
+      </p:nvGrpSpPr>
+      <p:grpSpPr>
+        <a:xfrm>
+          <a:off x="0" y="0"/>
+          <a:ext cx="0" cy="0"/>
+          <a:chOff x="0" y="0"/>
+          <a:chExt cx="0" cy="0"/>
+        </a:xfrm>
+      </p:grpSpPr>
+      <p:sp>
+        <p:nvSpPr>
+          <p:cNvPr id="2" name="Titel 1"/>
+          <p:cNvSpPr>
+            <a:spLocks noGrp="1"/>
+          </p:cNvSpPr>
+          <p:nvPr>
+            <p:ph type="title"/>
+          </p:nvPr>
+        </p:nvSpPr>
+        <p:spPr/>
+        <p:txBody>
+          <a:bodyPr/>
+          <a:lstStyle/>
+          <a:p>
+            <a:r>
+              <a:rPr lang="en-US" dirty="0" smtClean="0"/>
+              <a:t>Importing Beans as OSGi Services (1)</a:t>
+            </a:r>
+            <a:endParaRPr lang="en-US" dirty="0"/>
+          </a:p>
+        </p:txBody>
+      </p:sp>
+      <p:sp>
+        <p:nvSpPr>
+          <p:cNvPr id="3" name="Foliennummernplatzhalter 2"/>
+          <p:cNvSpPr>
+            <a:spLocks noGrp="1"/>
+          </p:cNvSpPr>
+          <p:nvPr>
+            <p:ph type="sldNum" sz="quarter" idx="12"/>
+          </p:nvPr>
+        </p:nvSpPr>
+        <p:spPr/>
+        <p:txBody>
+          <a:bodyPr/>
+          <a:lstStyle/>
+          <a:p>
+            <a:fld id="{1EE64C7A-B923-420E-A18C-3EBD0469DC1F}" type="slidenum">
+              <a:rPr lang="de-DE" smtClean="0"/>
+              <a:pPr/>
+              <a:t>48</a:t>
+            </a:fld>
+            <a:endParaRPr lang="de-DE"/>
+          </a:p>
+        </p:txBody>
+      </p:sp>
+      <p:sp>
+        <p:nvSpPr>
+          <p:cNvPr id="5" name="Text Box 4"/>
+          <p:cNvSpPr txBox="1">
+            <a:spLocks noChangeArrowheads="1"/>
+          </p:cNvSpPr>
+          <p:nvPr/>
+        </p:nvSpPr>
+        <p:spPr bwMode="auto">
+          <a:xfrm>
+            <a:off x="758949" y="4643446"/>
+            <a:ext cx="7626103" cy="925511"/>
+          </a:xfrm>
+          <a:prstGeom prst="rect">
+            <a:avLst/>
+          </a:prstGeom>
+          <a:solidFill>
+            <a:schemeClr val="bg1"/>
+          </a:solidFill>
+          <a:ln w="19050" algn="ctr">
+            <a:noFill/>
+            <a:prstDash val="dash"/>
+            <a:miter lim="800000"/>
+            <a:headEnd/>
+            <a:tailEnd/>
+          </a:ln>
+        </p:spPr>
+        <p:txBody>
+          <a:bodyPr wrap="none" lIns="90000" tIns="46800" rIns="90000" bIns="46800">
+            <a:spAutoFit/>
+          </a:bodyPr>
+          <a:lstStyle/>
+          <a:p>
+            <a:pPr marL="136525" indent="-136525" algn="ctr">
+              <a:spcBef>
+                <a:spcPct val="0"/>
+              </a:spcBef>
+            </a:pPr>
+            <a:r>
+              <a:rPr lang="en-US" b="1" dirty="0" smtClean="0">
+                <a:solidFill>
+                  <a:srgbClr val="008080"/>
+                </a:solidFill>
+                <a:latin typeface="Courier New" pitchFamily="49" charset="0"/>
+              </a:rPr>
+              <a:t>&lt;reference</a:t>
+            </a:r>
+            <a:r>
+              <a:rPr lang="en-US" b="1" dirty="0" smtClean="0">
+                <a:solidFill>
+                  <a:srgbClr val="3F7F7F"/>
+                </a:solidFill>
+                <a:latin typeface="Courier New" pitchFamily="49" charset="0"/>
+              </a:rPr>
+              <a:t> </a:t>
+            </a:r>
+            <a:r>
+              <a:rPr lang="en-US" b="1" dirty="0" smtClean="0">
+                <a:solidFill>
+                  <a:srgbClr val="7F007F"/>
+                </a:solidFill>
+                <a:latin typeface="Courier New" pitchFamily="49" charset="0"/>
+              </a:rPr>
+              <a:t>id</a:t>
+            </a:r>
+            <a:r>
+              <a:rPr lang="en-US" b="1" dirty="0" smtClean="0">
+                <a:solidFill>
+                  <a:srgbClr val="000000"/>
+                </a:solidFill>
+                <a:latin typeface="Courier New" pitchFamily="49" charset="0"/>
+              </a:rPr>
+              <a:t>=</a:t>
+            </a:r>
+            <a:r>
+              <a:rPr lang="en-US" b="1" dirty="0" smtClean="0">
+                <a:solidFill>
+                  <a:srgbClr val="2A00FF"/>
+                </a:solidFill>
+                <a:latin typeface="Courier New" pitchFamily="49" charset="0"/>
+              </a:rPr>
+              <a:t>"..."</a:t>
+            </a:r>
+            <a:r>
+              <a:rPr lang="en-US" b="1" dirty="0" smtClean="0">
+                <a:solidFill>
+                  <a:srgbClr val="7F007F"/>
+                </a:solidFill>
+                <a:latin typeface="Courier New" pitchFamily="49" charset="0"/>
+              </a:rPr>
+              <a:t> interface</a:t>
+            </a:r>
+            <a:r>
+              <a:rPr lang="en-US" b="1" dirty="0" smtClean="0">
+                <a:solidFill>
+                  <a:srgbClr val="000000"/>
+                </a:solidFill>
+                <a:latin typeface="Courier New" pitchFamily="49" charset="0"/>
+              </a:rPr>
+              <a:t>=</a:t>
+            </a:r>
+            <a:r>
+              <a:rPr lang="en-US" b="1" dirty="0" smtClean="0">
+                <a:solidFill>
+                  <a:srgbClr val="2A00FF"/>
+                </a:solidFill>
+                <a:latin typeface="Courier New" pitchFamily="49" charset="0"/>
+              </a:rPr>
+              <a:t>"..."</a:t>
+            </a:r>
+            <a:r>
+              <a:rPr lang="en-US" b="1" dirty="0" smtClean="0">
+                <a:solidFill>
+                  <a:srgbClr val="7F007F"/>
+                </a:solidFill>
+                <a:latin typeface="Courier New" pitchFamily="49" charset="0"/>
+              </a:rPr>
+              <a:t> cardinality</a:t>
+            </a:r>
+            <a:r>
+              <a:rPr lang="en-US" b="1" dirty="0" smtClean="0">
+                <a:solidFill>
+                  <a:srgbClr val="000000"/>
+                </a:solidFill>
+                <a:latin typeface="Courier New" pitchFamily="49" charset="0"/>
+              </a:rPr>
+              <a:t>=</a:t>
+            </a:r>
+            <a:r>
+              <a:rPr lang="en-US" b="1" dirty="0" smtClean="0">
+                <a:solidFill>
+                  <a:srgbClr val="2A00FF"/>
+                </a:solidFill>
+                <a:latin typeface="Courier New" pitchFamily="49" charset="0"/>
+              </a:rPr>
+              <a:t>"..."</a:t>
+            </a:r>
+            <a:r>
+              <a:rPr lang="en-US" b="1" dirty="0" smtClean="0">
+                <a:solidFill>
+                  <a:srgbClr val="008080"/>
+                </a:solidFill>
+                <a:latin typeface="Courier New" pitchFamily="49" charset="0"/>
+              </a:rPr>
+              <a:t>&gt;</a:t>
+            </a:r>
+          </a:p>
+          <a:p>
+            <a:pPr marL="136525" indent="-136525" algn="ctr">
+              <a:spcBef>
+                <a:spcPct val="0"/>
+              </a:spcBef>
+            </a:pPr>
+            <a:endParaRPr lang="en-US" b="1" dirty="0" smtClean="0">
+              <a:solidFill>
+                <a:srgbClr val="008080"/>
+              </a:solidFill>
+              <a:latin typeface="Courier New" pitchFamily="49" charset="0"/>
+            </a:endParaRPr>
+          </a:p>
+          <a:p>
+            <a:pPr marL="136525" indent="-136525" algn="ctr">
+              <a:spcBef>
+                <a:spcPct val="0"/>
+              </a:spcBef>
+            </a:pPr>
+            <a:r>
+              <a:rPr lang="en-US" b="1" dirty="0" smtClean="0">
+                <a:solidFill>
+                  <a:srgbClr val="008080"/>
+                </a:solidFill>
+                <a:latin typeface="Courier New" pitchFamily="49" charset="0"/>
+              </a:rPr>
+              <a:t>&lt;</a:t>
+            </a:r>
+            <a:r>
+              <a:rPr lang="en-US" b="1" dirty="0" err="1" smtClean="0">
+                <a:solidFill>
+                  <a:srgbClr val="008080"/>
+                </a:solidFill>
+                <a:latin typeface="Courier New" pitchFamily="49" charset="0"/>
+              </a:rPr>
+              <a:t>set|list</a:t>
+            </a:r>
+            <a:r>
+              <a:rPr lang="en-US" b="1" dirty="0" smtClean="0">
+                <a:solidFill>
+                  <a:srgbClr val="3F7F7F"/>
+                </a:solidFill>
+                <a:latin typeface="Courier New" pitchFamily="49" charset="0"/>
+              </a:rPr>
+              <a:t> </a:t>
+            </a:r>
+            <a:r>
+              <a:rPr lang="en-US" b="1" dirty="0" smtClean="0">
+                <a:solidFill>
+                  <a:srgbClr val="7F007F"/>
+                </a:solidFill>
+                <a:latin typeface="Courier New" pitchFamily="49" charset="0"/>
+              </a:rPr>
+              <a:t>id</a:t>
+            </a:r>
+            <a:r>
+              <a:rPr lang="en-US" b="1" dirty="0" smtClean="0">
+                <a:solidFill>
+                  <a:srgbClr val="000000"/>
+                </a:solidFill>
+                <a:latin typeface="Courier New" pitchFamily="49" charset="0"/>
+              </a:rPr>
+              <a:t>=</a:t>
+            </a:r>
+            <a:r>
+              <a:rPr lang="en-US" b="1" dirty="0" smtClean="0">
+                <a:solidFill>
+                  <a:srgbClr val="2A00FF"/>
+                </a:solidFill>
+                <a:latin typeface="Courier New" pitchFamily="49" charset="0"/>
+              </a:rPr>
+              <a:t>"..."</a:t>
+            </a:r>
+            <a:r>
+              <a:rPr lang="en-US" b="1" dirty="0" smtClean="0">
+                <a:solidFill>
+                  <a:srgbClr val="7F007F"/>
+                </a:solidFill>
+                <a:latin typeface="Courier New" pitchFamily="49" charset="0"/>
+              </a:rPr>
+              <a:t> interface</a:t>
+            </a:r>
+            <a:r>
+              <a:rPr lang="en-US" b="1" dirty="0" smtClean="0">
+                <a:solidFill>
+                  <a:srgbClr val="000000"/>
+                </a:solidFill>
+                <a:latin typeface="Courier New" pitchFamily="49" charset="0"/>
+              </a:rPr>
+              <a:t>=</a:t>
+            </a:r>
+            <a:r>
+              <a:rPr lang="en-US" b="1" dirty="0" smtClean="0">
+                <a:solidFill>
+                  <a:srgbClr val="2A00FF"/>
+                </a:solidFill>
+                <a:latin typeface="Courier New" pitchFamily="49" charset="0"/>
+              </a:rPr>
+              <a:t>"..."</a:t>
+            </a:r>
+            <a:r>
+              <a:rPr lang="en-US" b="1" dirty="0" smtClean="0">
+                <a:solidFill>
+                  <a:srgbClr val="7F007F"/>
+                </a:solidFill>
+                <a:latin typeface="Courier New" pitchFamily="49" charset="0"/>
+              </a:rPr>
+              <a:t> cardinality</a:t>
+            </a:r>
+            <a:r>
+              <a:rPr lang="en-US" b="1" dirty="0" smtClean="0">
+                <a:solidFill>
+                  <a:srgbClr val="000000"/>
+                </a:solidFill>
+                <a:latin typeface="Courier New" pitchFamily="49" charset="0"/>
+              </a:rPr>
+              <a:t>=</a:t>
+            </a:r>
+            <a:r>
+              <a:rPr lang="en-US" b="1" dirty="0" smtClean="0">
+                <a:solidFill>
+                  <a:srgbClr val="2A00FF"/>
+                </a:solidFill>
+                <a:latin typeface="Courier New" pitchFamily="49" charset="0"/>
+              </a:rPr>
+              <a:t>"..."</a:t>
+            </a:r>
+            <a:r>
+              <a:rPr lang="en-US" b="1" dirty="0" smtClean="0">
+                <a:solidFill>
+                  <a:srgbClr val="008080"/>
+                </a:solidFill>
+                <a:latin typeface="Courier New" pitchFamily="49" charset="0"/>
+              </a:rPr>
+              <a:t>&gt;</a:t>
+            </a:r>
+          </a:p>
+        </p:txBody>
+      </p:sp>
+      <p:pic>
+        <p:nvPicPr>
+          <p:cNvPr id="6" name="Grafik 5" descr="Spring DM - Importing Services 300dpi.png"/>
+          <p:cNvPicPr>
+            <a:picLocks noChangeAspect="1"/>
+          </p:cNvPicPr>
+          <p:nvPr/>
+        </p:nvPicPr>
+        <p:blipFill>
+          <a:blip r:embed="rId2" cstate="print"/>
+          <a:stretch>
+            <a:fillRect/>
+          </a:stretch>
+        </p:blipFill>
+        <p:spPr>
+          <a:xfrm>
+            <a:off x="1903470" y="1071546"/>
+            <a:ext cx="5337059" cy="3179070"/>
+          </a:xfrm>
+          <a:prstGeom prst="rect">
+            <a:avLst/>
+          </a:prstGeom>
+        </p:spPr>
+      </p:pic>
     </p:spTree>
   </p:cSld>
   <p:clrMapOvr>
@@ -18728,7 +18751,367 @@
 </p:sld>
 </file>
 
-<file path=ppt/slides/slide43.xml><?xml version="1.0" encoding="utf-8"?>
+<file path=ppt/slides/slide49.xml><?xml version="1.0" encoding="utf-8"?>
+<p:sld xmlns:a="http://schemas.openxmlformats.org/drawingml/2006/main" xmlns:r="http://schemas.openxmlformats.org/officeDocument/2006/relationships" xmlns:p="http://schemas.openxmlformats.org/presentationml/2006/main">
+  <p:cSld>
+    <p:spTree>
+      <p:nvGrpSpPr>
+        <p:cNvPr id="1" name=""/>
+        <p:cNvGrpSpPr/>
+        <p:nvPr/>
+      </p:nvGrpSpPr>
+      <p:grpSpPr>
+        <a:xfrm>
+          <a:off x="0" y="0"/>
+          <a:ext cx="0" cy="0"/>
+          <a:chOff x="0" y="0"/>
+          <a:chExt cx="0" cy="0"/>
+        </a:xfrm>
+      </p:grpSpPr>
+      <p:sp>
+        <p:nvSpPr>
+          <p:cNvPr id="4" name="Titel 3"/>
+          <p:cNvSpPr>
+            <a:spLocks noGrp="1"/>
+          </p:cNvSpPr>
+          <p:nvPr>
+            <p:ph type="title"/>
+          </p:nvPr>
+        </p:nvSpPr>
+        <p:spPr/>
+        <p:txBody>
+          <a:bodyPr/>
+          <a:lstStyle/>
+          <a:p>
+            <a:r>
+              <a:rPr lang="en-US" dirty="0" smtClean="0"/>
+              <a:t>Importing Beans as OSGi Services (2)</a:t>
+            </a:r>
+            <a:endParaRPr lang="en-US" dirty="0"/>
+          </a:p>
+        </p:txBody>
+      </p:sp>
+      <p:sp>
+        <p:nvSpPr>
+          <p:cNvPr id="3" name="Foliennummernplatzhalter 2"/>
+          <p:cNvSpPr>
+            <a:spLocks noGrp="1"/>
+          </p:cNvSpPr>
+          <p:nvPr>
+            <p:ph type="sldNum" sz="quarter" idx="12"/>
+          </p:nvPr>
+        </p:nvSpPr>
+        <p:spPr/>
+        <p:txBody>
+          <a:bodyPr/>
+          <a:lstStyle/>
+          <a:p>
+            <a:fld id="{1EE64C7A-B923-420E-A18C-3EBD0469DC1F}" type="slidenum">
+              <a:rPr lang="de-DE" smtClean="0"/>
+              <a:pPr/>
+              <a:t>49</a:t>
+            </a:fld>
+            <a:endParaRPr lang="de-DE" dirty="0"/>
+          </a:p>
+        </p:txBody>
+      </p:sp>
+      <p:graphicFrame>
+        <p:nvGraphicFramePr>
+          <p:cNvPr id="5" name="Tabelle 4"/>
+          <p:cNvGraphicFramePr>
+            <a:graphicFrameLocks noGrp="1"/>
+          </p:cNvGraphicFramePr>
+          <p:nvPr/>
+        </p:nvGraphicFramePr>
+        <p:xfrm>
+          <a:off x="539750" y="1214422"/>
+          <a:ext cx="8064500" cy="2895600"/>
+        </p:xfrm>
+        <a:graphic>
+          <a:graphicData uri="http://schemas.openxmlformats.org/drawingml/2006/table">
+            <a:tbl>
+              <a:tblPr firstRow="1" bandRow="1">
+                <a:tableStyleId>{7DF18680-E054-41AD-8BC1-D1AEF772440D}</a:tableStyleId>
+              </a:tblPr>
+              <a:tblGrid>
+                <a:gridCol w="2889242"/>
+                <a:gridCol w="5175258"/>
+              </a:tblGrid>
+              <a:tr h="370840">
+                <a:tc>
+                  <a:txBody>
+                    <a:bodyPr/>
+                    <a:lstStyle/>
+                    <a:p>
+                      <a:pPr algn="ctr"/>
+                      <a:r>
+                        <a:rPr lang="en-US" sz="2000" dirty="0" smtClean="0"/>
+                        <a:t>Attributes</a:t>
+                      </a:r>
+                      <a:endParaRPr lang="en-US" sz="2000" dirty="0"/>
+                    </a:p>
+                  </a:txBody>
+                  <a:tcPr/>
+                </a:tc>
+                <a:tc>
+                  <a:txBody>
+                    <a:bodyPr/>
+                    <a:lstStyle/>
+                    <a:p>
+                      <a:pPr algn="ctr"/>
+                      <a:r>
+                        <a:rPr lang="en-US" sz="2000" dirty="0" smtClean="0"/>
+                        <a:t>Meaning</a:t>
+                      </a:r>
+                      <a:endParaRPr lang="en-US" sz="2000" dirty="0"/>
+                    </a:p>
+                  </a:txBody>
+                  <a:tcPr/>
+                </a:tc>
+              </a:tr>
+              <a:tr h="370840">
+                <a:tc>
+                  <a:txBody>
+                    <a:bodyPr/>
+                    <a:lstStyle/>
+                    <a:p>
+                      <a:r>
+                        <a:rPr lang="en-US" sz="2000" i="1" dirty="0" smtClean="0"/>
+                        <a:t>id</a:t>
+                      </a:r>
+                      <a:endParaRPr lang="en-US" sz="2000" i="1" dirty="0"/>
+                    </a:p>
+                  </a:txBody>
+                  <a:tcPr/>
+                </a:tc>
+                <a:tc>
+                  <a:txBody>
+                    <a:bodyPr/>
+                    <a:lstStyle/>
+                    <a:p>
+                      <a:r>
+                        <a:rPr lang="en-US" sz="2000" i="0" baseline="0" dirty="0" smtClean="0">
+                          <a:solidFill>
+                            <a:schemeClr val="dk1"/>
+                          </a:solidFill>
+                        </a:rPr>
+                        <a:t>Name of bean for referenced OSGi service</a:t>
+                      </a:r>
+                      <a:endParaRPr lang="en-US" sz="2000" i="1" dirty="0">
+                        <a:solidFill>
+                          <a:schemeClr val="accent1">
+                            <a:lumMod val="75000"/>
+                          </a:schemeClr>
+                        </a:solidFill>
+                      </a:endParaRPr>
+                    </a:p>
+                  </a:txBody>
+                  <a:tcPr/>
+                </a:tc>
+              </a:tr>
+              <a:tr h="370840">
+                <a:tc>
+                  <a:txBody>
+                    <a:bodyPr/>
+                    <a:lstStyle/>
+                    <a:p>
+                      <a:r>
+                        <a:rPr lang="en-US" sz="2000" i="1" dirty="0" smtClean="0"/>
+                        <a:t>interface</a:t>
+                      </a:r>
+                      <a:endParaRPr lang="en-US" sz="2000" i="1" dirty="0"/>
+                    </a:p>
+                  </a:txBody>
+                  <a:tcPr/>
+                </a:tc>
+                <a:tc>
+                  <a:txBody>
+                    <a:bodyPr/>
+                    <a:lstStyle/>
+                    <a:p>
+                      <a:r>
+                        <a:rPr lang="en-US" sz="2000" i="0" kern="1200" baseline="0" dirty="0" smtClean="0">
+                          <a:solidFill>
+                            <a:schemeClr val="dk1"/>
+                          </a:solidFill>
+                          <a:latin typeface="+mn-lt"/>
+                          <a:ea typeface="+mn-ea"/>
+                          <a:cs typeface="+mn-cs"/>
+                        </a:rPr>
+                        <a:t>FQCN of service interface.</a:t>
+                      </a:r>
+                    </a:p>
+                    <a:p>
+                      <a:r>
+                        <a:rPr lang="en-US" sz="2000" i="0" kern="1200" baseline="0" dirty="0" smtClean="0">
+                          <a:solidFill>
+                            <a:schemeClr val="dk1"/>
+                          </a:solidFill>
+                          <a:latin typeface="+mn-lt"/>
+                          <a:ea typeface="+mn-ea"/>
+                          <a:cs typeface="+mn-cs"/>
+                        </a:rPr>
+                        <a:t>Alternative: </a:t>
+                      </a:r>
+                      <a:r>
+                        <a:rPr lang="en-US" sz="2000" i="1" kern="1200" baseline="0" dirty="0" smtClean="0">
+                          <a:solidFill>
+                            <a:schemeClr val="dk1"/>
+                          </a:solidFill>
+                          <a:latin typeface="+mn-lt"/>
+                          <a:ea typeface="+mn-ea"/>
+                          <a:cs typeface="+mn-cs"/>
+                        </a:rPr>
+                        <a:t>interfaces</a:t>
+                      </a:r>
+                      <a:r>
+                        <a:rPr lang="en-US" sz="2000" i="0" kern="1200" baseline="0" dirty="0" smtClean="0">
+                          <a:solidFill>
+                            <a:schemeClr val="dk1"/>
+                          </a:solidFill>
+                          <a:latin typeface="+mn-lt"/>
+                          <a:ea typeface="+mn-ea"/>
+                          <a:cs typeface="+mn-cs"/>
+                        </a:rPr>
+                        <a:t> sub-element</a:t>
+                      </a:r>
+                      <a:endParaRPr lang="en-US" sz="2000" i="1" kern="1200" baseline="0" dirty="0" smtClean="0">
+                        <a:solidFill>
+                          <a:schemeClr val="accent1">
+                            <a:lumMod val="75000"/>
+                          </a:schemeClr>
+                        </a:solidFill>
+                        <a:latin typeface="+mn-lt"/>
+                        <a:ea typeface="+mn-ea"/>
+                        <a:cs typeface="+mn-cs"/>
+                      </a:endParaRPr>
+                    </a:p>
+                  </a:txBody>
+                  <a:tcPr/>
+                </a:tc>
+              </a:tr>
+              <a:tr h="370840">
+                <a:tc>
+                  <a:txBody>
+                    <a:bodyPr/>
+                    <a:lstStyle/>
+                    <a:p>
+                      <a:r>
+                        <a:rPr lang="en-US" sz="2000" i="1" dirty="0" smtClean="0"/>
+                        <a:t>filter</a:t>
+                      </a:r>
+                      <a:endParaRPr lang="en-US" sz="2000" i="1" dirty="0"/>
+                    </a:p>
+                  </a:txBody>
+                  <a:tcPr/>
+                </a:tc>
+                <a:tc>
+                  <a:txBody>
+                    <a:bodyPr/>
+                    <a:lstStyle/>
+                    <a:p>
+                      <a:r>
+                        <a:rPr lang="en-US" sz="2000" dirty="0" smtClean="0"/>
+                        <a:t>OSGi filter expression to constrain service look-up </a:t>
+                      </a:r>
+                      <a:endParaRPr lang="en-US" sz="2000" i="1" dirty="0"/>
+                    </a:p>
+                  </a:txBody>
+                  <a:tcPr/>
+                </a:tc>
+              </a:tr>
+              <a:tr h="370840">
+                <a:tc>
+                  <a:txBody>
+                    <a:bodyPr/>
+                    <a:lstStyle/>
+                    <a:p>
+                      <a:r>
+                        <a:rPr lang="en-US" sz="2000" i="1" dirty="0" smtClean="0"/>
+                        <a:t>cardinality</a:t>
+                      </a:r>
+                      <a:endParaRPr lang="en-US" sz="2000" i="1" dirty="0"/>
+                    </a:p>
+                  </a:txBody>
+                  <a:tcPr/>
+                </a:tc>
+                <a:tc>
+                  <a:txBody>
+                    <a:bodyPr/>
+                    <a:lstStyle/>
+                    <a:p>
+                      <a:r>
+                        <a:rPr lang="en-US" sz="2000" i="1" kern="1200" baseline="0" dirty="0" smtClean="0">
+                          <a:solidFill>
+                            <a:schemeClr val="tx1"/>
+                          </a:solidFill>
+                          <a:latin typeface="+mn-lt"/>
+                          <a:ea typeface="+mn-ea"/>
+                          <a:cs typeface="+mn-cs"/>
+                        </a:rPr>
+                        <a:t>reference</a:t>
+                      </a:r>
+                      <a:r>
+                        <a:rPr lang="en-US" sz="2000" i="0" kern="1200" baseline="0" dirty="0" smtClean="0">
+                          <a:solidFill>
+                            <a:schemeClr val="tx1"/>
+                          </a:solidFill>
+                          <a:latin typeface="+mn-lt"/>
+                          <a:ea typeface="+mn-ea"/>
+                          <a:cs typeface="+mn-cs"/>
+                        </a:rPr>
+                        <a:t>: 0..1, 1..1</a:t>
+                      </a:r>
+                    </a:p>
+                    <a:p>
+                      <a:r>
+                        <a:rPr lang="en-US" sz="2000" i="1" kern="1200" baseline="0" dirty="0" err="1" smtClean="0">
+                          <a:solidFill>
+                            <a:schemeClr val="tx1"/>
+                          </a:solidFill>
+                          <a:latin typeface="+mn-lt"/>
+                          <a:ea typeface="+mn-ea"/>
+                          <a:cs typeface="+mn-cs"/>
+                        </a:rPr>
+                        <a:t>set|list</a:t>
+                      </a:r>
+                      <a:r>
+                        <a:rPr lang="en-US" sz="2000" i="0" kern="1200" baseline="0" dirty="0" smtClean="0">
+                          <a:solidFill>
+                            <a:schemeClr val="tx1"/>
+                          </a:solidFill>
+                          <a:latin typeface="+mn-lt"/>
+                          <a:ea typeface="+mn-ea"/>
+                          <a:cs typeface="+mn-cs"/>
+                        </a:rPr>
+                        <a:t>: 0..N, 1..N</a:t>
+                      </a:r>
+                      <a:endParaRPr lang="en-US" sz="2000" i="1" kern="1200" baseline="0" dirty="0" smtClean="0">
+                        <a:solidFill>
+                          <a:schemeClr val="tx1"/>
+                        </a:solidFill>
+                        <a:latin typeface="+mn-lt"/>
+                        <a:ea typeface="+mn-ea"/>
+                        <a:cs typeface="+mn-cs"/>
+                      </a:endParaRPr>
+                    </a:p>
+                  </a:txBody>
+                  <a:tcPr/>
+                </a:tc>
+              </a:tr>
+            </a:tbl>
+          </a:graphicData>
+        </a:graphic>
+      </p:graphicFrame>
+    </p:spTree>
+  </p:cSld>
+  <p:clrMapOvr>
+    <a:masterClrMapping/>
+  </p:clrMapOvr>
+</p:sld>
+</file>
+
+<file path=ppt/slides/slide5.xml><?xml version="1.0" encoding="utf-8"?>
 <p:sld xmlns:a="http://schemas.openxmlformats.org/drawingml/2006/main" xmlns:r="http://schemas.openxmlformats.org/officeDocument/2006/relationships" xmlns:p="http://schemas.openxmlformats.org/presentationml/2006/main">
   <p:cSld>
     <p:spTree>
@@ -18798,7 +19181,31 @@
           </a:p>
           <a:p>
             <a:r>
-              <a:rPr lang="en-US" dirty="0" err="1" smtClean="0">
+              <a:rPr lang="en-US" dirty="0" err="1" smtClean="0"/>
+              <a:t>OSGi</a:t>
+            </a:r>
+            <a:r>
+              <a:rPr lang="en-US" dirty="0" smtClean="0"/>
+              <a:t> Services</a:t>
+            </a:r>
+          </a:p>
+          <a:p>
+            <a:pPr lvl="1"/>
+            <a:r>
+              <a:rPr lang="en-US" dirty="0" smtClean="0"/>
+              <a:t>Providing and consuming Services</a:t>
+            </a:r>
+          </a:p>
+          <a:p>
+            <a:pPr lvl="1"/>
+            <a:r>
+              <a:rPr lang="en-US" dirty="0" smtClean="0"/>
+              <a:t>Service Tracker</a:t>
+            </a:r>
+          </a:p>
+          <a:p>
+            <a:r>
+              <a:rPr lang="en-US" dirty="0" smtClean="0">
                 <a:solidFill>
                   <a:schemeClr val="tx2">
                     <a:lumMod val="60000"/>
@@ -18806,8 +19213,10 @@
                   </a:schemeClr>
                 </a:solidFill>
               </a:rPr>
-              <a:t>OSGi</a:t>
-            </a:r>
+              <a:t>Overview Declarative Services &amp; Spring Dynamic Modules</a:t>
+            </a:r>
+          </a:p>
+          <a:p>
             <a:r>
               <a:rPr lang="en-US" dirty="0" smtClean="0">
                 <a:solidFill>
@@ -18817,8 +19226,10 @@
                   </a:schemeClr>
                 </a:solidFill>
               </a:rPr>
-              <a:t> </a:t>
-            </a:r>
+              <a:t>Declarative Services in Detail</a:t>
+            </a:r>
+          </a:p>
+          <a:p>
             <a:r>
               <a:rPr lang="en-US" dirty="0" smtClean="0">
                 <a:solidFill>
@@ -18828,11 +19239,10 @@
                   </a:schemeClr>
                 </a:solidFill>
               </a:rPr>
-              <a:t>Services</a:t>
-            </a:r>
-          </a:p>
-          <a:p>
-            <a:pPr lvl="1"/>
+              <a:t>Spring Dynamic Modules in Detail</a:t>
+            </a:r>
+          </a:p>
+          <a:p>
             <a:r>
               <a:rPr lang="en-US" dirty="0" smtClean="0">
                 <a:solidFill>
@@ -18842,11 +19252,10 @@
                   </a:schemeClr>
                 </a:solidFill>
               </a:rPr>
-              <a:t>Providing and consuming Services</a:t>
-            </a:r>
-          </a:p>
-          <a:p>
-            <a:pPr lvl="1"/>
+              <a:t>Comparison (DS vs. DM)</a:t>
+            </a:r>
+          </a:p>
+          <a:p>
             <a:r>
               <a:rPr lang="en-US" dirty="0" smtClean="0">
                 <a:solidFill>
@@ -18856,7 +19265,7 @@
                   </a:schemeClr>
                 </a:solidFill>
               </a:rPr>
-              <a:t>Service Tracker</a:t>
+              <a:t>Conclusion &amp; Best Practices</a:t>
             </a:r>
           </a:p>
           <a:p>
@@ -18869,168 +19278,8 @@
                   </a:schemeClr>
                 </a:solidFill>
               </a:rPr>
-              <a:t>Overview </a:t>
-            </a:r>
-            <a:r>
-              <a:rPr lang="en-US" dirty="0" smtClean="0">
-                <a:solidFill>
-                  <a:schemeClr val="tx2">
-                    <a:lumMod val="60000"/>
-                    <a:lumOff val="40000"/>
-                  </a:schemeClr>
-                </a:solidFill>
-              </a:rPr>
-              <a:t>Declarative </a:t>
-            </a:r>
-            <a:r>
-              <a:rPr lang="en-US" dirty="0" smtClean="0">
-                <a:solidFill>
-                  <a:schemeClr val="tx2">
-                    <a:lumMod val="60000"/>
-                    <a:lumOff val="40000"/>
-                  </a:schemeClr>
-                </a:solidFill>
-              </a:rPr>
-              <a:t>Services &amp; </a:t>
-            </a:r>
-            <a:r>
-              <a:rPr lang="en-US" dirty="0" smtClean="0">
-                <a:solidFill>
-                  <a:schemeClr val="tx2">
-                    <a:lumMod val="60000"/>
-                    <a:lumOff val="40000"/>
-                  </a:schemeClr>
-                </a:solidFill>
-              </a:rPr>
-              <a:t>Spring Dynamic </a:t>
-            </a:r>
-            <a:r>
-              <a:rPr lang="en-US" dirty="0" smtClean="0">
-                <a:solidFill>
-                  <a:schemeClr val="tx2">
-                    <a:lumMod val="60000"/>
-                    <a:lumOff val="40000"/>
-                  </a:schemeClr>
-                </a:solidFill>
-              </a:rPr>
-              <a:t>Modules</a:t>
-            </a:r>
-            <a:endParaRPr lang="en-US" dirty="0" smtClean="0">
-              <a:solidFill>
-                <a:schemeClr val="tx2">
-                  <a:lumMod val="60000"/>
-                  <a:lumOff val="40000"/>
-                </a:schemeClr>
-              </a:solidFill>
-            </a:endParaRPr>
-          </a:p>
-          <a:p>
-            <a:r>
-              <a:rPr lang="en-US" dirty="0" smtClean="0">
-                <a:solidFill>
-                  <a:schemeClr val="tx2">
-                    <a:lumMod val="60000"/>
-                    <a:lumOff val="40000"/>
-                  </a:schemeClr>
-                </a:solidFill>
-              </a:rPr>
-              <a:t>Declarative </a:t>
-            </a:r>
-            <a:r>
-              <a:rPr lang="en-US" dirty="0" smtClean="0">
-                <a:solidFill>
-                  <a:schemeClr val="tx2">
-                    <a:lumMod val="60000"/>
-                    <a:lumOff val="40000"/>
-                  </a:schemeClr>
-                </a:solidFill>
-              </a:rPr>
-              <a:t>Services in Detail</a:t>
-            </a:r>
-            <a:endParaRPr lang="en-US" dirty="0" smtClean="0">
-              <a:solidFill>
-                <a:schemeClr val="tx2">
-                  <a:lumMod val="60000"/>
-                  <a:lumOff val="40000"/>
-                </a:schemeClr>
-              </a:solidFill>
-            </a:endParaRPr>
-          </a:p>
-          <a:p>
-            <a:r>
-              <a:rPr lang="en-US" dirty="0" smtClean="0">
-                <a:solidFill>
-                  <a:schemeClr val="tx2">
-                    <a:lumMod val="60000"/>
-                    <a:lumOff val="40000"/>
-                  </a:schemeClr>
-                </a:solidFill>
-              </a:rPr>
-              <a:t>Spring Dynamic </a:t>
-            </a:r>
-            <a:r>
-              <a:rPr lang="en-US" dirty="0" smtClean="0">
-                <a:solidFill>
-                  <a:schemeClr val="tx2">
-                    <a:lumMod val="60000"/>
-                    <a:lumOff val="40000"/>
-                  </a:schemeClr>
-                </a:solidFill>
-              </a:rPr>
-              <a:t>Modules in </a:t>
-            </a:r>
-            <a:r>
-              <a:rPr lang="en-US" dirty="0" smtClean="0">
-                <a:solidFill>
-                  <a:schemeClr val="tx2">
-                    <a:lumMod val="60000"/>
-                    <a:lumOff val="40000"/>
-                  </a:schemeClr>
-                </a:solidFill>
-              </a:rPr>
-              <a:t>Detail</a:t>
-            </a:r>
-          </a:p>
-          <a:p>
-            <a:r>
-              <a:rPr lang="en-US" dirty="0" smtClean="0"/>
-              <a:t>Comparison (DS vs. DM)</a:t>
-            </a:r>
-            <a:endParaRPr lang="en-US" dirty="0" smtClean="0"/>
-          </a:p>
-          <a:p>
-            <a:r>
-              <a:rPr lang="en-US" dirty="0" smtClean="0">
-                <a:solidFill>
-                  <a:schemeClr val="tx2">
-                    <a:lumMod val="60000"/>
-                    <a:lumOff val="40000"/>
-                  </a:schemeClr>
-                </a:solidFill>
-              </a:rPr>
-              <a:t>Conclusion &amp; Best Practices</a:t>
-            </a:r>
-          </a:p>
-          <a:p>
-            <a:r>
-              <a:rPr lang="en-US" dirty="0" smtClean="0">
-                <a:solidFill>
-                  <a:schemeClr val="tx2">
-                    <a:lumMod val="60000"/>
-                    <a:lumOff val="40000"/>
-                  </a:schemeClr>
-                </a:solidFill>
-              </a:rPr>
               <a:t>Discussion</a:t>
             </a:r>
-            <a:endParaRPr lang="en-US" dirty="0" smtClean="0">
-              <a:solidFill>
-                <a:schemeClr val="tx2">
-                  <a:lumMod val="60000"/>
-                  <a:lumOff val="40000"/>
-                </a:schemeClr>
-              </a:solidFill>
-            </a:endParaRPr>
           </a:p>
         </p:txBody>
       </p:sp>
@@ -19052,7 +19301,7 @@
             <a:fld id="{1EE64C7A-B923-420E-A18C-3EBD0469DC1F}" type="slidenum">
               <a:rPr lang="en-US" smtClean="0"/>
               <a:pPr/>
-              <a:t>43</a:t>
+              <a:t>5</a:t>
             </a:fld>
             <a:endParaRPr lang="en-US"/>
           </a:p>
@@ -19096,7 +19345,1244 @@
 </p:sld>
 </file>
 
-<file path=ppt/slides/slide44.xml><?xml version="1.0" encoding="utf-8"?>
+<file path=ppt/slides/slide50.xml><?xml version="1.0" encoding="utf-8"?>
+<p:sld xmlns:a="http://schemas.openxmlformats.org/drawingml/2006/main" xmlns:r="http://schemas.openxmlformats.org/officeDocument/2006/relationships" xmlns:p="http://schemas.openxmlformats.org/presentationml/2006/main">
+  <p:cSld>
+    <p:spTree>
+      <p:nvGrpSpPr>
+        <p:cNvPr id="1" name=""/>
+        <p:cNvGrpSpPr/>
+        <p:nvPr/>
+      </p:nvGrpSpPr>
+      <p:grpSpPr>
+        <a:xfrm>
+          <a:off x="0" y="0"/>
+          <a:ext cx="0" cy="0"/>
+          <a:chOff x="0" y="0"/>
+          <a:chExt cx="0" cy="0"/>
+        </a:xfrm>
+      </p:grpSpPr>
+      <p:sp>
+        <p:nvSpPr>
+          <p:cNvPr id="4" name="Inhaltsplatzhalter 3"/>
+          <p:cNvSpPr>
+            <a:spLocks noGrp="1"/>
+          </p:cNvSpPr>
+          <p:nvPr>
+            <p:ph idx="1"/>
+          </p:nvPr>
+        </p:nvSpPr>
+        <p:spPr/>
+        <p:txBody>
+          <a:bodyPr/>
+          <a:lstStyle/>
+          <a:p>
+            <a:pPr marL="342900" lvl="1" indent="-342900">
+              <a:spcBef>
+                <a:spcPts val="1200"/>
+              </a:spcBef>
+            </a:pPr>
+            <a:r>
+              <a:rPr lang="en-US" sz="2000" i="1" dirty="0" err="1" smtClean="0"/>
+              <a:t>ServiceUnavailableException</a:t>
+            </a:r>
+            <a:r>
+              <a:rPr lang="en-US" sz="2000" dirty="0" smtClean="0"/>
+              <a:t> for </a:t>
+            </a:r>
+            <a:r>
+              <a:rPr lang="en-US" sz="2000" dirty="0" smtClean="0"/>
+              <a:t>invocations </a:t>
+            </a:r>
+            <a:r>
+              <a:rPr lang="en-US" sz="2000" dirty="0" smtClean="0"/>
+              <a:t>on stale references</a:t>
+            </a:r>
+            <a:endParaRPr lang="en-US" sz="2000" i="1" dirty="0" smtClean="0"/>
+          </a:p>
+          <a:p>
+            <a:r>
+              <a:rPr lang="en-US" dirty="0" smtClean="0"/>
+              <a:t>Unary references (</a:t>
+            </a:r>
+            <a:r>
+              <a:rPr lang="en-US" i="1" dirty="0" smtClean="0"/>
+              <a:t>reference</a:t>
+            </a:r>
+            <a:r>
+              <a:rPr lang="en-US" dirty="0" smtClean="0"/>
+              <a:t>) are dynamic-aware</a:t>
+            </a:r>
+          </a:p>
+          <a:p>
+            <a:pPr lvl="1"/>
+            <a:r>
+              <a:rPr lang="en-US" dirty="0" smtClean="0"/>
+              <a:t>Re-binding with matching service when bound service goes away</a:t>
+            </a:r>
+          </a:p>
+          <a:p>
+            <a:r>
+              <a:rPr lang="en-US" dirty="0" smtClean="0"/>
+              <a:t>Multiple references (</a:t>
+            </a:r>
+            <a:r>
+              <a:rPr lang="en-US" i="1" dirty="0" err="1" smtClean="0"/>
+              <a:t>set|list</a:t>
+            </a:r>
+            <a:r>
+              <a:rPr lang="en-US" dirty="0" smtClean="0"/>
+              <a:t>) are dynamic-aware</a:t>
+            </a:r>
+          </a:p>
+          <a:p>
+            <a:pPr lvl="1"/>
+            <a:r>
+              <a:rPr lang="en-US" i="1" dirty="0" smtClean="0"/>
+              <a:t>Collection</a:t>
+            </a:r>
+            <a:r>
+              <a:rPr lang="en-US" dirty="0" smtClean="0"/>
+              <a:t>s and </a:t>
+            </a:r>
+            <a:r>
+              <a:rPr lang="en-US" i="1" dirty="0" err="1" smtClean="0"/>
+              <a:t>Iterator</a:t>
+            </a:r>
+            <a:r>
+              <a:rPr lang="en-US" dirty="0" err="1" smtClean="0"/>
+              <a:t>s</a:t>
+            </a:r>
+            <a:r>
+              <a:rPr lang="en-US" dirty="0" smtClean="0"/>
+              <a:t> always up-to-date with service registry</a:t>
+            </a:r>
+          </a:p>
+          <a:p>
+            <a:endParaRPr lang="en-US" dirty="0" smtClean="0"/>
+          </a:p>
+          <a:p>
+            <a:r>
+              <a:rPr lang="en-US" dirty="0" smtClean="0"/>
+              <a:t>Services with unsatisfied references are unregistered …</a:t>
+            </a:r>
+          </a:p>
+          <a:p>
+            <a:r>
+              <a:rPr lang="en-US" dirty="0" smtClean="0"/>
+              <a:t>… and re-registered when satisfied again</a:t>
+            </a:r>
+          </a:p>
+        </p:txBody>
+      </p:sp>
+      <p:sp>
+        <p:nvSpPr>
+          <p:cNvPr id="3" name="Foliennummernplatzhalter 2"/>
+          <p:cNvSpPr>
+            <a:spLocks noGrp="1"/>
+          </p:cNvSpPr>
+          <p:nvPr>
+            <p:ph type="sldNum" sz="quarter" idx="10"/>
+          </p:nvPr>
+        </p:nvSpPr>
+        <p:spPr/>
+        <p:txBody>
+          <a:bodyPr/>
+          <a:lstStyle/>
+          <a:p>
+            <a:fld id="{1EE64C7A-B923-420E-A18C-3EBD0469DC1F}" type="slidenum">
+              <a:rPr lang="de-DE" smtClean="0"/>
+              <a:pPr/>
+              <a:t>50</a:t>
+            </a:fld>
+            <a:endParaRPr lang="de-DE"/>
+          </a:p>
+        </p:txBody>
+      </p:sp>
+      <p:sp>
+        <p:nvSpPr>
+          <p:cNvPr id="2" name="Titel 1"/>
+          <p:cNvSpPr>
+            <a:spLocks noGrp="1"/>
+          </p:cNvSpPr>
+          <p:nvPr>
+            <p:ph type="title"/>
+          </p:nvPr>
+        </p:nvSpPr>
+        <p:spPr/>
+        <p:txBody>
+          <a:bodyPr/>
+          <a:lstStyle/>
+          <a:p>
+            <a:r>
+              <a:rPr lang="en-US" dirty="0" smtClean="0"/>
+              <a:t>And what about Service Dynamics?</a:t>
+            </a:r>
+            <a:endParaRPr lang="en-US" dirty="0"/>
+          </a:p>
+        </p:txBody>
+      </p:sp>
+    </p:spTree>
+  </p:cSld>
+  <p:clrMapOvr>
+    <a:masterClrMapping/>
+  </p:clrMapOvr>
+</p:sld>
+</file>
+
+<file path=ppt/slides/slide51.xml><?xml version="1.0" encoding="utf-8"?>
+<p:sld xmlns:a="http://schemas.openxmlformats.org/drawingml/2006/main" xmlns:r="http://schemas.openxmlformats.org/officeDocument/2006/relationships" xmlns:p="http://schemas.openxmlformats.org/presentationml/2006/main">
+  <p:cSld>
+    <p:spTree>
+      <p:nvGrpSpPr>
+        <p:cNvPr id="1" name=""/>
+        <p:cNvGrpSpPr/>
+        <p:nvPr/>
+      </p:nvGrpSpPr>
+      <p:grpSpPr>
+        <a:xfrm>
+          <a:off x="0" y="0"/>
+          <a:ext cx="0" cy="0"/>
+          <a:chOff x="0" y="0"/>
+          <a:chExt cx="0" cy="0"/>
+        </a:xfrm>
+      </p:grpSpPr>
+      <p:sp>
+        <p:nvSpPr>
+          <p:cNvPr id="4" name="Titel 3"/>
+          <p:cNvSpPr>
+            <a:spLocks noGrp="1"/>
+          </p:cNvSpPr>
+          <p:nvPr>
+            <p:ph type="title"/>
+          </p:nvPr>
+        </p:nvSpPr>
+        <p:spPr/>
+        <p:txBody>
+          <a:bodyPr/>
+          <a:lstStyle/>
+          <a:p>
+            <a:r>
+              <a:rPr lang="en-US" dirty="0" smtClean="0"/>
+              <a:t>Listening to Service Events</a:t>
+            </a:r>
+            <a:endParaRPr lang="en-US" dirty="0"/>
+          </a:p>
+        </p:txBody>
+      </p:sp>
+      <p:sp>
+        <p:nvSpPr>
+          <p:cNvPr id="3" name="Foliennummernplatzhalter 2"/>
+          <p:cNvSpPr>
+            <a:spLocks noGrp="1"/>
+          </p:cNvSpPr>
+          <p:nvPr>
+            <p:ph type="sldNum" sz="quarter" idx="12"/>
+          </p:nvPr>
+        </p:nvSpPr>
+        <p:spPr/>
+        <p:txBody>
+          <a:bodyPr/>
+          <a:lstStyle/>
+          <a:p>
+            <a:fld id="{1EE64C7A-B923-420E-A18C-3EBD0469DC1F}" type="slidenum">
+              <a:rPr lang="de-DE" smtClean="0"/>
+              <a:pPr/>
+              <a:t>51</a:t>
+            </a:fld>
+            <a:endParaRPr lang="de-DE" dirty="0"/>
+          </a:p>
+        </p:txBody>
+      </p:sp>
+      <p:sp>
+        <p:nvSpPr>
+          <p:cNvPr id="5" name="Text Box 4"/>
+          <p:cNvSpPr txBox="1">
+            <a:spLocks noChangeArrowheads="1"/>
+          </p:cNvSpPr>
+          <p:nvPr/>
+        </p:nvSpPr>
+        <p:spPr bwMode="auto">
+          <a:xfrm>
+            <a:off x="965736" y="4929198"/>
+            <a:ext cx="7212529" cy="1202510"/>
+          </a:xfrm>
+          <a:prstGeom prst="rect">
+            <a:avLst/>
+          </a:prstGeom>
+          <a:solidFill>
+            <a:schemeClr val="bg1"/>
+          </a:solidFill>
+          <a:ln w="19050" algn="ctr">
+            <a:noFill/>
+            <a:prstDash val="dash"/>
+            <a:miter lim="800000"/>
+            <a:headEnd/>
+            <a:tailEnd/>
+          </a:ln>
+        </p:spPr>
+        <p:txBody>
+          <a:bodyPr wrap="none" lIns="90000" tIns="46800" rIns="90000" bIns="46800">
+            <a:spAutoFit/>
+          </a:bodyPr>
+          <a:lstStyle/>
+          <a:p>
+            <a:pPr marL="136525" indent="-136525">
+              <a:spcBef>
+                <a:spcPct val="0"/>
+              </a:spcBef>
+            </a:pPr>
+            <a:r>
+              <a:rPr lang="en-US" b="1" dirty="0" smtClean="0">
+                <a:solidFill>
+                  <a:srgbClr val="008080"/>
+                </a:solidFill>
+                <a:latin typeface="Courier New" pitchFamily="49" charset="0"/>
+              </a:rPr>
+              <a:t>&lt;</a:t>
+            </a:r>
+            <a:r>
+              <a:rPr lang="en-US" b="1" dirty="0" smtClean="0">
+                <a:solidFill>
+                  <a:srgbClr val="008080"/>
+                </a:solidFill>
+                <a:latin typeface="Courier New" pitchFamily="49" charset="0"/>
+              </a:rPr>
+              <a:t>reference</a:t>
+            </a:r>
+            <a:r>
+              <a:rPr lang="en-US" b="1" dirty="0" smtClean="0">
+                <a:solidFill>
+                  <a:srgbClr val="3F7F7F"/>
+                </a:solidFill>
+                <a:latin typeface="Courier New" pitchFamily="49" charset="0"/>
+              </a:rPr>
+              <a:t> </a:t>
+            </a:r>
+            <a:r>
+              <a:rPr lang="en-US" b="1" dirty="0" smtClean="0">
+                <a:solidFill>
+                  <a:srgbClr val="7F007F"/>
+                </a:solidFill>
+                <a:latin typeface="Courier New" pitchFamily="49" charset="0"/>
+              </a:rPr>
+              <a:t>id</a:t>
+            </a:r>
+            <a:r>
+              <a:rPr lang="en-US" b="1" dirty="0" smtClean="0">
+                <a:solidFill>
+                  <a:srgbClr val="000000"/>
+                </a:solidFill>
+                <a:latin typeface="Courier New" pitchFamily="49" charset="0"/>
+              </a:rPr>
+              <a:t>=</a:t>
+            </a:r>
+            <a:r>
+              <a:rPr lang="en-US" b="1" dirty="0" smtClean="0">
+                <a:solidFill>
+                  <a:srgbClr val="2A00FF"/>
+                </a:solidFill>
+                <a:latin typeface="Courier New" pitchFamily="49" charset="0"/>
+              </a:rPr>
+              <a:t>"..."</a:t>
+            </a:r>
+            <a:r>
+              <a:rPr lang="en-US" b="1" dirty="0" smtClean="0">
+                <a:solidFill>
+                  <a:srgbClr val="7F007F"/>
+                </a:solidFill>
+                <a:latin typeface="Courier New" pitchFamily="49" charset="0"/>
+              </a:rPr>
+              <a:t> interface</a:t>
+            </a:r>
+            <a:r>
+              <a:rPr lang="en-US" b="1" dirty="0" smtClean="0">
+                <a:solidFill>
+                  <a:srgbClr val="000000"/>
+                </a:solidFill>
+                <a:latin typeface="Courier New" pitchFamily="49" charset="0"/>
+              </a:rPr>
+              <a:t>=</a:t>
+            </a:r>
+            <a:r>
+              <a:rPr lang="en-US" b="1" dirty="0" smtClean="0">
+                <a:solidFill>
+                  <a:srgbClr val="2A00FF"/>
+                </a:solidFill>
+                <a:latin typeface="Courier New" pitchFamily="49" charset="0"/>
+              </a:rPr>
+              <a:t>"..."</a:t>
+            </a:r>
+            <a:r>
+              <a:rPr lang="en-US" b="1" dirty="0" smtClean="0">
+                <a:solidFill>
+                  <a:srgbClr val="008080"/>
+                </a:solidFill>
+                <a:latin typeface="Courier New" pitchFamily="49" charset="0"/>
+              </a:rPr>
+              <a:t>&gt;</a:t>
+            </a:r>
+          </a:p>
+          <a:p>
+            <a:pPr marL="136525" indent="-136525">
+              <a:spcBef>
+                <a:spcPct val="0"/>
+              </a:spcBef>
+            </a:pPr>
+            <a:r>
+              <a:rPr lang="en-US" b="1" dirty="0" smtClean="0">
+                <a:solidFill>
+                  <a:srgbClr val="008080"/>
+                </a:solidFill>
+                <a:latin typeface="Courier New" pitchFamily="49" charset="0"/>
+              </a:rPr>
+              <a:t>  &lt;</a:t>
+            </a:r>
+            <a:r>
+              <a:rPr lang="en-US" b="1" dirty="0" smtClean="0">
+                <a:solidFill>
+                  <a:srgbClr val="008080"/>
+                </a:solidFill>
+                <a:latin typeface="Courier New" pitchFamily="49" charset="0"/>
+              </a:rPr>
+              <a:t>listener </a:t>
+            </a:r>
+            <a:r>
+              <a:rPr lang="en-US" b="1" dirty="0" smtClean="0">
+                <a:solidFill>
+                  <a:srgbClr val="7F007F"/>
+                </a:solidFill>
+                <a:latin typeface="Courier New" pitchFamily="49" charset="0"/>
+              </a:rPr>
+              <a:t>bind-method</a:t>
+            </a:r>
+            <a:r>
+              <a:rPr lang="en-US" b="1" dirty="0" smtClean="0">
+                <a:solidFill>
+                  <a:srgbClr val="000000"/>
+                </a:solidFill>
+                <a:latin typeface="Courier New" pitchFamily="49" charset="0"/>
+              </a:rPr>
+              <a:t>=</a:t>
+            </a:r>
+            <a:r>
+              <a:rPr lang="en-US" b="1" dirty="0" smtClean="0">
+                <a:solidFill>
+                  <a:srgbClr val="2A00FF"/>
+                </a:solidFill>
+                <a:latin typeface="Courier New" pitchFamily="49" charset="0"/>
+              </a:rPr>
+              <a:t>"..."</a:t>
+            </a:r>
+            <a:r>
+              <a:rPr lang="en-US" b="1" dirty="0" smtClean="0">
+                <a:solidFill>
+                  <a:srgbClr val="008080"/>
+                </a:solidFill>
+                <a:latin typeface="Courier New" pitchFamily="49" charset="0"/>
+              </a:rPr>
+              <a:t> </a:t>
+            </a:r>
+            <a:r>
+              <a:rPr lang="en-US" b="1" dirty="0" smtClean="0">
+                <a:solidFill>
+                  <a:srgbClr val="7F007F"/>
+                </a:solidFill>
+                <a:latin typeface="Courier New" pitchFamily="49" charset="0"/>
+              </a:rPr>
+              <a:t>unbind-method</a:t>
+            </a:r>
+            <a:r>
+              <a:rPr lang="en-US" b="1" dirty="0" smtClean="0">
+                <a:solidFill>
+                  <a:srgbClr val="000000"/>
+                </a:solidFill>
+                <a:latin typeface="Courier New" pitchFamily="49" charset="0"/>
+              </a:rPr>
+              <a:t>=</a:t>
+            </a:r>
+            <a:r>
+              <a:rPr lang="en-US" b="1" dirty="0" smtClean="0">
+                <a:solidFill>
+                  <a:srgbClr val="2A00FF"/>
+                </a:solidFill>
+                <a:latin typeface="Courier New" pitchFamily="49" charset="0"/>
+              </a:rPr>
+              <a:t>"..."</a:t>
+            </a:r>
+            <a:r>
+              <a:rPr lang="en-US" b="1" dirty="0" smtClean="0">
+                <a:solidFill>
+                  <a:srgbClr val="008080"/>
+                </a:solidFill>
+                <a:latin typeface="Courier New" pitchFamily="49" charset="0"/>
+              </a:rPr>
+              <a:t>&gt; </a:t>
+            </a:r>
+            <a:endParaRPr lang="en-US" b="1" dirty="0" smtClean="0">
+              <a:solidFill>
+                <a:srgbClr val="008080"/>
+              </a:solidFill>
+              <a:latin typeface="Courier New" pitchFamily="49" charset="0"/>
+            </a:endParaRPr>
+          </a:p>
+          <a:p>
+            <a:pPr marL="136525" indent="-136525">
+              <a:spcBef>
+                <a:spcPct val="0"/>
+              </a:spcBef>
+            </a:pPr>
+            <a:r>
+              <a:rPr lang="en-US" b="1" dirty="0" smtClean="0">
+                <a:solidFill>
+                  <a:srgbClr val="008080"/>
+                </a:solidFill>
+                <a:latin typeface="Courier New" pitchFamily="49" charset="0"/>
+              </a:rPr>
+              <a:t>    &lt;</a:t>
+            </a:r>
+            <a:r>
+              <a:rPr lang="en-US" b="1" dirty="0" err="1" smtClean="0">
+                <a:solidFill>
+                  <a:srgbClr val="008080"/>
+                </a:solidFill>
+                <a:latin typeface="Courier New" pitchFamily="49" charset="0"/>
+              </a:rPr>
+              <a:t>beans:bean</a:t>
+            </a:r>
+            <a:r>
+              <a:rPr lang="en-US" b="1" dirty="0" smtClean="0">
+                <a:solidFill>
+                  <a:srgbClr val="008080"/>
+                </a:solidFill>
+                <a:latin typeface="Courier New" pitchFamily="49" charset="0"/>
+              </a:rPr>
+              <a:t> </a:t>
+            </a:r>
+            <a:r>
+              <a:rPr lang="en-US" b="1" dirty="0" smtClean="0">
+                <a:solidFill>
+                  <a:srgbClr val="7F007F"/>
+                </a:solidFill>
+                <a:latin typeface="Courier New" pitchFamily="49" charset="0"/>
+              </a:rPr>
+              <a:t>class</a:t>
+            </a:r>
+            <a:r>
+              <a:rPr lang="en-US" b="1" dirty="0" smtClean="0">
+                <a:solidFill>
+                  <a:srgbClr val="000000"/>
+                </a:solidFill>
+                <a:latin typeface="Courier New" pitchFamily="49" charset="0"/>
+              </a:rPr>
+              <a:t>=</a:t>
+            </a:r>
+            <a:r>
+              <a:rPr lang="en-US" b="1" dirty="0" smtClean="0">
+                <a:solidFill>
+                  <a:srgbClr val="2A00FF"/>
+                </a:solidFill>
+                <a:latin typeface="Courier New" pitchFamily="49" charset="0"/>
+              </a:rPr>
+              <a:t>"..."</a:t>
+            </a:r>
+            <a:r>
+              <a:rPr lang="en-US" b="1" dirty="0" smtClean="0">
+                <a:solidFill>
+                  <a:srgbClr val="008080"/>
+                </a:solidFill>
+                <a:latin typeface="Courier New" pitchFamily="49" charset="0"/>
+              </a:rPr>
+              <a:t>/&gt; </a:t>
+            </a:r>
+            <a:endParaRPr lang="en-US" b="1" dirty="0" smtClean="0">
+              <a:solidFill>
+                <a:srgbClr val="008080"/>
+              </a:solidFill>
+              <a:latin typeface="Courier New" pitchFamily="49" charset="0"/>
+            </a:endParaRPr>
+          </a:p>
+          <a:p>
+            <a:pPr marL="136525" indent="-136525">
+              <a:spcBef>
+                <a:spcPct val="0"/>
+              </a:spcBef>
+            </a:pPr>
+            <a:r>
+              <a:rPr lang="en-US" b="1" dirty="0" smtClean="0">
+                <a:solidFill>
+                  <a:srgbClr val="008080"/>
+                </a:solidFill>
+                <a:latin typeface="Courier New" pitchFamily="49" charset="0"/>
+              </a:rPr>
+              <a:t>    ...</a:t>
+            </a:r>
+            <a:endParaRPr lang="en-US" b="1" dirty="0" smtClean="0">
+              <a:solidFill>
+                <a:srgbClr val="008080"/>
+              </a:solidFill>
+              <a:latin typeface="Courier New" pitchFamily="49" charset="0"/>
+            </a:endParaRPr>
+          </a:p>
+        </p:txBody>
+      </p:sp>
+      <p:pic>
+        <p:nvPicPr>
+          <p:cNvPr id="6" name="Grafik 5" descr="Spring DM - Listening Binding 300dpi.png"/>
+          <p:cNvPicPr>
+            <a:picLocks noChangeAspect="1"/>
+          </p:cNvPicPr>
+          <p:nvPr/>
+        </p:nvPicPr>
+        <p:blipFill>
+          <a:blip r:embed="rId2" cstate="print"/>
+          <a:stretch>
+            <a:fillRect/>
+          </a:stretch>
+        </p:blipFill>
+        <p:spPr>
+          <a:xfrm>
+            <a:off x="1903470" y="1071546"/>
+            <a:ext cx="5337059" cy="3889256"/>
+          </a:xfrm>
+          <a:prstGeom prst="rect">
+            <a:avLst/>
+          </a:prstGeom>
+        </p:spPr>
+      </p:pic>
+    </p:spTree>
+  </p:cSld>
+  <p:clrMapOvr>
+    <a:masterClrMapping/>
+  </p:clrMapOvr>
+</p:sld>
+</file>
+
+<file path=ppt/slides/slide52.xml><?xml version="1.0" encoding="utf-8"?>
+<p:sld xmlns:a="http://schemas.openxmlformats.org/drawingml/2006/main" xmlns:r="http://schemas.openxmlformats.org/officeDocument/2006/relationships" xmlns:p="http://schemas.openxmlformats.org/presentationml/2006/main">
+  <p:cSld>
+    <p:spTree>
+      <p:nvGrpSpPr>
+        <p:cNvPr id="1" name=""/>
+        <p:cNvGrpSpPr/>
+        <p:nvPr/>
+      </p:nvGrpSpPr>
+      <p:grpSpPr>
+        <a:xfrm>
+          <a:off x="0" y="0"/>
+          <a:ext cx="0" cy="0"/>
+          <a:chOff x="0" y="0"/>
+          <a:chExt cx="0" cy="0"/>
+        </a:xfrm>
+      </p:grpSpPr>
+      <p:sp>
+        <p:nvSpPr>
+          <p:cNvPr id="2" name="Content Placeholder 1"/>
+          <p:cNvSpPr>
+            <a:spLocks noGrp="1"/>
+          </p:cNvSpPr>
+          <p:nvPr>
+            <p:ph idx="1"/>
+          </p:nvPr>
+        </p:nvSpPr>
+        <p:spPr/>
+        <p:txBody>
+          <a:bodyPr>
+            <a:normAutofit fontScale="92500" lnSpcReduction="20000"/>
+          </a:bodyPr>
+          <a:lstStyle/>
+          <a:p>
+            <a:pPr>
+              <a:buNone/>
+            </a:pPr>
+            <a:r>
+              <a:rPr lang="en-US" noProof="0" dirty="0" smtClean="0"/>
+              <a:t>To run Spring DM the following additional bundles are needed:</a:t>
+            </a:r>
+          </a:p>
+          <a:p>
+            <a:r>
+              <a:rPr lang="en-US" dirty="0" smtClean="0">
+                <a:solidFill>
+                  <a:schemeClr val="accent1">
+                    <a:lumMod val="75000"/>
+                  </a:schemeClr>
+                </a:solidFill>
+              </a:rPr>
+              <a:t>spring-osgi-core-1.1.2.jar</a:t>
+            </a:r>
+          </a:p>
+          <a:p>
+            <a:r>
+              <a:rPr lang="en-US" dirty="0" smtClean="0">
+                <a:solidFill>
+                  <a:schemeClr val="accent1">
+                    <a:lumMod val="75000"/>
+                  </a:schemeClr>
+                </a:solidFill>
+              </a:rPr>
+              <a:t>spring-osgi-extender-1.1.2.jar</a:t>
+            </a:r>
+          </a:p>
+          <a:p>
+            <a:r>
+              <a:rPr lang="en-US" dirty="0" smtClean="0">
+                <a:solidFill>
+                  <a:schemeClr val="accent1">
+                    <a:lumMod val="75000"/>
+                  </a:schemeClr>
+                </a:solidFill>
+              </a:rPr>
+              <a:t>spring-osgi-io-1.1.2.jar</a:t>
+            </a:r>
+          </a:p>
+          <a:p>
+            <a:r>
+              <a:rPr lang="en-US" dirty="0" smtClean="0"/>
+              <a:t>com.springsource.org.aopalliance-1.0.0.jar</a:t>
+            </a:r>
+            <a:endParaRPr lang="en-US" dirty="0" smtClean="0"/>
+          </a:p>
+          <a:p>
+            <a:r>
+              <a:rPr lang="en-US" dirty="0" smtClean="0"/>
+              <a:t>spring-aop-2.5.5.jar</a:t>
+            </a:r>
+          </a:p>
+          <a:p>
+            <a:r>
+              <a:rPr lang="en-US" dirty="0" smtClean="0"/>
+              <a:t>spring-beans-2.5.5.jar</a:t>
+            </a:r>
+          </a:p>
+          <a:p>
+            <a:r>
+              <a:rPr lang="en-US" dirty="0" smtClean="0"/>
+              <a:t>spring-context-2.5.5.jar</a:t>
+            </a:r>
+          </a:p>
+          <a:p>
+            <a:r>
+              <a:rPr lang="en-US" dirty="0" smtClean="0"/>
+              <a:t>spring-core-2.5.5.jar</a:t>
+            </a:r>
+          </a:p>
+          <a:p>
+            <a:r>
+              <a:rPr lang="en-US" i="1" dirty="0" smtClean="0"/>
+              <a:t>com.springsource.slf4j.api-1.5.0.jar</a:t>
+            </a:r>
+            <a:endParaRPr lang="en-US" i="1" dirty="0" smtClean="0"/>
+          </a:p>
+          <a:p>
+            <a:r>
+              <a:rPr lang="en-US" i="1" dirty="0" smtClean="0"/>
+              <a:t>com.springsource.slf4j.log4j-1.5.0.jar</a:t>
+            </a:r>
+          </a:p>
+          <a:p>
+            <a:r>
+              <a:rPr lang="en-US" i="1" dirty="0" smtClean="0"/>
+              <a:t>com.springsource.slf4j.org.apache.commons.logging-1.5.0.jar</a:t>
+            </a:r>
+          </a:p>
+          <a:p>
+            <a:r>
+              <a:rPr lang="en-US" i="1" dirty="0" smtClean="0"/>
+              <a:t>log4j.osgi-1.2.15-SNAPSHOT.jar</a:t>
+            </a:r>
+            <a:endParaRPr lang="en-US" i="1" dirty="0" smtClean="0"/>
+          </a:p>
+        </p:txBody>
+      </p:sp>
+      <p:sp>
+        <p:nvSpPr>
+          <p:cNvPr id="3" name="Slide Number Placeholder 2"/>
+          <p:cNvSpPr>
+            <a:spLocks noGrp="1"/>
+          </p:cNvSpPr>
+          <p:nvPr>
+            <p:ph type="sldNum" sz="quarter" idx="10"/>
+          </p:nvPr>
+        </p:nvSpPr>
+        <p:spPr/>
+        <p:txBody>
+          <a:bodyPr/>
+          <a:lstStyle/>
+          <a:p>
+            <a:fld id="{1EE64C7A-B923-420E-A18C-3EBD0469DC1F}" type="slidenum">
+              <a:rPr lang="de-DE" smtClean="0"/>
+              <a:pPr/>
+              <a:t>52</a:t>
+            </a:fld>
+            <a:endParaRPr lang="de-DE" dirty="0"/>
+          </a:p>
+        </p:txBody>
+      </p:sp>
+      <p:sp>
+        <p:nvSpPr>
+          <p:cNvPr id="4" name="Title 3"/>
+          <p:cNvSpPr>
+            <a:spLocks noGrp="1"/>
+          </p:cNvSpPr>
+          <p:nvPr>
+            <p:ph type="title"/>
+          </p:nvPr>
+        </p:nvSpPr>
+        <p:spPr/>
+        <p:txBody>
+          <a:bodyPr/>
+          <a:lstStyle/>
+          <a:p>
+            <a:r>
+              <a:rPr lang="en-US" noProof="0" dirty="0" smtClean="0"/>
+              <a:t>Needed OSGi Bundles</a:t>
+            </a:r>
+            <a:endParaRPr lang="en-US" noProof="0" dirty="0"/>
+          </a:p>
+        </p:txBody>
+      </p:sp>
+    </p:spTree>
+  </p:cSld>
+  <p:clrMapOvr>
+    <a:masterClrMapping/>
+  </p:clrMapOvr>
+  <p:timing>
+    <p:tnLst>
+      <p:par>
+        <p:cTn id="1" dur="indefinite" restart="never" nodeType="tmRoot"/>
+      </p:par>
+    </p:tnLst>
+  </p:timing>
+</p:sld>
+</file>
+
+<file path=ppt/slides/slide53.xml><?xml version="1.0" encoding="utf-8"?>
+<p:sld xmlns:a="http://schemas.openxmlformats.org/drawingml/2006/main" xmlns:r="http://schemas.openxmlformats.org/officeDocument/2006/relationships" xmlns:p="http://schemas.openxmlformats.org/presentationml/2006/main">
+  <p:cSld>
+    <p:spTree>
+      <p:nvGrpSpPr>
+        <p:cNvPr id="1" name=""/>
+        <p:cNvGrpSpPr/>
+        <p:nvPr/>
+      </p:nvGrpSpPr>
+      <p:grpSpPr>
+        <a:xfrm>
+          <a:off x="0" y="0"/>
+          <a:ext cx="0" cy="0"/>
+          <a:chOff x="0" y="0"/>
+          <a:chExt cx="0" cy="0"/>
+        </a:xfrm>
+      </p:grpSpPr>
+      <p:sp>
+        <p:nvSpPr>
+          <p:cNvPr id="2" name="Content Placeholder 1"/>
+          <p:cNvSpPr>
+            <a:spLocks noGrp="1"/>
+          </p:cNvSpPr>
+          <p:nvPr>
+            <p:ph idx="1"/>
+          </p:nvPr>
+        </p:nvSpPr>
+        <p:spPr/>
+        <p:txBody>
+          <a:bodyPr/>
+          <a:lstStyle/>
+          <a:p>
+            <a:pPr>
+              <a:buClr>
+                <a:schemeClr val="accent1"/>
+              </a:buClr>
+              <a:buFont typeface="Arial" pitchFamily="34" charset="0"/>
+              <a:buChar char="+"/>
+            </a:pPr>
+            <a:r>
+              <a:rPr lang="en-US" dirty="0" smtClean="0"/>
+              <a:t>Very easy to define Spring beans, </a:t>
+            </a:r>
+            <a:r>
+              <a:rPr lang="en-US" dirty="0" err="1" smtClean="0"/>
+              <a:t>OSGi</a:t>
+            </a:r>
+            <a:r>
+              <a:rPr lang="en-US" dirty="0" smtClean="0"/>
+              <a:t> services and references declaratively</a:t>
+            </a:r>
+          </a:p>
+          <a:p>
+            <a:pPr>
+              <a:buClr>
+                <a:schemeClr val="accent1"/>
+              </a:buClr>
+              <a:buFont typeface="Arial" pitchFamily="34" charset="0"/>
+              <a:buChar char="+"/>
+            </a:pPr>
+            <a:r>
+              <a:rPr lang="en-US" dirty="0" smtClean="0"/>
+              <a:t>Spring DM takes care of life cycle management and dependency resolution</a:t>
+            </a:r>
+          </a:p>
+          <a:p>
+            <a:pPr>
+              <a:buClr>
+                <a:schemeClr val="accent1"/>
+              </a:buClr>
+              <a:buFont typeface="Arial" pitchFamily="34" charset="0"/>
+              <a:buChar char="+"/>
+            </a:pPr>
+            <a:r>
+              <a:rPr lang="en-US" dirty="0" smtClean="0"/>
+              <a:t>Very powerful Dependency Injection</a:t>
+            </a:r>
+          </a:p>
+          <a:p>
+            <a:pPr>
+              <a:buNone/>
+            </a:pPr>
+            <a:endParaRPr lang="en-US" dirty="0" smtClean="0"/>
+          </a:p>
+          <a:p>
+            <a:pPr>
+              <a:buNone/>
+            </a:pPr>
+            <a:r>
+              <a:rPr lang="en-US" dirty="0" smtClean="0"/>
+              <a:t>But</a:t>
+            </a:r>
+          </a:p>
+          <a:p>
+            <a:pPr>
+              <a:buClr>
+                <a:srgbClr val="C00000"/>
+              </a:buClr>
+              <a:buFont typeface="Symbol" pitchFamily="18" charset="2"/>
+              <a:buChar char="-"/>
+            </a:pPr>
+            <a:r>
+              <a:rPr lang="en-US" dirty="0" smtClean="0"/>
+              <a:t>Properties also cannot be declared mandatory</a:t>
+            </a:r>
+          </a:p>
+        </p:txBody>
+      </p:sp>
+      <p:sp>
+        <p:nvSpPr>
+          <p:cNvPr id="3" name="Slide Number Placeholder 2"/>
+          <p:cNvSpPr>
+            <a:spLocks noGrp="1"/>
+          </p:cNvSpPr>
+          <p:nvPr>
+            <p:ph type="sldNum" sz="quarter" idx="10"/>
+          </p:nvPr>
+        </p:nvSpPr>
+        <p:spPr/>
+        <p:txBody>
+          <a:bodyPr/>
+          <a:lstStyle/>
+          <a:p>
+            <a:fld id="{1EE64C7A-B923-420E-A18C-3EBD0469DC1F}" type="slidenum">
+              <a:rPr lang="de-DE" smtClean="0"/>
+              <a:pPr/>
+              <a:t>53</a:t>
+            </a:fld>
+            <a:endParaRPr lang="de-DE" dirty="0"/>
+          </a:p>
+        </p:txBody>
+      </p:sp>
+      <p:sp>
+        <p:nvSpPr>
+          <p:cNvPr id="4" name="Title 3"/>
+          <p:cNvSpPr>
+            <a:spLocks noGrp="1"/>
+          </p:cNvSpPr>
+          <p:nvPr>
+            <p:ph type="title"/>
+          </p:nvPr>
+        </p:nvSpPr>
+        <p:spPr/>
+        <p:txBody>
+          <a:bodyPr/>
+          <a:lstStyle/>
+          <a:p>
+            <a:r>
+              <a:rPr lang="en-US" dirty="0" smtClean="0"/>
+              <a:t>Spring DM Conclusion</a:t>
+            </a:r>
+            <a:endParaRPr lang="en-US" dirty="0"/>
+          </a:p>
+        </p:txBody>
+      </p:sp>
+    </p:spTree>
+  </p:cSld>
+  <p:clrMapOvr>
+    <a:masterClrMapping/>
+  </p:clrMapOvr>
+  <p:timing>
+    <p:tnLst>
+      <p:par>
+        <p:cTn id="1" dur="indefinite" restart="never" nodeType="tmRoot"/>
+      </p:par>
+    </p:tnLst>
+  </p:timing>
+</p:sld>
+</file>
+
+<file path=ppt/slides/slide54.xml><?xml version="1.0" encoding="utf-8"?>
+<p:sld xmlns:a="http://schemas.openxmlformats.org/drawingml/2006/main" xmlns:r="http://schemas.openxmlformats.org/officeDocument/2006/relationships" xmlns:p="http://schemas.openxmlformats.org/presentationml/2006/main">
+  <p:cSld>
+    <p:spTree>
+      <p:nvGrpSpPr>
+        <p:cNvPr id="1" name=""/>
+        <p:cNvGrpSpPr/>
+        <p:nvPr/>
+      </p:nvGrpSpPr>
+      <p:grpSpPr>
+        <a:xfrm>
+          <a:off x="0" y="0"/>
+          <a:ext cx="0" cy="0"/>
+          <a:chOff x="0" y="0"/>
+          <a:chExt cx="0" cy="0"/>
+        </a:xfrm>
+      </p:grpSpPr>
+      <p:sp>
+        <p:nvSpPr>
+          <p:cNvPr id="6" name="Inhaltsplatzhalter 5"/>
+          <p:cNvSpPr>
+            <a:spLocks noGrp="1"/>
+          </p:cNvSpPr>
+          <p:nvPr>
+            <p:ph idx="1"/>
+          </p:nvPr>
+        </p:nvSpPr>
+        <p:spPr/>
+        <p:txBody>
+          <a:bodyPr>
+            <a:normAutofit/>
+          </a:bodyPr>
+          <a:lstStyle/>
+          <a:p>
+            <a:r>
+              <a:rPr lang="en-US" dirty="0" smtClean="0">
+                <a:solidFill>
+                  <a:schemeClr val="tx2">
+                    <a:lumMod val="60000"/>
+                    <a:lumOff val="40000"/>
+                  </a:schemeClr>
+                </a:solidFill>
+              </a:rPr>
+              <a:t>Demo: A Swing App Framework based dynamic </a:t>
+            </a:r>
+            <a:r>
+              <a:rPr lang="en-US" dirty="0" err="1" smtClean="0">
+                <a:solidFill>
+                  <a:schemeClr val="tx2">
+                    <a:lumMod val="60000"/>
+                    <a:lumOff val="40000"/>
+                  </a:schemeClr>
+                </a:solidFill>
+              </a:rPr>
+              <a:t>OSGi</a:t>
+            </a:r>
+            <a:r>
+              <a:rPr lang="en-US" dirty="0" smtClean="0">
+                <a:solidFill>
+                  <a:schemeClr val="tx2">
+                    <a:lumMod val="60000"/>
+                    <a:lumOff val="40000"/>
+                  </a:schemeClr>
+                </a:solidFill>
+              </a:rPr>
+              <a:t> application</a:t>
+            </a:r>
+          </a:p>
+          <a:p>
+            <a:r>
+              <a:rPr lang="en-US" dirty="0" err="1" smtClean="0">
+                <a:solidFill>
+                  <a:schemeClr val="tx2">
+                    <a:lumMod val="60000"/>
+                    <a:lumOff val="40000"/>
+                  </a:schemeClr>
+                </a:solidFill>
+              </a:rPr>
+              <a:t>OSGi</a:t>
+            </a:r>
+            <a:r>
+              <a:rPr lang="en-US" dirty="0" smtClean="0">
+                <a:solidFill>
+                  <a:schemeClr val="tx2">
+                    <a:lumMod val="60000"/>
+                    <a:lumOff val="40000"/>
+                  </a:schemeClr>
+                </a:solidFill>
+              </a:rPr>
+              <a:t> Services</a:t>
+            </a:r>
+          </a:p>
+          <a:p>
+            <a:pPr lvl="1"/>
+            <a:r>
+              <a:rPr lang="en-US" dirty="0" smtClean="0">
+                <a:solidFill>
+                  <a:schemeClr val="tx2">
+                    <a:lumMod val="60000"/>
+                    <a:lumOff val="40000"/>
+                  </a:schemeClr>
+                </a:solidFill>
+              </a:rPr>
+              <a:t>Providing and consuming Services</a:t>
+            </a:r>
+          </a:p>
+          <a:p>
+            <a:pPr lvl="1"/>
+            <a:r>
+              <a:rPr lang="en-US" dirty="0" smtClean="0">
+                <a:solidFill>
+                  <a:schemeClr val="tx2">
+                    <a:lumMod val="60000"/>
+                    <a:lumOff val="40000"/>
+                  </a:schemeClr>
+                </a:solidFill>
+              </a:rPr>
+              <a:t>Service Tracker</a:t>
+            </a:r>
+          </a:p>
+          <a:p>
+            <a:r>
+              <a:rPr lang="en-US" dirty="0" smtClean="0">
+                <a:solidFill>
+                  <a:schemeClr val="tx2">
+                    <a:lumMod val="60000"/>
+                    <a:lumOff val="40000"/>
+                  </a:schemeClr>
+                </a:solidFill>
+              </a:rPr>
+              <a:t>Overview Declarative Services &amp; Spring Dynamic Modules</a:t>
+            </a:r>
+          </a:p>
+          <a:p>
+            <a:r>
+              <a:rPr lang="en-US" dirty="0" smtClean="0">
+                <a:solidFill>
+                  <a:schemeClr val="tx2">
+                    <a:lumMod val="60000"/>
+                    <a:lumOff val="40000"/>
+                  </a:schemeClr>
+                </a:solidFill>
+              </a:rPr>
+              <a:t>Declarative Services in Detail</a:t>
+            </a:r>
+          </a:p>
+          <a:p>
+            <a:r>
+              <a:rPr lang="en-US" dirty="0" smtClean="0">
+                <a:solidFill>
+                  <a:schemeClr val="tx2">
+                    <a:lumMod val="60000"/>
+                    <a:lumOff val="40000"/>
+                  </a:schemeClr>
+                </a:solidFill>
+              </a:rPr>
+              <a:t>Spring Dynamic Modules in Detail</a:t>
+            </a:r>
+          </a:p>
+          <a:p>
+            <a:r>
+              <a:rPr lang="en-US" dirty="0" smtClean="0"/>
+              <a:t>Comparison (DS vs. DM)</a:t>
+            </a:r>
+          </a:p>
+          <a:p>
+            <a:r>
+              <a:rPr lang="en-US" dirty="0" smtClean="0">
+                <a:solidFill>
+                  <a:schemeClr val="tx2">
+                    <a:lumMod val="60000"/>
+                    <a:lumOff val="40000"/>
+                  </a:schemeClr>
+                </a:solidFill>
+              </a:rPr>
+              <a:t>Conclusion &amp; Best Practices</a:t>
+            </a:r>
+          </a:p>
+          <a:p>
+            <a:r>
+              <a:rPr lang="en-US" dirty="0" smtClean="0">
+                <a:solidFill>
+                  <a:schemeClr val="tx2">
+                    <a:lumMod val="60000"/>
+                    <a:lumOff val="40000"/>
+                  </a:schemeClr>
+                </a:solidFill>
+              </a:rPr>
+              <a:t>Discussion</a:t>
+            </a:r>
+          </a:p>
+        </p:txBody>
+      </p:sp>
+      <p:sp>
+        <p:nvSpPr>
+          <p:cNvPr id="4" name="Foliennummernplatzhalter 3"/>
+          <p:cNvSpPr>
+            <a:spLocks noGrp="1"/>
+          </p:cNvSpPr>
+          <p:nvPr>
+            <p:ph type="sldNum" sz="quarter" idx="10"/>
+          </p:nvPr>
+        </p:nvSpPr>
+        <p:spPr/>
+        <p:txBody>
+          <a:bodyPr/>
+          <a:lstStyle/>
+          <a:p>
+            <a:fld id="{1EE64C7A-B923-420E-A18C-3EBD0469DC1F}" type="slidenum">
+              <a:rPr lang="en-US" smtClean="0"/>
+              <a:pPr/>
+              <a:t>54</a:t>
+            </a:fld>
+            <a:endParaRPr lang="en-US"/>
+          </a:p>
+        </p:txBody>
+      </p:sp>
+      <p:sp>
+        <p:nvSpPr>
+          <p:cNvPr id="5" name="Titel 4"/>
+          <p:cNvSpPr>
+            <a:spLocks noGrp="1"/>
+          </p:cNvSpPr>
+          <p:nvPr>
+            <p:ph type="title"/>
+          </p:nvPr>
+        </p:nvSpPr>
+        <p:spPr/>
+        <p:txBody>
+          <a:bodyPr/>
+          <a:lstStyle/>
+          <a:p>
+            <a:r>
+              <a:rPr lang="en-US" noProof="0" smtClean="0"/>
+              <a:t>Agenda</a:t>
+            </a:r>
+            <a:endParaRPr lang="en-US" noProof="0"/>
+          </a:p>
+        </p:txBody>
+      </p:sp>
+    </p:spTree>
+  </p:cSld>
+  <p:clrMapOvr>
+    <a:masterClrMapping/>
+  </p:clrMapOvr>
+  <p:timing>
+    <p:tnLst>
+      <p:par>
+        <p:cTn id="1" dur="indefinite" restart="never" nodeType="tmRoot"/>
+      </p:par>
+    </p:tnLst>
+  </p:timing>
+</p:sld>
+</file>
+
+<file path=ppt/slides/slide55.xml><?xml version="1.0" encoding="utf-8"?>
 <p:sld xmlns:a="http://schemas.openxmlformats.org/drawingml/2006/main" xmlns:r="http://schemas.openxmlformats.org/officeDocument/2006/relationships" xmlns:p="http://schemas.openxmlformats.org/presentationml/2006/main">
   <p:cSld>
     <p:spTree>
@@ -19154,7 +20640,7 @@
             <a:fld id="{1EE64C7A-B923-420E-A18C-3EBD0469DC1F}" type="slidenum">
               <a:rPr lang="de-DE" smtClean="0"/>
               <a:pPr/>
-              <a:t>44</a:t>
+              <a:t>55</a:t>
             </a:fld>
             <a:endParaRPr lang="de-DE"/>
           </a:p>
@@ -19191,7 +20677,7 @@
 </p:sld>
 </file>
 
-<file path=ppt/slides/slide45.xml><?xml version="1.0" encoding="utf-8"?>
+<file path=ppt/slides/slide56.xml><?xml version="1.0" encoding="utf-8"?>
 <p:sld xmlns:a="http://schemas.openxmlformats.org/drawingml/2006/main" xmlns:r="http://schemas.openxmlformats.org/officeDocument/2006/relationships" xmlns:p="http://schemas.openxmlformats.org/presentationml/2006/main">
   <p:cSld>
     <p:spTree>
@@ -19226,7 +20712,7 @@
             <a:fld id="{1EE64C7A-B923-420E-A18C-3EBD0469DC1F}" type="slidenum">
               <a:rPr lang="de-DE" smtClean="0"/>
               <a:pPr/>
-              <a:t>45</a:t>
+              <a:t>56</a:t>
             </a:fld>
             <a:endParaRPr lang="de-DE" dirty="0"/>
           </a:p>
@@ -19248,10 +20734,18 @@
           <a:lstStyle/>
           <a:p>
             <a:r>
-              <a:rPr lang="en-US" noProof="0" smtClean="0"/>
-              <a:t>DS vs. DM</a:t>
-            </a:r>
-            <a:endParaRPr lang="en-US" noProof="0"/>
+              <a:rPr lang="en-US" noProof="0" dirty="0" smtClean="0"/>
+              <a:t>DS </a:t>
+            </a:r>
+            <a:r>
+              <a:rPr lang="en-US" noProof="0" dirty="0" smtClean="0"/>
+              <a:t>versus </a:t>
+            </a:r>
+            <a:r>
+              <a:rPr lang="en-US" noProof="0" dirty="0" smtClean="0"/>
+              <a:t>DM</a:t>
+            </a:r>
+            <a:endParaRPr lang="en-US" noProof="0" dirty="0"/>
           </a:p>
         </p:txBody>
       </p:sp>
@@ -19267,13 +20761,13 @@
         </p:nvGraphicFramePr>
         <p:xfrm>
           <a:off x="457200" y="1125538"/>
-          <a:ext cx="8229600" cy="3337560"/>
+          <a:ext cx="8229600" cy="3977640"/>
         </p:xfrm>
         <a:graphic>
           <a:graphicData uri="http://schemas.openxmlformats.org/drawingml/2006/table">
             <a:tbl>
               <a:tblPr firstRow="1" bandRow="1">
-                <a:tableStyleId>{5C22544A-7EE6-4342-B048-85BDC9FD1C3A}</a:tableStyleId>
+                <a:tableStyleId>{7DF18680-E054-41AD-8BC1-D1AEF772440D}</a:tableStyleId>
               </a:tblPr>
               <a:tblGrid>
                 <a:gridCol w="4614866"/>
@@ -19336,7 +20830,11 @@
                     <a:p>
                       <a:r>
                         <a:rPr lang="en-US" dirty="0" smtClean="0"/>
-                        <a:t>Ease of use/ Reducing complexity</a:t>
+                        <a:t>Ease of </a:t>
+                      </a:r>
+                      <a:r>
+                        <a:rPr lang="en-US" dirty="0" smtClean="0"/>
+                        <a:t>use</a:t>
                       </a:r>
                       <a:endParaRPr lang="en-US" dirty="0"/>
                     </a:p>
@@ -19351,14 +20849,18 @@
                       <a:r>
                         <a:rPr lang="en-US" dirty="0" smtClean="0">
                           <a:solidFill>
-                            <a:schemeClr val="accent1"/>
+                            <a:schemeClr val="accent1">
+                              <a:lumMod val="75000"/>
+                            </a:schemeClr>
                           </a:solidFill>
                         </a:rPr>
                         <a:t>++</a:t>
                       </a:r>
                       <a:endParaRPr lang="en-US" dirty="0">
                         <a:solidFill>
-                          <a:schemeClr val="accent1"/>
+                          <a:schemeClr val="accent1">
+                            <a:lumMod val="75000"/>
+                          </a:schemeClr>
                         </a:solidFill>
                       </a:endParaRPr>
                     </a:p>
@@ -19373,14 +20875,18 @@
                       <a:r>
                         <a:rPr lang="en-US" dirty="0" smtClean="0">
                           <a:solidFill>
-                            <a:schemeClr val="accent1"/>
+                            <a:schemeClr val="accent1">
+                              <a:lumMod val="75000"/>
+                            </a:schemeClr>
                           </a:solidFill>
                         </a:rPr>
                         <a:t>+</a:t>
                       </a:r>
                       <a:endParaRPr lang="en-US" dirty="0">
                         <a:solidFill>
-                          <a:schemeClr val="accent1"/>
+                          <a:schemeClr val="accent1">
+                            <a:lumMod val="75000"/>
+                          </a:schemeClr>
                         </a:solidFill>
                       </a:endParaRPr>
                     </a:p>
@@ -19396,7 +20902,7 @@
                     <a:p>
                       <a:r>
                         <a:rPr lang="en-US" dirty="0" smtClean="0"/>
-                        <a:t>Lazy/Eager Service Activation</a:t>
+                        <a:t>Reducing complexity</a:t>
                       </a:r>
                       <a:endParaRPr lang="en-US" dirty="0"/>
                     </a:p>
@@ -19411,14 +20917,18 @@
                       <a:r>
                         <a:rPr lang="en-US" dirty="0" smtClean="0">
                           <a:solidFill>
-                            <a:schemeClr val="accent1"/>
+                            <a:schemeClr val="accent1">
+                              <a:lumMod val="75000"/>
+                            </a:schemeClr>
                           </a:solidFill>
                         </a:rPr>
-                        <a:t>++</a:t>
+                        <a:t>+</a:t>
                       </a:r>
                       <a:endParaRPr lang="en-US" dirty="0">
                         <a:solidFill>
-                          <a:schemeClr val="accent1"/>
+                          <a:schemeClr val="accent1">
+                            <a:lumMod val="75000"/>
+                          </a:schemeClr>
                         </a:solidFill>
                       </a:endParaRPr>
                     </a:p>
@@ -19433,14 +20943,18 @@
                       <a:r>
                         <a:rPr lang="en-US" dirty="0" smtClean="0">
                           <a:solidFill>
-                            <a:schemeClr val="accent1"/>
+                            <a:schemeClr val="accent1">
+                              <a:lumMod val="75000"/>
+                            </a:schemeClr>
                           </a:solidFill>
                         </a:rPr>
                         <a:t>++</a:t>
                       </a:r>
                       <a:endParaRPr lang="en-US" dirty="0">
                         <a:solidFill>
-                          <a:schemeClr val="accent1"/>
+                          <a:schemeClr val="accent1">
+                            <a:lumMod val="75000"/>
+                          </a:schemeClr>
                         </a:solidFill>
                       </a:endParaRPr>
                     </a:p>
@@ -19456,15 +20970,7 @@
                     <a:p>
                       <a:r>
                         <a:rPr lang="en-US" dirty="0" smtClean="0"/>
-                        <a:t>Compatible with </a:t>
-                      </a:r>
-                      <a:r>
-                        <a:rPr lang="en-US" dirty="0" err="1" smtClean="0"/>
-                        <a:t>OSGi</a:t>
-                      </a:r>
-                      <a:r>
-                        <a:rPr lang="en-US" dirty="0" smtClean="0"/>
-                        <a:t> service framework</a:t>
+                        <a:t>Lazy service activation/creation</a:t>
                       </a:r>
                       <a:endParaRPr lang="en-US" dirty="0"/>
                     </a:p>
@@ -19479,14 +20985,18 @@
                       <a:r>
                         <a:rPr lang="en-US" dirty="0" smtClean="0">
                           <a:solidFill>
-                            <a:schemeClr val="accent1"/>
+                            <a:schemeClr val="accent1">
+                              <a:lumMod val="75000"/>
+                            </a:schemeClr>
                           </a:solidFill>
                         </a:rPr>
                         <a:t>++</a:t>
                       </a:r>
                       <a:endParaRPr lang="en-US" dirty="0">
                         <a:solidFill>
-                          <a:schemeClr val="accent1"/>
+                          <a:schemeClr val="accent1">
+                            <a:lumMod val="75000"/>
+                          </a:schemeClr>
                         </a:solidFill>
                       </a:endParaRPr>
                     </a:p>
@@ -19501,14 +21011,98 @@
                       <a:r>
                         <a:rPr lang="en-US" dirty="0" smtClean="0">
                           <a:solidFill>
-                            <a:schemeClr val="accent1"/>
+                            <a:schemeClr val="accent1">
+                              <a:lumMod val="75000"/>
+                            </a:schemeClr>
+                          </a:solidFill>
+                        </a:rPr>
+                        <a:t>++ (??)</a:t>
+                      </a:r>
+                      <a:endParaRPr lang="en-US" dirty="0">
+                        <a:solidFill>
+                          <a:schemeClr val="accent1">
+                            <a:lumMod val="75000"/>
+                          </a:schemeClr>
+                        </a:solidFill>
+                      </a:endParaRPr>
+                    </a:p>
+                  </a:txBody>
+                  <a:tcPr/>
+                </a:tc>
+              </a:tr>
+              <a:tr h="370840">
+                <a:tc>
+                  <a:txBody>
+                    <a:bodyPr/>
+                    <a:lstStyle/>
+                    <a:p>
+                      <a:r>
+                        <a:rPr lang="en-US" dirty="0" smtClean="0"/>
+                        <a:t>Compatible </a:t>
+                      </a:r>
+                      <a:r>
+                        <a:rPr lang="en-US" dirty="0" smtClean="0"/>
+                        <a:t>with procedural </a:t>
+                      </a:r>
+                      <a:r>
+                        <a:rPr lang="en-US" dirty="0" smtClean="0"/>
+                        <a:t>OSGi service </a:t>
+                      </a:r>
+                      <a:r>
+                        <a:rPr lang="en-US" dirty="0" smtClean="0"/>
+                        <a:t>model</a:t>
+                      </a:r>
+                      <a:endParaRPr lang="en-US" dirty="0"/>
+                    </a:p>
+                  </a:txBody>
+                  <a:tcPr/>
+                </a:tc>
+                <a:tc>
+                  <a:txBody>
+                    <a:bodyPr/>
+                    <a:lstStyle/>
+                    <a:p>
+                      <a:r>
+                        <a:rPr lang="en-US" dirty="0" smtClean="0">
+                          <a:solidFill>
+                            <a:schemeClr val="accent1">
+                              <a:lumMod val="75000"/>
+                            </a:schemeClr>
                           </a:solidFill>
                         </a:rPr>
                         <a:t>++</a:t>
                       </a:r>
                       <a:endParaRPr lang="en-US" dirty="0">
                         <a:solidFill>
-                          <a:schemeClr val="accent1"/>
+                          <a:schemeClr val="accent1">
+                            <a:lumMod val="75000"/>
+                          </a:schemeClr>
+                        </a:solidFill>
+                      </a:endParaRPr>
+                    </a:p>
+                  </a:txBody>
+                  <a:tcPr/>
+                </a:tc>
+                <a:tc>
+                  <a:txBody>
+                    <a:bodyPr/>
+                    <a:lstStyle/>
+                    <a:p>
+                      <a:r>
+                        <a:rPr lang="en-US" dirty="0" smtClean="0">
+                          <a:solidFill>
+                            <a:schemeClr val="accent1">
+                              <a:lumMod val="75000"/>
+                            </a:schemeClr>
+                          </a:solidFill>
+                        </a:rPr>
+                        <a:t>++</a:t>
+                      </a:r>
+                      <a:endParaRPr lang="en-US" dirty="0">
+                        <a:solidFill>
+                          <a:schemeClr val="accent1">
+                            <a:lumMod val="75000"/>
+                          </a:schemeClr>
                         </a:solidFill>
                       </a:endParaRPr>
                     </a:p>
@@ -19539,14 +21133,18 @@
                       <a:r>
                         <a:rPr lang="en-US" dirty="0" smtClean="0">
                           <a:solidFill>
-                            <a:schemeClr val="accent1"/>
+                            <a:schemeClr val="accent1">
+                              <a:lumMod val="75000"/>
+                            </a:schemeClr>
                           </a:solidFill>
                         </a:rPr>
                         <a:t>+</a:t>
                       </a:r>
                       <a:endParaRPr lang="en-US" dirty="0">
                         <a:solidFill>
-                          <a:schemeClr val="accent1"/>
+                          <a:schemeClr val="accent1">
+                            <a:lumMod val="75000"/>
+                          </a:schemeClr>
                         </a:solidFill>
                       </a:endParaRPr>
                     </a:p>
@@ -19561,14 +21159,18 @@
                       <a:r>
                         <a:rPr lang="en-US" dirty="0" smtClean="0">
                           <a:solidFill>
-                            <a:schemeClr val="accent1"/>
+                            <a:schemeClr val="accent1">
+                              <a:lumMod val="75000"/>
+                            </a:schemeClr>
                           </a:solidFill>
                         </a:rPr>
                         <a:t>+</a:t>
                       </a:r>
                       <a:endParaRPr lang="en-US" dirty="0">
                         <a:solidFill>
-                          <a:schemeClr val="accent1"/>
+                          <a:schemeClr val="accent1">
+                            <a:lumMod val="75000"/>
+                          </a:schemeClr>
                         </a:solidFill>
                       </a:endParaRPr>
                     </a:p>
@@ -19618,7 +21220,7 @@
                             <a:srgbClr val="C00000"/>
                           </a:solidFill>
                         </a:rPr>
-                        <a:t>-</a:t>
+                        <a:t>--</a:t>
                       </a:r>
                       <a:endParaRPr lang="en-US" dirty="0">
                         <a:solidFill>
@@ -19637,14 +21239,18 @@
                       <a:r>
                         <a:rPr lang="en-US" dirty="0" smtClean="0">
                           <a:solidFill>
-                            <a:schemeClr val="accent1"/>
+                            <a:schemeClr val="accent1">
+                              <a:lumMod val="75000"/>
+                            </a:schemeClr>
                           </a:solidFill>
                         </a:rPr>
-                        <a:t>+</a:t>
+                        <a:t>++</a:t>
                       </a:r>
                       <a:endParaRPr lang="en-US" dirty="0">
                         <a:solidFill>
-                          <a:schemeClr val="accent1"/>
+                          <a:schemeClr val="accent1">
+                            <a:lumMod val="75000"/>
+                          </a:schemeClr>
                         </a:solidFill>
                       </a:endParaRPr>
                     </a:p>
@@ -19661,14 +21267,14 @@
                       <a:r>
                         <a:rPr lang="en-US" dirty="0" smtClean="0">
                           <a:solidFill>
-                            <a:srgbClr val="C00000"/>
+                            <a:schemeClr val="tx1"/>
                           </a:solidFill>
                         </a:rPr>
-                        <a:t>TBD: Much more detailed</a:t>
+                        <a:t>Current tooling support</a:t>
                       </a:r>
                       <a:endParaRPr lang="en-US" dirty="0">
                         <a:solidFill>
-                          <a:srgbClr val="C00000"/>
+                          <a:schemeClr val="tx1"/>
                         </a:solidFill>
                       </a:endParaRPr>
                     </a:p>
@@ -19680,7 +21286,15 @@
                     <a:bodyPr/>
                     <a:lstStyle/>
                     <a:p>
-                      <a:endParaRPr lang="en-US"/>
+                      <a:r>
+                        <a:rPr lang="en-US" dirty="0" smtClean="0">
+                          <a:solidFill>
+                            <a:srgbClr val="C00000"/>
+                          </a:solidFill>
+                        </a:rPr>
+                        <a:t>-</a:t>
+                      </a:r>
+                      <a:endParaRPr lang="en-US" dirty="0"/>
                     </a:p>
                   </a:txBody>
                   <a:tcPr/>
@@ -19690,7 +21304,33 @@
                     <a:bodyPr/>
                     <a:lstStyle/>
                     <a:p>
-                      <a:endParaRPr lang="en-US"/>
+                      <a:pPr marL="0" marR="0" indent="0" algn="l" defTabSz="914400" rtl="0" eaLnBrk="1" fontAlgn="auto" latinLnBrk="0" hangingPunct="1">
+                        <a:lnSpc>
+                          <a:spcPct val="100000"/>
+                        </a:lnSpc>
+                        <a:spcBef>
+                          <a:spcPts val="0"/>
+                        </a:spcBef>
+                        <a:spcAft>
+                          <a:spcPts val="0"/>
+                        </a:spcAft>
+                        <a:buClrTx/>
+                        <a:buSzTx/>
+                        <a:buFontTx/>
+                        <a:buNone/>
+                        <a:tabLst/>
+                        <a:defRPr/>
+                      </a:pPr>
+                      <a:r>
+                        <a:rPr lang="en-US" dirty="0" smtClean="0">
+                          <a:solidFill>
+                            <a:schemeClr val="accent1">
+                              <a:lumMod val="75000"/>
+                            </a:schemeClr>
+                          </a:solidFill>
+                        </a:rPr>
+                        <a:t>+</a:t>
+                      </a:r>
                     </a:p>
                   </a:txBody>
                   <a:tcPr/>
@@ -19702,7 +21342,7 @@
                     <a:bodyPr/>
                     <a:lstStyle/>
                     <a:p>
-                      <a:endParaRPr lang="en-US"/>
+                      <a:endParaRPr lang="en-US" dirty="0"/>
                     </a:p>
                   </a:txBody>
                   <a:tcPr/>
@@ -19712,7 +21352,7 @@
                     <a:bodyPr/>
                     <a:lstStyle/>
                     <a:p>
-                      <a:endParaRPr lang="en-US"/>
+                      <a:endParaRPr lang="en-US" dirty="0"/>
                     </a:p>
                   </a:txBody>
                   <a:tcPr/>
@@ -19779,7 +21419,7 @@
 </p:sld>
 </file>
 
-<file path=ppt/slides/slide46.xml><?xml version="1.0" encoding="utf-8"?>
+<file path=ppt/slides/slide57.xml><?xml version="1.0" encoding="utf-8"?>
 <p:sld xmlns:a="http://schemas.openxmlformats.org/drawingml/2006/main" xmlns:r="http://schemas.openxmlformats.org/officeDocument/2006/relationships" xmlns:p="http://schemas.openxmlformats.org/presentationml/2006/main">
   <p:cSld>
     <p:spTree>
@@ -19825,7 +21465,15 @@
           <a:p>
             <a:r>
               <a:rPr lang="en-US" dirty="0" smtClean="0"/>
-              <a:t>If you are using Spring anyway (or you need strong DI capabilities), use Spring DM</a:t>
+              <a:t>If you </a:t>
+            </a:r>
+            <a:r>
+              <a:rPr lang="en-US" dirty="0" smtClean="0"/>
+              <a:t>need DI or want to use Spring anyway, </a:t>
+            </a:r>
+            <a:r>
+              <a:rPr lang="en-US" dirty="0" smtClean="0"/>
+              <a:t>use Spring DM</a:t>
             </a:r>
             <a:endParaRPr lang="en-US" dirty="0"/>
           </a:p>
@@ -19849,7 +21497,7 @@
             <a:fld id="{1EE64C7A-B923-420E-A18C-3EBD0469DC1F}" type="slidenum">
               <a:rPr lang="de-DE" smtClean="0"/>
               <a:pPr/>
-              <a:t>46</a:t>
+              <a:t>57</a:t>
             </a:fld>
             <a:endParaRPr lang="de-DE" dirty="0"/>
           </a:p>
@@ -19922,7 +21570,7 @@
 </p:sld>
 </file>
 
-<file path=ppt/slides/slide47.xml><?xml version="1.0" encoding="utf-8"?>
+<file path=ppt/slides/slide58.xml><?xml version="1.0" encoding="utf-8"?>
 <p:sld xmlns:a="http://schemas.openxmlformats.org/drawingml/2006/main" xmlns:r="http://schemas.openxmlformats.org/officeDocument/2006/relationships" xmlns:p="http://schemas.openxmlformats.org/presentationml/2006/main">
   <p:cSld>
     <p:spTree>
@@ -20005,11 +21653,7 @@
           <a:p>
             <a:r>
               <a:rPr lang="en-US" noProof="0" smtClean="0"/>
-              <a:t>Other </a:t>
-            </a:r>
-            <a:r>
-              <a:rPr lang="en-US" noProof="0" smtClean="0"/>
-              <a:t>Service Component models</a:t>
+              <a:t>Other Service Component models</a:t>
             </a:r>
           </a:p>
           <a:p>
@@ -20018,13 +21662,7 @@
               <a:rPr lang="en-US" noProof="0" smtClean="0">
                 <a:hlinkClick r:id="rId4"/>
               </a:rPr>
-              <a:t>Apache </a:t>
-            </a:r>
-            <a:r>
-              <a:rPr lang="en-US" noProof="0" smtClean="0">
-                <a:hlinkClick r:id="rId4"/>
-              </a:rPr>
-              <a:t>Felix iPOJO</a:t>
+              <a:t>Apache Felix iPOJO</a:t>
             </a:r>
             <a:endParaRPr lang="en-US" noProof="0"/>
           </a:p>
@@ -20048,7 +21686,7 @@
             <a:fld id="{1EE64C7A-B923-420E-A18C-3EBD0469DC1F}" type="slidenum">
               <a:rPr lang="de-DE" smtClean="0"/>
               <a:pPr/>
-              <a:t>47</a:t>
+              <a:t>58</a:t>
             </a:fld>
             <a:endParaRPr lang="de-DE"/>
           </a:p>
@@ -20092,7 +21730,7 @@
 </p:sld>
 </file>
 
-<file path=ppt/slides/slide48.xml><?xml version="1.0" encoding="utf-8"?>
+<file path=ppt/slides/slide59.xml><?xml version="1.0" encoding="utf-8"?>
 <p:sld xmlns:a="http://schemas.openxmlformats.org/drawingml/2006/main" xmlns:r="http://schemas.openxmlformats.org/officeDocument/2006/relationships" xmlns:p="http://schemas.openxmlformats.org/presentationml/2006/main">
   <p:cSld>
     <p:spTree>
@@ -20135,7 +21773,7 @@
             <a:fld id="{C5C99351-08E2-47DE-88F0-029C596DB2D2}" type="slidenum">
               <a:rPr lang="de-DE" smtClean="0"/>
               <a:pPr/>
-              <a:t>48</a:t>
+              <a:t>59</a:t>
             </a:fld>
             <a:endParaRPr lang="de-DE"/>
           </a:p>
@@ -20197,353 +21835,6 @@
           <a:effectLst/>
         </p:spPr>
       </p:pic>
-    </p:spTree>
-  </p:cSld>
-  <p:clrMapOvr>
-    <a:masterClrMapping/>
-  </p:clrMapOvr>
-  <p:timing>
-    <p:tnLst>
-      <p:par>
-        <p:cTn id="1" dur="indefinite" restart="never" nodeType="tmRoot"/>
-      </p:par>
-    </p:tnLst>
-  </p:timing>
-</p:sld>
-</file>
-
-<file path=ppt/slides/slide5.xml><?xml version="1.0" encoding="utf-8"?>
-<p:sld xmlns:a="http://schemas.openxmlformats.org/drawingml/2006/main" xmlns:r="http://schemas.openxmlformats.org/officeDocument/2006/relationships" xmlns:p="http://schemas.openxmlformats.org/presentationml/2006/main">
-  <p:cSld>
-    <p:spTree>
-      <p:nvGrpSpPr>
-        <p:cNvPr id="1" name=""/>
-        <p:cNvGrpSpPr/>
-        <p:nvPr/>
-      </p:nvGrpSpPr>
-      <p:grpSpPr>
-        <a:xfrm>
-          <a:off x="0" y="0"/>
-          <a:ext cx="0" cy="0"/>
-          <a:chOff x="0" y="0"/>
-          <a:chExt cx="0" cy="0"/>
-        </a:xfrm>
-      </p:grpSpPr>
-      <p:sp>
-        <p:nvSpPr>
-          <p:cNvPr id="6" name="Inhaltsplatzhalter 5"/>
-          <p:cNvSpPr>
-            <a:spLocks noGrp="1"/>
-          </p:cNvSpPr>
-          <p:nvPr>
-            <p:ph idx="1"/>
-          </p:nvPr>
-        </p:nvSpPr>
-        <p:spPr/>
-        <p:txBody>
-          <a:bodyPr>
-            <a:normAutofit/>
-          </a:bodyPr>
-          <a:lstStyle/>
-          <a:p>
-            <a:r>
-              <a:rPr lang="en-US" dirty="0" smtClean="0">
-                <a:solidFill>
-                  <a:schemeClr val="tx2">
-                    <a:lumMod val="60000"/>
-                    <a:lumOff val="40000"/>
-                  </a:schemeClr>
-                </a:solidFill>
-              </a:rPr>
-              <a:t>Demo: A Swing App Framework based dynamic </a:t>
-            </a:r>
-            <a:r>
-              <a:rPr lang="en-US" dirty="0" err="1" smtClean="0">
-                <a:solidFill>
-                  <a:schemeClr val="tx2">
-                    <a:lumMod val="60000"/>
-                    <a:lumOff val="40000"/>
-                  </a:schemeClr>
-                </a:solidFill>
-              </a:rPr>
-              <a:t>OSGi</a:t>
-            </a:r>
-            <a:r>
-              <a:rPr lang="en-US" dirty="0" smtClean="0">
-                <a:solidFill>
-                  <a:schemeClr val="tx2">
-                    <a:lumMod val="60000"/>
-                    <a:lumOff val="40000"/>
-                  </a:schemeClr>
-                </a:solidFill>
-              </a:rPr>
-              <a:t> application</a:t>
-            </a:r>
-          </a:p>
-          <a:p>
-            <a:r>
-              <a:rPr lang="en-US" dirty="0" err="1" smtClean="0"/>
-              <a:t>OSGi</a:t>
-            </a:r>
-            <a:r>
-              <a:rPr lang="en-US" dirty="0" smtClean="0"/>
-              <a:t> </a:t>
-            </a:r>
-            <a:r>
-              <a:rPr lang="en-US" dirty="0" smtClean="0"/>
-              <a:t>Services</a:t>
-            </a:r>
-          </a:p>
-          <a:p>
-            <a:pPr lvl="1"/>
-            <a:r>
-              <a:rPr lang="en-US" dirty="0" smtClean="0"/>
-              <a:t>Providing and consuming Services</a:t>
-            </a:r>
-          </a:p>
-          <a:p>
-            <a:pPr lvl="1"/>
-            <a:r>
-              <a:rPr lang="en-US" dirty="0" smtClean="0"/>
-              <a:t>Service Tracker</a:t>
-            </a:r>
-          </a:p>
-          <a:p>
-            <a:r>
-              <a:rPr lang="en-US" dirty="0" smtClean="0">
-                <a:solidFill>
-                  <a:schemeClr val="tx2">
-                    <a:lumMod val="60000"/>
-                    <a:lumOff val="40000"/>
-                  </a:schemeClr>
-                </a:solidFill>
-              </a:rPr>
-              <a:t>Overview </a:t>
-            </a:r>
-            <a:r>
-              <a:rPr lang="en-US" dirty="0" smtClean="0">
-                <a:solidFill>
-                  <a:schemeClr val="tx2">
-                    <a:lumMod val="60000"/>
-                    <a:lumOff val="40000"/>
-                  </a:schemeClr>
-                </a:solidFill>
-              </a:rPr>
-              <a:t>Declarative </a:t>
-            </a:r>
-            <a:r>
-              <a:rPr lang="en-US" dirty="0" smtClean="0">
-                <a:solidFill>
-                  <a:schemeClr val="tx2">
-                    <a:lumMod val="60000"/>
-                    <a:lumOff val="40000"/>
-                  </a:schemeClr>
-                </a:solidFill>
-              </a:rPr>
-              <a:t>Services &amp; </a:t>
-            </a:r>
-            <a:r>
-              <a:rPr lang="en-US" dirty="0" smtClean="0">
-                <a:solidFill>
-                  <a:schemeClr val="tx2">
-                    <a:lumMod val="60000"/>
-                    <a:lumOff val="40000"/>
-                  </a:schemeClr>
-                </a:solidFill>
-              </a:rPr>
-              <a:t>Spring Dynamic </a:t>
-            </a:r>
-            <a:r>
-              <a:rPr lang="en-US" dirty="0" smtClean="0">
-                <a:solidFill>
-                  <a:schemeClr val="tx2">
-                    <a:lumMod val="60000"/>
-                    <a:lumOff val="40000"/>
-                  </a:schemeClr>
-                </a:solidFill>
-              </a:rPr>
-              <a:t>Modules</a:t>
-            </a:r>
-            <a:endParaRPr lang="en-US" dirty="0" smtClean="0">
-              <a:solidFill>
-                <a:schemeClr val="tx2">
-                  <a:lumMod val="60000"/>
-                  <a:lumOff val="40000"/>
-                </a:schemeClr>
-              </a:solidFill>
-            </a:endParaRPr>
-          </a:p>
-          <a:p>
-            <a:r>
-              <a:rPr lang="en-US" dirty="0" smtClean="0">
-                <a:solidFill>
-                  <a:schemeClr val="tx2">
-                    <a:lumMod val="60000"/>
-                    <a:lumOff val="40000"/>
-                  </a:schemeClr>
-                </a:solidFill>
-              </a:rPr>
-              <a:t>Declarative </a:t>
-            </a:r>
-            <a:r>
-              <a:rPr lang="en-US" dirty="0" smtClean="0">
-                <a:solidFill>
-                  <a:schemeClr val="tx2">
-                    <a:lumMod val="60000"/>
-                    <a:lumOff val="40000"/>
-                  </a:schemeClr>
-                </a:solidFill>
-              </a:rPr>
-              <a:t>Services in Detail</a:t>
-            </a:r>
-            <a:endParaRPr lang="en-US" dirty="0" smtClean="0">
-              <a:solidFill>
-                <a:schemeClr val="tx2">
-                  <a:lumMod val="60000"/>
-                  <a:lumOff val="40000"/>
-                </a:schemeClr>
-              </a:solidFill>
-            </a:endParaRPr>
-          </a:p>
-          <a:p>
-            <a:r>
-              <a:rPr lang="en-US" dirty="0" smtClean="0">
-                <a:solidFill>
-                  <a:schemeClr val="tx2">
-                    <a:lumMod val="60000"/>
-                    <a:lumOff val="40000"/>
-                  </a:schemeClr>
-                </a:solidFill>
-              </a:rPr>
-              <a:t>Spring Dynamic </a:t>
-            </a:r>
-            <a:r>
-              <a:rPr lang="en-US" dirty="0" smtClean="0">
-                <a:solidFill>
-                  <a:schemeClr val="tx2">
-                    <a:lumMod val="60000"/>
-                    <a:lumOff val="40000"/>
-                  </a:schemeClr>
-                </a:solidFill>
-              </a:rPr>
-              <a:t>Modules in </a:t>
-            </a:r>
-            <a:r>
-              <a:rPr lang="en-US" dirty="0" smtClean="0">
-                <a:solidFill>
-                  <a:schemeClr val="tx2">
-                    <a:lumMod val="60000"/>
-                    <a:lumOff val="40000"/>
-                  </a:schemeClr>
-                </a:solidFill>
-              </a:rPr>
-              <a:t>Detail</a:t>
-            </a:r>
-          </a:p>
-          <a:p>
-            <a:r>
-              <a:rPr lang="en-US" dirty="0" smtClean="0">
-                <a:solidFill>
-                  <a:schemeClr val="tx2">
-                    <a:lumMod val="60000"/>
-                    <a:lumOff val="40000"/>
-                  </a:schemeClr>
-                </a:solidFill>
-              </a:rPr>
-              <a:t>Comparison (DS vs. DM)</a:t>
-            </a:r>
-            <a:endParaRPr lang="en-US" dirty="0" smtClean="0">
-              <a:solidFill>
-                <a:schemeClr val="tx2">
-                  <a:lumMod val="60000"/>
-                  <a:lumOff val="40000"/>
-                </a:schemeClr>
-              </a:solidFill>
-            </a:endParaRPr>
-          </a:p>
-          <a:p>
-            <a:r>
-              <a:rPr lang="en-US" dirty="0" smtClean="0">
-                <a:solidFill>
-                  <a:schemeClr val="tx2">
-                    <a:lumMod val="60000"/>
-                    <a:lumOff val="40000"/>
-                  </a:schemeClr>
-                </a:solidFill>
-              </a:rPr>
-              <a:t>Conclusion &amp; Best Practices</a:t>
-            </a:r>
-          </a:p>
-          <a:p>
-            <a:r>
-              <a:rPr lang="en-US" dirty="0" smtClean="0">
-                <a:solidFill>
-                  <a:schemeClr val="tx2">
-                    <a:lumMod val="60000"/>
-                    <a:lumOff val="40000"/>
-                  </a:schemeClr>
-                </a:solidFill>
-              </a:rPr>
-              <a:t>Discussion</a:t>
-            </a:r>
-            <a:endParaRPr lang="en-US" dirty="0" smtClean="0">
-              <a:solidFill>
-                <a:schemeClr val="tx2">
-                  <a:lumMod val="60000"/>
-                  <a:lumOff val="40000"/>
-                </a:schemeClr>
-              </a:solidFill>
-            </a:endParaRPr>
-          </a:p>
-        </p:txBody>
-      </p:sp>
-      <p:sp>
-        <p:nvSpPr>
-          <p:cNvPr id="4" name="Foliennummernplatzhalter 3"/>
-          <p:cNvSpPr>
-            <a:spLocks noGrp="1"/>
-          </p:cNvSpPr>
-          <p:nvPr>
-            <p:ph type="sldNum" sz="quarter" idx="10"/>
-          </p:nvPr>
-        </p:nvSpPr>
-        <p:spPr/>
-        <p:txBody>
-          <a:bodyPr/>
-          <a:lstStyle/>
-          <a:p>
-            <a:fld id="{1EE64C7A-B923-420E-A18C-3EBD0469DC1F}" type="slidenum">
-              <a:rPr lang="en-US" smtClean="0"/>
-              <a:pPr/>
-              <a:t>5</a:t>
-            </a:fld>
-            <a:endParaRPr lang="en-US"/>
-          </a:p>
-        </p:txBody>
-      </p:sp>
-      <p:sp>
-        <p:nvSpPr>
-          <p:cNvPr id="5" name="Titel 4"/>
-          <p:cNvSpPr>
-            <a:spLocks noGrp="1"/>
-          </p:cNvSpPr>
-          <p:nvPr>
-            <p:ph type="title"/>
-          </p:nvPr>
-        </p:nvSpPr>
-        <p:spPr/>
-        <p:txBody>
-          <a:bodyPr/>
-          <a:lstStyle/>
-          <a:p>
-            <a:r>
-              <a:rPr lang="en-US" noProof="0" smtClean="0"/>
-              <a:t>Agenda</a:t>
-            </a:r>
-            <a:endParaRPr lang="en-US" noProof="0"/>
-          </a:p>
-        </p:txBody>
-      </p:sp>
     </p:spTree>
   </p:cSld>
   <p:clrMapOvr>
@@ -21681,17 +22972,7 @@
                   </a:schemeClr>
                 </a:solidFill>
               </a:rPr>
-              <a:t> </a:t>
-            </a:r>
-            <a:r>
-              <a:rPr lang="en-US" noProof="0" dirty="0" smtClean="0">
-                <a:solidFill>
-                  <a:schemeClr val="accent1">
-                    <a:lumMod val="75000"/>
-                  </a:schemeClr>
-                </a:solidFill>
-              </a:rPr>
-              <a:t>names </a:t>
+              <a:t> names </a:t>
             </a:r>
             <a:r>
               <a:rPr lang="en-US" noProof="0" dirty="0" smtClean="0"/>

--- a/presentations/WJAX2008 DS-DM.pptx
+++ b/presentations/WJAX2008 DS-DM.pptx
@@ -5,7 +5,7 @@
     <p:sldMasterId id="2147483672" r:id="rId1"/>
   </p:sldMasterIdLst>
   <p:notesMasterIdLst>
-    <p:notesMasterId r:id="rId61"/>
+    <p:notesMasterId r:id="rId60"/>
   </p:notesMasterIdLst>
   <p:sldIdLst>
     <p:sldId id="256" r:id="rId2"/>
@@ -43,30 +43,29 @@
     <p:sldId id="411" r:id="rId34"/>
     <p:sldId id="412" r:id="rId35"/>
     <p:sldId id="413" r:id="rId36"/>
-    <p:sldId id="429" r:id="rId37"/>
-    <p:sldId id="416" r:id="rId38"/>
-    <p:sldId id="417" r:id="rId39"/>
-    <p:sldId id="420" r:id="rId40"/>
-    <p:sldId id="430" r:id="rId41"/>
-    <p:sldId id="431" r:id="rId42"/>
-    <p:sldId id="432" r:id="rId43"/>
-    <p:sldId id="433" r:id="rId44"/>
-    <p:sldId id="435" r:id="rId45"/>
-    <p:sldId id="436" r:id="rId46"/>
-    <p:sldId id="437" r:id="rId47"/>
-    <p:sldId id="438" r:id="rId48"/>
-    <p:sldId id="439" r:id="rId49"/>
-    <p:sldId id="440" r:id="rId50"/>
-    <p:sldId id="441" r:id="rId51"/>
-    <p:sldId id="442" r:id="rId52"/>
-    <p:sldId id="424" r:id="rId53"/>
-    <p:sldId id="422" r:id="rId54"/>
-    <p:sldId id="428" r:id="rId55"/>
-    <p:sldId id="418" r:id="rId56"/>
-    <p:sldId id="386" r:id="rId57"/>
-    <p:sldId id="387" r:id="rId58"/>
-    <p:sldId id="407" r:id="rId59"/>
-    <p:sldId id="388" r:id="rId60"/>
+    <p:sldId id="416" r:id="rId37"/>
+    <p:sldId id="417" r:id="rId38"/>
+    <p:sldId id="420" r:id="rId39"/>
+    <p:sldId id="430" r:id="rId40"/>
+    <p:sldId id="431" r:id="rId41"/>
+    <p:sldId id="432" r:id="rId42"/>
+    <p:sldId id="433" r:id="rId43"/>
+    <p:sldId id="435" r:id="rId44"/>
+    <p:sldId id="436" r:id="rId45"/>
+    <p:sldId id="437" r:id="rId46"/>
+    <p:sldId id="438" r:id="rId47"/>
+    <p:sldId id="439" r:id="rId48"/>
+    <p:sldId id="440" r:id="rId49"/>
+    <p:sldId id="441" r:id="rId50"/>
+    <p:sldId id="442" r:id="rId51"/>
+    <p:sldId id="424" r:id="rId52"/>
+    <p:sldId id="422" r:id="rId53"/>
+    <p:sldId id="428" r:id="rId54"/>
+    <p:sldId id="418" r:id="rId55"/>
+    <p:sldId id="386" r:id="rId56"/>
+    <p:sldId id="387" r:id="rId57"/>
+    <p:sldId id="407" r:id="rId58"/>
+    <p:sldId id="388" r:id="rId59"/>
   </p:sldIdLst>
   <p:sldSz cx="9144000" cy="6858000" type="screen4x3"/>
   <p:notesSz cx="7104063" cy="10234613"/>
@@ -2134,8 +2133,8 @@
     <dgm:cxn modelId="{B1E00851-A863-41C1-AB06-71D123A6662D}" srcId="{F8C63AE5-617C-48E3-8041-904DF49BCA6D}" destId="{896D1AEB-3998-439C-B2E7-69470AE61AC3}" srcOrd="1" destOrd="0" parTransId="{5C3DC33A-8075-4B37-90B4-2F97F58C8D7C}" sibTransId="{21C5BF07-EC57-4722-A722-8519E2F73E96}"/>
     <dgm:cxn modelId="{6BF23AA5-02F0-4565-A37E-211DF9B0A15C}" type="presOf" srcId="{896D1AEB-3998-439C-B2E7-69470AE61AC3}" destId="{5A0D3066-8B1F-4E47-9002-B6F977A471BD}" srcOrd="0" destOrd="0" presId="urn:microsoft.com/office/officeart/2005/8/layout/hProcess9"/>
     <dgm:cxn modelId="{4BA7C03C-3804-4B49-8333-2639664E8EBE}" type="presOf" srcId="{C846E8CD-ACBC-418B-A538-175331F30189}" destId="{147A3C9B-0C68-4402-B0BC-B55A83136977}" srcOrd="0" destOrd="0" presId="urn:microsoft.com/office/officeart/2005/8/layout/hProcess9"/>
+    <dgm:cxn modelId="{C6790E89-8458-4519-A9BC-F90A0E978FA6}" type="presOf" srcId="{E4B99F1A-ECE0-4E2E-9EF8-88EEA1CCAAF0}" destId="{689392F2-AAA9-400C-80B6-6829A56ED8CF}" srcOrd="0" destOrd="0" presId="urn:microsoft.com/office/officeart/2005/8/layout/hProcess9"/>
     <dgm:cxn modelId="{E6BB9921-F05C-45C7-BC21-119819FDB916}" type="presOf" srcId="{F8C63AE5-617C-48E3-8041-904DF49BCA6D}" destId="{214030D2-0063-4C7D-8680-47F0837156BA}" srcOrd="0" destOrd="0" presId="urn:microsoft.com/office/officeart/2005/8/layout/hProcess9"/>
-    <dgm:cxn modelId="{C6790E89-8458-4519-A9BC-F90A0E978FA6}" type="presOf" srcId="{E4B99F1A-ECE0-4E2E-9EF8-88EEA1CCAAF0}" destId="{689392F2-AAA9-400C-80B6-6829A56ED8CF}" srcOrd="0" destOrd="0" presId="urn:microsoft.com/office/officeart/2005/8/layout/hProcess9"/>
     <dgm:cxn modelId="{0899CF7B-21CF-44BA-9963-2F08ABA88348}" type="presOf" srcId="{298F3523-8CA6-4972-8303-B8D67E106472}" destId="{E3FF7745-A47B-47A4-B892-C517D73C1575}" srcOrd="0" destOrd="0" presId="urn:microsoft.com/office/officeart/2005/8/layout/hProcess9"/>
     <dgm:cxn modelId="{D05493AC-9ADB-443D-BC54-00402052C3AE}" srcId="{F8C63AE5-617C-48E3-8041-904DF49BCA6D}" destId="{C846E8CD-ACBC-418B-A538-175331F30189}" srcOrd="3" destOrd="0" parTransId="{182B2975-6CF0-410D-AECD-417B62C74306}" sibTransId="{F197889C-D12D-48A7-BBCF-B54A0A1C4C24}"/>
     <dgm:cxn modelId="{1832F503-17D1-45CC-BA21-C4B401B833C2}" srcId="{F8C63AE5-617C-48E3-8041-904DF49BCA6D}" destId="{E4B99F1A-ECE0-4E2E-9EF8-88EEA1CCAAF0}" srcOrd="0" destOrd="0" parTransId="{9632CAF5-4299-49BD-9162-B9E7DAD5E204}" sibTransId="{DE46B0B7-5D9B-4F7D-ABA0-4488AEBBE9D4}"/>
@@ -5336,7 +5335,7 @@
             <a:fld id="{57CFA7C5-8466-4169-90AD-9B52BA167BBD}" type="datetimeFigureOut">
               <a:rPr lang="de-DE" smtClean="0"/>
               <a:pPr/>
-              <a:t>28.10.2008</a:t>
+              <a:t>03.11.2008</a:t>
             </a:fld>
             <a:endParaRPr lang="de-DE"/>
           </a:p>
@@ -5498,7 +5497,7 @@
             <a:fld id="{DE46951B-CCB7-45AA-9616-A87EAA28DDFA}" type="slidenum">
               <a:rPr lang="de-DE" smtClean="0"/>
               <a:pPr/>
-              <a:t>‹Nr.›</a:t>
+              <a:t>‹#›</a:t>
             </a:fld>
             <a:endParaRPr lang="de-DE"/>
           </a:p>
@@ -5721,7 +5720,7 @@
             <a:fld id="{306640B7-A5D1-4050-BFC5-8E4430D2DDF4}" type="slidenum">
               <a:rPr lang="de-DE"/>
               <a:pPr/>
-              <a:t>59</a:t>
+              <a:t>58</a:t>
             </a:fld>
             <a:endParaRPr lang="de-DE"/>
           </a:p>
@@ -6010,7 +6009,7 @@
             <a:fld id="{1EE64C7A-B923-420E-A18C-3EBD0469DC1F}" type="slidenum">
               <a:rPr lang="en-US" noProof="0" smtClean="0"/>
               <a:pPr/>
-              <a:t>‹Nr.›</a:t>
+              <a:t>‹#›</a:t>
             </a:fld>
             <a:endParaRPr lang="en-US" noProof="0"/>
           </a:p>
@@ -6133,7 +6132,7 @@
             <a:fld id="{1EE64C7A-B923-420E-A18C-3EBD0469DC1F}" type="slidenum">
               <a:rPr lang="de-DE" smtClean="0"/>
               <a:pPr/>
-              <a:t>‹Nr.›</a:t>
+              <a:t>‹#›</a:t>
             </a:fld>
             <a:endParaRPr lang="de-DE" dirty="0"/>
           </a:p>
@@ -6378,7 +6377,7 @@
             <a:fld id="{1EE64C7A-B923-420E-A18C-3EBD0469DC1F}" type="slidenum">
               <a:rPr lang="de-DE" smtClean="0"/>
               <a:pPr/>
-              <a:t>‹Nr.›</a:t>
+              <a:t>‹#›</a:t>
             </a:fld>
             <a:endParaRPr lang="de-DE"/>
           </a:p>
@@ -6589,7 +6588,7 @@
             <a:fld id="{1EE64C7A-B923-420E-A18C-3EBD0469DC1F}" type="slidenum">
               <a:rPr lang="de-DE" smtClean="0"/>
               <a:pPr/>
-              <a:t>‹Nr.›</a:t>
+              <a:t>‹#›</a:t>
             </a:fld>
             <a:endParaRPr lang="de-DE"/>
           </a:p>
@@ -6796,7 +6795,7 @@
             <a:fld id="{1EE64C7A-B923-420E-A18C-3EBD0469DC1F}" type="slidenum">
               <a:rPr lang="en-US" smtClean="0"/>
               <a:pPr/>
-              <a:t>‹Nr.›</a:t>
+              <a:t>‹#›</a:t>
             </a:fld>
             <a:endParaRPr lang="en-US" dirty="0"/>
           </a:p>
@@ -10136,16 +10135,24 @@
               <a:t>Dependency </a:t>
             </a:r>
             <a:r>
-              <a:rPr lang="en-US" dirty="0" smtClean="0"/>
-              <a:t>I</a:t>
+              <a:rPr lang="en-US" dirty="0" err="1" smtClean="0"/>
+              <a:t>i</a:t>
             </a:r>
             <a:r>
               <a:rPr lang="en-US" noProof="0" dirty="0" err="1" smtClean="0"/>
-              <a:t>njection</a:t>
+              <a:t>n</a:t>
+            </a:r>
+            <a:r>
+              <a:rPr lang="en-US" noProof="0" dirty="0" err="1" smtClean="0"/>
+              <a:t>jection</a:t>
             </a:r>
             <a:r>
               <a:rPr lang="en-US" noProof="0" dirty="0" smtClean="0"/>
-              <a:t> for references to other services:</a:t>
+              <a:t> </a:t>
+            </a:r>
+            <a:r>
+              <a:rPr lang="en-US" noProof="0" dirty="0" smtClean="0"/>
+              <a:t>for references to other services:</a:t>
             </a:r>
           </a:p>
           <a:p>
@@ -11001,8 +11008,13 @@
           <a:p>
             <a:r>
               <a:rPr lang="en-US" noProof="0" dirty="0" smtClean="0"/>
-              <a:t>XML files are placed in META-INF/spring directory</a:t>
-            </a:r>
+              <a:t>XML files are placed in META-INF/spring </a:t>
+            </a:r>
+            <a:r>
+              <a:rPr lang="en-US" noProof="0" dirty="0" smtClean="0"/>
+              <a:t>directory, usually</a:t>
+            </a:r>
+            <a:endParaRPr lang="en-US" noProof="0" dirty="0" smtClean="0"/>
           </a:p>
           <a:p>
             <a:pPr lvl="1"/>
@@ -12913,14 +12925,14 @@
             <a:pPr lvl="1"/>
             <a:r>
               <a:rPr lang="en-US" noProof="0" dirty="0" smtClean="0"/>
-              <a:t>This is the default behavior </a:t>
-            </a:r>
-            <a:r>
-              <a:rPr lang="en-US" noProof="0" dirty="0" smtClean="0">
-                <a:solidFill>
-                  <a:srgbClr val="C00000"/>
-                </a:solidFill>
-              </a:rPr>
+              <a:t>This is the </a:t>
+            </a:r>
+            <a:r>
+              <a:rPr lang="en-US" noProof="0" dirty="0" smtClean="0"/>
+              <a:t>default behavior </a:t>
+            </a:r>
+            <a:r>
+              <a:rPr lang="en-US" dirty="0" smtClean="0"/>
               <a:t>for components providing services</a:t>
             </a:r>
           </a:p>
@@ -12961,18 +12973,9 @@
           <a:p>
             <a:pPr lvl="1"/>
             <a:r>
-              <a:rPr lang="en-US" dirty="0" smtClean="0">
-                <a:solidFill>
-                  <a:srgbClr val="C00000"/>
-                </a:solidFill>
-              </a:rPr>
+              <a:rPr lang="en-US" dirty="0" smtClean="0"/>
               <a:t>All components not providing services must be immediate components!</a:t>
             </a:r>
-            <a:endParaRPr lang="en-US" noProof="0" dirty="0" smtClean="0">
-              <a:solidFill>
-                <a:srgbClr val="C00000"/>
-              </a:solidFill>
-            </a:endParaRPr>
           </a:p>
         </p:txBody>
       </p:sp>
@@ -13749,12 +13752,12 @@
           <a:p>
             <a:pPr lvl="2"/>
             <a:r>
-              <a:rPr lang="en-US" dirty="0" smtClean="0"/>
-              <a:t>r</a:t>
-            </a:r>
-            <a:r>
-              <a:rPr lang="en-US" noProof="0" dirty="0" err="1" smtClean="0"/>
-              <a:t>eference</a:t>
+              <a:rPr lang="en-US" noProof="0" dirty="0" smtClean="0"/>
+              <a:t>re</a:t>
+            </a:r>
+            <a:r>
+              <a:rPr lang="en-US" noProof="0" dirty="0" smtClean="0"/>
+              <a:t>ference</a:t>
             </a:r>
             <a:endParaRPr lang="en-US" noProof="0" dirty="0" smtClean="0"/>
           </a:p>
@@ -14127,93 +14130,30 @@
               </a:spcBef>
             </a:pPr>
             <a:r>
+              <a:rPr lang="en-US" dirty="0" smtClean="0"/>
+              <a:t>The</a:t>
+            </a:r>
+            <a:r>
               <a:rPr lang="en-US" noProof="0" dirty="0" smtClean="0"/>
-              <a:t>All defined services will have the component’s properties</a:t>
-            </a:r>
-          </a:p>
-          <a:p>
-            <a:pPr>
-              <a:spcBef>
-                <a:spcPts val="600"/>
-              </a:spcBef>
-            </a:pPr>
-            <a:r>
-              <a:rPr lang="en-US" strike="sngStrike" noProof="0" dirty="0" smtClean="0">
-                <a:solidFill>
-                  <a:srgbClr val="C00000"/>
-                </a:solidFill>
-              </a:rPr>
-              <a:t>TODO: If a component specifies more than one service, will get all the services the same properties? </a:t>
-            </a:r>
-            <a:r>
-              <a:rPr lang="en-US" noProof="0" dirty="0" err="1" smtClean="0">
-                <a:solidFill>
-                  <a:srgbClr val="C00000"/>
-                </a:solidFill>
-              </a:rPr>
-              <a:t>Eine</a:t>
-            </a:r>
-            <a:r>
-              <a:rPr lang="en-US" noProof="0" dirty="0" smtClean="0">
-                <a:solidFill>
-                  <a:srgbClr val="C00000"/>
-                </a:solidFill>
-              </a:rPr>
-              <a:t> Comp. </a:t>
-            </a:r>
-            <a:r>
-              <a:rPr lang="en-US" dirty="0" err="1" smtClean="0">
-                <a:solidFill>
-                  <a:srgbClr val="C00000"/>
-                </a:solidFill>
-              </a:rPr>
-              <a:t>kann</a:t>
-            </a:r>
-            <a:r>
-              <a:rPr lang="en-US" dirty="0" smtClean="0">
-                <a:solidFill>
-                  <a:srgbClr val="C00000"/>
-                </a:solidFill>
-              </a:rPr>
-              <a:t> max </a:t>
-            </a:r>
-            <a:r>
-              <a:rPr lang="en-US" dirty="0" err="1" smtClean="0">
-                <a:solidFill>
-                  <a:srgbClr val="C00000"/>
-                </a:solidFill>
-              </a:rPr>
-              <a:t>einen</a:t>
-            </a:r>
-            <a:r>
-              <a:rPr lang="en-US" dirty="0" smtClean="0">
-                <a:solidFill>
-                  <a:srgbClr val="C00000"/>
-                </a:solidFill>
-              </a:rPr>
-              <a:t> Service </a:t>
-            </a:r>
-            <a:r>
-              <a:rPr lang="en-US" dirty="0" err="1" smtClean="0">
-                <a:solidFill>
-                  <a:srgbClr val="C00000"/>
-                </a:solidFill>
-              </a:rPr>
-              <a:t>spezifizieren</a:t>
-            </a:r>
-            <a:r>
-              <a:rPr lang="en-US" dirty="0" smtClean="0">
-                <a:solidFill>
-                  <a:srgbClr val="C00000"/>
-                </a:solidFill>
-              </a:rPr>
-              <a:t> (-&gt; XML Schema).</a:t>
-            </a:r>
-            <a:endParaRPr lang="en-US" noProof="0" dirty="0" smtClean="0">
-              <a:solidFill>
-                <a:srgbClr val="C00000"/>
-              </a:solidFill>
-            </a:endParaRPr>
+              <a:t> </a:t>
+            </a:r>
+            <a:r>
+              <a:rPr lang="en-US" noProof="0" dirty="0" smtClean="0"/>
+              <a:t>defined </a:t>
+            </a:r>
+            <a:r>
+              <a:rPr lang="en-US" noProof="0" dirty="0" smtClean="0"/>
+              <a:t>service </a:t>
+            </a:r>
+            <a:r>
+              <a:rPr lang="en-US" noProof="0" dirty="0" smtClean="0"/>
+              <a:t>will have the component’s </a:t>
+            </a:r>
+            <a:r>
+              <a:rPr lang="en-US" noProof="0" dirty="0" smtClean="0"/>
+              <a:t>properties</a:t>
+            </a:r>
+            <a:endParaRPr lang="en-US" noProof="0" dirty="0" smtClean="0"/>
           </a:p>
         </p:txBody>
       </p:sp>
@@ -15762,7 +15702,7 @@
       </p:grpSpPr>
       <p:sp>
         <p:nvSpPr>
-          <p:cNvPr id="2" name="Inhaltsplatzhalter 1"/>
+          <p:cNvPr id="4" name="Inhaltsplatzhalter 3"/>
           <p:cNvSpPr>
             <a:spLocks noGrp="1"/>
           </p:cNvSpPr>
@@ -15776,42 +15716,196 @@
           <a:lstStyle/>
           <a:p>
             <a:r>
-              <a:rPr lang="en-US" dirty="0" err="1" smtClean="0">
-                <a:solidFill>
-                  <a:srgbClr val="C00000"/>
-                </a:solidFill>
-              </a:rPr>
-              <a:t>Willst</a:t>
-            </a:r>
-            <a:r>
-              <a:rPr lang="en-US" dirty="0" smtClean="0">
-                <a:solidFill>
-                  <a:srgbClr val="C00000"/>
-                </a:solidFill>
-              </a:rPr>
-              <a:t> Du das </a:t>
-            </a:r>
-            <a:r>
-              <a:rPr lang="en-US" dirty="0" err="1" smtClean="0">
-                <a:solidFill>
-                  <a:srgbClr val="C00000"/>
-                </a:solidFill>
-              </a:rPr>
-              <a:t>weglassen</a:t>
-            </a:r>
-            <a:r>
-              <a:rPr lang="en-US" dirty="0" smtClean="0">
-                <a:solidFill>
-                  <a:srgbClr val="C00000"/>
-                </a:solidFill>
-              </a:rPr>
+              <a:rPr lang="en-US" noProof="0" dirty="0" smtClean="0"/>
+              <a:t>How does unbinding of target services influence the life </a:t>
+            </a:r>
+            <a:r>
+              <a:rPr lang="en-US" dirty="0" smtClean="0"/>
+              <a:t>c</a:t>
+            </a:r>
+            <a:r>
+              <a:rPr lang="en-US" noProof="0" dirty="0" err="1" smtClean="0"/>
+              <a:t>ycle</a:t>
+            </a:r>
+            <a:r>
+              <a:rPr lang="en-US" noProof="0" dirty="0" smtClean="0"/>
               <a:t>?</a:t>
             </a:r>
-            <a:endParaRPr lang="en-US" dirty="0">
+          </a:p>
+          <a:p>
+            <a:r>
+              <a:rPr lang="en-US" noProof="0" dirty="0" smtClean="0"/>
+              <a:t>Static policy:</a:t>
+            </a:r>
+          </a:p>
+          <a:p>
+            <a:pPr lvl="1"/>
+            <a:r>
+              <a:rPr lang="en-US" noProof="0" dirty="0" smtClean="0"/>
+              <a:t>Service Component is deactivated and ...</a:t>
+            </a:r>
+          </a:p>
+          <a:p>
+            <a:pPr lvl="1"/>
+            <a:r>
+              <a:rPr lang="en-US" noProof="0" dirty="0" smtClean="0"/>
+              <a:t>... activated again if other service(s) available</a:t>
+            </a:r>
+          </a:p>
+          <a:p>
+            <a:r>
+              <a:rPr lang="en-US" noProof="0" dirty="0" smtClean="0"/>
+              <a:t>Dynamic policy:</a:t>
+            </a:r>
+          </a:p>
+          <a:p>
+            <a:pPr lvl="1"/>
+            <a:r>
+              <a:rPr lang="en-US" noProof="0" dirty="0" smtClean="0"/>
+              <a:t>Life cycle is not affected, as long as references are satisfied</a:t>
+            </a:r>
+          </a:p>
+          <a:p>
+            <a:pPr>
+              <a:buNone/>
+            </a:pPr>
+            <a:r>
+              <a:rPr lang="en-US" sz="1800" b="1" dirty="0" smtClean="0">
+                <a:solidFill>
+                  <a:srgbClr val="000080"/>
+                </a:solidFill>
+                <a:latin typeface="Courier New"/>
+              </a:rPr>
+              <a:t>      &lt;reference</a:t>
+            </a:r>
+            <a:r>
+              <a:rPr lang="en-US" sz="1800" b="1" dirty="0" smtClean="0">
+                <a:solidFill>
+                  <a:srgbClr val="000000"/>
+                </a:solidFill>
+                <a:latin typeface="Courier New"/>
+              </a:rPr>
+              <a:t> </a:t>
+            </a:r>
+            <a:r>
+              <a:rPr lang="en-US" sz="1800" b="1" dirty="0" smtClean="0">
+                <a:solidFill>
+                  <a:srgbClr val="000080"/>
+                </a:solidFill>
+                <a:latin typeface="Courier New"/>
+              </a:rPr>
+              <a:t>name=</a:t>
+            </a:r>
+            <a:r>
+              <a:rPr lang="en-US" sz="1800" b="1" dirty="0" smtClean="0">
+                <a:solidFill>
+                  <a:srgbClr val="008000"/>
+                </a:solidFill>
+                <a:latin typeface="Courier New"/>
+              </a:rPr>
+              <a:t>"</a:t>
+            </a:r>
+            <a:r>
+              <a:rPr lang="en-US" sz="1800" b="1" dirty="0" err="1" smtClean="0">
+                <a:solidFill>
+                  <a:srgbClr val="008000"/>
+                </a:solidFill>
+                <a:latin typeface="Courier New"/>
+              </a:rPr>
+              <a:t>PersonManager</a:t>
+            </a:r>
+            <a:r>
+              <a:rPr lang="en-US" sz="1800" b="1" dirty="0" smtClean="0">
+                <a:solidFill>
+                  <a:srgbClr val="008000"/>
+                </a:solidFill>
+                <a:latin typeface="Courier New"/>
+              </a:rPr>
+              <a:t>"</a:t>
+            </a:r>
+          </a:p>
+          <a:p>
+            <a:pPr>
+              <a:buNone/>
+            </a:pPr>
+            <a:r>
+              <a:rPr lang="en-US" sz="1800" b="1" dirty="0" smtClean="0">
+                <a:solidFill>
+                  <a:srgbClr val="000000"/>
+                </a:solidFill>
+                <a:latin typeface="Courier New"/>
+              </a:rPr>
+              <a:t>        </a:t>
+            </a:r>
+            <a:r>
+              <a:rPr lang="en-US" sz="1800" b="1" dirty="0" smtClean="0">
+                <a:solidFill>
+                  <a:srgbClr val="000080"/>
+                </a:solidFill>
+                <a:latin typeface="Courier New"/>
+              </a:rPr>
+              <a:t>…</a:t>
+            </a:r>
+            <a:endParaRPr lang="en-US" sz="1800" b="1" dirty="0" smtClean="0">
               <a:solidFill>
-                <a:srgbClr val="C00000"/>
+                <a:srgbClr val="008000"/>
               </a:solidFill>
+              <a:latin typeface="Courier New"/>
             </a:endParaRPr>
+          </a:p>
+          <a:p>
+            <a:pPr>
+              <a:buNone/>
+            </a:pPr>
+            <a:r>
+              <a:rPr lang="en-US" sz="1800" b="1" dirty="0" smtClean="0">
+                <a:solidFill>
+                  <a:srgbClr val="000000"/>
+                </a:solidFill>
+                <a:latin typeface="Courier New"/>
+              </a:rPr>
+              <a:t>        </a:t>
+            </a:r>
+            <a:r>
+              <a:rPr lang="en-US" sz="1800" b="1" dirty="0" smtClean="0">
+                <a:solidFill>
+                  <a:srgbClr val="000080"/>
+                </a:solidFill>
+                <a:latin typeface="Courier New"/>
+              </a:rPr>
+              <a:t>policy=</a:t>
+            </a:r>
+            <a:r>
+              <a:rPr lang="en-US" sz="1800" b="1" dirty="0" smtClean="0">
+                <a:solidFill>
+                  <a:srgbClr val="008000"/>
+                </a:solidFill>
+                <a:latin typeface="Courier New"/>
+              </a:rPr>
+              <a:t>"dynamic"</a:t>
+            </a:r>
+            <a:r>
+              <a:rPr lang="en-US" sz="1800" b="1" dirty="0" smtClean="0">
+                <a:solidFill>
+                  <a:srgbClr val="000080"/>
+                </a:solidFill>
+                <a:latin typeface="Courier New"/>
+              </a:rPr>
+              <a:t>/&gt;</a:t>
+            </a:r>
+            <a:r>
+              <a:rPr lang="en-US" sz="1800" b="1" dirty="0" smtClean="0">
+                <a:solidFill>
+                  <a:srgbClr val="000000"/>
+                </a:solidFill>
+                <a:latin typeface="Courier New"/>
+              </a:rPr>
+              <a:t>  </a:t>
+            </a:r>
+          </a:p>
+          <a:p>
+            <a:pPr lvl="1"/>
+            <a:endParaRPr lang="en-US" noProof="0" dirty="0"/>
           </a:p>
         </p:txBody>
       </p:sp>
@@ -15835,13 +15929,13 @@
               <a:pPr/>
               <a:t>36</a:t>
             </a:fld>
-            <a:endParaRPr lang="de-DE" dirty="0"/>
+            <a:endParaRPr lang="de-DE"/>
           </a:p>
         </p:txBody>
       </p:sp>
       <p:sp>
         <p:nvSpPr>
-          <p:cNvPr id="4" name="Titel 3"/>
+          <p:cNvPr id="2" name="Titel 1"/>
           <p:cNvSpPr>
             <a:spLocks noGrp="1"/>
           </p:cNvSpPr>
@@ -15855,10 +15949,10 @@
           <a:lstStyle/>
           <a:p>
             <a:r>
-              <a:rPr lang="en-US" dirty="0" smtClean="0"/>
-              <a:t>Look-up Strategy</a:t>
-            </a:r>
-            <a:endParaRPr lang="en-US" dirty="0"/>
+              <a:rPr lang="en-US" noProof="0" smtClean="0"/>
+              <a:t>Reference Policy</a:t>
+            </a:r>
+            <a:endParaRPr lang="en-US" noProof="0"/>
           </a:p>
         </p:txBody>
       </p:sp>
@@ -15867,6 +15961,13 @@
   <p:clrMapOvr>
     <a:masterClrMapping/>
   </p:clrMapOvr>
+  <p:timing>
+    <p:tnLst>
+      <p:par>
+        <p:cTn id="1" dur="indefinite" restart="never" nodeType="tmRoot"/>
+      </p:par>
+    </p:tnLst>
+  </p:timing>
 </p:sld>
 </file>
 
@@ -15889,7 +15990,7 @@
       </p:grpSpPr>
       <p:sp>
         <p:nvSpPr>
-          <p:cNvPr id="4" name="Inhaltsplatzhalter 3"/>
+          <p:cNvPr id="2" name="Content Placeholder 1"/>
           <p:cNvSpPr>
             <a:spLocks noGrp="1"/>
           </p:cNvSpPr>
@@ -15902,203 +16003,75 @@
           <a:bodyPr/>
           <a:lstStyle/>
           <a:p>
-            <a:r>
-              <a:rPr lang="en-US" noProof="0" dirty="0" smtClean="0"/>
-              <a:t>How does unbinding of target services influence the life </a:t>
-            </a:r>
+            <a:pPr>
+              <a:buClr>
+                <a:schemeClr val="accent1"/>
+              </a:buClr>
+              <a:buFont typeface="Arial" pitchFamily="34" charset="0"/>
+              <a:buChar char="+"/>
+            </a:pPr>
             <a:r>
               <a:rPr lang="en-US" dirty="0" smtClean="0"/>
-              <a:t>c</a:t>
-            </a:r>
-            <a:r>
-              <a:rPr lang="en-US" noProof="0" dirty="0" err="1" smtClean="0"/>
-              <a:t>ycle</a:t>
-            </a:r>
-            <a:r>
-              <a:rPr lang="en-US" noProof="0" dirty="0" smtClean="0"/>
-              <a:t>?</a:t>
-            </a:r>
-          </a:p>
-          <a:p>
-            <a:r>
-              <a:rPr lang="en-US" noProof="0" dirty="0" smtClean="0"/>
-              <a:t>Static policy:</a:t>
-            </a:r>
-          </a:p>
-          <a:p>
-            <a:pPr lvl="1"/>
-            <a:r>
-              <a:rPr lang="en-US" noProof="0" dirty="0" smtClean="0"/>
-              <a:t>Service Component is deactivated and ...</a:t>
-            </a:r>
-          </a:p>
-          <a:p>
-            <a:pPr lvl="1"/>
-            <a:r>
-              <a:rPr lang="en-US" noProof="0" dirty="0" smtClean="0"/>
-              <a:t>... activated again if other service(s) available</a:t>
-            </a:r>
-          </a:p>
-          <a:p>
-            <a:r>
-              <a:rPr lang="en-US" noProof="0" dirty="0" smtClean="0"/>
-              <a:t>Dynamic policy:</a:t>
-            </a:r>
-          </a:p>
-          <a:p>
-            <a:pPr lvl="1"/>
-            <a:r>
-              <a:rPr lang="en-US" noProof="0" dirty="0" smtClean="0"/>
-              <a:t>Life cycle is not affected, as long as references are satisfied</a:t>
-            </a:r>
+              <a:t>Very easy to define components, services and references declaratively</a:t>
+            </a:r>
+          </a:p>
+          <a:p>
+            <a:pPr>
+              <a:buClr>
+                <a:schemeClr val="accent1"/>
+              </a:buClr>
+              <a:buFont typeface="Arial" pitchFamily="34" charset="0"/>
+              <a:buChar char="+"/>
+            </a:pPr>
+            <a:r>
+              <a:rPr lang="en-US" dirty="0" smtClean="0"/>
+              <a:t>SCR takes care of life cycle management and dependency resolution</a:t>
+            </a:r>
+          </a:p>
+          <a:p>
+            <a:endParaRPr lang="en-US" dirty="0" smtClean="0"/>
           </a:p>
           <a:p>
             <a:pPr>
               <a:buNone/>
             </a:pPr>
             <a:r>
-              <a:rPr lang="en-US" sz="1800" b="1" dirty="0" smtClean="0">
-                <a:solidFill>
-                  <a:srgbClr val="000080"/>
-                </a:solidFill>
-                <a:latin typeface="Courier New"/>
-              </a:rPr>
-              <a:t>      &lt;reference</a:t>
-            </a:r>
-            <a:r>
-              <a:rPr lang="en-US" sz="1800" b="1" dirty="0" smtClean="0">
-                <a:solidFill>
-                  <a:srgbClr val="000000"/>
-                </a:solidFill>
-                <a:latin typeface="Courier New"/>
-              </a:rPr>
-              <a:t> </a:t>
-            </a:r>
-            <a:r>
-              <a:rPr lang="en-US" sz="1800" b="1" dirty="0" smtClean="0">
-                <a:solidFill>
-                  <a:srgbClr val="000080"/>
-                </a:solidFill>
-                <a:latin typeface="Courier New"/>
-              </a:rPr>
-              <a:t>name=</a:t>
-            </a:r>
-            <a:r>
-              <a:rPr lang="en-US" sz="1800" b="1" dirty="0" smtClean="0">
-                <a:solidFill>
-                  <a:srgbClr val="008000"/>
-                </a:solidFill>
-                <a:latin typeface="Courier New"/>
-              </a:rPr>
-              <a:t>"</a:t>
-            </a:r>
-            <a:r>
-              <a:rPr lang="en-US" sz="1800" b="1" dirty="0" err="1" smtClean="0">
-                <a:solidFill>
-                  <a:srgbClr val="008000"/>
-                </a:solidFill>
-                <a:latin typeface="Courier New"/>
-              </a:rPr>
-              <a:t>PersonManager</a:t>
-            </a:r>
-            <a:r>
-              <a:rPr lang="en-US" sz="1800" b="1" dirty="0" smtClean="0">
-                <a:solidFill>
-                  <a:srgbClr val="008000"/>
-                </a:solidFill>
-                <a:latin typeface="Courier New"/>
-              </a:rPr>
-              <a:t>"</a:t>
+              <a:rPr lang="en-US" dirty="0" smtClean="0"/>
+              <a:t>But</a:t>
             </a:r>
           </a:p>
           <a:p>
             <a:pPr>
-              <a:buNone/>
+              <a:buClr>
+                <a:srgbClr val="C00000"/>
+              </a:buClr>
+              <a:buFont typeface="Symbol" pitchFamily="18" charset="2"/>
+              <a:buChar char="-"/>
             </a:pPr>
             <a:r>
-              <a:rPr lang="en-US" sz="1800" b="1" dirty="0" smtClean="0">
-                <a:solidFill>
-                  <a:srgbClr val="000000"/>
-                </a:solidFill>
-                <a:latin typeface="Courier New"/>
-              </a:rPr>
-              <a:t>        </a:t>
-            </a:r>
-            <a:r>
-              <a:rPr lang="en-US" sz="1800" b="1" dirty="0" smtClean="0">
-                <a:solidFill>
-                  <a:srgbClr val="000080"/>
-                </a:solidFill>
-                <a:latin typeface="Courier New"/>
-              </a:rPr>
-              <a:t>…</a:t>
-            </a:r>
-            <a:endParaRPr lang="en-US" sz="1800" b="1" dirty="0" smtClean="0">
-              <a:solidFill>
-                <a:srgbClr val="008000"/>
-              </a:solidFill>
-              <a:latin typeface="Courier New"/>
-            </a:endParaRPr>
+              <a:rPr lang="en-US" dirty="0" smtClean="0"/>
+              <a:t>Dependency injection only works for other services, not for POJOs or DS components</a:t>
+            </a:r>
           </a:p>
           <a:p>
             <a:pPr>
-              <a:buNone/>
+              <a:buClr>
+                <a:srgbClr val="C00000"/>
+              </a:buClr>
+              <a:buFont typeface="Symbol" pitchFamily="18" charset="2"/>
+              <a:buChar char="-"/>
             </a:pPr>
             <a:r>
-              <a:rPr lang="en-US" sz="1800" b="1" dirty="0" smtClean="0">
-                <a:solidFill>
-                  <a:srgbClr val="000000"/>
-                </a:solidFill>
-                <a:latin typeface="Courier New"/>
-              </a:rPr>
-              <a:t>        </a:t>
-            </a:r>
-            <a:r>
-              <a:rPr lang="en-US" sz="1800" b="1" dirty="0" smtClean="0">
-                <a:solidFill>
-                  <a:srgbClr val="000080"/>
-                </a:solidFill>
-                <a:latin typeface="Courier New"/>
-              </a:rPr>
-              <a:t>policy=</a:t>
-            </a:r>
-            <a:r>
-              <a:rPr lang="en-US" sz="1800" b="1" dirty="0" smtClean="0">
-                <a:solidFill>
-                  <a:srgbClr val="008000"/>
-                </a:solidFill>
-                <a:latin typeface="Courier New"/>
-              </a:rPr>
-              <a:t>"dynamic"</a:t>
-            </a:r>
-            <a:r>
-              <a:rPr lang="en-US" sz="1800" b="1" dirty="0" smtClean="0">
-                <a:solidFill>
-                  <a:srgbClr val="000080"/>
-                </a:solidFill>
-                <a:latin typeface="Courier New"/>
-              </a:rPr>
-              <a:t>/&gt;</a:t>
-            </a:r>
-            <a:r>
-              <a:rPr lang="en-US" sz="1800" b="1" dirty="0" smtClean="0">
-                <a:solidFill>
-                  <a:srgbClr val="000000"/>
-                </a:solidFill>
-                <a:latin typeface="Courier New"/>
-              </a:rPr>
-              <a:t>  </a:t>
-            </a:r>
-          </a:p>
-          <a:p>
-            <a:pPr lvl="1"/>
-            <a:endParaRPr lang="en-US" noProof="0" dirty="0"/>
+              <a:rPr lang="en-US" dirty="0" smtClean="0"/>
+              <a:t>Properties cannot be declared mandatory</a:t>
+            </a:r>
+            <a:endParaRPr lang="en-US" dirty="0"/>
           </a:p>
         </p:txBody>
       </p:sp>
       <p:sp>
         <p:nvSpPr>
-          <p:cNvPr id="3" name="Foliennummernplatzhalter 2"/>
+          <p:cNvPr id="3" name="Slide Number Placeholder 2"/>
           <p:cNvSpPr>
             <a:spLocks noGrp="1"/>
           </p:cNvSpPr>
@@ -16116,13 +16089,13 @@
               <a:pPr/>
               <a:t>37</a:t>
             </a:fld>
-            <a:endParaRPr lang="de-DE"/>
+            <a:endParaRPr lang="de-DE" dirty="0"/>
           </a:p>
         </p:txBody>
       </p:sp>
       <p:sp>
         <p:nvSpPr>
-          <p:cNvPr id="2" name="Titel 1"/>
+          <p:cNvPr id="4" name="Title 3"/>
           <p:cNvSpPr>
             <a:spLocks noGrp="1"/>
           </p:cNvSpPr>
@@ -16136,10 +16109,10 @@
           <a:lstStyle/>
           <a:p>
             <a:r>
-              <a:rPr lang="en-US" noProof="0" smtClean="0"/>
-              <a:t>Reference Policy</a:t>
-            </a:r>
-            <a:endParaRPr lang="en-US" noProof="0"/>
+              <a:rPr lang="en-US" dirty="0" smtClean="0"/>
+              <a:t>DS Conclusion</a:t>
+            </a:r>
+            <a:endParaRPr lang="en-US" dirty="0"/>
           </a:p>
         </p:txBody>
       </p:sp>
@@ -16177,7 +16150,7 @@
       </p:grpSpPr>
       <p:sp>
         <p:nvSpPr>
-          <p:cNvPr id="2" name="Content Placeholder 1"/>
+          <p:cNvPr id="6" name="Inhaltsplatzhalter 5"/>
           <p:cNvSpPr>
             <a:spLocks noGrp="1"/>
           </p:cNvSpPr>
@@ -16187,78 +16160,173 @@
         </p:nvSpPr>
         <p:spPr/>
         <p:txBody>
-          <a:bodyPr/>
+          <a:bodyPr>
+            <a:normAutofit/>
+          </a:bodyPr>
           <a:lstStyle/>
           <a:p>
-            <a:pPr>
-              <a:buClr>
-                <a:schemeClr val="accent1"/>
-              </a:buClr>
-              <a:buFont typeface="Arial" pitchFamily="34" charset="0"/>
-              <a:buChar char="+"/>
-            </a:pPr>
+            <a:r>
+              <a:rPr lang="en-US" dirty="0" smtClean="0">
+                <a:solidFill>
+                  <a:schemeClr val="tx2">
+                    <a:lumMod val="60000"/>
+                    <a:lumOff val="40000"/>
+                  </a:schemeClr>
+                </a:solidFill>
+              </a:rPr>
+              <a:t>Demo: A Swing App Framework based dynamic </a:t>
+            </a:r>
+            <a:r>
+              <a:rPr lang="en-US" dirty="0" err="1" smtClean="0">
+                <a:solidFill>
+                  <a:schemeClr val="tx2">
+                    <a:lumMod val="60000"/>
+                    <a:lumOff val="40000"/>
+                  </a:schemeClr>
+                </a:solidFill>
+              </a:rPr>
+              <a:t>OSGi</a:t>
+            </a:r>
+            <a:r>
+              <a:rPr lang="en-US" dirty="0" smtClean="0">
+                <a:solidFill>
+                  <a:schemeClr val="tx2">
+                    <a:lumMod val="60000"/>
+                    <a:lumOff val="40000"/>
+                  </a:schemeClr>
+                </a:solidFill>
+              </a:rPr>
+              <a:t> application</a:t>
+            </a:r>
+          </a:p>
+          <a:p>
+            <a:r>
+              <a:rPr lang="en-US" dirty="0" err="1" smtClean="0">
+                <a:solidFill>
+                  <a:schemeClr val="tx2">
+                    <a:lumMod val="60000"/>
+                    <a:lumOff val="40000"/>
+                  </a:schemeClr>
+                </a:solidFill>
+              </a:rPr>
+              <a:t>OSGi</a:t>
+            </a:r>
+            <a:r>
+              <a:rPr lang="en-US" dirty="0" smtClean="0">
+                <a:solidFill>
+                  <a:schemeClr val="tx2">
+                    <a:lumMod val="60000"/>
+                    <a:lumOff val="40000"/>
+                  </a:schemeClr>
+                </a:solidFill>
+              </a:rPr>
+              <a:t> Services</a:t>
+            </a:r>
+          </a:p>
+          <a:p>
+            <a:pPr lvl="1"/>
+            <a:r>
+              <a:rPr lang="en-US" dirty="0" smtClean="0">
+                <a:solidFill>
+                  <a:schemeClr val="tx2">
+                    <a:lumMod val="60000"/>
+                    <a:lumOff val="40000"/>
+                  </a:schemeClr>
+                </a:solidFill>
+              </a:rPr>
+              <a:t>Providing and consuming Services</a:t>
+            </a:r>
+          </a:p>
+          <a:p>
+            <a:pPr lvl="1"/>
+            <a:r>
+              <a:rPr lang="en-US" dirty="0" smtClean="0">
+                <a:solidFill>
+                  <a:schemeClr val="tx2">
+                    <a:lumMod val="60000"/>
+                    <a:lumOff val="40000"/>
+                  </a:schemeClr>
+                </a:solidFill>
+              </a:rPr>
+              <a:t>Service Tracker</a:t>
+            </a:r>
+          </a:p>
+          <a:p>
+            <a:r>
+              <a:rPr lang="en-US" dirty="0" smtClean="0">
+                <a:solidFill>
+                  <a:schemeClr val="tx2">
+                    <a:lumMod val="60000"/>
+                    <a:lumOff val="40000"/>
+                  </a:schemeClr>
+                </a:solidFill>
+              </a:rPr>
+              <a:t>Overview Declarative Services &amp; Spring Dynamic Modules</a:t>
+            </a:r>
+          </a:p>
+          <a:p>
+            <a:r>
+              <a:rPr lang="en-US" dirty="0" smtClean="0">
+                <a:solidFill>
+                  <a:schemeClr val="tx2">
+                    <a:lumMod val="60000"/>
+                    <a:lumOff val="40000"/>
+                  </a:schemeClr>
+                </a:solidFill>
+              </a:rPr>
+              <a:t>Declarative Services in Detail</a:t>
+            </a:r>
+          </a:p>
+          <a:p>
             <a:r>
               <a:rPr lang="en-US" dirty="0" smtClean="0"/>
-              <a:t>Very easy to define components, services and references declaratively</a:t>
-            </a:r>
-          </a:p>
-          <a:p>
-            <a:pPr>
-              <a:buClr>
-                <a:schemeClr val="accent1"/>
-              </a:buClr>
-              <a:buFont typeface="Arial" pitchFamily="34" charset="0"/>
-              <a:buChar char="+"/>
-            </a:pPr>
-            <a:r>
-              <a:rPr lang="en-US" dirty="0" smtClean="0"/>
-              <a:t>SCR takes care of life cycle management and dependency resolution</a:t>
-            </a:r>
-          </a:p>
-          <a:p>
-            <a:endParaRPr lang="en-US" dirty="0" smtClean="0"/>
-          </a:p>
-          <a:p>
-            <a:pPr>
-              <a:buNone/>
-            </a:pPr>
-            <a:r>
-              <a:rPr lang="en-US" dirty="0" smtClean="0"/>
-              <a:t>But</a:t>
-            </a:r>
-          </a:p>
-          <a:p>
-            <a:pPr>
-              <a:buClr>
-                <a:srgbClr val="C00000"/>
-              </a:buClr>
-              <a:buFont typeface="Symbol" pitchFamily="18" charset="2"/>
-              <a:buChar char="-"/>
-            </a:pPr>
-            <a:r>
-              <a:rPr lang="en-US" dirty="0" smtClean="0"/>
-              <a:t>Dependency injection only works for other services, not for POJOs or DS components</a:t>
-            </a:r>
-          </a:p>
-          <a:p>
-            <a:pPr>
-              <a:buClr>
-                <a:srgbClr val="C00000"/>
-              </a:buClr>
-              <a:buFont typeface="Symbol" pitchFamily="18" charset="2"/>
-              <a:buChar char="-"/>
-            </a:pPr>
-            <a:r>
-              <a:rPr lang="en-US" dirty="0" smtClean="0"/>
-              <a:t>Properties cannot be declared mandatory</a:t>
-            </a:r>
-            <a:endParaRPr lang="en-US" dirty="0"/>
+              <a:t>Spring Dynamic Modules in Detail</a:t>
+            </a:r>
+          </a:p>
+          <a:p>
+            <a:r>
+              <a:rPr lang="en-US" dirty="0" smtClean="0">
+                <a:solidFill>
+                  <a:schemeClr val="tx2">
+                    <a:lumMod val="60000"/>
+                    <a:lumOff val="40000"/>
+                  </a:schemeClr>
+                </a:solidFill>
+              </a:rPr>
+              <a:t>Comparison (DS vs. DM)</a:t>
+            </a:r>
+          </a:p>
+          <a:p>
+            <a:r>
+              <a:rPr lang="en-US" dirty="0" smtClean="0">
+                <a:solidFill>
+                  <a:schemeClr val="tx2">
+                    <a:lumMod val="60000"/>
+                    <a:lumOff val="40000"/>
+                  </a:schemeClr>
+                </a:solidFill>
+              </a:rPr>
+              <a:t>Conclusion &amp; Best Practices</a:t>
+            </a:r>
+          </a:p>
+          <a:p>
+            <a:r>
+              <a:rPr lang="en-US" dirty="0" smtClean="0">
+                <a:solidFill>
+                  <a:schemeClr val="tx2">
+                    <a:lumMod val="60000"/>
+                    <a:lumOff val="40000"/>
+                  </a:schemeClr>
+                </a:solidFill>
+              </a:rPr>
+              <a:t>Discussion</a:t>
+            </a:r>
           </a:p>
         </p:txBody>
       </p:sp>
       <p:sp>
         <p:nvSpPr>
-          <p:cNvPr id="3" name="Slide Number Placeholder 2"/>
+          <p:cNvPr id="4" name="Foliennummernplatzhalter 3"/>
           <p:cNvSpPr>
             <a:spLocks noGrp="1"/>
           </p:cNvSpPr>
@@ -16272,17 +16340,17 @@
           <a:lstStyle/>
           <a:p>
             <a:fld id="{1EE64C7A-B923-420E-A18C-3EBD0469DC1F}" type="slidenum">
-              <a:rPr lang="de-DE" smtClean="0"/>
+              <a:rPr lang="en-US" smtClean="0"/>
               <a:pPr/>
               <a:t>38</a:t>
             </a:fld>
-            <a:endParaRPr lang="de-DE" dirty="0"/>
+            <a:endParaRPr lang="en-US"/>
           </a:p>
         </p:txBody>
       </p:sp>
       <p:sp>
         <p:nvSpPr>
-          <p:cNvPr id="4" name="Title 3"/>
+          <p:cNvPr id="5" name="Titel 4"/>
           <p:cNvSpPr>
             <a:spLocks noGrp="1"/>
           </p:cNvSpPr>
@@ -16296,10 +16364,10 @@
           <a:lstStyle/>
           <a:p>
             <a:r>
-              <a:rPr lang="en-US" dirty="0" smtClean="0"/>
-              <a:t>DS Conclusion</a:t>
-            </a:r>
-            <a:endParaRPr lang="en-US" dirty="0"/>
+              <a:rPr lang="en-US" noProof="0" smtClean="0"/>
+              <a:t>Agenda</a:t>
+            </a:r>
+            <a:endParaRPr lang="en-US" noProof="0"/>
           </a:p>
         </p:txBody>
       </p:sp>
@@ -16337,7 +16405,7 @@
       </p:grpSpPr>
       <p:sp>
         <p:nvSpPr>
-          <p:cNvPr id="6" name="Inhaltsplatzhalter 5"/>
+          <p:cNvPr id="5" name="Inhaltsplatzhalter 4"/>
           <p:cNvSpPr>
             <a:spLocks noGrp="1"/>
           </p:cNvSpPr>
@@ -16347,173 +16415,32 @@
         </p:nvSpPr>
         <p:spPr/>
         <p:txBody>
-          <a:bodyPr>
-            <a:normAutofit/>
-          </a:bodyPr>
+          <a:bodyPr/>
           <a:lstStyle/>
           <a:p>
             <a:r>
-              <a:rPr lang="en-US" dirty="0" smtClean="0">
-                <a:solidFill>
-                  <a:schemeClr val="tx2">
-                    <a:lumMod val="60000"/>
-                    <a:lumOff val="40000"/>
-                  </a:schemeClr>
-                </a:solidFill>
-              </a:rPr>
-              <a:t>Demo: A Swing App Framework based dynamic </a:t>
-            </a:r>
-            <a:r>
-              <a:rPr lang="en-US" dirty="0" err="1" smtClean="0">
-                <a:solidFill>
-                  <a:schemeClr val="tx2">
-                    <a:lumMod val="60000"/>
-                    <a:lumOff val="40000"/>
-                  </a:schemeClr>
-                </a:solidFill>
-              </a:rPr>
-              <a:t>OSGi</a:t>
-            </a:r>
-            <a:r>
-              <a:rPr lang="en-US" dirty="0" smtClean="0">
-                <a:solidFill>
-                  <a:schemeClr val="tx2">
-                    <a:lumMod val="60000"/>
-                    <a:lumOff val="40000"/>
-                  </a:schemeClr>
-                </a:solidFill>
-              </a:rPr>
-              <a:t> application</a:t>
-            </a:r>
-          </a:p>
-          <a:p>
-            <a:r>
-              <a:rPr lang="en-US" dirty="0" err="1" smtClean="0">
-                <a:solidFill>
-                  <a:schemeClr val="tx2">
-                    <a:lumMod val="60000"/>
-                    <a:lumOff val="40000"/>
-                  </a:schemeClr>
-                </a:solidFill>
-              </a:rPr>
-              <a:t>OSGi</a:t>
-            </a:r>
-            <a:r>
-              <a:rPr lang="en-US" dirty="0" smtClean="0">
-                <a:solidFill>
-                  <a:schemeClr val="tx2">
-                    <a:lumMod val="60000"/>
-                    <a:lumOff val="40000"/>
-                  </a:schemeClr>
-                </a:solidFill>
-              </a:rPr>
-              <a:t> Services</a:t>
-            </a:r>
-          </a:p>
-          <a:p>
-            <a:pPr lvl="1"/>
-            <a:r>
-              <a:rPr lang="en-US" dirty="0" smtClean="0">
-                <a:solidFill>
-                  <a:schemeClr val="tx2">
-                    <a:lumMod val="60000"/>
-                    <a:lumOff val="40000"/>
-                  </a:schemeClr>
-                </a:solidFill>
-              </a:rPr>
-              <a:t>Providing and consuming Services</a:t>
-            </a:r>
-          </a:p>
-          <a:p>
-            <a:pPr lvl="1"/>
-            <a:r>
-              <a:rPr lang="en-US" dirty="0" smtClean="0">
-                <a:solidFill>
-                  <a:schemeClr val="tx2">
-                    <a:lumMod val="60000"/>
-                    <a:lumOff val="40000"/>
-                  </a:schemeClr>
-                </a:solidFill>
-              </a:rPr>
-              <a:t>Service Tracker</a:t>
-            </a:r>
-          </a:p>
-          <a:p>
-            <a:r>
-              <a:rPr lang="en-US" dirty="0" smtClean="0">
-                <a:solidFill>
-                  <a:schemeClr val="tx2">
-                    <a:lumMod val="60000"/>
-                    <a:lumOff val="40000"/>
-                  </a:schemeClr>
-                </a:solidFill>
-              </a:rPr>
-              <a:t>Overview Declarative Services &amp; Spring Dynamic Modules</a:t>
-            </a:r>
-          </a:p>
-          <a:p>
-            <a:r>
-              <a:rPr lang="en-US" dirty="0" smtClean="0">
-                <a:solidFill>
-                  <a:schemeClr val="tx2">
-                    <a:lumMod val="60000"/>
-                    <a:lumOff val="40000"/>
-                  </a:schemeClr>
-                </a:solidFill>
-              </a:rPr>
-              <a:t>Declarative Services in Detail</a:t>
-            </a:r>
-          </a:p>
-          <a:p>
-            <a:r>
               <a:rPr lang="en-US" dirty="0" smtClean="0"/>
-              <a:t>Spring Dynamic Modules in Detail</a:t>
-            </a:r>
-          </a:p>
-          <a:p>
-            <a:r>
-              <a:rPr lang="en-US" dirty="0" smtClean="0">
-                <a:solidFill>
-                  <a:schemeClr val="tx2">
-                    <a:lumMod val="60000"/>
-                    <a:lumOff val="40000"/>
-                  </a:schemeClr>
-                </a:solidFill>
-              </a:rPr>
-              <a:t>Comparison (DS vs. DM)</a:t>
-            </a:r>
-          </a:p>
-          <a:p>
-            <a:r>
-              <a:rPr lang="en-US" dirty="0" smtClean="0">
-                <a:solidFill>
-                  <a:schemeClr val="tx2">
-                    <a:lumMod val="60000"/>
-                    <a:lumOff val="40000"/>
-                  </a:schemeClr>
-                </a:solidFill>
-              </a:rPr>
-              <a:t>Conclusion &amp; Best Practices</a:t>
-            </a:r>
-          </a:p>
-          <a:p>
-            <a:r>
-              <a:rPr lang="en-US" dirty="0" smtClean="0">
-                <a:solidFill>
-                  <a:schemeClr val="tx2">
-                    <a:lumMod val="60000"/>
-                    <a:lumOff val="40000"/>
-                  </a:schemeClr>
-                </a:solidFill>
-              </a:rPr>
-              <a:t>Discussion</a:t>
-            </a:r>
+              <a:t>Application Context: Lightweight container</a:t>
+            </a:r>
+          </a:p>
+          <a:p>
+            <a:r>
+              <a:rPr lang="en-US" dirty="0" smtClean="0"/>
+              <a:t>Beans: Non-invasive programming model</a:t>
+            </a:r>
+          </a:p>
+          <a:p>
+            <a:r>
+              <a:rPr lang="en-US" dirty="0" smtClean="0"/>
+              <a:t>Dependency Injection</a:t>
+            </a:r>
+            <a:endParaRPr lang="en-US" dirty="0"/>
           </a:p>
         </p:txBody>
       </p:sp>
       <p:sp>
         <p:nvSpPr>
-          <p:cNvPr id="4" name="Foliennummernplatzhalter 3"/>
+          <p:cNvPr id="3" name="Foliennummernplatzhalter 2"/>
           <p:cNvSpPr>
             <a:spLocks noGrp="1"/>
           </p:cNvSpPr>
@@ -16527,17 +16454,17 @@
           <a:lstStyle/>
           <a:p>
             <a:fld id="{1EE64C7A-B923-420E-A18C-3EBD0469DC1F}" type="slidenum">
-              <a:rPr lang="en-US" smtClean="0"/>
+              <a:rPr lang="de-DE" smtClean="0"/>
               <a:pPr/>
               <a:t>39</a:t>
             </a:fld>
-            <a:endParaRPr lang="en-US"/>
+            <a:endParaRPr lang="de-DE"/>
           </a:p>
         </p:txBody>
       </p:sp>
       <p:sp>
         <p:nvSpPr>
-          <p:cNvPr id="5" name="Titel 4"/>
+          <p:cNvPr id="2" name="Titel 1"/>
           <p:cNvSpPr>
             <a:spLocks noGrp="1"/>
           </p:cNvSpPr>
@@ -16551,13 +16478,37 @@
           <a:lstStyle/>
           <a:p>
             <a:r>
-              <a:rPr lang="en-US" noProof="0" smtClean="0"/>
-              <a:t>Agenda</a:t>
-            </a:r>
-            <a:endParaRPr lang="en-US" noProof="0"/>
+              <a:rPr lang="en-US" dirty="0" smtClean="0"/>
+              <a:t>Spring Dependency Injection</a:t>
+            </a:r>
+            <a:endParaRPr lang="en-US" dirty="0"/>
           </a:p>
         </p:txBody>
       </p:sp>
+      <p:pic>
+        <p:nvPicPr>
+          <p:cNvPr id="7" name="Grafik 6" descr="Spring Application Context 300dpi.png"/>
+          <p:cNvPicPr>
+            <a:picLocks noChangeAspect="1"/>
+          </p:cNvPicPr>
+          <p:nvPr/>
+        </p:nvPicPr>
+        <p:blipFill>
+          <a:blip r:embed="rId2" cstate="print"/>
+          <a:stretch>
+            <a:fillRect/>
+          </a:stretch>
+        </p:blipFill>
+        <p:spPr>
+          <a:xfrm>
+            <a:off x="2982465" y="3071810"/>
+            <a:ext cx="3179070" cy="2453645"/>
+          </a:xfrm>
+          <a:prstGeom prst="rect">
+            <a:avLst/>
+          </a:prstGeom>
+        </p:spPr>
+      </p:pic>
     </p:spTree>
   </p:cSld>
   <p:clrMapOvr>
@@ -16836,137 +16787,6 @@
       </p:grpSpPr>
       <p:sp>
         <p:nvSpPr>
-          <p:cNvPr id="5" name="Inhaltsplatzhalter 4"/>
-          <p:cNvSpPr>
-            <a:spLocks noGrp="1"/>
-          </p:cNvSpPr>
-          <p:nvPr>
-            <p:ph idx="1"/>
-          </p:nvPr>
-        </p:nvSpPr>
-        <p:spPr/>
-        <p:txBody>
-          <a:bodyPr/>
-          <a:lstStyle/>
-          <a:p>
-            <a:r>
-              <a:rPr lang="en-US" dirty="0" smtClean="0"/>
-              <a:t>Application Context: Lightweight container</a:t>
-            </a:r>
-          </a:p>
-          <a:p>
-            <a:r>
-              <a:rPr lang="en-US" dirty="0" smtClean="0"/>
-              <a:t>Beans: Non-invasive programming model</a:t>
-            </a:r>
-          </a:p>
-          <a:p>
-            <a:r>
-              <a:rPr lang="en-US" dirty="0" smtClean="0"/>
-              <a:t>Dependency Injection</a:t>
-            </a:r>
-            <a:endParaRPr lang="en-US" dirty="0"/>
-          </a:p>
-        </p:txBody>
-      </p:sp>
-      <p:sp>
-        <p:nvSpPr>
-          <p:cNvPr id="3" name="Foliennummernplatzhalter 2"/>
-          <p:cNvSpPr>
-            <a:spLocks noGrp="1"/>
-          </p:cNvSpPr>
-          <p:nvPr>
-            <p:ph type="sldNum" sz="quarter" idx="10"/>
-          </p:nvPr>
-        </p:nvSpPr>
-        <p:spPr/>
-        <p:txBody>
-          <a:bodyPr/>
-          <a:lstStyle/>
-          <a:p>
-            <a:fld id="{1EE64C7A-B923-420E-A18C-3EBD0469DC1F}" type="slidenum">
-              <a:rPr lang="de-DE" smtClean="0"/>
-              <a:pPr/>
-              <a:t>40</a:t>
-            </a:fld>
-            <a:endParaRPr lang="de-DE"/>
-          </a:p>
-        </p:txBody>
-      </p:sp>
-      <p:sp>
-        <p:nvSpPr>
-          <p:cNvPr id="2" name="Titel 1"/>
-          <p:cNvSpPr>
-            <a:spLocks noGrp="1"/>
-          </p:cNvSpPr>
-          <p:nvPr>
-            <p:ph type="title"/>
-          </p:nvPr>
-        </p:nvSpPr>
-        <p:spPr/>
-        <p:txBody>
-          <a:bodyPr/>
-          <a:lstStyle/>
-          <a:p>
-            <a:r>
-              <a:rPr lang="en-US" dirty="0" smtClean="0"/>
-              <a:t>Spring Dependency Injection</a:t>
-            </a:r>
-            <a:endParaRPr lang="en-US" dirty="0"/>
-          </a:p>
-        </p:txBody>
-      </p:sp>
-      <p:pic>
-        <p:nvPicPr>
-          <p:cNvPr id="7" name="Grafik 6" descr="Spring Application Context 300dpi.png"/>
-          <p:cNvPicPr>
-            <a:picLocks noChangeAspect="1"/>
-          </p:cNvPicPr>
-          <p:nvPr/>
-        </p:nvPicPr>
-        <p:blipFill>
-          <a:blip r:embed="rId2" cstate="print"/>
-          <a:stretch>
-            <a:fillRect/>
-          </a:stretch>
-        </p:blipFill>
-        <p:spPr>
-          <a:xfrm>
-            <a:off x="2982465" y="3071810"/>
-            <a:ext cx="3179070" cy="2453645"/>
-          </a:xfrm>
-          <a:prstGeom prst="rect">
-            <a:avLst/>
-          </a:prstGeom>
-        </p:spPr>
-      </p:pic>
-    </p:spTree>
-  </p:cSld>
-  <p:clrMapOvr>
-    <a:masterClrMapping/>
-  </p:clrMapOvr>
-</p:sld>
-</file>
-
-<file path=ppt/slides/slide41.xml><?xml version="1.0" encoding="utf-8"?>
-<p:sld xmlns:a="http://schemas.openxmlformats.org/drawingml/2006/main" xmlns:r="http://schemas.openxmlformats.org/officeDocument/2006/relationships" xmlns:p="http://schemas.openxmlformats.org/presentationml/2006/main">
-  <p:cSld>
-    <p:spTree>
-      <p:nvGrpSpPr>
-        <p:cNvPr id="1" name=""/>
-        <p:cNvGrpSpPr/>
-        <p:nvPr/>
-      </p:nvGrpSpPr>
-      <p:grpSpPr>
-        <a:xfrm>
-          <a:off x="0" y="0"/>
-          <a:ext cx="0" cy="0"/>
-          <a:chOff x="0" y="0"/>
-          <a:chExt cx="0" cy="0"/>
-        </a:xfrm>
-      </p:grpSpPr>
-      <p:sp>
-        <p:nvSpPr>
           <p:cNvPr id="4" name="Titel 3"/>
           <p:cNvSpPr>
             <a:spLocks noGrp="1"/>
@@ -17006,7 +16826,7 @@
             <a:fld id="{1EE64C7A-B923-420E-A18C-3EBD0469DC1F}" type="slidenum">
               <a:rPr lang="de-DE" smtClean="0"/>
               <a:pPr/>
-              <a:t>41</a:t>
+              <a:t>40</a:t>
             </a:fld>
             <a:endParaRPr lang="de-DE" dirty="0"/>
           </a:p>
@@ -17113,10 +16933,17 @@
   <p:clrMapOvr>
     <a:masterClrMapping/>
   </p:clrMapOvr>
+  <p:timing>
+    <p:tnLst>
+      <p:par>
+        <p:cTn id="1" dur="indefinite" restart="never" nodeType="tmRoot"/>
+      </p:par>
+    </p:tnLst>
+  </p:timing>
 </p:sld>
 </file>
 
-<file path=ppt/slides/slide42.xml><?xml version="1.0" encoding="utf-8"?>
+<file path=ppt/slides/slide41.xml><?xml version="1.0" encoding="utf-8"?>
 <p:sld xmlns:a="http://schemas.openxmlformats.org/drawingml/2006/main" xmlns:r="http://schemas.openxmlformats.org/officeDocument/2006/relationships" xmlns:p="http://schemas.openxmlformats.org/presentationml/2006/main">
   <p:cSld>
     <p:spTree>
@@ -17151,7 +16978,7 @@
             <a:fld id="{1EE64C7A-B923-420E-A18C-3EBD0469DC1F}" type="slidenum">
               <a:rPr lang="de-DE" smtClean="0"/>
               <a:pPr/>
-              <a:t>42</a:t>
+              <a:t>41</a:t>
             </a:fld>
             <a:endParaRPr lang="de-DE" dirty="0"/>
           </a:p>
@@ -17208,10 +17035,17 @@
   <p:clrMapOvr>
     <a:masterClrMapping/>
   </p:clrMapOvr>
+  <p:timing>
+    <p:tnLst>
+      <p:par>
+        <p:cTn id="1" dur="indefinite" restart="never" nodeType="tmRoot"/>
+      </p:par>
+    </p:tnLst>
+  </p:timing>
 </p:sld>
 </file>
 
-<file path=ppt/slides/slide43.xml><?xml version="1.0" encoding="utf-8"?>
+<file path=ppt/slides/slide42.xml><?xml version="1.0" encoding="utf-8"?>
 <p:sld xmlns:a="http://schemas.openxmlformats.org/drawingml/2006/main" xmlns:r="http://schemas.openxmlformats.org/officeDocument/2006/relationships" xmlns:p="http://schemas.openxmlformats.org/presentationml/2006/main">
   <p:cSld>
     <p:spTree>
@@ -17269,7 +17103,7 @@
             <a:fld id="{1EE64C7A-B923-420E-A18C-3EBD0469DC1F}" type="slidenum">
               <a:rPr lang="de-DE" smtClean="0"/>
               <a:pPr/>
-              <a:t>43</a:t>
+              <a:t>42</a:t>
             </a:fld>
             <a:endParaRPr lang="de-DE" dirty="0"/>
           </a:p>
@@ -17303,10 +17137,17 @@
   <p:clrMapOvr>
     <a:masterClrMapping/>
   </p:clrMapOvr>
+  <p:timing>
+    <p:tnLst>
+      <p:par>
+        <p:cTn id="1" dur="indefinite" restart="never" nodeType="tmRoot"/>
+      </p:par>
+    </p:tnLst>
+  </p:timing>
 </p:sld>
 </file>
 
-<file path=ppt/slides/slide44.xml><?xml version="1.0" encoding="utf-8"?>
+<file path=ppt/slides/slide43.xml><?xml version="1.0" encoding="utf-8"?>
 <p:sld xmlns:a="http://schemas.openxmlformats.org/drawingml/2006/main" xmlns:r="http://schemas.openxmlformats.org/officeDocument/2006/relationships" xmlns:p="http://schemas.openxmlformats.org/presentationml/2006/main">
   <p:cSld>
     <p:spTree>
@@ -17341,7 +17182,7 @@
             <a:fld id="{1EE64C7A-B923-420E-A18C-3EBD0469DC1F}" type="slidenum">
               <a:rPr lang="de-DE" smtClean="0"/>
               <a:pPr/>
-              <a:t>44</a:t>
+              <a:t>43</a:t>
             </a:fld>
             <a:endParaRPr lang="de-DE" dirty="0"/>
           </a:p>
@@ -17399,10 +17240,17 @@
   <p:clrMapOvr>
     <a:masterClrMapping/>
   </p:clrMapOvr>
+  <p:timing>
+    <p:tnLst>
+      <p:par>
+        <p:cTn id="1" dur="indefinite" restart="never" nodeType="tmRoot"/>
+      </p:par>
+    </p:tnLst>
+  </p:timing>
 </p:sld>
 </file>
 
-<file path=ppt/slides/slide45.xml><?xml version="1.0" encoding="utf-8"?>
+<file path=ppt/slides/slide44.xml><?xml version="1.0" encoding="utf-8"?>
 <p:sld xmlns:a="http://schemas.openxmlformats.org/drawingml/2006/main" xmlns:r="http://schemas.openxmlformats.org/officeDocument/2006/relationships" xmlns:p="http://schemas.openxmlformats.org/presentationml/2006/main">
   <p:cSld>
     <p:spTree>
@@ -17460,7 +17308,7 @@
             <a:fld id="{1EE64C7A-B923-420E-A18C-3EBD0469DC1F}" type="slidenum">
               <a:rPr lang="de-DE" smtClean="0"/>
               <a:pPr/>
-              <a:t>45</a:t>
+              <a:t>44</a:t>
             </a:fld>
             <a:endParaRPr lang="de-DE" dirty="0"/>
           </a:p>
@@ -17730,10 +17578,17 @@
   <p:clrMapOvr>
     <a:masterClrMapping/>
   </p:clrMapOvr>
+  <p:timing>
+    <p:tnLst>
+      <p:par>
+        <p:cTn id="1" dur="indefinite" restart="never" nodeType="tmRoot"/>
+      </p:par>
+    </p:tnLst>
+  </p:timing>
 </p:sld>
 </file>
 
-<file path=ppt/slides/slide46.xml><?xml version="1.0" encoding="utf-8"?>
+<file path=ppt/slides/slide45.xml><?xml version="1.0" encoding="utf-8"?>
 <p:sld xmlns:a="http://schemas.openxmlformats.org/drawingml/2006/main" xmlns:r="http://schemas.openxmlformats.org/officeDocument/2006/relationships" xmlns:p="http://schemas.openxmlformats.org/presentationml/2006/main">
   <p:cSld>
     <p:spTree>
@@ -17768,7 +17623,7 @@
             <a:fld id="{1EE64C7A-B923-420E-A18C-3EBD0469DC1F}" type="slidenum">
               <a:rPr lang="de-DE" smtClean="0"/>
               <a:pPr/>
-              <a:t>46</a:t>
+              <a:t>45</a:t>
             </a:fld>
             <a:endParaRPr lang="de-DE"/>
           </a:p>
@@ -17954,10 +17809,17 @@
   <p:clrMapOvr>
     <a:masterClrMapping/>
   </p:clrMapOvr>
+  <p:timing>
+    <p:tnLst>
+      <p:par>
+        <p:cTn id="1" dur="indefinite" restart="never" nodeType="tmRoot"/>
+      </p:par>
+    </p:tnLst>
+  </p:timing>
 </p:sld>
 </file>
 
-<file path=ppt/slides/slide47.xml><?xml version="1.0" encoding="utf-8"?>
+<file path=ppt/slides/slide46.xml><?xml version="1.0" encoding="utf-8"?>
 <p:sld xmlns:a="http://schemas.openxmlformats.org/drawingml/2006/main" xmlns:r="http://schemas.openxmlformats.org/officeDocument/2006/relationships" xmlns:p="http://schemas.openxmlformats.org/presentationml/2006/main">
   <p:cSld>
     <p:spTree>
@@ -18015,7 +17877,7 @@
             <a:fld id="{1EE64C7A-B923-420E-A18C-3EBD0469DC1F}" type="slidenum">
               <a:rPr lang="de-DE" smtClean="0"/>
               <a:pPr/>
-              <a:t>47</a:t>
+              <a:t>46</a:t>
             </a:fld>
             <a:endParaRPr lang="de-DE" dirty="0"/>
           </a:p>
@@ -18359,10 +18221,17 @@
   <p:clrMapOvr>
     <a:masterClrMapping/>
   </p:clrMapOvr>
+  <p:timing>
+    <p:tnLst>
+      <p:par>
+        <p:cTn id="1" dur="indefinite" restart="never" nodeType="tmRoot"/>
+      </p:par>
+    </p:tnLst>
+  </p:timing>
 </p:sld>
 </file>
 
-<file path=ppt/slides/slide48.xml><?xml version="1.0" encoding="utf-8"?>
+<file path=ppt/slides/slide47.xml><?xml version="1.0" encoding="utf-8"?>
 <p:sld xmlns:a="http://schemas.openxmlformats.org/drawingml/2006/main" xmlns:r="http://schemas.openxmlformats.org/officeDocument/2006/relationships" xmlns:p="http://schemas.openxmlformats.org/presentationml/2006/main">
   <p:cSld>
     <p:spTree>
@@ -18420,7 +18289,7 @@
             <a:fld id="{1EE64C7A-B923-420E-A18C-3EBD0469DC1F}" type="slidenum">
               <a:rPr lang="de-DE" smtClean="0"/>
               <a:pPr/>
-              <a:t>48</a:t>
+              <a:t>47</a:t>
             </a:fld>
             <a:endParaRPr lang="de-DE"/>
           </a:p>
@@ -18751,7 +18620,7 @@
 </p:sld>
 </file>
 
-<file path=ppt/slides/slide49.xml><?xml version="1.0" encoding="utf-8"?>
+<file path=ppt/slides/slide48.xml><?xml version="1.0" encoding="utf-8"?>
 <p:sld xmlns:a="http://schemas.openxmlformats.org/drawingml/2006/main" xmlns:r="http://schemas.openxmlformats.org/officeDocument/2006/relationships" xmlns:p="http://schemas.openxmlformats.org/presentationml/2006/main">
   <p:cSld>
     <p:spTree>
@@ -18809,7 +18678,7 @@
             <a:fld id="{1EE64C7A-B923-420E-A18C-3EBD0469DC1F}" type="slidenum">
               <a:rPr lang="de-DE" smtClean="0"/>
               <a:pPr/>
-              <a:t>49</a:t>
+              <a:t>48</a:t>
             </a:fld>
             <a:endParaRPr lang="de-DE" dirty="0"/>
           </a:p>
@@ -19108,6 +18977,197 @@
   <p:clrMapOvr>
     <a:masterClrMapping/>
   </p:clrMapOvr>
+  <p:timing>
+    <p:tnLst>
+      <p:par>
+        <p:cTn id="1" dur="indefinite" restart="never" nodeType="tmRoot"/>
+      </p:par>
+    </p:tnLst>
+  </p:timing>
+</p:sld>
+</file>
+
+<file path=ppt/slides/slide49.xml><?xml version="1.0" encoding="utf-8"?>
+<p:sld xmlns:a="http://schemas.openxmlformats.org/drawingml/2006/main" xmlns:r="http://schemas.openxmlformats.org/officeDocument/2006/relationships" xmlns:p="http://schemas.openxmlformats.org/presentationml/2006/main">
+  <p:cSld>
+    <p:spTree>
+      <p:nvGrpSpPr>
+        <p:cNvPr id="1" name=""/>
+        <p:cNvGrpSpPr/>
+        <p:nvPr/>
+      </p:nvGrpSpPr>
+      <p:grpSpPr>
+        <a:xfrm>
+          <a:off x="0" y="0"/>
+          <a:ext cx="0" cy="0"/>
+          <a:chOff x="0" y="0"/>
+          <a:chExt cx="0" cy="0"/>
+        </a:xfrm>
+      </p:grpSpPr>
+      <p:sp>
+        <p:nvSpPr>
+          <p:cNvPr id="4" name="Inhaltsplatzhalter 3"/>
+          <p:cNvSpPr>
+            <a:spLocks noGrp="1"/>
+          </p:cNvSpPr>
+          <p:nvPr>
+            <p:ph idx="1"/>
+          </p:nvPr>
+        </p:nvSpPr>
+        <p:spPr/>
+        <p:txBody>
+          <a:bodyPr/>
+          <a:lstStyle/>
+          <a:p>
+            <a:pPr marL="342900" lvl="1" indent="-342900">
+              <a:spcBef>
+                <a:spcPts val="1200"/>
+              </a:spcBef>
+            </a:pPr>
+            <a:r>
+              <a:rPr lang="en-US" sz="2000" i="1" dirty="0" err="1" smtClean="0"/>
+              <a:t>ServiceUnavailableException</a:t>
+            </a:r>
+            <a:r>
+              <a:rPr lang="en-US" sz="2000" dirty="0" smtClean="0"/>
+              <a:t> for invocations on stale references</a:t>
+            </a:r>
+            <a:endParaRPr lang="en-US" sz="2000" i="1" dirty="0" smtClean="0"/>
+          </a:p>
+          <a:p>
+            <a:r>
+              <a:rPr lang="en-US" dirty="0" smtClean="0"/>
+              <a:t>Unary references (</a:t>
+            </a:r>
+            <a:r>
+              <a:rPr lang="en-US" i="1" dirty="0" smtClean="0"/>
+              <a:t>reference</a:t>
+            </a:r>
+            <a:r>
+              <a:rPr lang="en-US" dirty="0" smtClean="0"/>
+              <a:t>) are dynamic-aware</a:t>
+            </a:r>
+          </a:p>
+          <a:p>
+            <a:pPr lvl="1"/>
+            <a:r>
+              <a:rPr lang="en-US" dirty="0" smtClean="0"/>
+              <a:t>Re-binding with matching service when bound service goes away</a:t>
+            </a:r>
+          </a:p>
+          <a:p>
+            <a:r>
+              <a:rPr lang="en-US" dirty="0" smtClean="0"/>
+              <a:t>Multiple references (</a:t>
+            </a:r>
+            <a:r>
+              <a:rPr lang="en-US" i="1" dirty="0" err="1" smtClean="0"/>
+              <a:t>set|list</a:t>
+            </a:r>
+            <a:r>
+              <a:rPr lang="en-US" dirty="0" smtClean="0"/>
+              <a:t>) are dynamic-aware</a:t>
+            </a:r>
+          </a:p>
+          <a:p>
+            <a:pPr lvl="1"/>
+            <a:r>
+              <a:rPr lang="en-US" i="1" dirty="0" smtClean="0"/>
+              <a:t>Collection</a:t>
+            </a:r>
+            <a:r>
+              <a:rPr lang="en-US" dirty="0" smtClean="0"/>
+              <a:t>s and </a:t>
+            </a:r>
+            <a:r>
+              <a:rPr lang="en-US" i="1" dirty="0" err="1" smtClean="0"/>
+              <a:t>Iterator</a:t>
+            </a:r>
+            <a:r>
+              <a:rPr lang="en-US" dirty="0" err="1" smtClean="0"/>
+              <a:t>s</a:t>
+            </a:r>
+            <a:r>
+              <a:rPr lang="en-US" dirty="0" smtClean="0"/>
+              <a:t> always up-to-date with service registry</a:t>
+            </a:r>
+          </a:p>
+          <a:p>
+            <a:endParaRPr lang="en-US" dirty="0" smtClean="0"/>
+          </a:p>
+          <a:p>
+            <a:r>
+              <a:rPr lang="en-US" dirty="0" smtClean="0"/>
+              <a:t>Services with unsatisfied references are unregistered …</a:t>
+            </a:r>
+          </a:p>
+          <a:p>
+            <a:r>
+              <a:rPr lang="en-US" dirty="0" smtClean="0"/>
+              <a:t>… and re-registered when satisfied again</a:t>
+            </a:r>
+          </a:p>
+        </p:txBody>
+      </p:sp>
+      <p:sp>
+        <p:nvSpPr>
+          <p:cNvPr id="3" name="Foliennummernplatzhalter 2"/>
+          <p:cNvSpPr>
+            <a:spLocks noGrp="1"/>
+          </p:cNvSpPr>
+          <p:nvPr>
+            <p:ph type="sldNum" sz="quarter" idx="10"/>
+          </p:nvPr>
+        </p:nvSpPr>
+        <p:spPr/>
+        <p:txBody>
+          <a:bodyPr/>
+          <a:lstStyle/>
+          <a:p>
+            <a:fld id="{1EE64C7A-B923-420E-A18C-3EBD0469DC1F}" type="slidenum">
+              <a:rPr lang="de-DE" smtClean="0"/>
+              <a:pPr/>
+              <a:t>49</a:t>
+            </a:fld>
+            <a:endParaRPr lang="de-DE"/>
+          </a:p>
+        </p:txBody>
+      </p:sp>
+      <p:sp>
+        <p:nvSpPr>
+          <p:cNvPr id="2" name="Titel 1"/>
+          <p:cNvSpPr>
+            <a:spLocks noGrp="1"/>
+          </p:cNvSpPr>
+          <p:nvPr>
+            <p:ph type="title"/>
+          </p:nvPr>
+        </p:nvSpPr>
+        <p:spPr/>
+        <p:txBody>
+          <a:bodyPr/>
+          <a:lstStyle/>
+          <a:p>
+            <a:r>
+              <a:rPr lang="en-US" dirty="0" smtClean="0"/>
+              <a:t>And what about Service Dynamics?</a:t>
+            </a:r>
+            <a:endParaRPr lang="en-US" dirty="0"/>
+          </a:p>
+        </p:txBody>
+      </p:sp>
+    </p:spTree>
+  </p:cSld>
+  <p:clrMapOvr>
+    <a:masterClrMapping/>
+  </p:clrMapOvr>
+  <p:timing>
+    <p:tnLst>
+      <p:par>
+        <p:cTn id="1" dur="indefinite" restart="never" nodeType="tmRoot"/>
+      </p:par>
+    </p:tnLst>
+  </p:timing>
 </p:sld>
 </file>
 
@@ -19364,191 +19424,6 @@
       </p:grpSpPr>
       <p:sp>
         <p:nvSpPr>
-          <p:cNvPr id="4" name="Inhaltsplatzhalter 3"/>
-          <p:cNvSpPr>
-            <a:spLocks noGrp="1"/>
-          </p:cNvSpPr>
-          <p:nvPr>
-            <p:ph idx="1"/>
-          </p:nvPr>
-        </p:nvSpPr>
-        <p:spPr/>
-        <p:txBody>
-          <a:bodyPr/>
-          <a:lstStyle/>
-          <a:p>
-            <a:pPr marL="342900" lvl="1" indent="-342900">
-              <a:spcBef>
-                <a:spcPts val="1200"/>
-              </a:spcBef>
-            </a:pPr>
-            <a:r>
-              <a:rPr lang="en-US" sz="2000" i="1" dirty="0" err="1" smtClean="0"/>
-              <a:t>ServiceUnavailableException</a:t>
-            </a:r>
-            <a:r>
-              <a:rPr lang="en-US" sz="2000" dirty="0" smtClean="0"/>
-              <a:t> for </a:t>
-            </a:r>
-            <a:r>
-              <a:rPr lang="en-US" sz="2000" dirty="0" smtClean="0"/>
-              <a:t>invocations </a:t>
-            </a:r>
-            <a:r>
-              <a:rPr lang="en-US" sz="2000" dirty="0" smtClean="0"/>
-              <a:t>on stale references</a:t>
-            </a:r>
-            <a:endParaRPr lang="en-US" sz="2000" i="1" dirty="0" smtClean="0"/>
-          </a:p>
-          <a:p>
-            <a:r>
-              <a:rPr lang="en-US" dirty="0" smtClean="0"/>
-              <a:t>Unary references (</a:t>
-            </a:r>
-            <a:r>
-              <a:rPr lang="en-US" i="1" dirty="0" smtClean="0"/>
-              <a:t>reference</a:t>
-            </a:r>
-            <a:r>
-              <a:rPr lang="en-US" dirty="0" smtClean="0"/>
-              <a:t>) are dynamic-aware</a:t>
-            </a:r>
-          </a:p>
-          <a:p>
-            <a:pPr lvl="1"/>
-            <a:r>
-              <a:rPr lang="en-US" dirty="0" smtClean="0"/>
-              <a:t>Re-binding with matching service when bound service goes away</a:t>
-            </a:r>
-          </a:p>
-          <a:p>
-            <a:r>
-              <a:rPr lang="en-US" dirty="0" smtClean="0"/>
-              <a:t>Multiple references (</a:t>
-            </a:r>
-            <a:r>
-              <a:rPr lang="en-US" i="1" dirty="0" err="1" smtClean="0"/>
-              <a:t>set|list</a:t>
-            </a:r>
-            <a:r>
-              <a:rPr lang="en-US" dirty="0" smtClean="0"/>
-              <a:t>) are dynamic-aware</a:t>
-            </a:r>
-          </a:p>
-          <a:p>
-            <a:pPr lvl="1"/>
-            <a:r>
-              <a:rPr lang="en-US" i="1" dirty="0" smtClean="0"/>
-              <a:t>Collection</a:t>
-            </a:r>
-            <a:r>
-              <a:rPr lang="en-US" dirty="0" smtClean="0"/>
-              <a:t>s and </a:t>
-            </a:r>
-            <a:r>
-              <a:rPr lang="en-US" i="1" dirty="0" err="1" smtClean="0"/>
-              <a:t>Iterator</a:t>
-            </a:r>
-            <a:r>
-              <a:rPr lang="en-US" dirty="0" err="1" smtClean="0"/>
-              <a:t>s</a:t>
-            </a:r>
-            <a:r>
-              <a:rPr lang="en-US" dirty="0" smtClean="0"/>
-              <a:t> always up-to-date with service registry</a:t>
-            </a:r>
-          </a:p>
-          <a:p>
-            <a:endParaRPr lang="en-US" dirty="0" smtClean="0"/>
-          </a:p>
-          <a:p>
-            <a:r>
-              <a:rPr lang="en-US" dirty="0" smtClean="0"/>
-              <a:t>Services with unsatisfied references are unregistered …</a:t>
-            </a:r>
-          </a:p>
-          <a:p>
-            <a:r>
-              <a:rPr lang="en-US" dirty="0" smtClean="0"/>
-              <a:t>… and re-registered when satisfied again</a:t>
-            </a:r>
-          </a:p>
-        </p:txBody>
-      </p:sp>
-      <p:sp>
-        <p:nvSpPr>
-          <p:cNvPr id="3" name="Foliennummernplatzhalter 2"/>
-          <p:cNvSpPr>
-            <a:spLocks noGrp="1"/>
-          </p:cNvSpPr>
-          <p:nvPr>
-            <p:ph type="sldNum" sz="quarter" idx="10"/>
-          </p:nvPr>
-        </p:nvSpPr>
-        <p:spPr/>
-        <p:txBody>
-          <a:bodyPr/>
-          <a:lstStyle/>
-          <a:p>
-            <a:fld id="{1EE64C7A-B923-420E-A18C-3EBD0469DC1F}" type="slidenum">
-              <a:rPr lang="de-DE" smtClean="0"/>
-              <a:pPr/>
-              <a:t>50</a:t>
-            </a:fld>
-            <a:endParaRPr lang="de-DE"/>
-          </a:p>
-        </p:txBody>
-      </p:sp>
-      <p:sp>
-        <p:nvSpPr>
-          <p:cNvPr id="2" name="Titel 1"/>
-          <p:cNvSpPr>
-            <a:spLocks noGrp="1"/>
-          </p:cNvSpPr>
-          <p:nvPr>
-            <p:ph type="title"/>
-          </p:nvPr>
-        </p:nvSpPr>
-        <p:spPr/>
-        <p:txBody>
-          <a:bodyPr/>
-          <a:lstStyle/>
-          <a:p>
-            <a:r>
-              <a:rPr lang="en-US" dirty="0" smtClean="0"/>
-              <a:t>And what about Service Dynamics?</a:t>
-            </a:r>
-            <a:endParaRPr lang="en-US" dirty="0"/>
-          </a:p>
-        </p:txBody>
-      </p:sp>
-    </p:spTree>
-  </p:cSld>
-  <p:clrMapOvr>
-    <a:masterClrMapping/>
-  </p:clrMapOvr>
-</p:sld>
-</file>
-
-<file path=ppt/slides/slide51.xml><?xml version="1.0" encoding="utf-8"?>
-<p:sld xmlns:a="http://schemas.openxmlformats.org/drawingml/2006/main" xmlns:r="http://schemas.openxmlformats.org/officeDocument/2006/relationships" xmlns:p="http://schemas.openxmlformats.org/presentationml/2006/main">
-  <p:cSld>
-    <p:spTree>
-      <p:nvGrpSpPr>
-        <p:cNvPr id="1" name=""/>
-        <p:cNvGrpSpPr/>
-        <p:nvPr/>
-      </p:nvGrpSpPr>
-      <p:grpSpPr>
-        <a:xfrm>
-          <a:off x="0" y="0"/>
-          <a:ext cx="0" cy="0"/>
-          <a:chOff x="0" y="0"/>
-          <a:chExt cx="0" cy="0"/>
-        </a:xfrm>
-      </p:grpSpPr>
-      <p:sp>
-        <p:nvSpPr>
           <p:cNvPr id="4" name="Titel 3"/>
           <p:cNvSpPr>
             <a:spLocks noGrp="1"/>
@@ -19588,7 +19463,7 @@
             <a:fld id="{1EE64C7A-B923-420E-A18C-3EBD0469DC1F}" type="slidenum">
               <a:rPr lang="de-DE" smtClean="0"/>
               <a:pPr/>
-              <a:t>51</a:t>
+              <a:t>50</a:t>
             </a:fld>
             <a:endParaRPr lang="de-DE" dirty="0"/>
           </a:p>
@@ -19639,16 +19514,7 @@
                 </a:solidFill>
                 <a:latin typeface="Courier New" pitchFamily="49" charset="0"/>
               </a:rPr>
-              <a:t>&lt;</a:t>
-            </a:r>
-            <a:r>
-              <a:rPr lang="en-US" b="1" dirty="0" smtClean="0">
-                <a:solidFill>
-                  <a:srgbClr val="008080"/>
-                </a:solidFill>
-                <a:latin typeface="Courier New" pitchFamily="49" charset="0"/>
-              </a:rPr>
-              <a:t>reference</a:t>
+              <a:t>&lt;reference</a:t>
             </a:r>
             <a:r>
               <a:rPr lang="en-US" b="1" dirty="0" smtClean="0">
@@ -19736,16 +19602,43 @@
                 </a:solidFill>
                 <a:latin typeface="Courier New" pitchFamily="49" charset="0"/>
               </a:rPr>
-              <a:t>  &lt;</a:t>
+              <a:t>  &lt;listener </a:t>
             </a:r>
             <a:r>
               <a:rPr lang="en-US" b="1" dirty="0" smtClean="0">
                 <a:solidFill>
+                  <a:srgbClr val="7F007F"/>
+                </a:solidFill>
+                <a:latin typeface="Courier New" pitchFamily="49" charset="0"/>
+              </a:rPr>
+              <a:t>bind-method</a:t>
+            </a:r>
+            <a:r>
+              <a:rPr lang="en-US" b="1" dirty="0" smtClean="0">
+                <a:solidFill>
+                  <a:srgbClr val="000000"/>
+                </a:solidFill>
+                <a:latin typeface="Courier New" pitchFamily="49" charset="0"/>
+              </a:rPr>
+              <a:t>=</a:t>
+            </a:r>
+            <a:r>
+              <a:rPr lang="en-US" b="1" dirty="0" smtClean="0">
+                <a:solidFill>
+                  <a:srgbClr val="2A00FF"/>
+                </a:solidFill>
+                <a:latin typeface="Courier New" pitchFamily="49" charset="0"/>
+              </a:rPr>
+              <a:t>"..."</a:t>
+            </a:r>
+            <a:r>
+              <a:rPr lang="en-US" b="1" dirty="0" smtClean="0">
+                <a:solidFill>
                   <a:srgbClr val="008080"/>
                 </a:solidFill>
                 <a:latin typeface="Courier New" pitchFamily="49" charset="0"/>
               </a:rPr>
-              <a:t>listener </a:t>
+              <a:t> </a:t>
             </a:r>
             <a:r>
               <a:rPr lang="en-US" b="1" dirty="0" smtClean="0">
@@ -19754,7 +19647,7 @@
                 </a:solidFill>
                 <a:latin typeface="Courier New" pitchFamily="49" charset="0"/>
               </a:rPr>
-              <a:t>bind-method</a:t>
+              <a:t>unbind-method</a:t>
             </a:r>
             <a:r>
               <a:rPr lang="en-US" b="1" dirty="0" smtClean="0">
@@ -19781,50 +19674,8 @@
                 </a:solidFill>
                 <a:latin typeface="Courier New" pitchFamily="49" charset="0"/>
               </a:rPr>
-              <a:t> </a:t>
-            </a:r>
-            <a:r>
-              <a:rPr lang="en-US" b="1" dirty="0" smtClean="0">
-                <a:solidFill>
-                  <a:srgbClr val="7F007F"/>
-                </a:solidFill>
-                <a:latin typeface="Courier New" pitchFamily="49" charset="0"/>
-              </a:rPr>
-              <a:t>unbind-method</a:t>
-            </a:r>
-            <a:r>
-              <a:rPr lang="en-US" b="1" dirty="0" smtClean="0">
-                <a:solidFill>
-                  <a:srgbClr val="000000"/>
-                </a:solidFill>
-                <a:latin typeface="Courier New" pitchFamily="49" charset="0"/>
-              </a:rPr>
-              <a:t>=</a:t>
-            </a:r>
-            <a:r>
-              <a:rPr lang="en-US" b="1" dirty="0" smtClean="0">
-                <a:solidFill>
-                  <a:srgbClr val="2A00FF"/>
-                </a:solidFill>
-                <a:latin typeface="Courier New" pitchFamily="49" charset="0"/>
-              </a:rPr>
-              <a:t>"..."</a:t>
-            </a:r>
-            <a:r>
-              <a:rPr lang="en-US" b="1" dirty="0" smtClean="0">
-                <a:solidFill>
-                  <a:srgbClr val="008080"/>
-                </a:solidFill>
-                <a:latin typeface="Courier New" pitchFamily="49" charset="0"/>
-              </a:rPr>
               <a:t>&gt; </a:t>
             </a:r>
-            <a:endParaRPr lang="en-US" b="1" dirty="0" smtClean="0">
-              <a:solidFill>
-                <a:srgbClr val="008080"/>
-              </a:solidFill>
-              <a:latin typeface="Courier New" pitchFamily="49" charset="0"/>
-            </a:endParaRPr>
           </a:p>
           <a:p>
             <a:pPr marL="136525" indent="-136525">
@@ -19895,12 +19746,6 @@
               </a:rPr>
               <a:t>/&gt; </a:t>
             </a:r>
-            <a:endParaRPr lang="en-US" b="1" dirty="0" smtClean="0">
-              <a:solidFill>
-                <a:srgbClr val="008080"/>
-              </a:solidFill>
-              <a:latin typeface="Courier New" pitchFamily="49" charset="0"/>
-            </a:endParaRPr>
           </a:p>
           <a:p>
             <a:pPr marL="136525" indent="-136525">
@@ -19917,12 +19762,6 @@
               </a:rPr>
               <a:t>    ...</a:t>
             </a:r>
-            <a:endParaRPr lang="en-US" b="1" dirty="0" smtClean="0">
-              <a:solidFill>
-                <a:srgbClr val="008080"/>
-              </a:solidFill>
-              <a:latin typeface="Courier New" pitchFamily="49" charset="0"/>
-            </a:endParaRPr>
           </a:p>
         </p:txBody>
       </p:sp>
@@ -19955,6 +19794,209 @@
   <p:clrMapOvr>
     <a:masterClrMapping/>
   </p:clrMapOvr>
+  <p:timing>
+    <p:tnLst>
+      <p:par>
+        <p:cTn id="1" dur="indefinite" restart="never" nodeType="tmRoot"/>
+      </p:par>
+    </p:tnLst>
+  </p:timing>
+</p:sld>
+</file>
+
+<file path=ppt/slides/slide51.xml><?xml version="1.0" encoding="utf-8"?>
+<p:sld xmlns:a="http://schemas.openxmlformats.org/drawingml/2006/main" xmlns:r="http://schemas.openxmlformats.org/officeDocument/2006/relationships" xmlns:p="http://schemas.openxmlformats.org/presentationml/2006/main">
+  <p:cSld>
+    <p:spTree>
+      <p:nvGrpSpPr>
+        <p:cNvPr id="1" name=""/>
+        <p:cNvGrpSpPr/>
+        <p:nvPr/>
+      </p:nvGrpSpPr>
+      <p:grpSpPr>
+        <a:xfrm>
+          <a:off x="0" y="0"/>
+          <a:ext cx="0" cy="0"/>
+          <a:chOff x="0" y="0"/>
+          <a:chExt cx="0" cy="0"/>
+        </a:xfrm>
+      </p:grpSpPr>
+      <p:sp>
+        <p:nvSpPr>
+          <p:cNvPr id="2" name="Content Placeholder 1"/>
+          <p:cNvSpPr>
+            <a:spLocks noGrp="1"/>
+          </p:cNvSpPr>
+          <p:nvPr>
+            <p:ph idx="1"/>
+          </p:nvPr>
+        </p:nvSpPr>
+        <p:spPr/>
+        <p:txBody>
+          <a:bodyPr>
+            <a:normAutofit fontScale="92500" lnSpcReduction="20000"/>
+          </a:bodyPr>
+          <a:lstStyle/>
+          <a:p>
+            <a:pPr>
+              <a:buNone/>
+            </a:pPr>
+            <a:r>
+              <a:rPr lang="en-US" noProof="0" dirty="0" smtClean="0"/>
+              <a:t>To run Spring DM the following additional bundles are needed:</a:t>
+            </a:r>
+          </a:p>
+          <a:p>
+            <a:r>
+              <a:rPr lang="en-US" dirty="0" smtClean="0">
+                <a:solidFill>
+                  <a:schemeClr val="accent1">
+                    <a:lumMod val="75000"/>
+                  </a:schemeClr>
+                </a:solidFill>
+              </a:rPr>
+              <a:t>spring-osgi-core-1.1.2.jar</a:t>
+            </a:r>
+          </a:p>
+          <a:p>
+            <a:r>
+              <a:rPr lang="en-US" dirty="0" smtClean="0">
+                <a:solidFill>
+                  <a:schemeClr val="accent1">
+                    <a:lumMod val="75000"/>
+                  </a:schemeClr>
+                </a:solidFill>
+              </a:rPr>
+              <a:t>spring-osgi-extender-1.1.2.jar</a:t>
+            </a:r>
+          </a:p>
+          <a:p>
+            <a:r>
+              <a:rPr lang="en-US" dirty="0" smtClean="0">
+                <a:solidFill>
+                  <a:schemeClr val="accent1">
+                    <a:lumMod val="75000"/>
+                  </a:schemeClr>
+                </a:solidFill>
+              </a:rPr>
+              <a:t>spring-osgi-io-1.1.2.jar</a:t>
+            </a:r>
+          </a:p>
+          <a:p>
+            <a:r>
+              <a:rPr lang="en-US" dirty="0" smtClean="0"/>
+              <a:t>com.springsource.org.aopalliance-1.0.0.jar</a:t>
+            </a:r>
+          </a:p>
+          <a:p>
+            <a:r>
+              <a:rPr lang="en-US" dirty="0" smtClean="0"/>
+              <a:t>spring-aop-2.5.5.jar</a:t>
+            </a:r>
+          </a:p>
+          <a:p>
+            <a:r>
+              <a:rPr lang="en-US" dirty="0" smtClean="0"/>
+              <a:t>spring-beans-2.5.5.jar</a:t>
+            </a:r>
+          </a:p>
+          <a:p>
+            <a:r>
+              <a:rPr lang="en-US" dirty="0" smtClean="0"/>
+              <a:t>spring-context-2.5.5.jar</a:t>
+            </a:r>
+          </a:p>
+          <a:p>
+            <a:r>
+              <a:rPr lang="en-US" dirty="0" smtClean="0"/>
+              <a:t>spring-core-2.5.5.jar</a:t>
+            </a:r>
+          </a:p>
+          <a:p>
+            <a:r>
+              <a:rPr lang="en-US" i="1" dirty="0" smtClean="0"/>
+              <a:t>com.springsource.slf4j.api-1.5.0.jar</a:t>
+            </a:r>
+          </a:p>
+          <a:p>
+            <a:r>
+              <a:rPr lang="en-US" i="1" dirty="0" smtClean="0"/>
+              <a:t>com.springsource.slf4j.log4j-1.5.0.jar</a:t>
+            </a:r>
+          </a:p>
+          <a:p>
+            <a:r>
+              <a:rPr lang="en-US" i="1" dirty="0" smtClean="0"/>
+              <a:t>com.springsource.slf4j.org.apache.commons.logging-1.5.0.jar</a:t>
+            </a:r>
+          </a:p>
+          <a:p>
+            <a:r>
+              <a:rPr lang="en-US" i="1" dirty="0" smtClean="0"/>
+              <a:t>log4j.osgi-1.2.15-SNAPSHOT.jar</a:t>
+            </a:r>
+          </a:p>
+        </p:txBody>
+      </p:sp>
+      <p:sp>
+        <p:nvSpPr>
+          <p:cNvPr id="3" name="Slide Number Placeholder 2"/>
+          <p:cNvSpPr>
+            <a:spLocks noGrp="1"/>
+          </p:cNvSpPr>
+          <p:nvPr>
+            <p:ph type="sldNum" sz="quarter" idx="10"/>
+          </p:nvPr>
+        </p:nvSpPr>
+        <p:spPr/>
+        <p:txBody>
+          <a:bodyPr/>
+          <a:lstStyle/>
+          <a:p>
+            <a:fld id="{1EE64C7A-B923-420E-A18C-3EBD0469DC1F}" type="slidenum">
+              <a:rPr lang="de-DE" smtClean="0"/>
+              <a:pPr/>
+              <a:t>51</a:t>
+            </a:fld>
+            <a:endParaRPr lang="de-DE" dirty="0"/>
+          </a:p>
+        </p:txBody>
+      </p:sp>
+      <p:sp>
+        <p:nvSpPr>
+          <p:cNvPr id="4" name="Title 3"/>
+          <p:cNvSpPr>
+            <a:spLocks noGrp="1"/>
+          </p:cNvSpPr>
+          <p:nvPr>
+            <p:ph type="title"/>
+          </p:nvPr>
+        </p:nvSpPr>
+        <p:spPr/>
+        <p:txBody>
+          <a:bodyPr/>
+          <a:lstStyle/>
+          <a:p>
+            <a:r>
+              <a:rPr lang="en-US" noProof="0" dirty="0" smtClean="0"/>
+              <a:t>Needed OSGi Bundles</a:t>
+            </a:r>
+            <a:endParaRPr lang="en-US" noProof="0" dirty="0"/>
+          </a:p>
+        </p:txBody>
+      </p:sp>
+    </p:spTree>
+  </p:cSld>
+  <p:clrMapOvr>
+    <a:masterClrMapping/>
+  </p:clrMapOvr>
+  <p:timing>
+    <p:tnLst>
+      <p:par>
+        <p:cTn id="1" dur="indefinite" restart="never" nodeType="tmRoot"/>
+      </p:par>
+    </p:tnLst>
+  </p:timing>
 </p:sld>
 </file>
 
@@ -19987,111 +20029,82 @@
         </p:nvSpPr>
         <p:spPr/>
         <p:txBody>
-          <a:bodyPr>
-            <a:normAutofit fontScale="92500" lnSpcReduction="20000"/>
-          </a:bodyPr>
+          <a:bodyPr/>
           <a:lstStyle/>
+          <a:p>
+            <a:pPr>
+              <a:buClr>
+                <a:schemeClr val="accent1"/>
+              </a:buClr>
+              <a:buFont typeface="Arial" pitchFamily="34" charset="0"/>
+              <a:buChar char="+"/>
+            </a:pPr>
+            <a:r>
+              <a:rPr lang="en-US" dirty="0" smtClean="0"/>
+              <a:t>Very easy to define Spring beans, </a:t>
+            </a:r>
+            <a:r>
+              <a:rPr lang="en-US" dirty="0" err="1" smtClean="0"/>
+              <a:t>OSGi</a:t>
+            </a:r>
+            <a:r>
+              <a:rPr lang="en-US" dirty="0" smtClean="0"/>
+              <a:t> services and references declaratively</a:t>
+            </a:r>
+          </a:p>
+          <a:p>
+            <a:pPr>
+              <a:buClr>
+                <a:schemeClr val="accent1"/>
+              </a:buClr>
+              <a:buFont typeface="Arial" pitchFamily="34" charset="0"/>
+              <a:buChar char="+"/>
+            </a:pPr>
+            <a:r>
+              <a:rPr lang="en-US" dirty="0" smtClean="0"/>
+              <a:t>Spring DM takes care of life cycle management and dependency resolution</a:t>
+            </a:r>
+          </a:p>
+          <a:p>
+            <a:pPr>
+              <a:buClr>
+                <a:schemeClr val="accent1"/>
+              </a:buClr>
+              <a:buFont typeface="Arial" pitchFamily="34" charset="0"/>
+              <a:buChar char="+"/>
+            </a:pPr>
+            <a:r>
+              <a:rPr lang="en-US" dirty="0" smtClean="0"/>
+              <a:t>Very powerful Dependency Injection</a:t>
+            </a:r>
+          </a:p>
           <a:p>
             <a:pPr>
               <a:buNone/>
             </a:pPr>
-            <a:r>
-              <a:rPr lang="en-US" noProof="0" dirty="0" smtClean="0"/>
-              <a:t>To run Spring DM the following additional bundles are needed:</a:t>
-            </a:r>
-          </a:p>
-          <a:p>
-            <a:r>
-              <a:rPr lang="en-US" dirty="0" smtClean="0">
-                <a:solidFill>
-                  <a:schemeClr val="accent1">
-                    <a:lumMod val="75000"/>
-                  </a:schemeClr>
-                </a:solidFill>
-              </a:rPr>
-              <a:t>spring-osgi-core-1.1.2.jar</a:t>
-            </a:r>
-          </a:p>
-          <a:p>
-            <a:r>
-              <a:rPr lang="en-US" dirty="0" smtClean="0">
-                <a:solidFill>
-                  <a:schemeClr val="accent1">
-                    <a:lumMod val="75000"/>
-                  </a:schemeClr>
-                </a:solidFill>
-              </a:rPr>
-              <a:t>spring-osgi-extender-1.1.2.jar</a:t>
-            </a:r>
-          </a:p>
-          <a:p>
-            <a:r>
-              <a:rPr lang="en-US" dirty="0" smtClean="0">
-                <a:solidFill>
-                  <a:schemeClr val="accent1">
-                    <a:lumMod val="75000"/>
-                  </a:schemeClr>
-                </a:solidFill>
-              </a:rPr>
-              <a:t>spring-osgi-io-1.1.2.jar</a:t>
-            </a:r>
-          </a:p>
-          <a:p>
+            <a:endParaRPr lang="en-US" dirty="0" smtClean="0"/>
+          </a:p>
+          <a:p>
+            <a:pPr>
+              <a:buNone/>
+            </a:pPr>
             <a:r>
               <a:rPr lang="en-US" dirty="0" smtClean="0"/>
-              <a:t>com.springsource.org.aopalliance-1.0.0.jar</a:t>
-            </a:r>
-            <a:endParaRPr lang="en-US" dirty="0" smtClean="0"/>
-          </a:p>
-          <a:p>
+              <a:t>But</a:t>
+            </a:r>
+          </a:p>
+          <a:p>
+            <a:pPr>
+              <a:buClr>
+                <a:srgbClr val="C00000"/>
+              </a:buClr>
+              <a:buFont typeface="Symbol" pitchFamily="18" charset="2"/>
+              <a:buChar char="-"/>
+            </a:pPr>
             <a:r>
               <a:rPr lang="en-US" dirty="0" smtClean="0"/>
-              <a:t>spring-aop-2.5.5.jar</a:t>
-            </a:r>
-          </a:p>
-          <a:p>
-            <a:r>
-              <a:rPr lang="en-US" dirty="0" smtClean="0"/>
-              <a:t>spring-beans-2.5.5.jar</a:t>
-            </a:r>
-          </a:p>
-          <a:p>
-            <a:r>
-              <a:rPr lang="en-US" dirty="0" smtClean="0"/>
-              <a:t>spring-context-2.5.5.jar</a:t>
-            </a:r>
-          </a:p>
-          <a:p>
-            <a:r>
-              <a:rPr lang="en-US" dirty="0" smtClean="0"/>
-              <a:t>spring-core-2.5.5.jar</a:t>
-            </a:r>
-          </a:p>
-          <a:p>
-            <a:r>
-              <a:rPr lang="en-US" i="1" dirty="0" smtClean="0"/>
-              <a:t>com.springsource.slf4j.api-1.5.0.jar</a:t>
-            </a:r>
-            <a:endParaRPr lang="en-US" i="1" dirty="0" smtClean="0"/>
-          </a:p>
-          <a:p>
-            <a:r>
-              <a:rPr lang="en-US" i="1" dirty="0" smtClean="0"/>
-              <a:t>com.springsource.slf4j.log4j-1.5.0.jar</a:t>
-            </a:r>
-          </a:p>
-          <a:p>
-            <a:r>
-              <a:rPr lang="en-US" i="1" dirty="0" smtClean="0"/>
-              <a:t>com.springsource.slf4j.org.apache.commons.logging-1.5.0.jar</a:t>
-            </a:r>
-          </a:p>
-          <a:p>
-            <a:r>
-              <a:rPr lang="en-US" i="1" dirty="0" smtClean="0"/>
-              <a:t>log4j.osgi-1.2.15-SNAPSHOT.jar</a:t>
-            </a:r>
-            <a:endParaRPr lang="en-US" i="1" dirty="0" smtClean="0"/>
+              <a:t>Properties also cannot be declared mandatory</a:t>
+            </a:r>
           </a:p>
         </p:txBody>
       </p:sp>
@@ -20135,10 +20148,10 @@
           <a:lstStyle/>
           <a:p>
             <a:r>
-              <a:rPr lang="en-US" noProof="0" dirty="0" smtClean="0"/>
-              <a:t>Needed OSGi Bundles</a:t>
-            </a:r>
-            <a:endParaRPr lang="en-US" noProof="0" dirty="0"/>
+              <a:rPr lang="en-US" dirty="0" smtClean="0"/>
+              <a:t>Spring DM Conclusion</a:t>
+            </a:r>
+            <a:endParaRPr lang="en-US" dirty="0"/>
           </a:p>
         </p:txBody>
       </p:sp>
@@ -20176,7 +20189,7 @@
       </p:grpSpPr>
       <p:sp>
         <p:nvSpPr>
-          <p:cNvPr id="2" name="Content Placeholder 1"/>
+          <p:cNvPr id="6" name="Inhaltsplatzhalter 5"/>
           <p:cNvSpPr>
             <a:spLocks noGrp="1"/>
           </p:cNvSpPr>
@@ -20186,88 +20199,173 @@
         </p:nvSpPr>
         <p:spPr/>
         <p:txBody>
-          <a:bodyPr/>
+          <a:bodyPr>
+            <a:normAutofit/>
+          </a:bodyPr>
           <a:lstStyle/>
           <a:p>
-            <a:pPr>
-              <a:buClr>
-                <a:schemeClr val="accent1"/>
-              </a:buClr>
-              <a:buFont typeface="Arial" pitchFamily="34" charset="0"/>
-              <a:buChar char="+"/>
-            </a:pPr>
+            <a:r>
+              <a:rPr lang="en-US" dirty="0" smtClean="0">
+                <a:solidFill>
+                  <a:schemeClr val="tx2">
+                    <a:lumMod val="60000"/>
+                    <a:lumOff val="40000"/>
+                  </a:schemeClr>
+                </a:solidFill>
+              </a:rPr>
+              <a:t>Demo: A Swing App Framework based dynamic </a:t>
+            </a:r>
+            <a:r>
+              <a:rPr lang="en-US" dirty="0" err="1" smtClean="0">
+                <a:solidFill>
+                  <a:schemeClr val="tx2">
+                    <a:lumMod val="60000"/>
+                    <a:lumOff val="40000"/>
+                  </a:schemeClr>
+                </a:solidFill>
+              </a:rPr>
+              <a:t>OSGi</a:t>
+            </a:r>
+            <a:r>
+              <a:rPr lang="en-US" dirty="0" smtClean="0">
+                <a:solidFill>
+                  <a:schemeClr val="tx2">
+                    <a:lumMod val="60000"/>
+                    <a:lumOff val="40000"/>
+                  </a:schemeClr>
+                </a:solidFill>
+              </a:rPr>
+              <a:t> application</a:t>
+            </a:r>
+          </a:p>
+          <a:p>
+            <a:r>
+              <a:rPr lang="en-US" dirty="0" err="1" smtClean="0">
+                <a:solidFill>
+                  <a:schemeClr val="tx2">
+                    <a:lumMod val="60000"/>
+                    <a:lumOff val="40000"/>
+                  </a:schemeClr>
+                </a:solidFill>
+              </a:rPr>
+              <a:t>OSGi</a:t>
+            </a:r>
+            <a:r>
+              <a:rPr lang="en-US" dirty="0" smtClean="0">
+                <a:solidFill>
+                  <a:schemeClr val="tx2">
+                    <a:lumMod val="60000"/>
+                    <a:lumOff val="40000"/>
+                  </a:schemeClr>
+                </a:solidFill>
+              </a:rPr>
+              <a:t> Services</a:t>
+            </a:r>
+          </a:p>
+          <a:p>
+            <a:pPr lvl="1"/>
+            <a:r>
+              <a:rPr lang="en-US" dirty="0" smtClean="0">
+                <a:solidFill>
+                  <a:schemeClr val="tx2">
+                    <a:lumMod val="60000"/>
+                    <a:lumOff val="40000"/>
+                  </a:schemeClr>
+                </a:solidFill>
+              </a:rPr>
+              <a:t>Providing and consuming Services</a:t>
+            </a:r>
+          </a:p>
+          <a:p>
+            <a:pPr lvl="1"/>
+            <a:r>
+              <a:rPr lang="en-US" dirty="0" smtClean="0">
+                <a:solidFill>
+                  <a:schemeClr val="tx2">
+                    <a:lumMod val="60000"/>
+                    <a:lumOff val="40000"/>
+                  </a:schemeClr>
+                </a:solidFill>
+              </a:rPr>
+              <a:t>Service Tracker</a:t>
+            </a:r>
+          </a:p>
+          <a:p>
+            <a:r>
+              <a:rPr lang="en-US" dirty="0" smtClean="0">
+                <a:solidFill>
+                  <a:schemeClr val="tx2">
+                    <a:lumMod val="60000"/>
+                    <a:lumOff val="40000"/>
+                  </a:schemeClr>
+                </a:solidFill>
+              </a:rPr>
+              <a:t>Overview Declarative Services &amp; Spring Dynamic Modules</a:t>
+            </a:r>
+          </a:p>
+          <a:p>
+            <a:r>
+              <a:rPr lang="en-US" dirty="0" smtClean="0">
+                <a:solidFill>
+                  <a:schemeClr val="tx2">
+                    <a:lumMod val="60000"/>
+                    <a:lumOff val="40000"/>
+                  </a:schemeClr>
+                </a:solidFill>
+              </a:rPr>
+              <a:t>Declarative Services in Detail</a:t>
+            </a:r>
+          </a:p>
+          <a:p>
+            <a:r>
+              <a:rPr lang="en-US" dirty="0" smtClean="0">
+                <a:solidFill>
+                  <a:schemeClr val="tx2">
+                    <a:lumMod val="60000"/>
+                    <a:lumOff val="40000"/>
+                  </a:schemeClr>
+                </a:solidFill>
+              </a:rPr>
+              <a:t>Spring Dynamic Modules in Detail</a:t>
+            </a:r>
+          </a:p>
+          <a:p>
             <a:r>
               <a:rPr lang="en-US" dirty="0" smtClean="0"/>
-              <a:t>Very easy to define Spring beans, </a:t>
-            </a:r>
-            <a:r>
-              <a:rPr lang="en-US" dirty="0" err="1" smtClean="0"/>
-              <a:t>OSGi</a:t>
-            </a:r>
-            <a:r>
-              <a:rPr lang="en-US" dirty="0" smtClean="0"/>
-              <a:t> services and references declaratively</a:t>
-            </a:r>
-          </a:p>
-          <a:p>
-            <a:pPr>
-              <a:buClr>
-                <a:schemeClr val="accent1"/>
-              </a:buClr>
-              <a:buFont typeface="Arial" pitchFamily="34" charset="0"/>
-              <a:buChar char="+"/>
-            </a:pPr>
-            <a:r>
-              <a:rPr lang="en-US" dirty="0" smtClean="0"/>
-              <a:t>Spring DM takes care of life cycle management and dependency resolution</a:t>
-            </a:r>
-          </a:p>
-          <a:p>
-            <a:pPr>
-              <a:buClr>
-                <a:schemeClr val="accent1"/>
-              </a:buClr>
-              <a:buFont typeface="Arial" pitchFamily="34" charset="0"/>
-              <a:buChar char="+"/>
-            </a:pPr>
-            <a:r>
-              <a:rPr lang="en-US" dirty="0" smtClean="0"/>
-              <a:t>Very powerful Dependency Injection</a:t>
-            </a:r>
-          </a:p>
-          <a:p>
-            <a:pPr>
-              <a:buNone/>
-            </a:pPr>
-            <a:endParaRPr lang="en-US" dirty="0" smtClean="0"/>
-          </a:p>
-          <a:p>
-            <a:pPr>
-              <a:buNone/>
-            </a:pPr>
-            <a:r>
-              <a:rPr lang="en-US" dirty="0" smtClean="0"/>
-              <a:t>But</a:t>
-            </a:r>
-          </a:p>
-          <a:p>
-            <a:pPr>
-              <a:buClr>
-                <a:srgbClr val="C00000"/>
-              </a:buClr>
-              <a:buFont typeface="Symbol" pitchFamily="18" charset="2"/>
-              <a:buChar char="-"/>
-            </a:pPr>
-            <a:r>
-              <a:rPr lang="en-US" dirty="0" smtClean="0"/>
-              <a:t>Properties also cannot be declared mandatory</a:t>
+              <a:t>Comparison (DS vs. DM)</a:t>
+            </a:r>
+          </a:p>
+          <a:p>
+            <a:r>
+              <a:rPr lang="en-US" dirty="0" smtClean="0">
+                <a:solidFill>
+                  <a:schemeClr val="tx2">
+                    <a:lumMod val="60000"/>
+                    <a:lumOff val="40000"/>
+                  </a:schemeClr>
+                </a:solidFill>
+              </a:rPr>
+              <a:t>Conclusion &amp; Best Practices</a:t>
+            </a:r>
+          </a:p>
+          <a:p>
+            <a:r>
+              <a:rPr lang="en-US" dirty="0" smtClean="0">
+                <a:solidFill>
+                  <a:schemeClr val="tx2">
+                    <a:lumMod val="60000"/>
+                    <a:lumOff val="40000"/>
+                  </a:schemeClr>
+                </a:solidFill>
+              </a:rPr>
+              <a:t>Discussion</a:t>
             </a:r>
           </a:p>
         </p:txBody>
       </p:sp>
       <p:sp>
         <p:nvSpPr>
-          <p:cNvPr id="3" name="Slide Number Placeholder 2"/>
+          <p:cNvPr id="4" name="Foliennummernplatzhalter 3"/>
           <p:cNvSpPr>
             <a:spLocks noGrp="1"/>
           </p:cNvSpPr>
@@ -20281,17 +20379,17 @@
           <a:lstStyle/>
           <a:p>
             <a:fld id="{1EE64C7A-B923-420E-A18C-3EBD0469DC1F}" type="slidenum">
-              <a:rPr lang="de-DE" smtClean="0"/>
+              <a:rPr lang="en-US" smtClean="0"/>
               <a:pPr/>
               <a:t>53</a:t>
             </a:fld>
-            <a:endParaRPr lang="de-DE" dirty="0"/>
+            <a:endParaRPr lang="en-US"/>
           </a:p>
         </p:txBody>
       </p:sp>
       <p:sp>
         <p:nvSpPr>
-          <p:cNvPr id="4" name="Title 3"/>
+          <p:cNvPr id="5" name="Titel 4"/>
           <p:cNvSpPr>
             <a:spLocks noGrp="1"/>
           </p:cNvSpPr>
@@ -20305,10 +20403,10 @@
           <a:lstStyle/>
           <a:p>
             <a:r>
-              <a:rPr lang="en-US" dirty="0" smtClean="0"/>
-              <a:t>Spring DM Conclusion</a:t>
-            </a:r>
-            <a:endParaRPr lang="en-US" dirty="0"/>
+              <a:rPr lang="en-US" noProof="0" smtClean="0"/>
+              <a:t>Agenda</a:t>
+            </a:r>
+            <a:endParaRPr lang="en-US" noProof="0"/>
           </a:p>
         </p:txBody>
       </p:sp>
@@ -20346,207 +20444,7 @@
       </p:grpSpPr>
       <p:sp>
         <p:nvSpPr>
-          <p:cNvPr id="6" name="Inhaltsplatzhalter 5"/>
-          <p:cNvSpPr>
-            <a:spLocks noGrp="1"/>
-          </p:cNvSpPr>
-          <p:nvPr>
-            <p:ph idx="1"/>
-          </p:nvPr>
-        </p:nvSpPr>
-        <p:spPr/>
-        <p:txBody>
-          <a:bodyPr>
-            <a:normAutofit/>
-          </a:bodyPr>
-          <a:lstStyle/>
-          <a:p>
-            <a:r>
-              <a:rPr lang="en-US" dirty="0" smtClean="0">
-                <a:solidFill>
-                  <a:schemeClr val="tx2">
-                    <a:lumMod val="60000"/>
-                    <a:lumOff val="40000"/>
-                  </a:schemeClr>
-                </a:solidFill>
-              </a:rPr>
-              <a:t>Demo: A Swing App Framework based dynamic </a:t>
-            </a:r>
-            <a:r>
-              <a:rPr lang="en-US" dirty="0" err="1" smtClean="0">
-                <a:solidFill>
-                  <a:schemeClr val="tx2">
-                    <a:lumMod val="60000"/>
-                    <a:lumOff val="40000"/>
-                  </a:schemeClr>
-                </a:solidFill>
-              </a:rPr>
-              <a:t>OSGi</a:t>
-            </a:r>
-            <a:r>
-              <a:rPr lang="en-US" dirty="0" smtClean="0">
-                <a:solidFill>
-                  <a:schemeClr val="tx2">
-                    <a:lumMod val="60000"/>
-                    <a:lumOff val="40000"/>
-                  </a:schemeClr>
-                </a:solidFill>
-              </a:rPr>
-              <a:t> application</a:t>
-            </a:r>
-          </a:p>
-          <a:p>
-            <a:r>
-              <a:rPr lang="en-US" dirty="0" err="1" smtClean="0">
-                <a:solidFill>
-                  <a:schemeClr val="tx2">
-                    <a:lumMod val="60000"/>
-                    <a:lumOff val="40000"/>
-                  </a:schemeClr>
-                </a:solidFill>
-              </a:rPr>
-              <a:t>OSGi</a:t>
-            </a:r>
-            <a:r>
-              <a:rPr lang="en-US" dirty="0" smtClean="0">
-                <a:solidFill>
-                  <a:schemeClr val="tx2">
-                    <a:lumMod val="60000"/>
-                    <a:lumOff val="40000"/>
-                  </a:schemeClr>
-                </a:solidFill>
-              </a:rPr>
-              <a:t> Services</a:t>
-            </a:r>
-          </a:p>
-          <a:p>
-            <a:pPr lvl="1"/>
-            <a:r>
-              <a:rPr lang="en-US" dirty="0" smtClean="0">
-                <a:solidFill>
-                  <a:schemeClr val="tx2">
-                    <a:lumMod val="60000"/>
-                    <a:lumOff val="40000"/>
-                  </a:schemeClr>
-                </a:solidFill>
-              </a:rPr>
-              <a:t>Providing and consuming Services</a:t>
-            </a:r>
-          </a:p>
-          <a:p>
-            <a:pPr lvl="1"/>
-            <a:r>
-              <a:rPr lang="en-US" dirty="0" smtClean="0">
-                <a:solidFill>
-                  <a:schemeClr val="tx2">
-                    <a:lumMod val="60000"/>
-                    <a:lumOff val="40000"/>
-                  </a:schemeClr>
-                </a:solidFill>
-              </a:rPr>
-              <a:t>Service Tracker</a:t>
-            </a:r>
-          </a:p>
-          <a:p>
-            <a:r>
-              <a:rPr lang="en-US" dirty="0" smtClean="0">
-                <a:solidFill>
-                  <a:schemeClr val="tx2">
-                    <a:lumMod val="60000"/>
-                    <a:lumOff val="40000"/>
-                  </a:schemeClr>
-                </a:solidFill>
-              </a:rPr>
-              <a:t>Overview Declarative Services &amp; Spring Dynamic Modules</a:t>
-            </a:r>
-          </a:p>
-          <a:p>
-            <a:r>
-              <a:rPr lang="en-US" dirty="0" smtClean="0">
-                <a:solidFill>
-                  <a:schemeClr val="tx2">
-                    <a:lumMod val="60000"/>
-                    <a:lumOff val="40000"/>
-                  </a:schemeClr>
-                </a:solidFill>
-              </a:rPr>
-              <a:t>Declarative Services in Detail</a:t>
-            </a:r>
-          </a:p>
-          <a:p>
-            <a:r>
-              <a:rPr lang="en-US" dirty="0" smtClean="0">
-                <a:solidFill>
-                  <a:schemeClr val="tx2">
-                    <a:lumMod val="60000"/>
-                    <a:lumOff val="40000"/>
-                  </a:schemeClr>
-                </a:solidFill>
-              </a:rPr>
-              <a:t>Spring Dynamic Modules in Detail</a:t>
-            </a:r>
-          </a:p>
-          <a:p>
-            <a:r>
-              <a:rPr lang="en-US" dirty="0" smtClean="0"/>
-              <a:t>Comparison (DS vs. DM)</a:t>
-            </a:r>
-          </a:p>
-          <a:p>
-            <a:r>
-              <a:rPr lang="en-US" dirty="0" smtClean="0">
-                <a:solidFill>
-                  <a:schemeClr val="tx2">
-                    <a:lumMod val="60000"/>
-                    <a:lumOff val="40000"/>
-                  </a:schemeClr>
-                </a:solidFill>
-              </a:rPr>
-              <a:t>Conclusion &amp; Best Practices</a:t>
-            </a:r>
-          </a:p>
-          <a:p>
-            <a:r>
-              <a:rPr lang="en-US" dirty="0" smtClean="0">
-                <a:solidFill>
-                  <a:schemeClr val="tx2">
-                    <a:lumMod val="60000"/>
-                    <a:lumOff val="40000"/>
-                  </a:schemeClr>
-                </a:solidFill>
-              </a:rPr>
-              <a:t>Discussion</a:t>
-            </a:r>
-          </a:p>
-        </p:txBody>
-      </p:sp>
-      <p:sp>
-        <p:nvSpPr>
-          <p:cNvPr id="4" name="Foliennummernplatzhalter 3"/>
-          <p:cNvSpPr>
-            <a:spLocks noGrp="1"/>
-          </p:cNvSpPr>
-          <p:nvPr>
-            <p:ph type="sldNum" sz="quarter" idx="10"/>
-          </p:nvPr>
-        </p:nvSpPr>
-        <p:spPr/>
-        <p:txBody>
-          <a:bodyPr/>
-          <a:lstStyle/>
-          <a:p>
-            <a:fld id="{1EE64C7A-B923-420E-A18C-3EBD0469DC1F}" type="slidenum">
-              <a:rPr lang="en-US" smtClean="0"/>
-              <a:pPr/>
-              <a:t>54</a:t>
-            </a:fld>
-            <a:endParaRPr lang="en-US"/>
-          </a:p>
-        </p:txBody>
-      </p:sp>
-      <p:sp>
-        <p:nvSpPr>
-          <p:cNvPr id="5" name="Titel 4"/>
+          <p:cNvPr id="6" name="Titel 5"/>
           <p:cNvSpPr>
             <a:spLocks noGrp="1"/>
           </p:cNvSpPr>
@@ -20560,13 +20458,53 @@
           <a:lstStyle/>
           <a:p>
             <a:r>
-              <a:rPr lang="en-US" noProof="0" smtClean="0"/>
-              <a:t>Agenda</a:t>
-            </a:r>
-            <a:endParaRPr lang="en-US" noProof="0"/>
+              <a:rPr lang="en-US" noProof="0" dirty="0" smtClean="0"/>
+              <a:t>Benefits of Both DS &amp; DM</a:t>
+            </a:r>
+            <a:endParaRPr lang="en-US" noProof="0" dirty="0"/>
           </a:p>
         </p:txBody>
       </p:sp>
+      <p:sp>
+        <p:nvSpPr>
+          <p:cNvPr id="4" name="Foliennummernplatzhalter 3"/>
+          <p:cNvSpPr>
+            <a:spLocks noGrp="1"/>
+          </p:cNvSpPr>
+          <p:nvPr>
+            <p:ph type="sldNum" sz="quarter" idx="12"/>
+          </p:nvPr>
+        </p:nvSpPr>
+        <p:spPr/>
+        <p:txBody>
+          <a:bodyPr/>
+          <a:lstStyle/>
+          <a:p>
+            <a:fld id="{1EE64C7A-B923-420E-A18C-3EBD0469DC1F}" type="slidenum">
+              <a:rPr lang="de-DE" smtClean="0"/>
+              <a:pPr/>
+              <a:t>54</a:t>
+            </a:fld>
+            <a:endParaRPr lang="de-DE"/>
+          </a:p>
+        </p:txBody>
+      </p:sp>
+      <p:graphicFrame>
+        <p:nvGraphicFramePr>
+          <p:cNvPr id="8" name="Diagramm 7"/>
+          <p:cNvGraphicFramePr/>
+          <p:nvPr/>
+        </p:nvGraphicFramePr>
+        <p:xfrm>
+          <a:off x="489176" y="714356"/>
+          <a:ext cx="8286808" cy="5357850"/>
+        </p:xfrm>
+        <a:graphic>
+          <a:graphicData uri="http://schemas.openxmlformats.org/drawingml/2006/diagram">
+            <dgm:relIds xmlns:dgm="http://schemas.openxmlformats.org/drawingml/2006/diagram" xmlns:r="http://schemas.openxmlformats.org/officeDocument/2006/relationships" r:dm="rId2" r:lo="rId3" r:qs="rId4" r:cs="rId5"/>
+          </a:graphicData>
+        </a:graphic>
+      </p:graphicFrame>
     </p:spTree>
   </p:cSld>
   <p:clrMapOvr>
@@ -20601,101 +20539,6 @@
       </p:grpSpPr>
       <p:sp>
         <p:nvSpPr>
-          <p:cNvPr id="6" name="Titel 5"/>
-          <p:cNvSpPr>
-            <a:spLocks noGrp="1"/>
-          </p:cNvSpPr>
-          <p:nvPr>
-            <p:ph type="title"/>
-          </p:nvPr>
-        </p:nvSpPr>
-        <p:spPr/>
-        <p:txBody>
-          <a:bodyPr/>
-          <a:lstStyle/>
-          <a:p>
-            <a:r>
-              <a:rPr lang="en-US" noProof="0" dirty="0" smtClean="0"/>
-              <a:t>Benefits of Both DS &amp; DM</a:t>
-            </a:r>
-            <a:endParaRPr lang="en-US" noProof="0" dirty="0"/>
-          </a:p>
-        </p:txBody>
-      </p:sp>
-      <p:sp>
-        <p:nvSpPr>
-          <p:cNvPr id="4" name="Foliennummernplatzhalter 3"/>
-          <p:cNvSpPr>
-            <a:spLocks noGrp="1"/>
-          </p:cNvSpPr>
-          <p:nvPr>
-            <p:ph type="sldNum" sz="quarter" idx="12"/>
-          </p:nvPr>
-        </p:nvSpPr>
-        <p:spPr/>
-        <p:txBody>
-          <a:bodyPr/>
-          <a:lstStyle/>
-          <a:p>
-            <a:fld id="{1EE64C7A-B923-420E-A18C-3EBD0469DC1F}" type="slidenum">
-              <a:rPr lang="de-DE" smtClean="0"/>
-              <a:pPr/>
-              <a:t>55</a:t>
-            </a:fld>
-            <a:endParaRPr lang="de-DE"/>
-          </a:p>
-        </p:txBody>
-      </p:sp>
-      <p:graphicFrame>
-        <p:nvGraphicFramePr>
-          <p:cNvPr id="8" name="Diagramm 7"/>
-          <p:cNvGraphicFramePr/>
-          <p:nvPr/>
-        </p:nvGraphicFramePr>
-        <p:xfrm>
-          <a:off x="489176" y="714356"/>
-          <a:ext cx="8286808" cy="5357850"/>
-        </p:xfrm>
-        <a:graphic>
-          <a:graphicData uri="http://schemas.openxmlformats.org/drawingml/2006/diagram">
-            <dgm:relIds xmlns:dgm="http://schemas.openxmlformats.org/drawingml/2006/diagram" xmlns:r="http://schemas.openxmlformats.org/officeDocument/2006/relationships" r:dm="rId2" r:lo="rId3" r:qs="rId4" r:cs="rId5"/>
-          </a:graphicData>
-        </a:graphic>
-      </p:graphicFrame>
-    </p:spTree>
-  </p:cSld>
-  <p:clrMapOvr>
-    <a:masterClrMapping/>
-  </p:clrMapOvr>
-  <p:timing>
-    <p:tnLst>
-      <p:par>
-        <p:cTn id="1" dur="indefinite" restart="never" nodeType="tmRoot"/>
-      </p:par>
-    </p:tnLst>
-  </p:timing>
-</p:sld>
-</file>
-
-<file path=ppt/slides/slide56.xml><?xml version="1.0" encoding="utf-8"?>
-<p:sld xmlns:a="http://schemas.openxmlformats.org/drawingml/2006/main" xmlns:r="http://schemas.openxmlformats.org/officeDocument/2006/relationships" xmlns:p="http://schemas.openxmlformats.org/presentationml/2006/main">
-  <p:cSld>
-    <p:spTree>
-      <p:nvGrpSpPr>
-        <p:cNvPr id="1" name=""/>
-        <p:cNvGrpSpPr/>
-        <p:nvPr/>
-      </p:nvGrpSpPr>
-      <p:grpSpPr>
-        <a:xfrm>
-          <a:off x="0" y="0"/>
-          <a:ext cx="0" cy="0"/>
-          <a:chOff x="0" y="0"/>
-          <a:chExt cx="0" cy="0"/>
-        </a:xfrm>
-      </p:grpSpPr>
-      <p:sp>
-        <p:nvSpPr>
           <p:cNvPr id="3" name="Slide Number Placeholder 2"/>
           <p:cNvSpPr>
             <a:spLocks noGrp="1"/>
@@ -20712,7 +20555,7 @@
             <a:fld id="{1EE64C7A-B923-420E-A18C-3EBD0469DC1F}" type="slidenum">
               <a:rPr lang="de-DE" smtClean="0"/>
               <a:pPr/>
-              <a:t>56</a:t>
+              <a:t>55</a:t>
             </a:fld>
             <a:endParaRPr lang="de-DE" dirty="0"/>
           </a:p>
@@ -20735,15 +20578,7 @@
           <a:p>
             <a:r>
               <a:rPr lang="en-US" noProof="0" dirty="0" smtClean="0"/>
-              <a:t>DS </a:t>
-            </a:r>
-            <a:r>
-              <a:rPr lang="en-US" noProof="0" dirty="0" smtClean="0"/>
-              <a:t>versus </a:t>
-            </a:r>
-            <a:r>
-              <a:rPr lang="en-US" noProof="0" dirty="0" smtClean="0"/>
-              <a:t>DM</a:t>
+              <a:t>DS versus DM</a:t>
             </a:r>
             <a:endParaRPr lang="en-US" noProof="0" dirty="0"/>
           </a:p>
@@ -20830,11 +20665,7 @@
                     <a:p>
                       <a:r>
                         <a:rPr lang="en-US" dirty="0" smtClean="0"/>
-                        <a:t>Ease of </a:t>
-                      </a:r>
-                      <a:r>
-                        <a:rPr lang="en-US" dirty="0" smtClean="0"/>
-                        <a:t>use</a:t>
+                        <a:t>Ease of use</a:t>
                       </a:r>
                       <a:endParaRPr lang="en-US" dirty="0"/>
                     </a:p>
@@ -21038,19 +20869,7 @@
                     <a:p>
                       <a:r>
                         <a:rPr lang="en-US" dirty="0" smtClean="0"/>
-                        <a:t>Compatible </a:t>
-                      </a:r>
-                      <a:r>
-                        <a:rPr lang="en-US" dirty="0" smtClean="0"/>
-                        <a:t>with procedural </a:t>
-                      </a:r>
-                      <a:r>
-                        <a:rPr lang="en-US" dirty="0" smtClean="0"/>
-                        <a:t>OSGi service </a:t>
-                      </a:r>
-                      <a:r>
-                        <a:rPr lang="en-US" dirty="0" smtClean="0"/>
-                        <a:t>model</a:t>
+                        <a:t>Compatible with procedural OSGi service model</a:t>
                       </a:r>
                       <a:endParaRPr lang="en-US" dirty="0"/>
                     </a:p>
@@ -21419,7 +21238,7 @@
 </p:sld>
 </file>
 
-<file path=ppt/slides/slide57.xml><?xml version="1.0" encoding="utf-8"?>
+<file path=ppt/slides/slide56.xml><?xml version="1.0" encoding="utf-8"?>
 <p:sld xmlns:a="http://schemas.openxmlformats.org/drawingml/2006/main" xmlns:r="http://schemas.openxmlformats.org/officeDocument/2006/relationships" xmlns:p="http://schemas.openxmlformats.org/presentationml/2006/main">
   <p:cSld>
     <p:spTree>
@@ -21465,15 +21284,7 @@
           <a:p>
             <a:r>
               <a:rPr lang="en-US" dirty="0" smtClean="0"/>
-              <a:t>If you </a:t>
-            </a:r>
-            <a:r>
-              <a:rPr lang="en-US" dirty="0" smtClean="0"/>
-              <a:t>need DI or want to use Spring anyway, </a:t>
-            </a:r>
-            <a:r>
-              <a:rPr lang="en-US" dirty="0" smtClean="0"/>
-              <a:t>use Spring DM</a:t>
+              <a:t>If you need DI or want to use Spring anyway, use Spring DM</a:t>
             </a:r>
             <a:endParaRPr lang="en-US" dirty="0"/>
           </a:p>
@@ -21497,7 +21308,7 @@
             <a:fld id="{1EE64C7A-B923-420E-A18C-3EBD0469DC1F}" type="slidenum">
               <a:rPr lang="de-DE" smtClean="0"/>
               <a:pPr/>
-              <a:t>57</a:t>
+              <a:t>56</a:t>
             </a:fld>
             <a:endParaRPr lang="de-DE" dirty="0"/>
           </a:p>
@@ -21570,7 +21381,7 @@
 </p:sld>
 </file>
 
-<file path=ppt/slides/slide58.xml><?xml version="1.0" encoding="utf-8"?>
+<file path=ppt/slides/slide57.xml><?xml version="1.0" encoding="utf-8"?>
 <p:sld xmlns:a="http://schemas.openxmlformats.org/drawingml/2006/main" xmlns:r="http://schemas.openxmlformats.org/officeDocument/2006/relationships" xmlns:p="http://schemas.openxmlformats.org/presentationml/2006/main">
   <p:cSld>
     <p:spTree>
@@ -21686,7 +21497,7 @@
             <a:fld id="{1EE64C7A-B923-420E-A18C-3EBD0469DC1F}" type="slidenum">
               <a:rPr lang="de-DE" smtClean="0"/>
               <a:pPr/>
-              <a:t>58</a:t>
+              <a:t>57</a:t>
             </a:fld>
             <a:endParaRPr lang="de-DE"/>
           </a:p>
@@ -21730,7 +21541,7 @@
 </p:sld>
 </file>
 
-<file path=ppt/slides/slide59.xml><?xml version="1.0" encoding="utf-8"?>
+<file path=ppt/slides/slide58.xml><?xml version="1.0" encoding="utf-8"?>
 <p:sld xmlns:a="http://schemas.openxmlformats.org/drawingml/2006/main" xmlns:r="http://schemas.openxmlformats.org/officeDocument/2006/relationships" xmlns:p="http://schemas.openxmlformats.org/presentationml/2006/main">
   <p:cSld>
     <p:spTree>
@@ -21773,7 +21584,7 @@
             <a:fld id="{C5C99351-08E2-47DE-88F0-029C596DB2D2}" type="slidenum">
               <a:rPr lang="de-DE" smtClean="0"/>
               <a:pPr/>
-              <a:t>59</a:t>
+              <a:t>58</a:t>
             </a:fld>
             <a:endParaRPr lang="de-DE"/>
           </a:p>
